--- a/11_MaxPID/11_MaxPID_Corrige.pptx
+++ b/11_MaxPID/11_MaxPID_Corrige.pptx
@@ -14,8 +14,9 @@
     <p:sldId id="271" r:id="rId8"/>
     <p:sldId id="274" r:id="rId9"/>
     <p:sldId id="275" r:id="rId10"/>
-    <p:sldId id="276" r:id="rId11"/>
-    <p:sldId id="277" r:id="rId12"/>
+    <p:sldId id="278" r:id="rId11"/>
+    <p:sldId id="276" r:id="rId12"/>
+    <p:sldId id="277" r:id="rId13"/>
   </p:sldIdLst>
   <p:sldSz cx="12192000" cy="6858000"/>
   <p:notesSz cx="6858000" cy="9144000"/>
@@ -362,7 +363,7 @@
           <a:p>
             <a:fld id="{D7F135F6-2A09-4FDD-9ECA-096E230CA0FA}" type="datetimeFigureOut">
               <a:rPr lang="fr-FR" smtClean="0"/>
-              <a:t>22/01/2024</a:t>
+              <a:t>23/01/2024</a:t>
             </a:fld>
             <a:endParaRPr lang="fr-FR"/>
           </a:p>
@@ -567,7 +568,7 @@
           <a:p>
             <a:fld id="{D7F135F6-2A09-4FDD-9ECA-096E230CA0FA}" type="datetimeFigureOut">
               <a:rPr lang="fr-FR" smtClean="0"/>
-              <a:t>22/01/2024</a:t>
+              <a:t>23/01/2024</a:t>
             </a:fld>
             <a:endParaRPr lang="fr-FR"/>
           </a:p>
@@ -823,7 +824,7 @@
           <a:p>
             <a:fld id="{D7F135F6-2A09-4FDD-9ECA-096E230CA0FA}" type="datetimeFigureOut">
               <a:rPr lang="fr-FR" smtClean="0"/>
-              <a:t>22/01/2024</a:t>
+              <a:t>23/01/2024</a:t>
             </a:fld>
             <a:endParaRPr lang="fr-FR"/>
           </a:p>
@@ -1029,7 +1030,7 @@
           <a:p>
             <a:fld id="{D7F135F6-2A09-4FDD-9ECA-096E230CA0FA}" type="datetimeFigureOut">
               <a:rPr lang="fr-FR" smtClean="0"/>
-              <a:t>22/01/2024</a:t>
+              <a:t>23/01/2024</a:t>
             </a:fld>
             <a:endParaRPr lang="fr-FR"/>
           </a:p>
@@ -1391,7 +1392,7 @@
           <a:p>
             <a:fld id="{D7F135F6-2A09-4FDD-9ECA-096E230CA0FA}" type="datetimeFigureOut">
               <a:rPr lang="fr-FR" smtClean="0"/>
-              <a:t>22/01/2024</a:t>
+              <a:t>23/01/2024</a:t>
             </a:fld>
             <a:endParaRPr lang="fr-FR"/>
           </a:p>
@@ -1666,7 +1667,7 @@
           <a:p>
             <a:fld id="{D7F135F6-2A09-4FDD-9ECA-096E230CA0FA}" type="datetimeFigureOut">
               <a:rPr lang="fr-FR" smtClean="0"/>
-              <a:t>22/01/2024</a:t>
+              <a:t>23/01/2024</a:t>
             </a:fld>
             <a:endParaRPr lang="fr-FR"/>
           </a:p>
@@ -2045,7 +2046,7 @@
           <a:p>
             <a:fld id="{D7F135F6-2A09-4FDD-9ECA-096E230CA0FA}" type="datetimeFigureOut">
               <a:rPr lang="fr-FR" smtClean="0"/>
-              <a:t>22/01/2024</a:t>
+              <a:t>23/01/2024</a:t>
             </a:fld>
             <a:endParaRPr lang="fr-FR"/>
           </a:p>
@@ -2163,7 +2164,7 @@
           <a:p>
             <a:fld id="{D7F135F6-2A09-4FDD-9ECA-096E230CA0FA}" type="datetimeFigureOut">
               <a:rPr lang="fr-FR" smtClean="0"/>
-              <a:t>22/01/2024</a:t>
+              <a:t>23/01/2024</a:t>
             </a:fld>
             <a:endParaRPr lang="fr-FR"/>
           </a:p>
@@ -2337,7 +2338,7 @@
           <a:p>
             <a:fld id="{D7F135F6-2A09-4FDD-9ECA-096E230CA0FA}" type="datetimeFigureOut">
               <a:rPr lang="fr-FR" smtClean="0"/>
-              <a:t>22/01/2024</a:t>
+              <a:t>23/01/2024</a:t>
             </a:fld>
             <a:endParaRPr lang="fr-FR"/>
           </a:p>
@@ -2694,7 +2695,7 @@
           <a:p>
             <a:fld id="{D7F135F6-2A09-4FDD-9ECA-096E230CA0FA}" type="datetimeFigureOut">
               <a:rPr lang="fr-FR" smtClean="0"/>
-              <a:t>22/01/2024</a:t>
+              <a:t>23/01/2024</a:t>
             </a:fld>
             <a:endParaRPr lang="fr-FR"/>
           </a:p>
@@ -3079,7 +3080,7 @@
           <a:p>
             <a:fld id="{D7F135F6-2A09-4FDD-9ECA-096E230CA0FA}" type="datetimeFigureOut">
               <a:rPr lang="fr-FR" smtClean="0"/>
-              <a:t>22/01/2024</a:t>
+              <a:t>23/01/2024</a:t>
             </a:fld>
             <a:endParaRPr lang="fr-FR"/>
           </a:p>
@@ -3369,7 +3370,7 @@
           <a:p>
             <a:fld id="{D7F135F6-2A09-4FDD-9ECA-096E230CA0FA}" type="datetimeFigureOut">
               <a:rPr lang="fr-FR" smtClean="0"/>
-              <a:t>22/01/2024</a:t>
+              <a:t>23/01/2024</a:t>
             </a:fld>
             <a:endParaRPr lang="fr-FR" dirty="0"/>
           </a:p>
@@ -4035,6 +4036,2762 @@
             </a:br>
             <a:r>
               <a:rPr lang="fr-FR" sz="2800" dirty="0"/>
+              <a:t>Energie cinétique</a:t>
+            </a:r>
+          </a:p>
+        </p:txBody>
+      </p:sp>
+      <p:sp>
+        <p:nvSpPr>
+          <p:cNvPr id="3" name="Espace réservé du contenu 2">
+            <a:extLst>
+              <a:ext uri="{FF2B5EF4-FFF2-40B4-BE49-F238E27FC236}">
+                <a16:creationId xmlns:a16="http://schemas.microsoft.com/office/drawing/2014/main" id="{67BAA89F-0FFE-0B50-3319-445849FF9A19}"/>
+              </a:ext>
+            </a:extLst>
+          </p:cNvPr>
+          <p:cNvSpPr>
+            <a:spLocks noGrp="1"/>
+          </p:cNvSpPr>
+          <p:nvPr>
+            <p:ph idx="1"/>
+          </p:nvPr>
+        </p:nvSpPr>
+        <p:spPr>
+          <a:xfrm>
+            <a:off x="117795" y="981887"/>
+            <a:ext cx="4541291" cy="5253339"/>
+          </a:xfrm>
+        </p:spPr>
+        <p:txBody>
+          <a:bodyPr>
+            <a:normAutofit fontScale="85000" lnSpcReduction="20000"/>
+          </a:bodyPr>
+          <a:lstStyle/>
+          <a:p>
+            <a:r>
+              <a:rPr lang="fr-FR" dirty="0"/>
+              <a:t> Energie cinétique</a:t>
+            </a:r>
+          </a:p>
+          <a:p>
+            <a:pPr lvl="1"/>
+            <a:r>
+              <a:rPr lang="fr-FR" dirty="0"/>
+              <a:t>Relation cinématique</a:t>
+            </a:r>
+          </a:p>
+          <a:p>
+            <a:pPr lvl="2"/>
+            <a:r>
+              <a:rPr lang="fr-FR" dirty="0"/>
+              <a:t>Expérimentalement</a:t>
+            </a:r>
+          </a:p>
+          <a:p>
+            <a:pPr lvl="2"/>
+            <a:r>
+              <a:rPr lang="fr-FR" dirty="0"/>
+              <a:t>Avec la documentation</a:t>
+            </a:r>
+          </a:p>
+          <a:p>
+            <a:pPr lvl="1"/>
+            <a:r>
+              <a:rPr lang="fr-FR" dirty="0"/>
+              <a:t>Energie cinétique ensemble stator</a:t>
+            </a:r>
+          </a:p>
+          <a:p>
+            <a:pPr lvl="2"/>
+            <a:r>
+              <a:rPr lang="fr-FR" dirty="0"/>
+              <a:t>Inertie stator : peser stator + SW</a:t>
+            </a:r>
+          </a:p>
+          <a:p>
+            <a:pPr lvl="1"/>
+            <a:r>
+              <a:rPr lang="fr-FR" dirty="0"/>
+              <a:t>Energie cinétique ensemble rotor</a:t>
+            </a:r>
+          </a:p>
+          <a:p>
+            <a:pPr lvl="1"/>
+            <a:r>
+              <a:rPr lang="fr-FR" dirty="0"/>
+              <a:t>Energie cinétique écrou</a:t>
+            </a:r>
+          </a:p>
+          <a:p>
+            <a:pPr lvl="1"/>
+            <a:r>
+              <a:rPr lang="fr-FR" dirty="0"/>
+              <a:t>Energie cinétique ensemble bras</a:t>
+            </a:r>
+          </a:p>
+          <a:p>
+            <a:pPr lvl="1"/>
+            <a:endParaRPr lang="fr-FR" dirty="0"/>
+          </a:p>
+          <a:p>
+            <a:pPr lvl="1"/>
+            <a:endParaRPr lang="fr-FR" dirty="0"/>
+          </a:p>
+          <a:p>
+            <a:pPr lvl="2"/>
+            <a:r>
+              <a:rPr lang="fr-FR" dirty="0"/>
+              <a:t>Documentation</a:t>
+            </a:r>
+          </a:p>
+          <a:p>
+            <a:pPr lvl="1"/>
+            <a:r>
+              <a:rPr lang="fr-FR" dirty="0"/>
+              <a:t>Inertie du réducteur</a:t>
+            </a:r>
+          </a:p>
+          <a:p>
+            <a:pPr lvl="2"/>
+            <a:r>
+              <a:rPr lang="fr-FR" dirty="0"/>
+              <a:t>Documentation</a:t>
+            </a:r>
+          </a:p>
+          <a:p>
+            <a:pPr lvl="1"/>
+            <a:r>
+              <a:rPr lang="fr-FR" dirty="0"/>
+              <a:t>Inertie de la poulie</a:t>
+            </a:r>
+          </a:p>
+          <a:p>
+            <a:pPr lvl="1"/>
+            <a:r>
+              <a:rPr lang="fr-FR" dirty="0"/>
+              <a:t>Inertie codeur ?</a:t>
+            </a:r>
+          </a:p>
+          <a:p>
+            <a:pPr lvl="1"/>
+            <a:r>
+              <a:rPr lang="fr-FR" dirty="0"/>
+              <a:t>Masse en translation</a:t>
+            </a:r>
+          </a:p>
+          <a:p>
+            <a:pPr lvl="2"/>
+            <a:r>
+              <a:rPr lang="fr-FR" dirty="0"/>
+              <a:t>Documentation</a:t>
+            </a:r>
+          </a:p>
+          <a:p>
+            <a:pPr lvl="2"/>
+            <a:r>
+              <a:rPr lang="fr-FR" dirty="0"/>
+              <a:t>Expérimentation</a:t>
+            </a:r>
+          </a:p>
+        </p:txBody>
+      </p:sp>
+      <mc:AlternateContent xmlns:mc="http://schemas.openxmlformats.org/markup-compatibility/2006">
+        <mc:Choice xmlns:a14="http://schemas.microsoft.com/office/drawing/2010/main" Requires="a14">
+          <p:sp>
+            <p:nvSpPr>
+              <p:cNvPr id="4" name="Espace réservé du contenu 2">
+                <a:extLst>
+                  <a:ext uri="{FF2B5EF4-FFF2-40B4-BE49-F238E27FC236}">
+                    <a16:creationId xmlns:a16="http://schemas.microsoft.com/office/drawing/2014/main" id="{E7512A05-D1EA-5493-6918-5F2C2DCF52A2}"/>
+                  </a:ext>
+                </a:extLst>
+              </p:cNvPr>
+              <p:cNvSpPr txBox="1">
+                <a:spLocks/>
+              </p:cNvSpPr>
+              <p:nvPr/>
+            </p:nvSpPr>
+            <p:spPr>
+              <a:xfrm>
+                <a:off x="4659087" y="981887"/>
+                <a:ext cx="7184570" cy="5253339"/>
+              </a:xfrm>
+              <a:prstGeom prst="rect">
+                <a:avLst/>
+              </a:prstGeom>
+            </p:spPr>
+            <p:txBody>
+              <a:bodyPr vert="horz" lIns="0" tIns="45720" rIns="0" bIns="45720" rtlCol="0">
+                <a:normAutofit/>
+              </a:bodyPr>
+              <a:lstStyle>
+                <a:lvl1pPr marL="271463" indent="-269875" algn="l" defTabSz="914400" rtl="0" eaLnBrk="1" latinLnBrk="0" hangingPunct="1">
+                  <a:lnSpc>
+                    <a:spcPct val="90000"/>
+                  </a:lnSpc>
+                  <a:spcBef>
+                    <a:spcPts val="1200"/>
+                  </a:spcBef>
+                  <a:spcAft>
+                    <a:spcPts val="200"/>
+                  </a:spcAft>
+                  <a:buClr>
+                    <a:schemeClr val="tx2"/>
+                  </a:buClr>
+                  <a:buSzPct val="80000"/>
+                  <a:buFont typeface="Wingdings" panose="05000000000000000000" pitchFamily="2" charset="2"/>
+                  <a:buChar char="q"/>
+                  <a:defRPr lang="fr-FR" sz="2800" kern="1200">
+                    <a:solidFill>
+                      <a:schemeClr val="tx1">
+                        <a:lumMod val="75000"/>
+                        <a:lumOff val="25000"/>
+                      </a:schemeClr>
+                    </a:solidFill>
+                    <a:latin typeface="+mn-lt"/>
+                    <a:ea typeface="+mn-ea"/>
+                    <a:cs typeface="+mn-cs"/>
+                  </a:defRPr>
+                </a:lvl1pPr>
+                <a:lvl2pPr marL="449263" indent="-249238" algn="l" defTabSz="914400" rtl="0" eaLnBrk="1" latinLnBrk="0" hangingPunct="1">
+                  <a:lnSpc>
+                    <a:spcPct val="90000"/>
+                  </a:lnSpc>
+                  <a:spcBef>
+                    <a:spcPts val="200"/>
+                  </a:spcBef>
+                  <a:spcAft>
+                    <a:spcPts val="400"/>
+                  </a:spcAft>
+                  <a:buClr>
+                    <a:schemeClr val="accent1"/>
+                  </a:buClr>
+                  <a:buSzPct val="80000"/>
+                  <a:buFont typeface="Wingdings" panose="05000000000000000000" pitchFamily="2" charset="2"/>
+                  <a:buChar char="q"/>
+                  <a:defRPr lang="fr-FR" sz="2400" kern="1200">
+                    <a:solidFill>
+                      <a:schemeClr val="tx1">
+                        <a:lumMod val="75000"/>
+                        <a:lumOff val="25000"/>
+                      </a:schemeClr>
+                    </a:solidFill>
+                    <a:latin typeface="+mn-lt"/>
+                    <a:ea typeface="+mn-ea"/>
+                    <a:cs typeface="+mn-cs"/>
+                  </a:defRPr>
+                </a:lvl2pPr>
+                <a:lvl3pPr marL="627063" indent="-242888" algn="l" defTabSz="914400" rtl="0" eaLnBrk="1" latinLnBrk="0" hangingPunct="1">
+                  <a:lnSpc>
+                    <a:spcPct val="90000"/>
+                  </a:lnSpc>
+                  <a:spcBef>
+                    <a:spcPts val="200"/>
+                  </a:spcBef>
+                  <a:spcAft>
+                    <a:spcPts val="400"/>
+                  </a:spcAft>
+                  <a:buClr>
+                    <a:schemeClr val="accent2"/>
+                  </a:buClr>
+                  <a:buSzPct val="80000"/>
+                  <a:buFont typeface="Wingdings" panose="05000000000000000000" pitchFamily="2" charset="2"/>
+                  <a:buChar char="q"/>
+                  <a:defRPr lang="fr-FR" sz="1800" kern="1200">
+                    <a:solidFill>
+                      <a:schemeClr val="tx1">
+                        <a:lumMod val="75000"/>
+                        <a:lumOff val="25000"/>
+                      </a:schemeClr>
+                    </a:solidFill>
+                    <a:latin typeface="+mn-lt"/>
+                    <a:ea typeface="+mn-ea"/>
+                    <a:cs typeface="+mn-cs"/>
+                  </a:defRPr>
+                </a:lvl3pPr>
+                <a:lvl4pPr marL="804863" indent="-238125" algn="l" defTabSz="914400" rtl="0" eaLnBrk="1" latinLnBrk="0" hangingPunct="1">
+                  <a:lnSpc>
+                    <a:spcPct val="90000"/>
+                  </a:lnSpc>
+                  <a:spcBef>
+                    <a:spcPts val="200"/>
+                  </a:spcBef>
+                  <a:spcAft>
+                    <a:spcPts val="400"/>
+                  </a:spcAft>
+                  <a:buClr>
+                    <a:schemeClr val="accent3"/>
+                  </a:buClr>
+                  <a:buSzPct val="80000"/>
+                  <a:buFont typeface="Wingdings" panose="05000000000000000000" pitchFamily="2" charset="2"/>
+                  <a:buChar char="q"/>
+                  <a:defRPr lang="fr-FR" sz="1800" kern="1200">
+                    <a:solidFill>
+                      <a:schemeClr val="tx1">
+                        <a:lumMod val="75000"/>
+                        <a:lumOff val="25000"/>
+                      </a:schemeClr>
+                    </a:solidFill>
+                    <a:latin typeface="+mn-lt"/>
+                    <a:ea typeface="+mn-ea"/>
+                    <a:cs typeface="+mn-cs"/>
+                  </a:defRPr>
+                </a:lvl4pPr>
+                <a:lvl5pPr marL="982663" indent="-233363" algn="l" defTabSz="914400" rtl="0" eaLnBrk="1" latinLnBrk="0" hangingPunct="1">
+                  <a:lnSpc>
+                    <a:spcPct val="90000"/>
+                  </a:lnSpc>
+                  <a:spcBef>
+                    <a:spcPts val="200"/>
+                  </a:spcBef>
+                  <a:spcAft>
+                    <a:spcPts val="400"/>
+                  </a:spcAft>
+                  <a:buClr>
+                    <a:schemeClr val="accent4"/>
+                  </a:buClr>
+                  <a:buSzPct val="80000"/>
+                  <a:buFont typeface="Wingdings" panose="05000000000000000000" pitchFamily="2" charset="2"/>
+                  <a:buChar char="q"/>
+                  <a:defRPr lang="en-US" sz="1800" kern="1200">
+                    <a:solidFill>
+                      <a:schemeClr val="tx1">
+                        <a:lumMod val="75000"/>
+                        <a:lumOff val="25000"/>
+                      </a:schemeClr>
+                    </a:solidFill>
+                    <a:latin typeface="+mn-lt"/>
+                    <a:ea typeface="+mn-ea"/>
+                    <a:cs typeface="+mn-cs"/>
+                  </a:defRPr>
+                </a:lvl5pPr>
+                <a:lvl6pPr marL="1100000" indent="-228600" algn="l" defTabSz="914400" rtl="0" eaLnBrk="1" latinLnBrk="0" hangingPunct="1">
+                  <a:lnSpc>
+                    <a:spcPct val="90000"/>
+                  </a:lnSpc>
+                  <a:spcBef>
+                    <a:spcPts val="200"/>
+                  </a:spcBef>
+                  <a:spcAft>
+                    <a:spcPts val="400"/>
+                  </a:spcAft>
+                  <a:buClr>
+                    <a:schemeClr val="accent1"/>
+                  </a:buClr>
+                  <a:buFont typeface="Calibri" pitchFamily="34" charset="0"/>
+                  <a:buChar char="◦"/>
+                  <a:defRPr sz="1400" kern="1200">
+                    <a:solidFill>
+                      <a:schemeClr val="tx1">
+                        <a:lumMod val="75000"/>
+                        <a:lumOff val="25000"/>
+                      </a:schemeClr>
+                    </a:solidFill>
+                    <a:latin typeface="+mn-lt"/>
+                    <a:ea typeface="+mn-ea"/>
+                    <a:cs typeface="+mn-cs"/>
+                  </a:defRPr>
+                </a:lvl6pPr>
+                <a:lvl7pPr marL="1300000" indent="-228600" algn="l" defTabSz="914400" rtl="0" eaLnBrk="1" latinLnBrk="0" hangingPunct="1">
+                  <a:lnSpc>
+                    <a:spcPct val="90000"/>
+                  </a:lnSpc>
+                  <a:spcBef>
+                    <a:spcPts val="200"/>
+                  </a:spcBef>
+                  <a:spcAft>
+                    <a:spcPts val="400"/>
+                  </a:spcAft>
+                  <a:buClr>
+                    <a:schemeClr val="accent1"/>
+                  </a:buClr>
+                  <a:buFont typeface="Calibri" pitchFamily="34" charset="0"/>
+                  <a:buChar char="◦"/>
+                  <a:defRPr sz="1400" kern="1200">
+                    <a:solidFill>
+                      <a:schemeClr val="tx1">
+                        <a:lumMod val="75000"/>
+                        <a:lumOff val="25000"/>
+                      </a:schemeClr>
+                    </a:solidFill>
+                    <a:latin typeface="+mn-lt"/>
+                    <a:ea typeface="+mn-ea"/>
+                    <a:cs typeface="+mn-cs"/>
+                  </a:defRPr>
+                </a:lvl7pPr>
+                <a:lvl8pPr marL="1500000" indent="-228600" algn="l" defTabSz="914400" rtl="0" eaLnBrk="1" latinLnBrk="0" hangingPunct="1">
+                  <a:lnSpc>
+                    <a:spcPct val="90000"/>
+                  </a:lnSpc>
+                  <a:spcBef>
+                    <a:spcPts val="200"/>
+                  </a:spcBef>
+                  <a:spcAft>
+                    <a:spcPts val="400"/>
+                  </a:spcAft>
+                  <a:buClr>
+                    <a:schemeClr val="accent1"/>
+                  </a:buClr>
+                  <a:buFont typeface="Calibri" pitchFamily="34" charset="0"/>
+                  <a:buChar char="◦"/>
+                  <a:defRPr sz="1400" kern="1200">
+                    <a:solidFill>
+                      <a:schemeClr val="tx1">
+                        <a:lumMod val="75000"/>
+                        <a:lumOff val="25000"/>
+                      </a:schemeClr>
+                    </a:solidFill>
+                    <a:latin typeface="+mn-lt"/>
+                    <a:ea typeface="+mn-ea"/>
+                    <a:cs typeface="+mn-cs"/>
+                  </a:defRPr>
+                </a:lvl8pPr>
+                <a:lvl9pPr marL="1700000" indent="-228600" algn="l" defTabSz="914400" rtl="0" eaLnBrk="1" latinLnBrk="0" hangingPunct="1">
+                  <a:lnSpc>
+                    <a:spcPct val="90000"/>
+                  </a:lnSpc>
+                  <a:spcBef>
+                    <a:spcPts val="200"/>
+                  </a:spcBef>
+                  <a:spcAft>
+                    <a:spcPts val="400"/>
+                  </a:spcAft>
+                  <a:buClr>
+                    <a:schemeClr val="accent1"/>
+                  </a:buClr>
+                  <a:buFont typeface="Calibri" pitchFamily="34" charset="0"/>
+                  <a:buChar char="◦"/>
+                  <a:defRPr sz="1400" kern="1200">
+                    <a:solidFill>
+                      <a:schemeClr val="tx1">
+                        <a:lumMod val="75000"/>
+                        <a:lumOff val="25000"/>
+                      </a:schemeClr>
+                    </a:solidFill>
+                    <a:latin typeface="+mn-lt"/>
+                    <a:ea typeface="+mn-ea"/>
+                    <a:cs typeface="+mn-cs"/>
+                  </a:defRPr>
+                </a:lvl9pPr>
+              </a:lstStyle>
+              <a:p>
+                <a:r>
+                  <a:rPr lang="fr-FR" sz="2200" dirty="0">
+                    <a:ea typeface="Cambria Math" panose="02040503050406030204" pitchFamily="18" charset="0"/>
+                  </a:rPr>
+                  <a:t>Ensemble écrou (E=3)</a:t>
+                </a:r>
+              </a:p>
+              <a:p>
+                <a:pPr lvl="1"/>
+                <a14:m>
+                  <m:oMath xmlns:m="http://schemas.openxmlformats.org/officeDocument/2006/math">
+                    <m:sSub>
+                      <m:sSubPr>
+                        <m:ctrlPr>
+                          <a:rPr lang="fr-FR" sz="2200" b="0" i="1" smtClean="0">
+                            <a:latin typeface="Cambria Math" panose="02040503050406030204" pitchFamily="18" charset="0"/>
+                            <a:ea typeface="Cambria Math" panose="02040503050406030204" pitchFamily="18" charset="0"/>
+                          </a:rPr>
+                        </m:ctrlPr>
+                      </m:sSubPr>
+                      <m:e>
+                        <m:r>
+                          <a:rPr lang="fr-FR" sz="2200" i="1" smtClean="0">
+                            <a:latin typeface="Cambria Math" panose="02040503050406030204" pitchFamily="18" charset="0"/>
+                            <a:ea typeface="Cambria Math" panose="02040503050406030204" pitchFamily="18" charset="0"/>
+                          </a:rPr>
+                          <m:t>ℰ</m:t>
+                        </m:r>
+                      </m:e>
+                      <m:sub>
+                        <m:r>
+                          <a:rPr lang="fr-FR" sz="2200" b="0" i="1" smtClean="0">
+                            <a:latin typeface="Cambria Math" panose="02040503050406030204" pitchFamily="18" charset="0"/>
+                            <a:ea typeface="Cambria Math" panose="02040503050406030204" pitchFamily="18" charset="0"/>
+                          </a:rPr>
+                          <m:t>𝑐</m:t>
+                        </m:r>
+                      </m:sub>
+                    </m:sSub>
+                    <m:d>
+                      <m:dPr>
+                        <m:ctrlPr>
+                          <a:rPr lang="fr-FR" sz="2200" b="0" i="1" smtClean="0">
+                            <a:latin typeface="Cambria Math" panose="02040503050406030204" pitchFamily="18" charset="0"/>
+                            <a:ea typeface="Cambria Math" panose="02040503050406030204" pitchFamily="18" charset="0"/>
+                          </a:rPr>
+                        </m:ctrlPr>
+                      </m:dPr>
+                      <m:e>
+                        <m:r>
+                          <a:rPr lang="fr-FR" sz="2200" b="0" i="1" smtClean="0">
+                            <a:latin typeface="Cambria Math" panose="02040503050406030204" pitchFamily="18" charset="0"/>
+                            <a:ea typeface="Cambria Math" panose="02040503050406030204" pitchFamily="18" charset="0"/>
+                          </a:rPr>
+                          <m:t>𝐸</m:t>
+                        </m:r>
+                        <m:r>
+                          <m:rPr>
+                            <m:lit/>
+                          </m:rPr>
+                          <a:rPr lang="fr-FR" sz="2200" b="0" i="1" smtClean="0">
+                            <a:latin typeface="Cambria Math" panose="02040503050406030204" pitchFamily="18" charset="0"/>
+                            <a:ea typeface="Cambria Math" panose="02040503050406030204" pitchFamily="18" charset="0"/>
+                          </a:rPr>
+                          <m:t>/</m:t>
+                        </m:r>
+                        <m:r>
+                          <a:rPr lang="fr-FR" sz="2200" b="0" i="1" smtClean="0">
+                            <a:latin typeface="Cambria Math" panose="02040503050406030204" pitchFamily="18" charset="0"/>
+                            <a:ea typeface="Cambria Math" panose="02040503050406030204" pitchFamily="18" charset="0"/>
+                          </a:rPr>
+                          <m:t>0</m:t>
+                        </m:r>
+                      </m:e>
+                    </m:d>
+                    <m:r>
+                      <a:rPr lang="fr-FR" sz="2200" b="0" i="1" smtClean="0">
+                        <a:latin typeface="Cambria Math" panose="02040503050406030204" pitchFamily="18" charset="0"/>
+                        <a:ea typeface="Cambria Math" panose="02040503050406030204" pitchFamily="18" charset="0"/>
+                      </a:rPr>
+                      <m:t>=</m:t>
+                    </m:r>
+                    <m:f>
+                      <m:fPr>
+                        <m:ctrlPr>
+                          <a:rPr lang="fr-FR" sz="2200" b="0" i="1" smtClean="0">
+                            <a:latin typeface="Cambria Math" panose="02040503050406030204" pitchFamily="18" charset="0"/>
+                            <a:ea typeface="Cambria Math" panose="02040503050406030204" pitchFamily="18" charset="0"/>
+                          </a:rPr>
+                        </m:ctrlPr>
+                      </m:fPr>
+                      <m:num>
+                        <m:r>
+                          <a:rPr lang="fr-FR" sz="2200" b="0" i="1" smtClean="0">
+                            <a:latin typeface="Cambria Math" panose="02040503050406030204" pitchFamily="18" charset="0"/>
+                            <a:ea typeface="Cambria Math" panose="02040503050406030204" pitchFamily="18" charset="0"/>
+                          </a:rPr>
+                          <m:t>1</m:t>
+                        </m:r>
+                      </m:num>
+                      <m:den>
+                        <m:r>
+                          <a:rPr lang="fr-FR" sz="2200" b="0" i="1" smtClean="0">
+                            <a:latin typeface="Cambria Math" panose="02040503050406030204" pitchFamily="18" charset="0"/>
+                            <a:ea typeface="Cambria Math" panose="02040503050406030204" pitchFamily="18" charset="0"/>
+                          </a:rPr>
+                          <m:t>2</m:t>
+                        </m:r>
+                      </m:den>
+                    </m:f>
+                    <m:d>
+                      <m:dPr>
+                        <m:begChr m:val="{"/>
+                        <m:endChr m:val="}"/>
+                        <m:ctrlPr>
+                          <a:rPr lang="fr-FR" sz="2200" b="0" i="1" smtClean="0">
+                            <a:latin typeface="Cambria Math" panose="02040503050406030204" pitchFamily="18" charset="0"/>
+                            <a:ea typeface="Cambria Math" panose="02040503050406030204" pitchFamily="18" charset="0"/>
+                          </a:rPr>
+                        </m:ctrlPr>
+                      </m:dPr>
+                      <m:e>
+                        <m:eqArr>
+                          <m:eqArrPr>
+                            <m:ctrlPr>
+                              <a:rPr lang="fr-FR" sz="2200" b="0" i="1" smtClean="0">
+                                <a:latin typeface="Cambria Math" panose="02040503050406030204" pitchFamily="18" charset="0"/>
+                                <a:ea typeface="Cambria Math" panose="02040503050406030204" pitchFamily="18" charset="0"/>
+                              </a:rPr>
+                            </m:ctrlPr>
+                          </m:eqArrPr>
+                          <m:e>
+                            <m:acc>
+                              <m:accPr>
+                                <m:chr m:val="⃗"/>
+                                <m:ctrlPr>
+                                  <a:rPr lang="fr-FR" sz="2200" b="0" i="1" smtClean="0">
+                                    <a:latin typeface="Cambria Math" panose="02040503050406030204" pitchFamily="18" charset="0"/>
+                                    <a:ea typeface="Cambria Math" panose="02040503050406030204" pitchFamily="18" charset="0"/>
+                                  </a:rPr>
+                                </m:ctrlPr>
+                              </m:accPr>
+                              <m:e>
+                                <m:r>
+                                  <m:rPr>
+                                    <m:sty m:val="p"/>
+                                  </m:rPr>
+                                  <a:rPr lang="fr-FR" sz="2200" b="0" i="0" smtClean="0">
+                                    <a:latin typeface="Cambria Math" panose="02040503050406030204" pitchFamily="18" charset="0"/>
+                                    <a:ea typeface="Cambria Math" panose="02040503050406030204" pitchFamily="18" charset="0"/>
+                                  </a:rPr>
+                                  <m:t>Ω</m:t>
+                                </m:r>
+                                <m:d>
+                                  <m:dPr>
+                                    <m:ctrlPr>
+                                      <a:rPr lang="fr-FR" sz="2200" b="0" i="1" smtClean="0">
+                                        <a:latin typeface="Cambria Math" panose="02040503050406030204" pitchFamily="18" charset="0"/>
+                                        <a:ea typeface="Cambria Math" panose="02040503050406030204" pitchFamily="18" charset="0"/>
+                                      </a:rPr>
+                                    </m:ctrlPr>
+                                  </m:dPr>
+                                  <m:e>
+                                    <m:r>
+                                      <a:rPr lang="fr-FR" sz="2200" b="0" i="1" smtClean="0">
+                                        <a:latin typeface="Cambria Math" panose="02040503050406030204" pitchFamily="18" charset="0"/>
+                                        <a:ea typeface="Cambria Math" panose="02040503050406030204" pitchFamily="18" charset="0"/>
+                                      </a:rPr>
+                                      <m:t>𝐸</m:t>
+                                    </m:r>
+                                    <m:r>
+                                      <m:rPr>
+                                        <m:lit/>
+                                      </m:rPr>
+                                      <a:rPr lang="fr-FR" sz="2200" b="0" i="1" smtClean="0">
+                                        <a:latin typeface="Cambria Math" panose="02040503050406030204" pitchFamily="18" charset="0"/>
+                                        <a:ea typeface="Cambria Math" panose="02040503050406030204" pitchFamily="18" charset="0"/>
+                                      </a:rPr>
+                                      <m:t>/</m:t>
+                                    </m:r>
+                                    <m:r>
+                                      <a:rPr lang="fr-FR" sz="2200" b="0" i="1" smtClean="0">
+                                        <a:latin typeface="Cambria Math" panose="02040503050406030204" pitchFamily="18" charset="0"/>
+                                        <a:ea typeface="Cambria Math" panose="02040503050406030204" pitchFamily="18" charset="0"/>
+                                      </a:rPr>
+                                      <m:t>0</m:t>
+                                    </m:r>
+                                  </m:e>
+                                </m:d>
+                              </m:e>
+                            </m:acc>
+                          </m:e>
+                          <m:e>
+                            <m:acc>
+                              <m:accPr>
+                                <m:chr m:val="⃗"/>
+                                <m:ctrlPr>
+                                  <a:rPr lang="fr-FR" sz="2200" i="1">
+                                    <a:latin typeface="Cambria Math" panose="02040503050406030204" pitchFamily="18" charset="0"/>
+                                    <a:ea typeface="Cambria Math" panose="02040503050406030204" pitchFamily="18" charset="0"/>
+                                  </a:rPr>
+                                </m:ctrlPr>
+                              </m:accPr>
+                              <m:e>
+                                <m:r>
+                                  <m:rPr>
+                                    <m:sty m:val="p"/>
+                                  </m:rPr>
+                                  <a:rPr lang="fr-FR" sz="2200" b="0" i="0" smtClean="0">
+                                    <a:latin typeface="Cambria Math" panose="02040503050406030204" pitchFamily="18" charset="0"/>
+                                    <a:ea typeface="Cambria Math" panose="02040503050406030204" pitchFamily="18" charset="0"/>
+                                  </a:rPr>
+                                  <m:t>V</m:t>
+                                </m:r>
+                                <m:d>
+                                  <m:dPr>
+                                    <m:ctrlPr>
+                                      <a:rPr lang="fr-FR" sz="2200" i="1">
+                                        <a:latin typeface="Cambria Math" panose="02040503050406030204" pitchFamily="18" charset="0"/>
+                                        <a:ea typeface="Cambria Math" panose="02040503050406030204" pitchFamily="18" charset="0"/>
+                                      </a:rPr>
+                                    </m:ctrlPr>
+                                  </m:dPr>
+                                  <m:e>
+                                    <m:r>
+                                      <a:rPr lang="fr-FR" sz="2200" b="0" i="1" smtClean="0">
+                                        <a:latin typeface="Cambria Math" panose="02040503050406030204" pitchFamily="18" charset="0"/>
+                                        <a:ea typeface="Cambria Math" panose="02040503050406030204" pitchFamily="18" charset="0"/>
+                                      </a:rPr>
+                                      <m:t>𝐺</m:t>
+                                    </m:r>
+                                    <m:r>
+                                      <a:rPr lang="fr-FR" sz="2200" b="0" i="1" smtClean="0">
+                                        <a:latin typeface="Cambria Math" panose="02040503050406030204" pitchFamily="18" charset="0"/>
+                                        <a:ea typeface="Cambria Math" panose="02040503050406030204" pitchFamily="18" charset="0"/>
+                                      </a:rPr>
+                                      <m:t>,</m:t>
+                                    </m:r>
+                                    <m:r>
+                                      <a:rPr lang="fr-FR" sz="2200" b="0" i="1" smtClean="0">
+                                        <a:latin typeface="Cambria Math" panose="02040503050406030204" pitchFamily="18" charset="0"/>
+                                        <a:ea typeface="Cambria Math" panose="02040503050406030204" pitchFamily="18" charset="0"/>
+                                      </a:rPr>
+                                      <m:t>𝐸</m:t>
+                                    </m:r>
+                                    <m:r>
+                                      <m:rPr>
+                                        <m:lit/>
+                                      </m:rPr>
+                                      <a:rPr lang="fr-FR" sz="2200" i="1">
+                                        <a:latin typeface="Cambria Math" panose="02040503050406030204" pitchFamily="18" charset="0"/>
+                                        <a:ea typeface="Cambria Math" panose="02040503050406030204" pitchFamily="18" charset="0"/>
+                                      </a:rPr>
+                                      <m:t>/</m:t>
+                                    </m:r>
+                                    <m:r>
+                                      <a:rPr lang="fr-FR" sz="2200" i="1">
+                                        <a:latin typeface="Cambria Math" panose="02040503050406030204" pitchFamily="18" charset="0"/>
+                                        <a:ea typeface="Cambria Math" panose="02040503050406030204" pitchFamily="18" charset="0"/>
+                                      </a:rPr>
+                                      <m:t>0</m:t>
+                                    </m:r>
+                                  </m:e>
+                                </m:d>
+                              </m:e>
+                            </m:acc>
+                          </m:e>
+                        </m:eqArr>
+                      </m:e>
+                    </m:d>
+                    <m:r>
+                      <a:rPr lang="fr-FR" sz="2200" b="0" i="1" smtClean="0">
+                        <a:latin typeface="Cambria Math" panose="02040503050406030204" pitchFamily="18" charset="0"/>
+                        <a:ea typeface="Cambria Math" panose="02040503050406030204" pitchFamily="18" charset="0"/>
+                      </a:rPr>
+                      <m:t>⊗</m:t>
+                    </m:r>
+                    <m:d>
+                      <m:dPr>
+                        <m:begChr m:val="{"/>
+                        <m:endChr m:val="}"/>
+                        <m:ctrlPr>
+                          <a:rPr lang="fr-FR" sz="2200" i="1">
+                            <a:latin typeface="Cambria Math" panose="02040503050406030204" pitchFamily="18" charset="0"/>
+                            <a:ea typeface="Cambria Math" panose="02040503050406030204" pitchFamily="18" charset="0"/>
+                          </a:rPr>
+                        </m:ctrlPr>
+                      </m:dPr>
+                      <m:e>
+                        <m:eqArr>
+                          <m:eqArrPr>
+                            <m:ctrlPr>
+                              <a:rPr lang="fr-FR" sz="2200" i="1">
+                                <a:latin typeface="Cambria Math" panose="02040503050406030204" pitchFamily="18" charset="0"/>
+                                <a:ea typeface="Cambria Math" panose="02040503050406030204" pitchFamily="18" charset="0"/>
+                              </a:rPr>
+                            </m:ctrlPr>
+                          </m:eqArrPr>
+                          <m:e>
+                            <m:sSub>
+                              <m:sSubPr>
+                                <m:ctrlPr>
+                                  <a:rPr lang="fr-FR" sz="2200" b="0" i="1" smtClean="0">
+                                    <a:latin typeface="Cambria Math" panose="02040503050406030204" pitchFamily="18" charset="0"/>
+                                    <a:ea typeface="Cambria Math" panose="02040503050406030204" pitchFamily="18" charset="0"/>
+                                  </a:rPr>
+                                </m:ctrlPr>
+                              </m:sSubPr>
+                              <m:e>
+                                <m:r>
+                                  <a:rPr lang="fr-FR" sz="2200" b="0" i="1" smtClean="0">
+                                    <a:latin typeface="Cambria Math" panose="02040503050406030204" pitchFamily="18" charset="0"/>
+                                    <a:ea typeface="Cambria Math" panose="02040503050406030204" pitchFamily="18" charset="0"/>
+                                  </a:rPr>
+                                  <m:t>𝑚</m:t>
+                                </m:r>
+                              </m:e>
+                              <m:sub>
+                                <m:r>
+                                  <a:rPr lang="fr-FR" sz="2200" b="0" i="1" smtClean="0">
+                                    <a:latin typeface="Cambria Math" panose="02040503050406030204" pitchFamily="18" charset="0"/>
+                                    <a:ea typeface="Cambria Math" panose="02040503050406030204" pitchFamily="18" charset="0"/>
+                                  </a:rPr>
+                                  <m:t>𝑅</m:t>
+                                </m:r>
+                              </m:sub>
+                            </m:sSub>
+                            <m:acc>
+                              <m:accPr>
+                                <m:chr m:val="⃗"/>
+                                <m:ctrlPr>
+                                  <a:rPr lang="fr-FR" sz="2200" i="1">
+                                    <a:latin typeface="Cambria Math" panose="02040503050406030204" pitchFamily="18" charset="0"/>
+                                    <a:ea typeface="Cambria Math" panose="02040503050406030204" pitchFamily="18" charset="0"/>
+                                  </a:rPr>
+                                </m:ctrlPr>
+                              </m:accPr>
+                              <m:e>
+                                <m:r>
+                                  <m:rPr>
+                                    <m:sty m:val="p"/>
+                                  </m:rPr>
+                                  <a:rPr lang="fr-FR" sz="2200">
+                                    <a:latin typeface="Cambria Math" panose="02040503050406030204" pitchFamily="18" charset="0"/>
+                                    <a:ea typeface="Cambria Math" panose="02040503050406030204" pitchFamily="18" charset="0"/>
+                                  </a:rPr>
+                                  <m:t>V</m:t>
+                                </m:r>
+                                <m:d>
+                                  <m:dPr>
+                                    <m:ctrlPr>
+                                      <a:rPr lang="fr-FR" sz="2200" i="1">
+                                        <a:latin typeface="Cambria Math" panose="02040503050406030204" pitchFamily="18" charset="0"/>
+                                        <a:ea typeface="Cambria Math" panose="02040503050406030204" pitchFamily="18" charset="0"/>
+                                      </a:rPr>
+                                    </m:ctrlPr>
+                                  </m:dPr>
+                                  <m:e>
+                                    <m:r>
+                                      <a:rPr lang="fr-FR" sz="2200" i="1">
+                                        <a:latin typeface="Cambria Math" panose="02040503050406030204" pitchFamily="18" charset="0"/>
+                                        <a:ea typeface="Cambria Math" panose="02040503050406030204" pitchFamily="18" charset="0"/>
+                                      </a:rPr>
+                                      <m:t>𝐺</m:t>
+                                    </m:r>
+                                    <m:r>
+                                      <a:rPr lang="fr-FR" sz="2200" i="1">
+                                        <a:latin typeface="Cambria Math" panose="02040503050406030204" pitchFamily="18" charset="0"/>
+                                        <a:ea typeface="Cambria Math" panose="02040503050406030204" pitchFamily="18" charset="0"/>
+                                      </a:rPr>
+                                      <m:t>,</m:t>
+                                    </m:r>
+                                    <m:r>
+                                      <a:rPr lang="fr-FR" sz="2200" b="0" i="1" smtClean="0">
+                                        <a:latin typeface="Cambria Math" panose="02040503050406030204" pitchFamily="18" charset="0"/>
+                                        <a:ea typeface="Cambria Math" panose="02040503050406030204" pitchFamily="18" charset="0"/>
+                                      </a:rPr>
+                                      <m:t>𝐸</m:t>
+                                    </m:r>
+                                    <m:r>
+                                      <m:rPr>
+                                        <m:lit/>
+                                      </m:rPr>
+                                      <a:rPr lang="fr-FR" sz="2200" i="1">
+                                        <a:latin typeface="Cambria Math" panose="02040503050406030204" pitchFamily="18" charset="0"/>
+                                        <a:ea typeface="Cambria Math" panose="02040503050406030204" pitchFamily="18" charset="0"/>
+                                      </a:rPr>
+                                      <m:t>/</m:t>
+                                    </m:r>
+                                    <m:r>
+                                      <a:rPr lang="fr-FR" sz="2200" i="1">
+                                        <a:latin typeface="Cambria Math" panose="02040503050406030204" pitchFamily="18" charset="0"/>
+                                        <a:ea typeface="Cambria Math" panose="02040503050406030204" pitchFamily="18" charset="0"/>
+                                      </a:rPr>
+                                      <m:t>0</m:t>
+                                    </m:r>
+                                  </m:e>
+                                </m:d>
+                              </m:e>
+                            </m:acc>
+                          </m:e>
+                          <m:e>
+                            <m:acc>
+                              <m:accPr>
+                                <m:chr m:val="⃗"/>
+                                <m:ctrlPr>
+                                  <a:rPr lang="fr-FR" sz="2200" i="1">
+                                    <a:latin typeface="Cambria Math" panose="02040503050406030204" pitchFamily="18" charset="0"/>
+                                    <a:ea typeface="Cambria Math" panose="02040503050406030204" pitchFamily="18" charset="0"/>
+                                  </a:rPr>
+                                </m:ctrlPr>
+                              </m:accPr>
+                              <m:e>
+                                <m:r>
+                                  <a:rPr lang="fr-FR" sz="2200" b="0" i="1" smtClean="0">
+                                    <a:latin typeface="Cambria Math" panose="02040503050406030204" pitchFamily="18" charset="0"/>
+                                    <a:ea typeface="Cambria Math" panose="02040503050406030204" pitchFamily="18" charset="0"/>
+                                  </a:rPr>
+                                  <m:t>𝜎</m:t>
+                                </m:r>
+                                <m:d>
+                                  <m:dPr>
+                                    <m:ctrlPr>
+                                      <a:rPr lang="fr-FR" sz="2200" i="1">
+                                        <a:latin typeface="Cambria Math" panose="02040503050406030204" pitchFamily="18" charset="0"/>
+                                        <a:ea typeface="Cambria Math" panose="02040503050406030204" pitchFamily="18" charset="0"/>
+                                      </a:rPr>
+                                    </m:ctrlPr>
+                                  </m:dPr>
+                                  <m:e>
+                                    <m:r>
+                                      <a:rPr lang="fr-FR" sz="2200" i="1">
+                                        <a:latin typeface="Cambria Math" panose="02040503050406030204" pitchFamily="18" charset="0"/>
+                                        <a:ea typeface="Cambria Math" panose="02040503050406030204" pitchFamily="18" charset="0"/>
+                                      </a:rPr>
+                                      <m:t>𝐺</m:t>
+                                    </m:r>
+                                    <m:r>
+                                      <a:rPr lang="fr-FR" sz="2200" i="1">
+                                        <a:latin typeface="Cambria Math" panose="02040503050406030204" pitchFamily="18" charset="0"/>
+                                        <a:ea typeface="Cambria Math" panose="02040503050406030204" pitchFamily="18" charset="0"/>
+                                      </a:rPr>
+                                      <m:t>,</m:t>
+                                    </m:r>
+                                    <m:r>
+                                      <a:rPr lang="fr-FR" sz="2200" b="0" i="1" smtClean="0">
+                                        <a:latin typeface="Cambria Math" panose="02040503050406030204" pitchFamily="18" charset="0"/>
+                                        <a:ea typeface="Cambria Math" panose="02040503050406030204" pitchFamily="18" charset="0"/>
+                                      </a:rPr>
+                                      <m:t>𝐸</m:t>
+                                    </m:r>
+                                    <m:r>
+                                      <m:rPr>
+                                        <m:lit/>
+                                      </m:rPr>
+                                      <a:rPr lang="fr-FR" sz="2200" i="1">
+                                        <a:latin typeface="Cambria Math" panose="02040503050406030204" pitchFamily="18" charset="0"/>
+                                        <a:ea typeface="Cambria Math" panose="02040503050406030204" pitchFamily="18" charset="0"/>
+                                      </a:rPr>
+                                      <m:t>/</m:t>
+                                    </m:r>
+                                    <m:r>
+                                      <a:rPr lang="fr-FR" sz="2200" i="1">
+                                        <a:latin typeface="Cambria Math" panose="02040503050406030204" pitchFamily="18" charset="0"/>
+                                        <a:ea typeface="Cambria Math" panose="02040503050406030204" pitchFamily="18" charset="0"/>
+                                      </a:rPr>
+                                      <m:t>0</m:t>
+                                    </m:r>
+                                  </m:e>
+                                </m:d>
+                              </m:e>
+                            </m:acc>
+                          </m:e>
+                        </m:eqArr>
+                      </m:e>
+                    </m:d>
+                  </m:oMath>
+                </a14:m>
+                <a:endParaRPr lang="fr-FR" sz="2200" dirty="0"/>
+              </a:p>
+              <a:p>
+                <a:pPr lvl="2"/>
+                <a14:m>
+                  <m:oMath xmlns:m="http://schemas.openxmlformats.org/officeDocument/2006/math">
+                    <m:acc>
+                      <m:accPr>
+                        <m:chr m:val="⃗"/>
+                        <m:ctrlPr>
+                          <a:rPr lang="fr-FR" sz="1200" i="1">
+                            <a:latin typeface="Cambria Math" panose="02040503050406030204" pitchFamily="18" charset="0"/>
+                            <a:ea typeface="Cambria Math" panose="02040503050406030204" pitchFamily="18" charset="0"/>
+                          </a:rPr>
+                        </m:ctrlPr>
+                      </m:accPr>
+                      <m:e>
+                        <m:r>
+                          <m:rPr>
+                            <m:sty m:val="p"/>
+                          </m:rPr>
+                          <a:rPr lang="fr-FR" sz="1200">
+                            <a:latin typeface="Cambria Math" panose="02040503050406030204" pitchFamily="18" charset="0"/>
+                            <a:ea typeface="Cambria Math" panose="02040503050406030204" pitchFamily="18" charset="0"/>
+                          </a:rPr>
+                          <m:t>Ω</m:t>
+                        </m:r>
+                        <m:d>
+                          <m:dPr>
+                            <m:ctrlPr>
+                              <a:rPr lang="fr-FR" sz="1200" i="1">
+                                <a:latin typeface="Cambria Math" panose="02040503050406030204" pitchFamily="18" charset="0"/>
+                                <a:ea typeface="Cambria Math" panose="02040503050406030204" pitchFamily="18" charset="0"/>
+                              </a:rPr>
+                            </m:ctrlPr>
+                          </m:dPr>
+                          <m:e>
+                            <m:r>
+                              <a:rPr lang="fr-FR" sz="1200" b="0" i="1" smtClean="0">
+                                <a:latin typeface="Cambria Math" panose="02040503050406030204" pitchFamily="18" charset="0"/>
+                                <a:ea typeface="Cambria Math" panose="02040503050406030204" pitchFamily="18" charset="0"/>
+                              </a:rPr>
+                              <m:t>3</m:t>
+                            </m:r>
+                            <m:r>
+                              <m:rPr>
+                                <m:lit/>
+                              </m:rPr>
+                              <a:rPr lang="fr-FR" sz="1200" i="1">
+                                <a:latin typeface="Cambria Math" panose="02040503050406030204" pitchFamily="18" charset="0"/>
+                                <a:ea typeface="Cambria Math" panose="02040503050406030204" pitchFamily="18" charset="0"/>
+                              </a:rPr>
+                              <m:t>/</m:t>
+                            </m:r>
+                            <m:r>
+                              <a:rPr lang="fr-FR" sz="1200" i="1">
+                                <a:latin typeface="Cambria Math" panose="02040503050406030204" pitchFamily="18" charset="0"/>
+                                <a:ea typeface="Cambria Math" panose="02040503050406030204" pitchFamily="18" charset="0"/>
+                              </a:rPr>
+                              <m:t>0</m:t>
+                            </m:r>
+                          </m:e>
+                        </m:d>
+                      </m:e>
+                    </m:acc>
+                    <m:r>
+                      <a:rPr lang="fr-FR" sz="1200" b="0" i="0" smtClean="0">
+                        <a:latin typeface="Cambria Math" panose="02040503050406030204" pitchFamily="18" charset="0"/>
+                        <a:ea typeface="Cambria Math" panose="02040503050406030204" pitchFamily="18" charset="0"/>
+                      </a:rPr>
+                      <m:t>=</m:t>
+                    </m:r>
+                    <m:sSub>
+                      <m:sSubPr>
+                        <m:ctrlPr>
+                          <a:rPr lang="fr-FR" sz="1200" b="0" i="1" smtClean="0">
+                            <a:latin typeface="Cambria Math" panose="02040503050406030204" pitchFamily="18" charset="0"/>
+                            <a:ea typeface="Cambria Math" panose="02040503050406030204" pitchFamily="18" charset="0"/>
+                          </a:rPr>
+                        </m:ctrlPr>
+                      </m:sSubPr>
+                      <m:e>
+                        <m:r>
+                          <a:rPr lang="fr-FR" sz="1200" b="0" i="1" smtClean="0">
+                            <a:latin typeface="Cambria Math" panose="02040503050406030204" pitchFamily="18" charset="0"/>
+                            <a:ea typeface="Cambria Math" panose="02040503050406030204" pitchFamily="18" charset="0"/>
+                          </a:rPr>
+                          <m:t>𝜔</m:t>
+                        </m:r>
+                      </m:e>
+                      <m:sub>
+                        <m:r>
+                          <a:rPr lang="fr-FR" sz="1200" b="0" i="1" smtClean="0">
+                            <a:latin typeface="Cambria Math" panose="02040503050406030204" pitchFamily="18" charset="0"/>
+                            <a:ea typeface="Cambria Math" panose="02040503050406030204" pitchFamily="18" charset="0"/>
+                          </a:rPr>
+                          <m:t>30</m:t>
+                        </m:r>
+                      </m:sub>
+                    </m:sSub>
+                    <m:acc>
+                      <m:accPr>
+                        <m:chr m:val="⃗"/>
+                        <m:ctrlPr>
+                          <a:rPr lang="fr-FR" sz="1200" i="1">
+                            <a:latin typeface="Cambria Math" panose="02040503050406030204" pitchFamily="18" charset="0"/>
+                            <a:ea typeface="Cambria Math" panose="02040503050406030204" pitchFamily="18" charset="0"/>
+                          </a:rPr>
+                        </m:ctrlPr>
+                      </m:accPr>
+                      <m:e>
+                        <m:sSub>
+                          <m:sSubPr>
+                            <m:ctrlPr>
+                              <a:rPr lang="fr-FR" sz="1200" i="1">
+                                <a:latin typeface="Cambria Math" panose="02040503050406030204" pitchFamily="18" charset="0"/>
+                                <a:ea typeface="Cambria Math" panose="02040503050406030204" pitchFamily="18" charset="0"/>
+                              </a:rPr>
+                            </m:ctrlPr>
+                          </m:sSubPr>
+                          <m:e>
+                            <m:r>
+                              <a:rPr lang="fr-FR" sz="1200" i="1">
+                                <a:latin typeface="Cambria Math" panose="02040503050406030204" pitchFamily="18" charset="0"/>
+                                <a:ea typeface="Cambria Math" panose="02040503050406030204" pitchFamily="18" charset="0"/>
+                              </a:rPr>
+                              <m:t>𝑧</m:t>
+                            </m:r>
+                          </m:e>
+                          <m:sub>
+                            <m:r>
+                              <a:rPr lang="fr-FR" sz="1200" i="1">
+                                <a:latin typeface="Cambria Math" panose="02040503050406030204" pitchFamily="18" charset="0"/>
+                                <a:ea typeface="Cambria Math" panose="02040503050406030204" pitchFamily="18" charset="0"/>
+                              </a:rPr>
+                              <m:t>1</m:t>
+                            </m:r>
+                          </m:sub>
+                        </m:sSub>
+                      </m:e>
+                    </m:acc>
+                  </m:oMath>
+                </a14:m>
+                <a:endParaRPr lang="fr-FR" sz="1200" dirty="0">
+                  <a:ea typeface="Cambria Math" panose="02040503050406030204" pitchFamily="18" charset="0"/>
+                </a:endParaRPr>
+              </a:p>
+              <a:p>
+                <a:pPr lvl="2"/>
+                <a14:m>
+                  <m:oMath xmlns:m="http://schemas.openxmlformats.org/officeDocument/2006/math">
+                    <m:acc>
+                      <m:accPr>
+                        <m:chr m:val="⃗"/>
+                        <m:ctrlPr>
+                          <a:rPr lang="fr-FR" sz="1200" i="1" smtClean="0">
+                            <a:latin typeface="Cambria Math" panose="02040503050406030204" pitchFamily="18" charset="0"/>
+                            <a:ea typeface="Cambria Math" panose="02040503050406030204" pitchFamily="18" charset="0"/>
+                          </a:rPr>
+                        </m:ctrlPr>
+                      </m:accPr>
+                      <m:e>
+                        <m:r>
+                          <a:rPr lang="fr-FR" sz="1200" b="0" i="1" smtClean="0">
+                            <a:latin typeface="Cambria Math" panose="02040503050406030204" pitchFamily="18" charset="0"/>
+                            <a:ea typeface="Cambria Math" panose="02040503050406030204" pitchFamily="18" charset="0"/>
+                          </a:rPr>
+                          <m:t>𝜎</m:t>
+                        </m:r>
+                        <m:d>
+                          <m:dPr>
+                            <m:ctrlPr>
+                              <a:rPr lang="fr-FR" sz="1200" i="1">
+                                <a:latin typeface="Cambria Math" panose="02040503050406030204" pitchFamily="18" charset="0"/>
+                                <a:ea typeface="Cambria Math" panose="02040503050406030204" pitchFamily="18" charset="0"/>
+                              </a:rPr>
+                            </m:ctrlPr>
+                          </m:dPr>
+                          <m:e>
+                            <m:r>
+                              <a:rPr lang="fr-FR" sz="1200" i="1" smtClean="0">
+                                <a:latin typeface="Cambria Math" panose="02040503050406030204" pitchFamily="18" charset="0"/>
+                                <a:ea typeface="Cambria Math" panose="02040503050406030204" pitchFamily="18" charset="0"/>
+                              </a:rPr>
+                              <m:t>𝐺</m:t>
+                            </m:r>
+                            <m:r>
+                              <a:rPr lang="fr-FR" sz="1200" i="1">
+                                <a:latin typeface="Cambria Math" panose="02040503050406030204" pitchFamily="18" charset="0"/>
+                                <a:ea typeface="Cambria Math" panose="02040503050406030204" pitchFamily="18" charset="0"/>
+                              </a:rPr>
+                              <m:t>,</m:t>
+                            </m:r>
+                            <m:r>
+                              <a:rPr lang="fr-FR" sz="1200" b="0" i="1" smtClean="0">
+                                <a:latin typeface="Cambria Math" panose="02040503050406030204" pitchFamily="18" charset="0"/>
+                                <a:ea typeface="Cambria Math" panose="02040503050406030204" pitchFamily="18" charset="0"/>
+                              </a:rPr>
+                              <m:t>3</m:t>
+                            </m:r>
+                            <m:r>
+                              <m:rPr>
+                                <m:lit/>
+                              </m:rPr>
+                              <a:rPr lang="fr-FR" sz="1200" i="1">
+                                <a:latin typeface="Cambria Math" panose="02040503050406030204" pitchFamily="18" charset="0"/>
+                                <a:ea typeface="Cambria Math" panose="02040503050406030204" pitchFamily="18" charset="0"/>
+                              </a:rPr>
+                              <m:t>/</m:t>
+                            </m:r>
+                            <m:r>
+                              <a:rPr lang="fr-FR" sz="1200" i="1">
+                                <a:latin typeface="Cambria Math" panose="02040503050406030204" pitchFamily="18" charset="0"/>
+                                <a:ea typeface="Cambria Math" panose="02040503050406030204" pitchFamily="18" charset="0"/>
+                              </a:rPr>
+                              <m:t>0</m:t>
+                            </m:r>
+                          </m:e>
+                        </m:d>
+                      </m:e>
+                    </m:acc>
+                    <m:r>
+                      <a:rPr lang="fr-FR" sz="1200" b="0" i="0" smtClean="0">
+                        <a:latin typeface="Cambria Math" panose="02040503050406030204" pitchFamily="18" charset="0"/>
+                        <a:ea typeface="Cambria Math" panose="02040503050406030204" pitchFamily="18" charset="0"/>
+                      </a:rPr>
+                      <m:t>=</m:t>
+                    </m:r>
+                    <m:sSub>
+                      <m:sSubPr>
+                        <m:ctrlPr>
+                          <a:rPr lang="fr-FR" sz="1200" b="0" i="1" smtClean="0">
+                            <a:latin typeface="Cambria Math" panose="02040503050406030204" pitchFamily="18" charset="0"/>
+                            <a:ea typeface="Cambria Math" panose="02040503050406030204" pitchFamily="18" charset="0"/>
+                          </a:rPr>
+                        </m:ctrlPr>
+                      </m:sSubPr>
+                      <m:e>
+                        <m:d>
+                          <m:dPr>
+                            <m:begChr m:val="["/>
+                            <m:endChr m:val="]"/>
+                            <m:ctrlPr>
+                              <a:rPr lang="fr-FR" sz="1200" b="0" i="1" smtClean="0">
+                                <a:latin typeface="Cambria Math" panose="02040503050406030204" pitchFamily="18" charset="0"/>
+                                <a:ea typeface="Cambria Math" panose="02040503050406030204" pitchFamily="18" charset="0"/>
+                              </a:rPr>
+                            </m:ctrlPr>
+                          </m:dPr>
+                          <m:e>
+                            <m:m>
+                              <m:mPr>
+                                <m:mcs>
+                                  <m:mc>
+                                    <m:mcPr>
+                                      <m:count m:val="3"/>
+                                      <m:mcJc m:val="center"/>
+                                    </m:mcPr>
+                                  </m:mc>
+                                </m:mcs>
+                                <m:ctrlPr>
+                                  <a:rPr lang="fr-FR" sz="1200" b="0" i="1" smtClean="0">
+                                    <a:latin typeface="Cambria Math" panose="02040503050406030204" pitchFamily="18" charset="0"/>
+                                    <a:ea typeface="Cambria Math" panose="02040503050406030204" pitchFamily="18" charset="0"/>
+                                  </a:rPr>
+                                </m:ctrlPr>
+                              </m:mPr>
+                              <m:mr>
+                                <m:e>
+                                  <m:r>
+                                    <m:rPr>
+                                      <m:brk m:alnAt="7"/>
+                                    </m:rPr>
+                                    <a:rPr lang="fr-FR" sz="1200" b="0" i="1" smtClean="0">
+                                      <a:latin typeface="Cambria Math" panose="02040503050406030204" pitchFamily="18" charset="0"/>
+                                      <a:ea typeface="Cambria Math" panose="02040503050406030204" pitchFamily="18" charset="0"/>
+                                    </a:rPr>
+                                    <m:t>𝐴</m:t>
+                                  </m:r>
+                                </m:e>
+                                <m:e/>
+                                <m:e/>
+                              </m:mr>
+                              <m:mr>
+                                <m:e/>
+                                <m:e>
+                                  <m:r>
+                                    <a:rPr lang="fr-FR" sz="1200" b="0" i="1" smtClean="0">
+                                      <a:latin typeface="Cambria Math" panose="02040503050406030204" pitchFamily="18" charset="0"/>
+                                      <a:ea typeface="Cambria Math" panose="02040503050406030204" pitchFamily="18" charset="0"/>
+                                    </a:rPr>
+                                    <m:t>𝐵</m:t>
+                                  </m:r>
+                                </m:e>
+                                <m:e/>
+                              </m:mr>
+                              <m:mr>
+                                <m:e/>
+                                <m:e/>
+                                <m:e>
+                                  <m:r>
+                                    <a:rPr lang="fr-FR" sz="1200" b="0" i="1" smtClean="0">
+                                      <a:latin typeface="Cambria Math" panose="02040503050406030204" pitchFamily="18" charset="0"/>
+                                      <a:ea typeface="Cambria Math" panose="02040503050406030204" pitchFamily="18" charset="0"/>
+                                    </a:rPr>
+                                    <m:t>𝐶</m:t>
+                                  </m:r>
+                                </m:e>
+                              </m:mr>
+                            </m:m>
+                          </m:e>
+                        </m:d>
+                      </m:e>
+                      <m:sub>
+                        <m:sSub>
+                          <m:sSubPr>
+                            <m:ctrlPr>
+                              <a:rPr lang="fr-FR" sz="1200" b="0" i="1" smtClean="0">
+                                <a:latin typeface="Cambria Math" panose="02040503050406030204" pitchFamily="18" charset="0"/>
+                                <a:ea typeface="Cambria Math" panose="02040503050406030204" pitchFamily="18" charset="0"/>
+                              </a:rPr>
+                            </m:ctrlPr>
+                          </m:sSubPr>
+                          <m:e>
+                            <m:r>
+                              <a:rPr lang="fr-FR" sz="1200" b="0" i="1" smtClean="0">
+                                <a:latin typeface="Cambria Math" panose="02040503050406030204" pitchFamily="18" charset="0"/>
+                                <a:ea typeface="Cambria Math" panose="02040503050406030204" pitchFamily="18" charset="0"/>
+                              </a:rPr>
+                              <m:t>𝐵</m:t>
+                            </m:r>
+                          </m:e>
+                          <m:sub>
+                            <m:r>
+                              <a:rPr lang="fr-FR" sz="1200" b="0" i="1" smtClean="0">
+                                <a:latin typeface="Cambria Math" panose="02040503050406030204" pitchFamily="18" charset="0"/>
+                                <a:ea typeface="Cambria Math" panose="02040503050406030204" pitchFamily="18" charset="0"/>
+                              </a:rPr>
+                              <m:t>1</m:t>
+                            </m:r>
+                          </m:sub>
+                        </m:sSub>
+                      </m:sub>
+                    </m:sSub>
+                    <m:sSub>
+                      <m:sSubPr>
+                        <m:ctrlPr>
+                          <a:rPr lang="fr-FR" sz="1200" b="0" i="1" smtClean="0">
+                            <a:latin typeface="Cambria Math" panose="02040503050406030204" pitchFamily="18" charset="0"/>
+                            <a:ea typeface="Cambria Math" panose="02040503050406030204" pitchFamily="18" charset="0"/>
+                          </a:rPr>
+                        </m:ctrlPr>
+                      </m:sSubPr>
+                      <m:e>
+                        <m:d>
+                          <m:dPr>
+                            <m:begChr m:val="["/>
+                            <m:endChr m:val="]"/>
+                            <m:ctrlPr>
+                              <a:rPr lang="fr-FR" sz="1200" b="0" i="1" smtClean="0">
+                                <a:latin typeface="Cambria Math" panose="02040503050406030204" pitchFamily="18" charset="0"/>
+                                <a:ea typeface="Cambria Math" panose="02040503050406030204" pitchFamily="18" charset="0"/>
+                              </a:rPr>
+                            </m:ctrlPr>
+                          </m:dPr>
+                          <m:e>
+                            <m:m>
+                              <m:mPr>
+                                <m:mcs>
+                                  <m:mc>
+                                    <m:mcPr>
+                                      <m:count m:val="1"/>
+                                      <m:mcJc m:val="center"/>
+                                    </m:mcPr>
+                                  </m:mc>
+                                </m:mcs>
+                                <m:ctrlPr>
+                                  <a:rPr lang="fr-FR" sz="1200" b="0" i="1" smtClean="0">
+                                    <a:latin typeface="Cambria Math" panose="02040503050406030204" pitchFamily="18" charset="0"/>
+                                    <a:ea typeface="Cambria Math" panose="02040503050406030204" pitchFamily="18" charset="0"/>
+                                  </a:rPr>
+                                </m:ctrlPr>
+                              </m:mPr>
+                              <m:mr>
+                                <m:e>
+                                  <m:r>
+                                    <a:rPr lang="fr-FR" sz="1200" b="0" i="1" smtClean="0">
+                                      <a:latin typeface="Cambria Math" panose="02040503050406030204" pitchFamily="18" charset="0"/>
+                                      <a:ea typeface="Cambria Math" panose="02040503050406030204" pitchFamily="18" charset="0"/>
+                                    </a:rPr>
+                                    <m:t>0</m:t>
+                                  </m:r>
+                                </m:e>
+                              </m:mr>
+                              <m:mr>
+                                <m:e>
+                                  <m:r>
+                                    <a:rPr lang="fr-FR" sz="1200" b="0" i="1" smtClean="0">
+                                      <a:latin typeface="Cambria Math" panose="02040503050406030204" pitchFamily="18" charset="0"/>
+                                      <a:ea typeface="Cambria Math" panose="02040503050406030204" pitchFamily="18" charset="0"/>
+                                    </a:rPr>
+                                    <m:t>0</m:t>
+                                  </m:r>
+                                </m:e>
+                              </m:mr>
+                              <m:mr>
+                                <m:e>
+                                  <m:sSub>
+                                    <m:sSubPr>
+                                      <m:ctrlPr>
+                                        <a:rPr lang="fr-FR" sz="1200" b="0" i="1" smtClean="0">
+                                          <a:latin typeface="Cambria Math" panose="02040503050406030204" pitchFamily="18" charset="0"/>
+                                          <a:ea typeface="Cambria Math" panose="02040503050406030204" pitchFamily="18" charset="0"/>
+                                        </a:rPr>
+                                      </m:ctrlPr>
+                                    </m:sSubPr>
+                                    <m:e>
+                                      <m:r>
+                                        <a:rPr lang="fr-FR" sz="1200" b="0" i="1" smtClean="0">
+                                          <a:latin typeface="Cambria Math" panose="02040503050406030204" pitchFamily="18" charset="0"/>
+                                          <a:ea typeface="Cambria Math" panose="02040503050406030204" pitchFamily="18" charset="0"/>
+                                        </a:rPr>
+                                        <m:t>𝜔</m:t>
+                                      </m:r>
+                                    </m:e>
+                                    <m:sub>
+                                      <m:r>
+                                        <a:rPr lang="fr-FR" sz="1200" b="0" i="1" smtClean="0">
+                                          <a:latin typeface="Cambria Math" panose="02040503050406030204" pitchFamily="18" charset="0"/>
+                                          <a:ea typeface="Cambria Math" panose="02040503050406030204" pitchFamily="18" charset="0"/>
+                                        </a:rPr>
+                                        <m:t>30</m:t>
+                                      </m:r>
+                                    </m:sub>
+                                  </m:sSub>
+                                </m:e>
+                              </m:mr>
+                            </m:m>
+                          </m:e>
+                        </m:d>
+                      </m:e>
+                      <m:sub>
+                        <m:sSub>
+                          <m:sSubPr>
+                            <m:ctrlPr>
+                              <a:rPr lang="fr-FR" sz="1200" b="0" i="1" smtClean="0">
+                                <a:latin typeface="Cambria Math" panose="02040503050406030204" pitchFamily="18" charset="0"/>
+                                <a:ea typeface="Cambria Math" panose="02040503050406030204" pitchFamily="18" charset="0"/>
+                              </a:rPr>
+                            </m:ctrlPr>
+                          </m:sSubPr>
+                          <m:e>
+                            <m:r>
+                              <a:rPr lang="fr-FR" sz="1200" b="0" i="1" smtClean="0">
+                                <a:latin typeface="Cambria Math" panose="02040503050406030204" pitchFamily="18" charset="0"/>
+                                <a:ea typeface="Cambria Math" panose="02040503050406030204" pitchFamily="18" charset="0"/>
+                              </a:rPr>
+                              <m:t>𝐵</m:t>
+                            </m:r>
+                          </m:e>
+                          <m:sub>
+                            <m:r>
+                              <a:rPr lang="fr-FR" sz="1200" b="0" i="1" smtClean="0">
+                                <a:latin typeface="Cambria Math" panose="02040503050406030204" pitchFamily="18" charset="0"/>
+                                <a:ea typeface="Cambria Math" panose="02040503050406030204" pitchFamily="18" charset="0"/>
+                              </a:rPr>
+                              <m:t>1</m:t>
+                            </m:r>
+                          </m:sub>
+                        </m:sSub>
+                      </m:sub>
+                    </m:sSub>
+                    <m:r>
+                      <a:rPr lang="fr-FR" sz="1200" b="0" i="1" smtClean="0">
+                        <a:latin typeface="Cambria Math" panose="02040503050406030204" pitchFamily="18" charset="0"/>
+                        <a:ea typeface="Cambria Math" panose="02040503050406030204" pitchFamily="18" charset="0"/>
+                      </a:rPr>
+                      <m:t>=</m:t>
+                    </m:r>
+                    <m:sSub>
+                      <m:sSubPr>
+                        <m:ctrlPr>
+                          <a:rPr lang="fr-FR" sz="1200" i="1">
+                            <a:latin typeface="Cambria Math" panose="02040503050406030204" pitchFamily="18" charset="0"/>
+                            <a:ea typeface="Cambria Math" panose="02040503050406030204" pitchFamily="18" charset="0"/>
+                          </a:rPr>
+                        </m:ctrlPr>
+                      </m:sSubPr>
+                      <m:e>
+                        <m:d>
+                          <m:dPr>
+                            <m:begChr m:val="["/>
+                            <m:endChr m:val="]"/>
+                            <m:ctrlPr>
+                              <a:rPr lang="fr-FR" sz="1200" i="1">
+                                <a:latin typeface="Cambria Math" panose="02040503050406030204" pitchFamily="18" charset="0"/>
+                                <a:ea typeface="Cambria Math" panose="02040503050406030204" pitchFamily="18" charset="0"/>
+                              </a:rPr>
+                            </m:ctrlPr>
+                          </m:dPr>
+                          <m:e>
+                            <m:m>
+                              <m:mPr>
+                                <m:mcs>
+                                  <m:mc>
+                                    <m:mcPr>
+                                      <m:count m:val="1"/>
+                                      <m:mcJc m:val="center"/>
+                                    </m:mcPr>
+                                  </m:mc>
+                                </m:mcs>
+                                <m:ctrlPr>
+                                  <a:rPr lang="fr-FR" sz="1200" i="1">
+                                    <a:latin typeface="Cambria Math" panose="02040503050406030204" pitchFamily="18" charset="0"/>
+                                    <a:ea typeface="Cambria Math" panose="02040503050406030204" pitchFamily="18" charset="0"/>
+                                  </a:rPr>
+                                </m:ctrlPr>
+                              </m:mPr>
+                              <m:mr>
+                                <m:e>
+                                  <m:r>
+                                    <a:rPr lang="fr-FR" sz="1200" b="0" i="1" smtClean="0">
+                                      <a:latin typeface="Cambria Math" panose="02040503050406030204" pitchFamily="18" charset="0"/>
+                                      <a:ea typeface="Cambria Math" panose="02040503050406030204" pitchFamily="18" charset="0"/>
+                                    </a:rPr>
+                                    <m:t>0</m:t>
+                                  </m:r>
+                                </m:e>
+                              </m:mr>
+                              <m:mr>
+                                <m:e>
+                                  <m:r>
+                                    <a:rPr lang="fr-FR" sz="1200" b="0" i="1" smtClean="0">
+                                      <a:latin typeface="Cambria Math" panose="02040503050406030204" pitchFamily="18" charset="0"/>
+                                      <a:ea typeface="Cambria Math" panose="02040503050406030204" pitchFamily="18" charset="0"/>
+                                    </a:rPr>
+                                    <m:t>0</m:t>
+                                  </m:r>
+                                </m:e>
+                              </m:mr>
+                              <m:mr>
+                                <m:e>
+                                  <m:r>
+                                    <a:rPr lang="fr-FR" sz="1200" b="0" i="1" smtClean="0">
+                                      <a:latin typeface="Cambria Math" panose="02040503050406030204" pitchFamily="18" charset="0"/>
+                                      <a:ea typeface="Cambria Math" panose="02040503050406030204" pitchFamily="18" charset="0"/>
+                                    </a:rPr>
+                                    <m:t>𝐶</m:t>
+                                  </m:r>
+                                  <m:sSub>
+                                    <m:sSubPr>
+                                      <m:ctrlPr>
+                                        <a:rPr lang="fr-FR" sz="1200" b="0" i="1" smtClean="0">
+                                          <a:latin typeface="Cambria Math" panose="02040503050406030204" pitchFamily="18" charset="0"/>
+                                          <a:ea typeface="Cambria Math" panose="02040503050406030204" pitchFamily="18" charset="0"/>
+                                        </a:rPr>
+                                      </m:ctrlPr>
+                                    </m:sSubPr>
+                                    <m:e>
+                                      <m:r>
+                                        <a:rPr lang="fr-FR" sz="1200" b="0" i="1" smtClean="0">
+                                          <a:latin typeface="Cambria Math" panose="02040503050406030204" pitchFamily="18" charset="0"/>
+                                          <a:ea typeface="Cambria Math" panose="02040503050406030204" pitchFamily="18" charset="0"/>
+                                        </a:rPr>
+                                        <m:t>𝜔</m:t>
+                                      </m:r>
+                                    </m:e>
+                                    <m:sub>
+                                      <m:r>
+                                        <a:rPr lang="fr-FR" sz="1200" b="0" i="1" smtClean="0">
+                                          <a:latin typeface="Cambria Math" panose="02040503050406030204" pitchFamily="18" charset="0"/>
+                                          <a:ea typeface="Cambria Math" panose="02040503050406030204" pitchFamily="18" charset="0"/>
+                                        </a:rPr>
+                                        <m:t>30</m:t>
+                                      </m:r>
+                                    </m:sub>
+                                  </m:sSub>
+                                </m:e>
+                              </m:mr>
+                            </m:m>
+                          </m:e>
+                        </m:d>
+                      </m:e>
+                      <m:sub>
+                        <m:sSub>
+                          <m:sSubPr>
+                            <m:ctrlPr>
+                              <a:rPr lang="fr-FR" sz="1200" i="1">
+                                <a:latin typeface="Cambria Math" panose="02040503050406030204" pitchFamily="18" charset="0"/>
+                                <a:ea typeface="Cambria Math" panose="02040503050406030204" pitchFamily="18" charset="0"/>
+                              </a:rPr>
+                            </m:ctrlPr>
+                          </m:sSubPr>
+                          <m:e>
+                            <m:r>
+                              <a:rPr lang="fr-FR" sz="1200" i="1">
+                                <a:latin typeface="Cambria Math" panose="02040503050406030204" pitchFamily="18" charset="0"/>
+                                <a:ea typeface="Cambria Math" panose="02040503050406030204" pitchFamily="18" charset="0"/>
+                              </a:rPr>
+                              <m:t>𝐵</m:t>
+                            </m:r>
+                          </m:e>
+                          <m:sub>
+                            <m:r>
+                              <a:rPr lang="fr-FR" sz="1200" b="0" i="1" smtClean="0">
+                                <a:latin typeface="Cambria Math" panose="02040503050406030204" pitchFamily="18" charset="0"/>
+                                <a:ea typeface="Cambria Math" panose="02040503050406030204" pitchFamily="18" charset="0"/>
+                              </a:rPr>
+                              <m:t>1</m:t>
+                            </m:r>
+                          </m:sub>
+                        </m:sSub>
+                      </m:sub>
+                    </m:sSub>
+                  </m:oMath>
+                </a14:m>
+                <a:endParaRPr lang="fr-FR" sz="1200" dirty="0"/>
+              </a:p>
+              <a:p>
+                <a:pPr lvl="2"/>
+                <a14:m>
+                  <m:oMath xmlns:m="http://schemas.openxmlformats.org/officeDocument/2006/math">
+                    <m:acc>
+                      <m:accPr>
+                        <m:chr m:val="⃗"/>
+                        <m:ctrlPr>
+                          <a:rPr lang="fr-FR" sz="1200" i="1" smtClean="0">
+                            <a:latin typeface="Cambria Math" panose="02040503050406030204" pitchFamily="18" charset="0"/>
+                            <a:ea typeface="Cambria Math" panose="02040503050406030204" pitchFamily="18" charset="0"/>
+                          </a:rPr>
+                        </m:ctrlPr>
+                      </m:accPr>
+                      <m:e>
+                        <m:r>
+                          <a:rPr lang="fr-FR" sz="1200" b="0" i="1" smtClean="0">
+                            <a:latin typeface="Cambria Math" panose="02040503050406030204" pitchFamily="18" charset="0"/>
+                            <a:ea typeface="Cambria Math" panose="02040503050406030204" pitchFamily="18" charset="0"/>
+                          </a:rPr>
+                          <m:t>𝜎</m:t>
+                        </m:r>
+                        <m:d>
+                          <m:dPr>
+                            <m:ctrlPr>
+                              <a:rPr lang="fr-FR" sz="1200" i="1">
+                                <a:latin typeface="Cambria Math" panose="02040503050406030204" pitchFamily="18" charset="0"/>
+                                <a:ea typeface="Cambria Math" panose="02040503050406030204" pitchFamily="18" charset="0"/>
+                              </a:rPr>
+                            </m:ctrlPr>
+                          </m:dPr>
+                          <m:e>
+                            <m:r>
+                              <a:rPr lang="fr-FR" sz="1200" i="1">
+                                <a:latin typeface="Cambria Math" panose="02040503050406030204" pitchFamily="18" charset="0"/>
+                                <a:ea typeface="Cambria Math" panose="02040503050406030204" pitchFamily="18" charset="0"/>
+                              </a:rPr>
+                              <m:t>𝐺</m:t>
+                            </m:r>
+                            <m:r>
+                              <a:rPr lang="fr-FR" sz="1200" i="1">
+                                <a:latin typeface="Cambria Math" panose="02040503050406030204" pitchFamily="18" charset="0"/>
+                                <a:ea typeface="Cambria Math" panose="02040503050406030204" pitchFamily="18" charset="0"/>
+                              </a:rPr>
+                              <m:t>,</m:t>
+                            </m:r>
+                            <m:r>
+                              <a:rPr lang="fr-FR" sz="1200" b="0" i="1" smtClean="0">
+                                <a:latin typeface="Cambria Math" panose="02040503050406030204" pitchFamily="18" charset="0"/>
+                                <a:ea typeface="Cambria Math" panose="02040503050406030204" pitchFamily="18" charset="0"/>
+                              </a:rPr>
+                              <m:t>𝐸</m:t>
+                            </m:r>
+                            <m:r>
+                              <m:rPr>
+                                <m:lit/>
+                              </m:rPr>
+                              <a:rPr lang="fr-FR" sz="1200" i="1">
+                                <a:latin typeface="Cambria Math" panose="02040503050406030204" pitchFamily="18" charset="0"/>
+                                <a:ea typeface="Cambria Math" panose="02040503050406030204" pitchFamily="18" charset="0"/>
+                              </a:rPr>
+                              <m:t>/</m:t>
+                            </m:r>
+                            <m:r>
+                              <a:rPr lang="fr-FR" sz="1200" i="1">
+                                <a:latin typeface="Cambria Math" panose="02040503050406030204" pitchFamily="18" charset="0"/>
+                                <a:ea typeface="Cambria Math" panose="02040503050406030204" pitchFamily="18" charset="0"/>
+                              </a:rPr>
+                              <m:t>0</m:t>
+                            </m:r>
+                          </m:e>
+                        </m:d>
+                      </m:e>
+                    </m:acc>
+                    <m:r>
+                      <a:rPr lang="fr-FR" sz="1200" b="0" i="1" smtClean="0">
+                        <a:latin typeface="Cambria Math" panose="02040503050406030204" pitchFamily="18" charset="0"/>
+                        <a:ea typeface="Cambria Math" panose="02040503050406030204" pitchFamily="18" charset="0"/>
+                      </a:rPr>
+                      <m:t>⋅</m:t>
+                    </m:r>
+                    <m:acc>
+                      <m:accPr>
+                        <m:chr m:val="⃗"/>
+                        <m:ctrlPr>
+                          <a:rPr lang="fr-FR" sz="1200" i="1">
+                            <a:latin typeface="Cambria Math" panose="02040503050406030204" pitchFamily="18" charset="0"/>
+                            <a:ea typeface="Cambria Math" panose="02040503050406030204" pitchFamily="18" charset="0"/>
+                          </a:rPr>
+                        </m:ctrlPr>
+                      </m:accPr>
+                      <m:e>
+                        <m:r>
+                          <m:rPr>
+                            <m:sty m:val="p"/>
+                          </m:rPr>
+                          <a:rPr lang="fr-FR" sz="1200">
+                            <a:latin typeface="Cambria Math" panose="02040503050406030204" pitchFamily="18" charset="0"/>
+                            <a:ea typeface="Cambria Math" panose="02040503050406030204" pitchFamily="18" charset="0"/>
+                          </a:rPr>
+                          <m:t>Ω</m:t>
+                        </m:r>
+                        <m:d>
+                          <m:dPr>
+                            <m:ctrlPr>
+                              <a:rPr lang="fr-FR" sz="1200" i="1">
+                                <a:latin typeface="Cambria Math" panose="02040503050406030204" pitchFamily="18" charset="0"/>
+                                <a:ea typeface="Cambria Math" panose="02040503050406030204" pitchFamily="18" charset="0"/>
+                              </a:rPr>
+                            </m:ctrlPr>
+                          </m:dPr>
+                          <m:e>
+                            <m:r>
+                              <a:rPr lang="fr-FR" sz="1200" i="1">
+                                <a:latin typeface="Cambria Math" panose="02040503050406030204" pitchFamily="18" charset="0"/>
+                                <a:ea typeface="Cambria Math" panose="02040503050406030204" pitchFamily="18" charset="0"/>
+                              </a:rPr>
+                              <m:t>𝑅</m:t>
+                            </m:r>
+                            <m:r>
+                              <m:rPr>
+                                <m:lit/>
+                              </m:rPr>
+                              <a:rPr lang="fr-FR" sz="1200" i="1">
+                                <a:latin typeface="Cambria Math" panose="02040503050406030204" pitchFamily="18" charset="0"/>
+                                <a:ea typeface="Cambria Math" panose="02040503050406030204" pitchFamily="18" charset="0"/>
+                              </a:rPr>
+                              <m:t>/</m:t>
+                            </m:r>
+                            <m:r>
+                              <a:rPr lang="fr-FR" sz="1200" i="1">
+                                <a:latin typeface="Cambria Math" panose="02040503050406030204" pitchFamily="18" charset="0"/>
+                                <a:ea typeface="Cambria Math" panose="02040503050406030204" pitchFamily="18" charset="0"/>
+                              </a:rPr>
+                              <m:t>0</m:t>
+                            </m:r>
+                          </m:e>
+                        </m:d>
+                      </m:e>
+                    </m:acc>
+                    <m:r>
+                      <a:rPr lang="fr-FR" sz="1200" b="0" i="1" smtClean="0">
+                        <a:latin typeface="Cambria Math" panose="02040503050406030204" pitchFamily="18" charset="0"/>
+                        <a:ea typeface="Cambria Math" panose="02040503050406030204" pitchFamily="18" charset="0"/>
+                      </a:rPr>
+                      <m:t>=</m:t>
+                    </m:r>
+                    <m:r>
+                      <a:rPr lang="fr-FR" sz="1200" b="0" i="1" smtClean="0">
+                        <a:latin typeface="Cambria Math" panose="02040503050406030204" pitchFamily="18" charset="0"/>
+                        <a:ea typeface="Cambria Math" panose="02040503050406030204" pitchFamily="18" charset="0"/>
+                      </a:rPr>
+                      <m:t>𝐶</m:t>
+                    </m:r>
+                    <m:sSubSup>
+                      <m:sSubSupPr>
+                        <m:ctrlPr>
+                          <a:rPr lang="fr-FR" sz="1200" b="0" i="1" smtClean="0">
+                            <a:latin typeface="Cambria Math" panose="02040503050406030204" pitchFamily="18" charset="0"/>
+                            <a:ea typeface="Cambria Math" panose="02040503050406030204" pitchFamily="18" charset="0"/>
+                          </a:rPr>
+                        </m:ctrlPr>
+                      </m:sSubSupPr>
+                      <m:e>
+                        <m:r>
+                          <a:rPr lang="fr-FR" sz="1200" b="0" i="1" smtClean="0">
+                            <a:latin typeface="Cambria Math" panose="02040503050406030204" pitchFamily="18" charset="0"/>
+                            <a:ea typeface="Cambria Math" panose="02040503050406030204" pitchFamily="18" charset="0"/>
+                          </a:rPr>
+                          <m:t>𝜔</m:t>
+                        </m:r>
+                      </m:e>
+                      <m:sub>
+                        <m:r>
+                          <a:rPr lang="fr-FR" sz="1200" b="0" i="1" smtClean="0">
+                            <a:latin typeface="Cambria Math" panose="02040503050406030204" pitchFamily="18" charset="0"/>
+                            <a:ea typeface="Cambria Math" panose="02040503050406030204" pitchFamily="18" charset="0"/>
+                          </a:rPr>
+                          <m:t>30</m:t>
+                        </m:r>
+                      </m:sub>
+                      <m:sup>
+                        <m:r>
+                          <a:rPr lang="fr-FR" sz="1200" b="0" i="1" smtClean="0">
+                            <a:latin typeface="Cambria Math" panose="02040503050406030204" pitchFamily="18" charset="0"/>
+                            <a:ea typeface="Cambria Math" panose="02040503050406030204" pitchFamily="18" charset="0"/>
+                          </a:rPr>
+                          <m:t>2</m:t>
+                        </m:r>
+                      </m:sup>
+                    </m:sSubSup>
+                  </m:oMath>
+                </a14:m>
+                <a:endParaRPr lang="fr-FR" sz="1200" dirty="0">
+                  <a:ea typeface="Cambria Math" panose="02040503050406030204" pitchFamily="18" charset="0"/>
+                </a:endParaRPr>
+              </a:p>
+              <a:p>
+                <a:pPr lvl="2"/>
+                <a14:m>
+                  <m:oMath xmlns:m="http://schemas.openxmlformats.org/officeDocument/2006/math">
+                    <m:acc>
+                      <m:accPr>
+                        <m:chr m:val="⃗"/>
+                        <m:ctrlPr>
+                          <a:rPr lang="fr-FR" sz="1200" i="1" smtClean="0">
+                            <a:latin typeface="Cambria Math" panose="02040503050406030204" pitchFamily="18" charset="0"/>
+                            <a:ea typeface="Cambria Math" panose="02040503050406030204" pitchFamily="18" charset="0"/>
+                          </a:rPr>
+                        </m:ctrlPr>
+                      </m:accPr>
+                      <m:e>
+                        <m:r>
+                          <m:rPr>
+                            <m:sty m:val="p"/>
+                          </m:rPr>
+                          <a:rPr lang="fr-FR" sz="1200" b="0" i="0" smtClean="0">
+                            <a:latin typeface="Cambria Math" panose="02040503050406030204" pitchFamily="18" charset="0"/>
+                            <a:ea typeface="Cambria Math" panose="02040503050406030204" pitchFamily="18" charset="0"/>
+                          </a:rPr>
+                          <m:t>V</m:t>
+                        </m:r>
+                        <m:d>
+                          <m:dPr>
+                            <m:ctrlPr>
+                              <a:rPr lang="fr-FR" sz="1200" i="1">
+                                <a:latin typeface="Cambria Math" panose="02040503050406030204" pitchFamily="18" charset="0"/>
+                                <a:ea typeface="Cambria Math" panose="02040503050406030204" pitchFamily="18" charset="0"/>
+                              </a:rPr>
+                            </m:ctrlPr>
+                          </m:dPr>
+                          <m:e>
+                            <m:r>
+                              <a:rPr lang="fr-FR" sz="1200" b="0" i="1" smtClean="0">
+                                <a:latin typeface="Cambria Math" panose="02040503050406030204" pitchFamily="18" charset="0"/>
+                                <a:ea typeface="Cambria Math" panose="02040503050406030204" pitchFamily="18" charset="0"/>
+                              </a:rPr>
+                              <m:t>𝐺</m:t>
+                            </m:r>
+                            <m:r>
+                              <a:rPr lang="fr-FR" sz="1200" b="0" i="1" smtClean="0">
+                                <a:latin typeface="Cambria Math" panose="02040503050406030204" pitchFamily="18" charset="0"/>
+                                <a:ea typeface="Cambria Math" panose="02040503050406030204" pitchFamily="18" charset="0"/>
+                              </a:rPr>
+                              <m:t>,</m:t>
+                            </m:r>
+                            <m:r>
+                              <a:rPr lang="fr-FR" sz="1200" b="0" i="1" smtClean="0">
+                                <a:latin typeface="Cambria Math" panose="02040503050406030204" pitchFamily="18" charset="0"/>
+                                <a:ea typeface="Cambria Math" panose="02040503050406030204" pitchFamily="18" charset="0"/>
+                              </a:rPr>
+                              <m:t>𝐸</m:t>
+                            </m:r>
+                            <m:r>
+                              <m:rPr>
+                                <m:lit/>
+                              </m:rPr>
+                              <a:rPr lang="fr-FR" sz="1200" i="1">
+                                <a:latin typeface="Cambria Math" panose="02040503050406030204" pitchFamily="18" charset="0"/>
+                                <a:ea typeface="Cambria Math" panose="02040503050406030204" pitchFamily="18" charset="0"/>
+                              </a:rPr>
+                              <m:t>/</m:t>
+                            </m:r>
+                            <m:r>
+                              <a:rPr lang="fr-FR" sz="1200" i="1">
+                                <a:latin typeface="Cambria Math" panose="02040503050406030204" pitchFamily="18" charset="0"/>
+                                <a:ea typeface="Cambria Math" panose="02040503050406030204" pitchFamily="18" charset="0"/>
+                              </a:rPr>
+                              <m:t>0</m:t>
+                            </m:r>
+                          </m:e>
+                        </m:d>
+                      </m:e>
+                    </m:acc>
+                    <m:r>
+                      <a:rPr lang="fr-FR" sz="1200" b="0" i="0" smtClean="0">
+                        <a:latin typeface="Cambria Math" panose="02040503050406030204" pitchFamily="18" charset="0"/>
+                        <a:ea typeface="Cambria Math" panose="02040503050406030204" pitchFamily="18" charset="0"/>
+                      </a:rPr>
+                      <m:t>=</m:t>
+                    </m:r>
+                    <m:d>
+                      <m:dPr>
+                        <m:begChr m:val="["/>
+                        <m:endChr m:val="]"/>
+                        <m:ctrlPr>
+                          <a:rPr lang="fr-FR" sz="1200" b="0" i="1" smtClean="0">
+                            <a:latin typeface="Cambria Math" panose="02040503050406030204" pitchFamily="18" charset="0"/>
+                            <a:ea typeface="Cambria Math" panose="02040503050406030204" pitchFamily="18" charset="0"/>
+                          </a:rPr>
+                        </m:ctrlPr>
+                      </m:dPr>
+                      <m:e>
+                        <m:f>
+                          <m:fPr>
+                            <m:ctrlPr>
+                              <a:rPr lang="fr-FR" sz="1200" b="0" i="1" smtClean="0">
+                                <a:latin typeface="Cambria Math" panose="02040503050406030204" pitchFamily="18" charset="0"/>
+                                <a:ea typeface="Cambria Math" panose="02040503050406030204" pitchFamily="18" charset="0"/>
+                              </a:rPr>
+                            </m:ctrlPr>
+                          </m:fPr>
+                          <m:num>
+                            <m:r>
+                              <m:rPr>
+                                <m:sty m:val="p"/>
+                              </m:rPr>
+                              <a:rPr lang="fr-FR" sz="1200" b="0" i="0" smtClean="0">
+                                <a:latin typeface="Cambria Math" panose="02040503050406030204" pitchFamily="18" charset="0"/>
+                                <a:ea typeface="Cambria Math" panose="02040503050406030204" pitchFamily="18" charset="0"/>
+                              </a:rPr>
+                              <m:t>d</m:t>
+                            </m:r>
+                            <m:acc>
+                              <m:accPr>
+                                <m:chr m:val="⃗"/>
+                                <m:ctrlPr>
+                                  <a:rPr lang="fr-FR" sz="1200" b="0" i="1" smtClean="0">
+                                    <a:latin typeface="Cambria Math" panose="02040503050406030204" pitchFamily="18" charset="0"/>
+                                    <a:ea typeface="Cambria Math" panose="02040503050406030204" pitchFamily="18" charset="0"/>
+                                  </a:rPr>
+                                </m:ctrlPr>
+                              </m:accPr>
+                              <m:e>
+                                <m:r>
+                                  <m:rPr>
+                                    <m:sty m:val="p"/>
+                                  </m:rPr>
+                                  <a:rPr lang="fr-FR" sz="1200" b="0" i="0" smtClean="0">
+                                    <a:latin typeface="Cambria Math" panose="02040503050406030204" pitchFamily="18" charset="0"/>
+                                    <a:ea typeface="Cambria Math" panose="02040503050406030204" pitchFamily="18" charset="0"/>
+                                  </a:rPr>
+                                  <m:t>DC</m:t>
+                                </m:r>
+                              </m:e>
+                            </m:acc>
+                          </m:num>
+                          <m:den>
+                            <m:r>
+                              <m:rPr>
+                                <m:sty m:val="p"/>
+                              </m:rPr>
+                              <a:rPr lang="fr-FR" sz="1200" b="0" i="0" smtClean="0">
+                                <a:latin typeface="Cambria Math" panose="02040503050406030204" pitchFamily="18" charset="0"/>
+                                <a:ea typeface="Cambria Math" panose="02040503050406030204" pitchFamily="18" charset="0"/>
+                              </a:rPr>
+                              <m:t>d</m:t>
+                            </m:r>
+                            <m:r>
+                              <a:rPr lang="fr-FR" sz="1200" b="0" i="1" smtClean="0">
+                                <a:latin typeface="Cambria Math" panose="02040503050406030204" pitchFamily="18" charset="0"/>
+                                <a:ea typeface="Cambria Math" panose="02040503050406030204" pitchFamily="18" charset="0"/>
+                              </a:rPr>
+                              <m:t>𝑡</m:t>
+                            </m:r>
+                          </m:den>
+                        </m:f>
+                      </m:e>
+                    </m:d>
+                    <m:r>
+                      <a:rPr lang="fr-FR" sz="1200" b="0" i="1" smtClean="0">
+                        <a:latin typeface="Cambria Math" panose="02040503050406030204" pitchFamily="18" charset="0"/>
+                        <a:ea typeface="Cambria Math" panose="02040503050406030204" pitchFamily="18" charset="0"/>
+                      </a:rPr>
+                      <m:t>=</m:t>
+                    </m:r>
+                    <m:r>
+                      <a:rPr lang="fr-FR" sz="1200" b="0" i="1" smtClean="0">
+                        <a:latin typeface="Cambria Math" panose="02040503050406030204" pitchFamily="18" charset="0"/>
+                        <a:ea typeface="Cambria Math" panose="02040503050406030204" pitchFamily="18" charset="0"/>
+                      </a:rPr>
+                      <m:t>𝑏</m:t>
+                    </m:r>
+                    <m:acc>
+                      <m:accPr>
+                        <m:chr m:val="̇"/>
+                        <m:ctrlPr>
+                          <a:rPr lang="fr-FR" sz="1200" i="1">
+                            <a:latin typeface="Cambria Math" panose="02040503050406030204" pitchFamily="18" charset="0"/>
+                            <a:ea typeface="Cambria Math" panose="02040503050406030204" pitchFamily="18" charset="0"/>
+                          </a:rPr>
+                        </m:ctrlPr>
+                      </m:accPr>
+                      <m:e>
+                        <m:r>
+                          <a:rPr lang="fr-FR" sz="1200" b="0" i="1" smtClean="0">
+                            <a:latin typeface="Cambria Math" panose="02040503050406030204" pitchFamily="18" charset="0"/>
+                            <a:ea typeface="Cambria Math" panose="02040503050406030204" pitchFamily="18" charset="0"/>
+                          </a:rPr>
+                          <m:t>𝜃</m:t>
+                        </m:r>
+                      </m:e>
+                    </m:acc>
+                    <m:acc>
+                      <m:accPr>
+                        <m:chr m:val="⃗"/>
+                        <m:ctrlPr>
+                          <a:rPr lang="fr-FR" sz="1200" i="1" smtClean="0">
+                            <a:latin typeface="Cambria Math" panose="02040503050406030204" pitchFamily="18" charset="0"/>
+                            <a:ea typeface="Cambria Math" panose="02040503050406030204" pitchFamily="18" charset="0"/>
+                          </a:rPr>
+                        </m:ctrlPr>
+                      </m:accPr>
+                      <m:e>
+                        <m:sSub>
+                          <m:sSubPr>
+                            <m:ctrlPr>
+                              <a:rPr lang="fr-FR" sz="1200" b="0" i="1" smtClean="0">
+                                <a:latin typeface="Cambria Math" panose="02040503050406030204" pitchFamily="18" charset="0"/>
+                                <a:ea typeface="Cambria Math" panose="02040503050406030204" pitchFamily="18" charset="0"/>
+                              </a:rPr>
+                            </m:ctrlPr>
+                          </m:sSubPr>
+                          <m:e>
+                            <m:r>
+                              <a:rPr lang="fr-FR" sz="1200" b="0" i="1" smtClean="0">
+                                <a:latin typeface="Cambria Math" panose="02040503050406030204" pitchFamily="18" charset="0"/>
+                                <a:ea typeface="Cambria Math" panose="02040503050406030204" pitchFamily="18" charset="0"/>
+                              </a:rPr>
+                              <m:t>𝑦</m:t>
+                            </m:r>
+                          </m:e>
+                          <m:sub>
+                            <m:r>
+                              <a:rPr lang="fr-FR" sz="1200" b="0" i="1" smtClean="0">
+                                <a:latin typeface="Cambria Math" panose="02040503050406030204" pitchFamily="18" charset="0"/>
+                                <a:ea typeface="Cambria Math" panose="02040503050406030204" pitchFamily="18" charset="0"/>
+                              </a:rPr>
+                              <m:t>4</m:t>
+                            </m:r>
+                          </m:sub>
+                        </m:sSub>
+                      </m:e>
+                    </m:acc>
+                  </m:oMath>
+                </a14:m>
+                <a:r>
+                  <a:rPr lang="fr-FR" sz="1200" dirty="0">
+                    <a:ea typeface="Cambria Math" panose="02040503050406030204" pitchFamily="18" charset="0"/>
+                  </a:rPr>
+                  <a:t> - Hypothèse </a:t>
+                </a:r>
+                <a14:m>
+                  <m:oMath xmlns:m="http://schemas.openxmlformats.org/officeDocument/2006/math">
+                    <m:r>
+                      <a:rPr lang="fr-FR" sz="1200" b="0" i="1" smtClean="0">
+                        <a:latin typeface="Cambria Math" panose="02040503050406030204" pitchFamily="18" charset="0"/>
+                        <a:ea typeface="Cambria Math" panose="02040503050406030204" pitchFamily="18" charset="0"/>
+                      </a:rPr>
+                      <m:t>𝐺</m:t>
+                    </m:r>
+                  </m:oMath>
+                </a14:m>
+                <a:r>
+                  <a:rPr lang="fr-FR" sz="1200" dirty="0">
+                    <a:ea typeface="Cambria Math" panose="02040503050406030204" pitchFamily="18" charset="0"/>
+                  </a:rPr>
+                  <a:t> écrou est en </a:t>
+                </a:r>
+                <a14:m>
+                  <m:oMath xmlns:m="http://schemas.openxmlformats.org/officeDocument/2006/math">
+                    <m:r>
+                      <a:rPr lang="fr-FR" sz="1200" b="0" i="1" smtClean="0">
+                        <a:latin typeface="Cambria Math" panose="02040503050406030204" pitchFamily="18" charset="0"/>
+                        <a:ea typeface="Cambria Math" panose="02040503050406030204" pitchFamily="18" charset="0"/>
+                      </a:rPr>
+                      <m:t>𝐶</m:t>
+                    </m:r>
+                  </m:oMath>
+                </a14:m>
+                <a:endParaRPr lang="fr-FR" sz="1200" dirty="0">
+                  <a:ea typeface="Cambria Math" panose="02040503050406030204" pitchFamily="18" charset="0"/>
+                </a:endParaRPr>
+              </a:p>
+              <a:p>
+                <a:pPr lvl="1"/>
+                <a14:m>
+                  <m:oMath xmlns:m="http://schemas.openxmlformats.org/officeDocument/2006/math">
+                    <m:sSub>
+                      <m:sSubPr>
+                        <m:ctrlPr>
+                          <a:rPr lang="fr-FR" sz="1800" b="0" i="1" smtClean="0">
+                            <a:latin typeface="Cambria Math" panose="02040503050406030204" pitchFamily="18" charset="0"/>
+                            <a:ea typeface="Cambria Math" panose="02040503050406030204" pitchFamily="18" charset="0"/>
+                          </a:rPr>
+                        </m:ctrlPr>
+                      </m:sSubPr>
+                      <m:e>
+                        <m:r>
+                          <a:rPr lang="fr-FR" sz="1800" i="1" smtClean="0">
+                            <a:latin typeface="Cambria Math" panose="02040503050406030204" pitchFamily="18" charset="0"/>
+                            <a:ea typeface="Cambria Math" panose="02040503050406030204" pitchFamily="18" charset="0"/>
+                          </a:rPr>
+                          <m:t>ℰ</m:t>
+                        </m:r>
+                      </m:e>
+                      <m:sub>
+                        <m:r>
+                          <a:rPr lang="fr-FR" sz="1800" b="0" i="1" smtClean="0">
+                            <a:latin typeface="Cambria Math" panose="02040503050406030204" pitchFamily="18" charset="0"/>
+                            <a:ea typeface="Cambria Math" panose="02040503050406030204" pitchFamily="18" charset="0"/>
+                          </a:rPr>
+                          <m:t>𝑐</m:t>
+                        </m:r>
+                      </m:sub>
+                    </m:sSub>
+                    <m:d>
+                      <m:dPr>
+                        <m:ctrlPr>
+                          <a:rPr lang="fr-FR" sz="1800" b="0" i="1" smtClean="0">
+                            <a:latin typeface="Cambria Math" panose="02040503050406030204" pitchFamily="18" charset="0"/>
+                            <a:ea typeface="Cambria Math" panose="02040503050406030204" pitchFamily="18" charset="0"/>
+                          </a:rPr>
+                        </m:ctrlPr>
+                      </m:dPr>
+                      <m:e>
+                        <m:r>
+                          <a:rPr lang="fr-FR" sz="1800" b="0" i="1" smtClean="0">
+                            <a:latin typeface="Cambria Math" panose="02040503050406030204" pitchFamily="18" charset="0"/>
+                            <a:ea typeface="Cambria Math" panose="02040503050406030204" pitchFamily="18" charset="0"/>
+                          </a:rPr>
+                          <m:t>3</m:t>
+                        </m:r>
+                        <m:r>
+                          <m:rPr>
+                            <m:lit/>
+                          </m:rPr>
+                          <a:rPr lang="fr-FR" sz="1800" b="0" i="1" smtClean="0">
+                            <a:latin typeface="Cambria Math" panose="02040503050406030204" pitchFamily="18" charset="0"/>
+                            <a:ea typeface="Cambria Math" panose="02040503050406030204" pitchFamily="18" charset="0"/>
+                          </a:rPr>
+                          <m:t>/</m:t>
+                        </m:r>
+                        <m:r>
+                          <a:rPr lang="fr-FR" sz="1800" b="0" i="1" smtClean="0">
+                            <a:latin typeface="Cambria Math" panose="02040503050406030204" pitchFamily="18" charset="0"/>
+                            <a:ea typeface="Cambria Math" panose="02040503050406030204" pitchFamily="18" charset="0"/>
+                          </a:rPr>
+                          <m:t>0</m:t>
+                        </m:r>
+                      </m:e>
+                    </m:d>
+                    <m:r>
+                      <a:rPr lang="fr-FR" sz="1800" b="0" i="1" smtClean="0">
+                        <a:latin typeface="Cambria Math" panose="02040503050406030204" pitchFamily="18" charset="0"/>
+                        <a:ea typeface="Cambria Math" panose="02040503050406030204" pitchFamily="18" charset="0"/>
+                      </a:rPr>
+                      <m:t>=</m:t>
+                    </m:r>
+                    <m:f>
+                      <m:fPr>
+                        <m:ctrlPr>
+                          <a:rPr lang="fr-FR" sz="1800" b="0" i="1" smtClean="0">
+                            <a:latin typeface="Cambria Math" panose="02040503050406030204" pitchFamily="18" charset="0"/>
+                            <a:ea typeface="Cambria Math" panose="02040503050406030204" pitchFamily="18" charset="0"/>
+                          </a:rPr>
+                        </m:ctrlPr>
+                      </m:fPr>
+                      <m:num>
+                        <m:r>
+                          <a:rPr lang="fr-FR" sz="1800" b="0" i="1" smtClean="0">
+                            <a:latin typeface="Cambria Math" panose="02040503050406030204" pitchFamily="18" charset="0"/>
+                            <a:ea typeface="Cambria Math" panose="02040503050406030204" pitchFamily="18" charset="0"/>
+                          </a:rPr>
+                          <m:t>1</m:t>
+                        </m:r>
+                      </m:num>
+                      <m:den>
+                        <m:r>
+                          <a:rPr lang="fr-FR" sz="1800" b="0" i="1" smtClean="0">
+                            <a:latin typeface="Cambria Math" panose="02040503050406030204" pitchFamily="18" charset="0"/>
+                            <a:ea typeface="Cambria Math" panose="02040503050406030204" pitchFamily="18" charset="0"/>
+                          </a:rPr>
+                          <m:t>2</m:t>
+                        </m:r>
+                      </m:den>
+                    </m:f>
+                    <m:d>
+                      <m:dPr>
+                        <m:ctrlPr>
+                          <a:rPr lang="fr-FR" sz="1800" b="0" i="1" smtClean="0">
+                            <a:latin typeface="Cambria Math" panose="02040503050406030204" pitchFamily="18" charset="0"/>
+                            <a:ea typeface="Cambria Math" panose="02040503050406030204" pitchFamily="18" charset="0"/>
+                          </a:rPr>
+                        </m:ctrlPr>
+                      </m:dPr>
+                      <m:e>
+                        <m:r>
+                          <a:rPr lang="fr-FR" sz="1800" b="0" i="1" smtClean="0">
+                            <a:latin typeface="Cambria Math" panose="02040503050406030204" pitchFamily="18" charset="0"/>
+                            <a:ea typeface="Cambria Math" panose="02040503050406030204" pitchFamily="18" charset="0"/>
+                          </a:rPr>
+                          <m:t>𝐶</m:t>
+                        </m:r>
+                        <m:sSubSup>
+                          <m:sSubSupPr>
+                            <m:ctrlPr>
+                              <a:rPr lang="fr-FR" sz="1800" b="0" i="1" smtClean="0">
+                                <a:latin typeface="Cambria Math" panose="02040503050406030204" pitchFamily="18" charset="0"/>
+                                <a:ea typeface="Cambria Math" panose="02040503050406030204" pitchFamily="18" charset="0"/>
+                              </a:rPr>
+                            </m:ctrlPr>
+                          </m:sSubSupPr>
+                          <m:e>
+                            <m:r>
+                              <a:rPr lang="fr-FR" sz="1800" b="0" i="1" smtClean="0">
+                                <a:latin typeface="Cambria Math" panose="02040503050406030204" pitchFamily="18" charset="0"/>
+                                <a:ea typeface="Cambria Math" panose="02040503050406030204" pitchFamily="18" charset="0"/>
+                              </a:rPr>
+                              <m:t>𝜔</m:t>
+                            </m:r>
+                          </m:e>
+                          <m:sub>
+                            <m:r>
+                              <a:rPr lang="fr-FR" sz="1800" b="0" i="1" smtClean="0">
+                                <a:latin typeface="Cambria Math" panose="02040503050406030204" pitchFamily="18" charset="0"/>
+                                <a:ea typeface="Cambria Math" panose="02040503050406030204" pitchFamily="18" charset="0"/>
+                              </a:rPr>
+                              <m:t>30</m:t>
+                            </m:r>
+                          </m:sub>
+                          <m:sup>
+                            <m:r>
+                              <a:rPr lang="fr-FR" sz="1800" b="0" i="1" smtClean="0">
+                                <a:latin typeface="Cambria Math" panose="02040503050406030204" pitchFamily="18" charset="0"/>
+                                <a:ea typeface="Cambria Math" panose="02040503050406030204" pitchFamily="18" charset="0"/>
+                              </a:rPr>
+                              <m:t>2</m:t>
+                            </m:r>
+                          </m:sup>
+                        </m:sSubSup>
+                        <m:r>
+                          <a:rPr lang="fr-FR" sz="1800">
+                            <a:latin typeface="Cambria Math" panose="02040503050406030204" pitchFamily="18" charset="0"/>
+                            <a:ea typeface="Cambria Math" panose="02040503050406030204" pitchFamily="18" charset="0"/>
+                          </a:rPr>
+                          <m:t>+</m:t>
+                        </m:r>
+                        <m:sSub>
+                          <m:sSubPr>
+                            <m:ctrlPr>
+                              <a:rPr lang="fr-FR" sz="1800" b="0" i="1" smtClean="0">
+                                <a:latin typeface="Cambria Math" panose="02040503050406030204" pitchFamily="18" charset="0"/>
+                                <a:ea typeface="Cambria Math" panose="02040503050406030204" pitchFamily="18" charset="0"/>
+                              </a:rPr>
+                            </m:ctrlPr>
+                          </m:sSubPr>
+                          <m:e>
+                            <m:r>
+                              <a:rPr lang="fr-FR" sz="1800" b="0" i="1" smtClean="0">
+                                <a:latin typeface="Cambria Math" panose="02040503050406030204" pitchFamily="18" charset="0"/>
+                                <a:ea typeface="Cambria Math" panose="02040503050406030204" pitchFamily="18" charset="0"/>
+                              </a:rPr>
+                              <m:t>𝑚</m:t>
+                            </m:r>
+                          </m:e>
+                          <m:sub>
+                            <m:r>
+                              <a:rPr lang="fr-FR" sz="1800" b="0" i="1" smtClean="0">
+                                <a:latin typeface="Cambria Math" panose="02040503050406030204" pitchFamily="18" charset="0"/>
+                                <a:ea typeface="Cambria Math" panose="02040503050406030204" pitchFamily="18" charset="0"/>
+                              </a:rPr>
+                              <m:t>3</m:t>
+                            </m:r>
+                          </m:sub>
+                        </m:sSub>
+                        <m:sSup>
+                          <m:sSupPr>
+                            <m:ctrlPr>
+                              <a:rPr lang="fr-FR" sz="1800" b="0" i="1" smtClean="0">
+                                <a:latin typeface="Cambria Math" panose="02040503050406030204" pitchFamily="18" charset="0"/>
+                                <a:ea typeface="Cambria Math" panose="02040503050406030204" pitchFamily="18" charset="0"/>
+                              </a:rPr>
+                            </m:ctrlPr>
+                          </m:sSupPr>
+                          <m:e>
+                            <m:r>
+                              <a:rPr lang="fr-FR" sz="1800" i="1">
+                                <a:latin typeface="Cambria Math" panose="02040503050406030204" pitchFamily="18" charset="0"/>
+                                <a:ea typeface="Cambria Math" panose="02040503050406030204" pitchFamily="18" charset="0"/>
+                              </a:rPr>
+                              <m:t>𝑏</m:t>
+                            </m:r>
+                          </m:e>
+                          <m:sup>
+                            <m:r>
+                              <a:rPr lang="fr-FR" sz="1800" b="0" i="1" smtClean="0">
+                                <a:latin typeface="Cambria Math" panose="02040503050406030204" pitchFamily="18" charset="0"/>
+                                <a:ea typeface="Cambria Math" panose="02040503050406030204" pitchFamily="18" charset="0"/>
+                              </a:rPr>
+                              <m:t>2</m:t>
+                            </m:r>
+                          </m:sup>
+                        </m:sSup>
+                        <m:acc>
+                          <m:accPr>
+                            <m:chr m:val="̇"/>
+                            <m:ctrlPr>
+                              <a:rPr lang="fr-FR" sz="1800" i="1">
+                                <a:latin typeface="Cambria Math" panose="02040503050406030204" pitchFamily="18" charset="0"/>
+                                <a:ea typeface="Cambria Math" panose="02040503050406030204" pitchFamily="18" charset="0"/>
+                              </a:rPr>
+                            </m:ctrlPr>
+                          </m:accPr>
+                          <m:e>
+                            <m:sSup>
+                              <m:sSupPr>
+                                <m:ctrlPr>
+                                  <a:rPr lang="fr-FR" sz="1800" b="0" i="1" smtClean="0">
+                                    <a:latin typeface="Cambria Math" panose="02040503050406030204" pitchFamily="18" charset="0"/>
+                                    <a:ea typeface="Cambria Math" panose="02040503050406030204" pitchFamily="18" charset="0"/>
+                                  </a:rPr>
+                                </m:ctrlPr>
+                              </m:sSupPr>
+                              <m:e>
+                                <m:r>
+                                  <a:rPr lang="fr-FR" sz="1800" i="1">
+                                    <a:latin typeface="Cambria Math" panose="02040503050406030204" pitchFamily="18" charset="0"/>
+                                    <a:ea typeface="Cambria Math" panose="02040503050406030204" pitchFamily="18" charset="0"/>
+                                  </a:rPr>
+                                  <m:t>𝜃</m:t>
+                                </m:r>
+                              </m:e>
+                              <m:sup>
+                                <m:r>
+                                  <a:rPr lang="fr-FR" sz="1800" b="0" i="1" smtClean="0">
+                                    <a:latin typeface="Cambria Math" panose="02040503050406030204" pitchFamily="18" charset="0"/>
+                                    <a:ea typeface="Cambria Math" panose="02040503050406030204" pitchFamily="18" charset="0"/>
+                                  </a:rPr>
+                                  <m:t>2</m:t>
+                                </m:r>
+                              </m:sup>
+                            </m:sSup>
+                          </m:e>
+                        </m:acc>
+                      </m:e>
+                    </m:d>
+                  </m:oMath>
+                </a14:m>
+                <a:endParaRPr lang="fr-FR" sz="1800" dirty="0">
+                  <a:ea typeface="Cambria Math" panose="02040503050406030204" pitchFamily="18" charset="0"/>
+                </a:endParaRPr>
+              </a:p>
+              <a:p>
+                <a:r>
+                  <a:rPr lang="fr-FR" sz="2200" dirty="0">
+                    <a:ea typeface="Cambria Math" panose="02040503050406030204" pitchFamily="18" charset="0"/>
+                  </a:rPr>
+                  <a:t>Bras : rotation autour d’un axe fixe</a:t>
+                </a:r>
+              </a:p>
+              <a:p>
+                <a:pPr lvl="1"/>
+                <a:r>
+                  <a:rPr lang="fr-FR" sz="1800" dirty="0">
+                    <a:ea typeface="Cambria Math" panose="02040503050406030204" pitchFamily="18" charset="0"/>
+                  </a:rPr>
+                  <a:t>Inertie du bras en </a:t>
+                </a:r>
+                <a14:m>
+                  <m:oMath xmlns:m="http://schemas.openxmlformats.org/officeDocument/2006/math">
+                    <m:r>
+                      <a:rPr lang="fr-FR" sz="1800" b="0" i="1" smtClean="0">
+                        <a:latin typeface="Cambria Math" panose="02040503050406030204" pitchFamily="18" charset="0"/>
+                        <a:ea typeface="Cambria Math" panose="02040503050406030204" pitchFamily="18" charset="0"/>
+                      </a:rPr>
+                      <m:t>𝐷</m:t>
+                    </m:r>
+                  </m:oMath>
+                </a14:m>
+                <a:r>
+                  <a:rPr lang="fr-FR" sz="1800" dirty="0">
+                    <a:ea typeface="Cambria Math" panose="02040503050406030204" pitchFamily="18" charset="0"/>
+                  </a:rPr>
+                  <a:t> sur l’axe </a:t>
+                </a:r>
+                <a14:m>
+                  <m:oMath xmlns:m="http://schemas.openxmlformats.org/officeDocument/2006/math">
+                    <m:sSub>
+                      <m:sSubPr>
+                        <m:ctrlPr>
+                          <a:rPr lang="fr-FR" sz="1800" b="0" i="1" smtClean="0">
+                            <a:latin typeface="Cambria Math" panose="02040503050406030204" pitchFamily="18" charset="0"/>
+                            <a:ea typeface="Cambria Math" panose="02040503050406030204" pitchFamily="18" charset="0"/>
+                          </a:rPr>
+                        </m:ctrlPr>
+                      </m:sSubPr>
+                      <m:e>
+                        <m:acc>
+                          <m:accPr>
+                            <m:chr m:val="⃗"/>
+                            <m:ctrlPr>
+                              <a:rPr lang="fr-FR" sz="1800" i="1" smtClean="0">
+                                <a:latin typeface="Cambria Math" panose="02040503050406030204" pitchFamily="18" charset="0"/>
+                                <a:ea typeface="Cambria Math" panose="02040503050406030204" pitchFamily="18" charset="0"/>
+                              </a:rPr>
+                            </m:ctrlPr>
+                          </m:accPr>
+                          <m:e>
+                            <m:r>
+                              <a:rPr lang="fr-FR" sz="1800" b="0" i="1" smtClean="0">
+                                <a:latin typeface="Cambria Math" panose="02040503050406030204" pitchFamily="18" charset="0"/>
+                                <a:ea typeface="Cambria Math" panose="02040503050406030204" pitchFamily="18" charset="0"/>
+                              </a:rPr>
+                              <m:t>𝑧</m:t>
+                            </m:r>
+                          </m:e>
+                        </m:acc>
+                      </m:e>
+                      <m:sub>
+                        <m:r>
+                          <a:rPr lang="fr-FR" sz="1800" b="0" i="1" smtClean="0">
+                            <a:latin typeface="Cambria Math" panose="02040503050406030204" pitchFamily="18" charset="0"/>
+                            <a:ea typeface="Cambria Math" panose="02040503050406030204" pitchFamily="18" charset="0"/>
+                          </a:rPr>
+                          <m:t>0</m:t>
+                        </m:r>
+                      </m:sub>
+                    </m:sSub>
+                  </m:oMath>
+                </a14:m>
+                <a:r>
+                  <a:rPr lang="fr-FR" sz="1800" dirty="0">
+                    <a:ea typeface="Cambria Math" panose="02040503050406030204" pitchFamily="18" charset="0"/>
+                  </a:rPr>
+                  <a:t> : </a:t>
+                </a:r>
+                <a14:m>
+                  <m:oMath xmlns:m="http://schemas.openxmlformats.org/officeDocument/2006/math">
+                    <m:sSub>
+                      <m:sSubPr>
+                        <m:ctrlPr>
+                          <a:rPr lang="fr-FR" sz="1800" b="0" i="1" smtClean="0">
+                            <a:latin typeface="Cambria Math" panose="02040503050406030204" pitchFamily="18" charset="0"/>
+                            <a:ea typeface="Cambria Math" panose="02040503050406030204" pitchFamily="18" charset="0"/>
+                          </a:rPr>
+                        </m:ctrlPr>
+                      </m:sSubPr>
+                      <m:e>
+                        <m:r>
+                          <a:rPr lang="fr-FR" sz="1800" b="0" i="1" smtClean="0">
+                            <a:latin typeface="Cambria Math" panose="02040503050406030204" pitchFamily="18" charset="0"/>
+                            <a:ea typeface="Cambria Math" panose="02040503050406030204" pitchFamily="18" charset="0"/>
+                          </a:rPr>
+                          <m:t>𝐽</m:t>
+                        </m:r>
+                      </m:e>
+                      <m:sub>
+                        <m:r>
+                          <a:rPr lang="fr-FR" sz="1800" b="0" i="1" smtClean="0">
+                            <a:latin typeface="Cambria Math" panose="02040503050406030204" pitchFamily="18" charset="0"/>
+                            <a:ea typeface="Cambria Math" panose="02040503050406030204" pitchFamily="18" charset="0"/>
+                          </a:rPr>
+                          <m:t>4</m:t>
+                        </m:r>
+                      </m:sub>
+                    </m:sSub>
+                  </m:oMath>
+                </a14:m>
+                <a:endParaRPr lang="fr-FR" sz="1800" b="0" dirty="0">
+                  <a:ea typeface="Cambria Math" panose="02040503050406030204" pitchFamily="18" charset="0"/>
+                </a:endParaRPr>
+              </a:p>
+              <a:p>
+                <a:pPr lvl="1"/>
+                <a:r>
+                  <a:rPr lang="fr-FR" sz="1800" dirty="0">
+                    <a:ea typeface="Cambria Math" panose="02040503050406030204" pitchFamily="18" charset="0"/>
+                  </a:rPr>
+                  <a:t>Masses ponctuelles </a:t>
+                </a:r>
+              </a:p>
+              <a:p>
+                <a:pPr lvl="1"/>
+                <a:r>
+                  <a:rPr lang="fr-FR" sz="1800" dirty="0">
+                    <a:ea typeface="Cambria Math" panose="02040503050406030204" pitchFamily="18" charset="0"/>
+                  </a:rPr>
+                  <a:t> </a:t>
+                </a:r>
+                <a14:m>
+                  <m:oMath xmlns:m="http://schemas.openxmlformats.org/officeDocument/2006/math">
+                    <m:sSub>
+                      <m:sSubPr>
+                        <m:ctrlPr>
+                          <a:rPr lang="fr-FR" sz="1800" b="0" i="1" smtClean="0">
+                            <a:latin typeface="Cambria Math" panose="02040503050406030204" pitchFamily="18" charset="0"/>
+                            <a:ea typeface="Cambria Math" panose="02040503050406030204" pitchFamily="18" charset="0"/>
+                          </a:rPr>
+                        </m:ctrlPr>
+                      </m:sSubPr>
+                      <m:e>
+                        <m:r>
+                          <a:rPr lang="fr-FR" sz="1800" i="1" smtClean="0">
+                            <a:latin typeface="Cambria Math" panose="02040503050406030204" pitchFamily="18" charset="0"/>
+                            <a:ea typeface="Cambria Math" panose="02040503050406030204" pitchFamily="18" charset="0"/>
+                          </a:rPr>
+                          <m:t>ℰ</m:t>
+                        </m:r>
+                      </m:e>
+                      <m:sub>
+                        <m:r>
+                          <a:rPr lang="fr-FR" sz="1800" b="0" i="1" smtClean="0">
+                            <a:latin typeface="Cambria Math" panose="02040503050406030204" pitchFamily="18" charset="0"/>
+                            <a:ea typeface="Cambria Math" panose="02040503050406030204" pitchFamily="18" charset="0"/>
+                          </a:rPr>
+                          <m:t>𝑐</m:t>
+                        </m:r>
+                      </m:sub>
+                    </m:sSub>
+                    <m:d>
+                      <m:dPr>
+                        <m:ctrlPr>
+                          <a:rPr lang="fr-FR" sz="1800" b="0" i="1" smtClean="0">
+                            <a:latin typeface="Cambria Math" panose="02040503050406030204" pitchFamily="18" charset="0"/>
+                            <a:ea typeface="Cambria Math" panose="02040503050406030204" pitchFamily="18" charset="0"/>
+                          </a:rPr>
+                        </m:ctrlPr>
+                      </m:dPr>
+                      <m:e>
+                        <m:r>
+                          <a:rPr lang="fr-FR" sz="1800" b="0" i="1" smtClean="0">
+                            <a:latin typeface="Cambria Math" panose="02040503050406030204" pitchFamily="18" charset="0"/>
+                            <a:ea typeface="Cambria Math" panose="02040503050406030204" pitchFamily="18" charset="0"/>
+                          </a:rPr>
+                          <m:t>4</m:t>
+                        </m:r>
+                        <m:r>
+                          <m:rPr>
+                            <m:lit/>
+                          </m:rPr>
+                          <a:rPr lang="fr-FR" sz="1800" b="0" i="1" smtClean="0">
+                            <a:latin typeface="Cambria Math" panose="02040503050406030204" pitchFamily="18" charset="0"/>
+                            <a:ea typeface="Cambria Math" panose="02040503050406030204" pitchFamily="18" charset="0"/>
+                          </a:rPr>
+                          <m:t>/</m:t>
+                        </m:r>
+                        <m:r>
+                          <a:rPr lang="fr-FR" sz="1800" b="0" i="1" smtClean="0">
+                            <a:latin typeface="Cambria Math" panose="02040503050406030204" pitchFamily="18" charset="0"/>
+                            <a:ea typeface="Cambria Math" panose="02040503050406030204" pitchFamily="18" charset="0"/>
+                          </a:rPr>
+                          <m:t>0</m:t>
+                        </m:r>
+                      </m:e>
+                    </m:d>
+                    <m:r>
+                      <a:rPr lang="fr-FR" sz="1800" b="0" i="1" smtClean="0">
+                        <a:latin typeface="Cambria Math" panose="02040503050406030204" pitchFamily="18" charset="0"/>
+                        <a:ea typeface="Cambria Math" panose="02040503050406030204" pitchFamily="18" charset="0"/>
+                      </a:rPr>
+                      <m:t>=</m:t>
+                    </m:r>
+                    <m:f>
+                      <m:fPr>
+                        <m:ctrlPr>
+                          <a:rPr lang="fr-FR" sz="1800" b="0" i="1" smtClean="0">
+                            <a:latin typeface="Cambria Math" panose="02040503050406030204" pitchFamily="18" charset="0"/>
+                            <a:ea typeface="Cambria Math" panose="02040503050406030204" pitchFamily="18" charset="0"/>
+                          </a:rPr>
+                        </m:ctrlPr>
+                      </m:fPr>
+                      <m:num>
+                        <m:r>
+                          <a:rPr lang="fr-FR" sz="1800" b="0" i="1" smtClean="0">
+                            <a:latin typeface="Cambria Math" panose="02040503050406030204" pitchFamily="18" charset="0"/>
+                            <a:ea typeface="Cambria Math" panose="02040503050406030204" pitchFamily="18" charset="0"/>
+                          </a:rPr>
+                          <m:t>1</m:t>
+                        </m:r>
+                      </m:num>
+                      <m:den>
+                        <m:r>
+                          <a:rPr lang="fr-FR" sz="1800" b="0" i="1" smtClean="0">
+                            <a:latin typeface="Cambria Math" panose="02040503050406030204" pitchFamily="18" charset="0"/>
+                            <a:ea typeface="Cambria Math" panose="02040503050406030204" pitchFamily="18" charset="0"/>
+                          </a:rPr>
+                          <m:t>2</m:t>
+                        </m:r>
+                      </m:den>
+                    </m:f>
+                    <m:d>
+                      <m:dPr>
+                        <m:ctrlPr>
+                          <a:rPr lang="fr-FR" sz="1800" b="0" i="1" smtClean="0">
+                            <a:latin typeface="Cambria Math" panose="02040503050406030204" pitchFamily="18" charset="0"/>
+                            <a:ea typeface="Cambria Math" panose="02040503050406030204" pitchFamily="18" charset="0"/>
+                          </a:rPr>
+                        </m:ctrlPr>
+                      </m:dPr>
+                      <m:e>
+                        <m:r>
+                          <a:rPr lang="fr-FR" sz="1800" b="0" i="1" smtClean="0">
+                            <a:latin typeface="Cambria Math" panose="02040503050406030204" pitchFamily="18" charset="0"/>
+                            <a:ea typeface="Cambria Math" panose="02040503050406030204" pitchFamily="18" charset="0"/>
+                          </a:rPr>
+                          <m:t>𝐽</m:t>
+                        </m:r>
+                        <m:r>
+                          <a:rPr lang="fr-FR" sz="1800">
+                            <a:latin typeface="Cambria Math" panose="02040503050406030204" pitchFamily="18" charset="0"/>
+                            <a:ea typeface="Cambria Math" panose="02040503050406030204" pitchFamily="18" charset="0"/>
+                          </a:rPr>
+                          <m:t>+</m:t>
+                        </m:r>
+                        <m:r>
+                          <a:rPr lang="fr-FR" sz="1800" b="0" i="1" smtClean="0">
+                            <a:latin typeface="Cambria Math" panose="02040503050406030204" pitchFamily="18" charset="0"/>
+                            <a:ea typeface="Cambria Math" panose="02040503050406030204" pitchFamily="18" charset="0"/>
+                          </a:rPr>
+                          <m:t>𝑛</m:t>
+                        </m:r>
+                        <m:r>
+                          <a:rPr lang="fr-FR" sz="1800" b="0" i="1" smtClean="0">
+                            <a:latin typeface="Cambria Math" panose="02040503050406030204" pitchFamily="18" charset="0"/>
+                            <a:ea typeface="Cambria Math" panose="02040503050406030204" pitchFamily="18" charset="0"/>
+                          </a:rPr>
+                          <m:t>×</m:t>
+                        </m:r>
+                        <m:r>
+                          <a:rPr lang="fr-FR" sz="1800" b="0" i="1" smtClean="0">
+                            <a:latin typeface="Cambria Math" panose="02040503050406030204" pitchFamily="18" charset="0"/>
+                            <a:ea typeface="Cambria Math" panose="02040503050406030204" pitchFamily="18" charset="0"/>
+                          </a:rPr>
+                          <m:t>𝑚</m:t>
+                        </m:r>
+                        <m:r>
+                          <a:rPr lang="fr-FR" sz="1800" b="0" i="1" smtClean="0">
+                            <a:latin typeface="Cambria Math" panose="02040503050406030204" pitchFamily="18" charset="0"/>
+                            <a:ea typeface="Cambria Math" panose="02040503050406030204" pitchFamily="18" charset="0"/>
+                          </a:rPr>
+                          <m:t>×</m:t>
+                        </m:r>
+                        <m:sSup>
+                          <m:sSupPr>
+                            <m:ctrlPr>
+                              <a:rPr lang="fr-FR" sz="1800" b="0" i="1" smtClean="0">
+                                <a:latin typeface="Cambria Math" panose="02040503050406030204" pitchFamily="18" charset="0"/>
+                                <a:ea typeface="Cambria Math" panose="02040503050406030204" pitchFamily="18" charset="0"/>
+                              </a:rPr>
+                            </m:ctrlPr>
+                          </m:sSupPr>
+                          <m:e>
+                            <m:r>
+                              <a:rPr lang="fr-FR" sz="1800" b="0" i="1" smtClean="0">
+                                <a:latin typeface="Cambria Math" panose="02040503050406030204" pitchFamily="18" charset="0"/>
+                                <a:ea typeface="Cambria Math" panose="02040503050406030204" pitchFamily="18" charset="0"/>
+                              </a:rPr>
+                              <m:t>𝐿</m:t>
+                            </m:r>
+                          </m:e>
+                          <m:sup>
+                            <m:r>
+                              <a:rPr lang="fr-FR" sz="1800" b="0" i="1" smtClean="0">
+                                <a:latin typeface="Cambria Math" panose="02040503050406030204" pitchFamily="18" charset="0"/>
+                                <a:ea typeface="Cambria Math" panose="02040503050406030204" pitchFamily="18" charset="0"/>
+                              </a:rPr>
+                              <m:t>2</m:t>
+                            </m:r>
+                          </m:sup>
+                        </m:sSup>
+                      </m:e>
+                    </m:d>
+                    <m:acc>
+                      <m:accPr>
+                        <m:chr m:val="̇"/>
+                        <m:ctrlPr>
+                          <a:rPr lang="fr-FR" sz="1800" i="1">
+                            <a:latin typeface="Cambria Math" panose="02040503050406030204" pitchFamily="18" charset="0"/>
+                            <a:ea typeface="Cambria Math" panose="02040503050406030204" pitchFamily="18" charset="0"/>
+                          </a:rPr>
+                        </m:ctrlPr>
+                      </m:accPr>
+                      <m:e>
+                        <m:sSup>
+                          <m:sSupPr>
+                            <m:ctrlPr>
+                              <a:rPr lang="fr-FR" sz="1800" i="1">
+                                <a:latin typeface="Cambria Math" panose="02040503050406030204" pitchFamily="18" charset="0"/>
+                                <a:ea typeface="Cambria Math" panose="02040503050406030204" pitchFamily="18" charset="0"/>
+                              </a:rPr>
+                            </m:ctrlPr>
+                          </m:sSupPr>
+                          <m:e>
+                            <m:r>
+                              <a:rPr lang="fr-FR" sz="1800" i="1">
+                                <a:latin typeface="Cambria Math" panose="02040503050406030204" pitchFamily="18" charset="0"/>
+                                <a:ea typeface="Cambria Math" panose="02040503050406030204" pitchFamily="18" charset="0"/>
+                              </a:rPr>
+                              <m:t>𝜃</m:t>
+                            </m:r>
+                          </m:e>
+                          <m:sup>
+                            <m:r>
+                              <a:rPr lang="fr-FR" sz="1800" i="1">
+                                <a:latin typeface="Cambria Math" panose="02040503050406030204" pitchFamily="18" charset="0"/>
+                                <a:ea typeface="Cambria Math" panose="02040503050406030204" pitchFamily="18" charset="0"/>
+                              </a:rPr>
+                              <m:t>2</m:t>
+                            </m:r>
+                          </m:sup>
+                        </m:sSup>
+                      </m:e>
+                    </m:acc>
+                  </m:oMath>
+                </a14:m>
+                <a:endParaRPr lang="fr-FR" sz="1800" dirty="0">
+                  <a:ea typeface="Cambria Math" panose="02040503050406030204" pitchFamily="18" charset="0"/>
+                </a:endParaRPr>
+              </a:p>
+            </p:txBody>
+          </p:sp>
+        </mc:Choice>
+        <mc:Fallback>
+          <p:sp>
+            <p:nvSpPr>
+              <p:cNvPr id="4" name="Espace réservé du contenu 2">
+                <a:extLst>
+                  <a:ext uri="{FF2B5EF4-FFF2-40B4-BE49-F238E27FC236}">
+                    <a16:creationId xmlns:a16="http://schemas.microsoft.com/office/drawing/2014/main" id="{E7512A05-D1EA-5493-6918-5F2C2DCF52A2}"/>
+                  </a:ext>
+                </a:extLst>
+              </p:cNvPr>
+              <p:cNvSpPr txBox="1">
+                <a:spLocks noRot="1" noChangeAspect="1" noMove="1" noResize="1" noEditPoints="1" noAdjustHandles="1" noChangeArrowheads="1" noChangeShapeType="1" noTextEdit="1"/>
+              </p:cNvSpPr>
+              <p:nvPr/>
+            </p:nvSpPr>
+            <p:spPr>
+              <a:xfrm>
+                <a:off x="4659087" y="981887"/>
+                <a:ext cx="7184570" cy="5253339"/>
+              </a:xfrm>
+              <a:prstGeom prst="rect">
+                <a:avLst/>
+              </a:prstGeom>
+              <a:blipFill>
+                <a:blip r:embed="rId2"/>
+                <a:stretch>
+                  <a:fillRect l="-1781" t="-1508"/>
+                </a:stretch>
+              </a:blipFill>
+            </p:spPr>
+            <p:txBody>
+              <a:bodyPr/>
+              <a:lstStyle/>
+              <a:p>
+                <a:r>
+                  <a:rPr lang="fr-FR">
+                    <a:noFill/>
+                  </a:rPr>
+                  <a:t> </a:t>
+                </a:r>
+              </a:p>
+            </p:txBody>
+          </p:sp>
+        </mc:Fallback>
+      </mc:AlternateContent>
+    </p:spTree>
+    <p:extLst>
+      <p:ext uri="{BB962C8B-B14F-4D97-AF65-F5344CB8AC3E}">
+        <p14:creationId xmlns:p14="http://schemas.microsoft.com/office/powerpoint/2010/main" val="3787422379"/>
+      </p:ext>
+    </p:extLst>
+  </p:cSld>
+  <p:clrMapOvr>
+    <a:masterClrMapping/>
+  </p:clrMapOvr>
+</p:sld>
+</file>
+
+<file path=ppt/slides/slide11.xml><?xml version="1.0" encoding="utf-8"?>
+<p:sld xmlns:a="http://schemas.openxmlformats.org/drawingml/2006/main" xmlns:r="http://schemas.openxmlformats.org/officeDocument/2006/relationships" xmlns:p="http://schemas.openxmlformats.org/presentationml/2006/main">
+  <p:cSld>
+    <p:spTree>
+      <p:nvGrpSpPr>
+        <p:cNvPr id="1" name=""/>
+        <p:cNvGrpSpPr/>
+        <p:nvPr/>
+      </p:nvGrpSpPr>
+      <p:grpSpPr>
+        <a:xfrm>
+          <a:off x="0" y="0"/>
+          <a:ext cx="0" cy="0"/>
+          <a:chOff x="0" y="0"/>
+          <a:chExt cx="0" cy="0"/>
+        </a:xfrm>
+      </p:grpSpPr>
+      <p:sp>
+        <p:nvSpPr>
+          <p:cNvPr id="2" name="Titre 1">
+            <a:extLst>
+              <a:ext uri="{FF2B5EF4-FFF2-40B4-BE49-F238E27FC236}">
+                <a16:creationId xmlns:a16="http://schemas.microsoft.com/office/drawing/2014/main" id="{0880FE2C-A2DB-EC9F-19A8-C313B7295FF7}"/>
+              </a:ext>
+            </a:extLst>
+          </p:cNvPr>
+          <p:cNvSpPr>
+            <a:spLocks noGrp="1"/>
+          </p:cNvSpPr>
+          <p:nvPr>
+            <p:ph type="title"/>
+          </p:nvPr>
+        </p:nvSpPr>
+        <p:spPr/>
+        <p:txBody>
+          <a:bodyPr>
+            <a:noAutofit/>
+          </a:bodyPr>
+          <a:lstStyle/>
+          <a:p>
+            <a:r>
+              <a:rPr lang="fr-FR" sz="2800" dirty="0"/>
+              <a:t>Stratégie TEC</a:t>
+            </a:r>
+            <a:br>
+              <a:rPr lang="fr-FR" sz="2800" dirty="0"/>
+            </a:br>
+            <a:r>
+              <a:rPr lang="fr-FR" sz="2800" dirty="0"/>
               <a:t>Puissances</a:t>
             </a:r>
           </a:p>
@@ -4393,7 +7150,7 @@
 </p:sld>
 </file>
 
-<file path=ppt/slides/slide11.xml><?xml version="1.0" encoding="utf-8"?>
+<file path=ppt/slides/slide12.xml><?xml version="1.0" encoding="utf-8"?>
 <p:sld xmlns:a="http://schemas.openxmlformats.org/drawingml/2006/main" xmlns:r="http://schemas.openxmlformats.org/officeDocument/2006/relationships" xmlns:p="http://schemas.openxmlformats.org/presentationml/2006/main">
   <p:cSld>
     <p:spTree>
@@ -11813,7 +14570,7 @@
         <p:spPr>
           <a:xfrm>
             <a:off x="117795" y="981887"/>
-            <a:ext cx="4922291" cy="5253339"/>
+            <a:ext cx="4541291" cy="5253339"/>
           </a:xfrm>
         </p:spPr>
         <p:txBody>
@@ -11967,8 +14724,8 @@
             </p:nvSpPr>
             <p:spPr>
               <a:xfrm>
-                <a:off x="5366657" y="981887"/>
-                <a:ext cx="6476999" cy="5253339"/>
+                <a:off x="4659087" y="981887"/>
+                <a:ext cx="7184570" cy="5253339"/>
               </a:xfrm>
               <a:prstGeom prst="rect">
                 <a:avLst/>
@@ -11976,7 +14733,7 @@
             </p:spPr>
             <p:txBody>
               <a:bodyPr vert="horz" lIns="0" tIns="45720" rIns="0" bIns="45720" rtlCol="0">
-                <a:normAutofit fontScale="92500" lnSpcReduction="10000"/>
+                <a:normAutofit/>
               </a:bodyPr>
               <a:lstStyle>
                 <a:lvl1pPr marL="271463" indent="-269875" algn="l" defTabSz="914400" rtl="0" eaLnBrk="1" latinLnBrk="0" hangingPunct="1">
@@ -12900,14 +15657,14 @@
                 <a:endParaRPr lang="fr-FR" sz="2200" dirty="0"/>
               </a:p>
               <a:p>
-                <a:pPr lvl="1"/>
+                <a:pPr lvl="2"/>
                 <a14:m>
                   <m:oMath xmlns:m="http://schemas.openxmlformats.org/officeDocument/2006/math">
                     <m:acc>
                       <m:accPr>
                         <m:chr m:val="⃗"/>
                         <m:ctrlPr>
-                          <a:rPr lang="fr-FR" sz="1800" i="1">
+                          <a:rPr lang="fr-FR" sz="1200" i="1">
                             <a:latin typeface="Cambria Math" panose="02040503050406030204" pitchFamily="18" charset="0"/>
                             <a:ea typeface="Cambria Math" panose="02040503050406030204" pitchFamily="18" charset="0"/>
                           </a:rPr>
@@ -12918,7 +15675,7 @@
                           <m:rPr>
                             <m:sty m:val="p"/>
                           </m:rPr>
-                          <a:rPr lang="fr-FR" sz="1800">
+                          <a:rPr lang="fr-FR" sz="1200">
                             <a:latin typeface="Cambria Math" panose="02040503050406030204" pitchFamily="18" charset="0"/>
                             <a:ea typeface="Cambria Math" panose="02040503050406030204" pitchFamily="18" charset="0"/>
                           </a:rPr>
@@ -12927,7 +15684,7 @@
                         <m:d>
                           <m:dPr>
                             <m:ctrlPr>
-                              <a:rPr lang="fr-FR" sz="1800" i="1">
+                              <a:rPr lang="fr-FR" sz="1200" i="1">
                                 <a:latin typeface="Cambria Math" panose="02040503050406030204" pitchFamily="18" charset="0"/>
                                 <a:ea typeface="Cambria Math" panose="02040503050406030204" pitchFamily="18" charset="0"/>
                               </a:rPr>
@@ -12935,7 +15692,7 @@
                           </m:dPr>
                           <m:e>
                             <m:r>
-                              <a:rPr lang="fr-FR" sz="1800" i="1">
+                              <a:rPr lang="fr-FR" sz="1200" i="1">
                                 <a:latin typeface="Cambria Math" panose="02040503050406030204" pitchFamily="18" charset="0"/>
                                 <a:ea typeface="Cambria Math" panose="02040503050406030204" pitchFamily="18" charset="0"/>
                               </a:rPr>
@@ -12945,14 +15702,14 @@
                               <m:rPr>
                                 <m:lit/>
                               </m:rPr>
-                              <a:rPr lang="fr-FR" sz="1800" i="1">
+                              <a:rPr lang="fr-FR" sz="1200" i="1">
                                 <a:latin typeface="Cambria Math" panose="02040503050406030204" pitchFamily="18" charset="0"/>
                                 <a:ea typeface="Cambria Math" panose="02040503050406030204" pitchFamily="18" charset="0"/>
                               </a:rPr>
                               <m:t>/</m:t>
                             </m:r>
                             <m:r>
-                              <a:rPr lang="fr-FR" sz="1800" i="1">
+                              <a:rPr lang="fr-FR" sz="1200" i="1">
                                 <a:latin typeface="Cambria Math" panose="02040503050406030204" pitchFamily="18" charset="0"/>
                                 <a:ea typeface="Cambria Math" panose="02040503050406030204" pitchFamily="18" charset="0"/>
                               </a:rPr>
@@ -12963,7 +15720,7 @@
                       </m:e>
                     </m:acc>
                     <m:r>
-                      <a:rPr lang="fr-FR" sz="1800" b="0" i="0" smtClean="0">
+                      <a:rPr lang="fr-FR" sz="1200" b="0" i="0" smtClean="0">
                         <a:latin typeface="Cambria Math" panose="02040503050406030204" pitchFamily="18" charset="0"/>
                         <a:ea typeface="Cambria Math" panose="02040503050406030204" pitchFamily="18" charset="0"/>
                       </a:rPr>
@@ -12973,7 +15730,7 @@
                       <m:accPr>
                         <m:chr m:val="̇"/>
                         <m:ctrlPr>
-                          <a:rPr lang="fr-FR" sz="1800" i="1">
+                          <a:rPr lang="fr-FR" sz="1200" i="1">
                             <a:latin typeface="Cambria Math" panose="02040503050406030204" pitchFamily="18" charset="0"/>
                             <a:ea typeface="Cambria Math" panose="02040503050406030204" pitchFamily="18" charset="0"/>
                           </a:rPr>
@@ -12981,7 +15738,7 @@
                       </m:accPr>
                       <m:e>
                         <m:r>
-                          <a:rPr lang="fr-FR" sz="1800" i="1">
+                          <a:rPr lang="fr-FR" sz="1200" i="1">
                             <a:latin typeface="Cambria Math" panose="02040503050406030204" pitchFamily="18" charset="0"/>
                             <a:ea typeface="Cambria Math" panose="02040503050406030204" pitchFamily="18" charset="0"/>
                           </a:rPr>
@@ -12993,7 +15750,7 @@
                       <m:accPr>
                         <m:chr m:val="⃗"/>
                         <m:ctrlPr>
-                          <a:rPr lang="fr-FR" sz="1800" i="1">
+                          <a:rPr lang="fr-FR" sz="1200" i="1">
                             <a:latin typeface="Cambria Math" panose="02040503050406030204" pitchFamily="18" charset="0"/>
                             <a:ea typeface="Cambria Math" panose="02040503050406030204" pitchFamily="18" charset="0"/>
                           </a:rPr>
@@ -13003,7 +15760,7 @@
                         <m:sSub>
                           <m:sSubPr>
                             <m:ctrlPr>
-                              <a:rPr lang="fr-FR" sz="1800" i="1">
+                              <a:rPr lang="fr-FR" sz="1200" i="1">
                                 <a:latin typeface="Cambria Math" panose="02040503050406030204" pitchFamily="18" charset="0"/>
                                 <a:ea typeface="Cambria Math" panose="02040503050406030204" pitchFamily="18" charset="0"/>
                               </a:rPr>
@@ -13011,7 +15768,7 @@
                           </m:sSubPr>
                           <m:e>
                             <m:r>
-                              <a:rPr lang="fr-FR" sz="1800" i="1">
+                              <a:rPr lang="fr-FR" sz="1200" i="1">
                                 <a:latin typeface="Cambria Math" panose="02040503050406030204" pitchFamily="18" charset="0"/>
                                 <a:ea typeface="Cambria Math" panose="02040503050406030204" pitchFamily="18" charset="0"/>
                               </a:rPr>
@@ -13020,7 +15777,7 @@
                           </m:e>
                           <m:sub>
                             <m:r>
-                              <a:rPr lang="fr-FR" sz="1800" i="1">
+                              <a:rPr lang="fr-FR" sz="1200" i="1">
                                 <a:latin typeface="Cambria Math" panose="02040503050406030204" pitchFamily="18" charset="0"/>
                                 <a:ea typeface="Cambria Math" panose="02040503050406030204" pitchFamily="18" charset="0"/>
                               </a:rPr>
@@ -13031,7 +15788,7 @@
                       </m:e>
                     </m:acc>
                     <m:r>
-                      <a:rPr lang="fr-FR" sz="1800">
+                      <a:rPr lang="fr-FR" sz="1200">
                         <a:latin typeface="Cambria Math" panose="02040503050406030204" pitchFamily="18" charset="0"/>
                         <a:ea typeface="Cambria Math" panose="02040503050406030204" pitchFamily="18" charset="0"/>
                       </a:rPr>
@@ -13041,7 +15798,7 @@
                       <m:accPr>
                         <m:chr m:val="̇"/>
                         <m:ctrlPr>
-                          <a:rPr lang="fr-FR" sz="1800" i="1">
+                          <a:rPr lang="fr-FR" sz="1200" i="1">
                             <a:latin typeface="Cambria Math" panose="02040503050406030204" pitchFamily="18" charset="0"/>
                             <a:ea typeface="Cambria Math" panose="02040503050406030204" pitchFamily="18" charset="0"/>
                           </a:rPr>
@@ -13049,7 +15806,7 @@
                       </m:accPr>
                       <m:e>
                         <m:r>
-                          <a:rPr lang="fr-FR" sz="1800" i="1">
+                          <a:rPr lang="fr-FR" sz="1200" i="1">
                             <a:latin typeface="Cambria Math" panose="02040503050406030204" pitchFamily="18" charset="0"/>
                             <a:ea typeface="Cambria Math" panose="02040503050406030204" pitchFamily="18" charset="0"/>
                           </a:rPr>
@@ -13061,7 +15818,7 @@
                       <m:accPr>
                         <m:chr m:val="⃗"/>
                         <m:ctrlPr>
-                          <a:rPr lang="fr-FR" sz="1800" i="1">
+                          <a:rPr lang="fr-FR" sz="1200" i="1">
                             <a:latin typeface="Cambria Math" panose="02040503050406030204" pitchFamily="18" charset="0"/>
                             <a:ea typeface="Cambria Math" panose="02040503050406030204" pitchFamily="18" charset="0"/>
                           </a:rPr>
@@ -13071,7 +15828,7 @@
                         <m:sSub>
                           <m:sSubPr>
                             <m:ctrlPr>
-                              <a:rPr lang="fr-FR" sz="1800" i="1">
+                              <a:rPr lang="fr-FR" sz="1200" i="1">
                                 <a:latin typeface="Cambria Math" panose="02040503050406030204" pitchFamily="18" charset="0"/>
                                 <a:ea typeface="Cambria Math" panose="02040503050406030204" pitchFamily="18" charset="0"/>
                               </a:rPr>
@@ -13079,7 +15836,7 @@
                           </m:sSubPr>
                           <m:e>
                             <m:r>
-                              <a:rPr lang="fr-FR" sz="1800" i="1">
+                              <a:rPr lang="fr-FR" sz="1200" i="1">
                                 <a:latin typeface="Cambria Math" panose="02040503050406030204" pitchFamily="18" charset="0"/>
                                 <a:ea typeface="Cambria Math" panose="02040503050406030204" pitchFamily="18" charset="0"/>
                               </a:rPr>
@@ -13088,7 +15845,7 @@
                           </m:e>
                           <m:sub>
                             <m:r>
-                              <a:rPr lang="fr-FR" sz="1800" i="1">
+                              <a:rPr lang="fr-FR" sz="1200" i="1">
                                 <a:latin typeface="Cambria Math" panose="02040503050406030204" pitchFamily="18" charset="0"/>
                                 <a:ea typeface="Cambria Math" panose="02040503050406030204" pitchFamily="18" charset="0"/>
                               </a:rPr>
@@ -13099,7 +15856,7 @@
                       </m:e>
                     </m:acc>
                     <m:r>
-                      <a:rPr lang="fr-FR" sz="1800" b="0" i="1" smtClean="0">
+                      <a:rPr lang="fr-FR" sz="1200" b="0" i="1" smtClean="0">
                         <a:latin typeface="Cambria Math" panose="02040503050406030204" pitchFamily="18" charset="0"/>
                         <a:ea typeface="Cambria Math" panose="02040503050406030204" pitchFamily="18" charset="0"/>
                       </a:rPr>
@@ -13109,7 +15866,7 @@
                       <m:accPr>
                         <m:chr m:val="̇"/>
                         <m:ctrlPr>
-                          <a:rPr lang="fr-FR" sz="1800" i="1">
+                          <a:rPr lang="fr-FR" sz="1200" i="1">
                             <a:latin typeface="Cambria Math" panose="02040503050406030204" pitchFamily="18" charset="0"/>
                             <a:ea typeface="Cambria Math" panose="02040503050406030204" pitchFamily="18" charset="0"/>
                           </a:rPr>
@@ -13117,7 +15874,7 @@
                       </m:accPr>
                       <m:e>
                         <m:r>
-                          <a:rPr lang="fr-FR" sz="1800" i="1">
+                          <a:rPr lang="fr-FR" sz="1200" i="1">
                             <a:latin typeface="Cambria Math" panose="02040503050406030204" pitchFamily="18" charset="0"/>
                             <a:ea typeface="Cambria Math" panose="02040503050406030204" pitchFamily="18" charset="0"/>
                           </a:rPr>
@@ -13129,7 +15886,7 @@
                       <m:accPr>
                         <m:chr m:val="⃗"/>
                         <m:ctrlPr>
-                          <a:rPr lang="fr-FR" sz="1800" i="1">
+                          <a:rPr lang="fr-FR" sz="1200" i="1">
                             <a:latin typeface="Cambria Math" panose="02040503050406030204" pitchFamily="18" charset="0"/>
                             <a:ea typeface="Cambria Math" panose="02040503050406030204" pitchFamily="18" charset="0"/>
                           </a:rPr>
@@ -13139,7 +15896,7 @@
                         <m:sSub>
                           <m:sSubPr>
                             <m:ctrlPr>
-                              <a:rPr lang="fr-FR" sz="1800" i="1">
+                              <a:rPr lang="fr-FR" sz="1200" i="1">
                                 <a:latin typeface="Cambria Math" panose="02040503050406030204" pitchFamily="18" charset="0"/>
                                 <a:ea typeface="Cambria Math" panose="02040503050406030204" pitchFamily="18" charset="0"/>
                               </a:rPr>
@@ -13147,7 +15904,7 @@
                           </m:sSubPr>
                           <m:e>
                             <m:r>
-                              <a:rPr lang="fr-FR" sz="1800" i="1">
+                              <a:rPr lang="fr-FR" sz="1200" i="1">
                                 <a:latin typeface="Cambria Math" panose="02040503050406030204" pitchFamily="18" charset="0"/>
                                 <a:ea typeface="Cambria Math" panose="02040503050406030204" pitchFamily="18" charset="0"/>
                               </a:rPr>
@@ -13156,7 +15913,7 @@
                           </m:e>
                           <m:sub>
                             <m:r>
-                              <a:rPr lang="fr-FR" sz="1800" b="0" i="1" smtClean="0">
+                              <a:rPr lang="fr-FR" sz="1200" b="0" i="1" smtClean="0">
                                 <a:latin typeface="Cambria Math" panose="02040503050406030204" pitchFamily="18" charset="0"/>
                                 <a:ea typeface="Cambria Math" panose="02040503050406030204" pitchFamily="18" charset="0"/>
                               </a:rPr>
@@ -13167,7 +15924,7 @@
                       </m:e>
                     </m:acc>
                     <m:r>
-                      <a:rPr lang="fr-FR" sz="1800">
+                      <a:rPr lang="fr-FR" sz="1200">
                         <a:latin typeface="Cambria Math" panose="02040503050406030204" pitchFamily="18" charset="0"/>
                         <a:ea typeface="Cambria Math" panose="02040503050406030204" pitchFamily="18" charset="0"/>
                       </a:rPr>
@@ -13177,7 +15934,7 @@
                       <m:accPr>
                         <m:chr m:val="̇"/>
                         <m:ctrlPr>
-                          <a:rPr lang="fr-FR" sz="1800" i="1">
+                          <a:rPr lang="fr-FR" sz="1200" i="1">
                             <a:latin typeface="Cambria Math" panose="02040503050406030204" pitchFamily="18" charset="0"/>
                             <a:ea typeface="Cambria Math" panose="02040503050406030204" pitchFamily="18" charset="0"/>
                           </a:rPr>
@@ -13185,7 +15942,7 @@
                       </m:accPr>
                       <m:e>
                         <m:r>
-                          <a:rPr lang="fr-FR" sz="1800" i="1">
+                          <a:rPr lang="fr-FR" sz="1200" i="1">
                             <a:latin typeface="Cambria Math" panose="02040503050406030204" pitchFamily="18" charset="0"/>
                             <a:ea typeface="Cambria Math" panose="02040503050406030204" pitchFamily="18" charset="0"/>
                           </a:rPr>
@@ -13196,7 +15953,7 @@
                     <m:d>
                       <m:dPr>
                         <m:ctrlPr>
-                          <a:rPr lang="fr-FR" sz="1800" i="1" smtClean="0">
+                          <a:rPr lang="fr-FR" sz="1200" i="1" smtClean="0">
                             <a:latin typeface="Cambria Math" panose="02040503050406030204" pitchFamily="18" charset="0"/>
                             <a:ea typeface="Cambria Math" panose="02040503050406030204" pitchFamily="18" charset="0"/>
                           </a:rPr>
@@ -13207,21 +15964,21 @@
                           <m:rPr>
                             <m:sty m:val="p"/>
                           </m:rPr>
-                          <a:rPr lang="fr-FR" sz="1800" i="1">
+                          <a:rPr lang="fr-FR" sz="1200" i="1">
                             <a:latin typeface="Cambria Math" panose="02040503050406030204" pitchFamily="18" charset="0"/>
                             <a:ea typeface="Cambria Math" panose="02040503050406030204" pitchFamily="18" charset="0"/>
                           </a:rPr>
                           <m:t>cos</m:t>
                         </m:r>
                         <m:r>
-                          <a:rPr lang="fr-FR" sz="1800" i="1">
+                          <a:rPr lang="fr-FR" sz="1200" i="1">
                             <a:latin typeface="Cambria Math" panose="02040503050406030204" pitchFamily="18" charset="0"/>
                             <a:ea typeface="Cambria Math" panose="02040503050406030204" pitchFamily="18" charset="0"/>
                           </a:rPr>
                           <m:t> </m:t>
                         </m:r>
                         <m:r>
-                          <a:rPr lang="fr-FR" sz="1800" i="1">
+                          <a:rPr lang="fr-FR" sz="1200" i="1">
                             <a:latin typeface="Cambria Math" panose="02040503050406030204" pitchFamily="18" charset="0"/>
                             <a:ea typeface="Cambria Math" panose="02040503050406030204" pitchFamily="18" charset="0"/>
                           </a:rPr>
@@ -13231,7 +15988,7 @@
                           <m:accPr>
                             <m:chr m:val="⃗"/>
                             <m:ctrlPr>
-                              <a:rPr lang="fr-FR" sz="1800" i="1">
+                              <a:rPr lang="fr-FR" sz="1200" i="1">
                                 <a:latin typeface="Cambria Math" panose="02040503050406030204" pitchFamily="18" charset="0"/>
                                 <a:ea typeface="Cambria Math" panose="02040503050406030204" pitchFamily="18" charset="0"/>
                               </a:rPr>
@@ -13241,7 +15998,7 @@
                             <m:sSub>
                               <m:sSubPr>
                                 <m:ctrlPr>
-                                  <a:rPr lang="fr-FR" sz="1800" i="1">
+                                  <a:rPr lang="fr-FR" sz="1200" i="1">
                                     <a:latin typeface="Cambria Math" panose="02040503050406030204" pitchFamily="18" charset="0"/>
                                     <a:ea typeface="Cambria Math" panose="02040503050406030204" pitchFamily="18" charset="0"/>
                                   </a:rPr>
@@ -13249,7 +16006,7 @@
                               </m:sSubPr>
                               <m:e>
                                 <m:r>
-                                  <a:rPr lang="fr-FR" sz="1800" i="1">
+                                  <a:rPr lang="fr-FR" sz="1200" i="1">
                                     <a:latin typeface="Cambria Math" panose="02040503050406030204" pitchFamily="18" charset="0"/>
                                     <a:ea typeface="Cambria Math" panose="02040503050406030204" pitchFamily="18" charset="0"/>
                                   </a:rPr>
@@ -13258,7 +16015,7 @@
                               </m:e>
                               <m:sub>
                                 <m:r>
-                                  <a:rPr lang="fr-FR" sz="1800" i="1">
+                                  <a:rPr lang="fr-FR" sz="1200" i="1">
                                     <a:latin typeface="Cambria Math" panose="02040503050406030204" pitchFamily="18" charset="0"/>
                                     <a:ea typeface="Cambria Math" panose="02040503050406030204" pitchFamily="18" charset="0"/>
                                   </a:rPr>
@@ -13269,7 +16026,7 @@
                           </m:e>
                         </m:acc>
                         <m:r>
-                          <a:rPr lang="fr-FR" sz="1800" b="0" i="1" smtClean="0">
+                          <a:rPr lang="fr-FR" sz="1200" b="0" i="1" smtClean="0">
                             <a:latin typeface="Cambria Math" panose="02040503050406030204" pitchFamily="18" charset="0"/>
                             <a:ea typeface="Cambria Math" panose="02040503050406030204" pitchFamily="18" charset="0"/>
                           </a:rPr>
@@ -13278,7 +16035,7 @@
                         <m:func>
                           <m:funcPr>
                             <m:ctrlPr>
-                              <a:rPr lang="fr-FR" sz="1800" b="0" i="1" smtClean="0">
+                              <a:rPr lang="fr-FR" sz="1200" b="0" i="1" smtClean="0">
                                 <a:latin typeface="Cambria Math" panose="02040503050406030204" pitchFamily="18" charset="0"/>
                                 <a:ea typeface="Cambria Math" panose="02040503050406030204" pitchFamily="18" charset="0"/>
                               </a:rPr>
@@ -13289,7 +16046,7 @@
                               <m:rPr>
                                 <m:sty m:val="p"/>
                               </m:rPr>
-                              <a:rPr lang="fr-FR" sz="1800" b="0" i="0" smtClean="0">
+                              <a:rPr lang="fr-FR" sz="1200" b="0" i="0" smtClean="0">
                                 <a:latin typeface="Cambria Math" panose="02040503050406030204" pitchFamily="18" charset="0"/>
                                 <a:ea typeface="Cambria Math" panose="02040503050406030204" pitchFamily="18" charset="0"/>
                               </a:rPr>
@@ -13298,7 +16055,7 @@
                           </m:fName>
                           <m:e>
                             <m:r>
-                              <a:rPr lang="fr-FR" sz="1800" b="0" i="1" smtClean="0">
+                              <a:rPr lang="fr-FR" sz="1200" b="0" i="1" smtClean="0">
                                 <a:latin typeface="Cambria Math" panose="02040503050406030204" pitchFamily="18" charset="0"/>
                                 <a:ea typeface="Cambria Math" panose="02040503050406030204" pitchFamily="18" charset="0"/>
                               </a:rPr>
@@ -13310,7 +16067,7 @@
                           <m:accPr>
                             <m:chr m:val="⃗"/>
                             <m:ctrlPr>
-                              <a:rPr lang="fr-FR" sz="1800" i="1">
+                              <a:rPr lang="fr-FR" sz="1200" i="1">
                                 <a:latin typeface="Cambria Math" panose="02040503050406030204" pitchFamily="18" charset="0"/>
                                 <a:ea typeface="Cambria Math" panose="02040503050406030204" pitchFamily="18" charset="0"/>
                               </a:rPr>
@@ -13320,7 +16077,7 @@
                             <m:sSub>
                               <m:sSubPr>
                                 <m:ctrlPr>
-                                  <a:rPr lang="fr-FR" sz="1800" i="1">
+                                  <a:rPr lang="fr-FR" sz="1200" i="1">
                                     <a:latin typeface="Cambria Math" panose="02040503050406030204" pitchFamily="18" charset="0"/>
                                     <a:ea typeface="Cambria Math" panose="02040503050406030204" pitchFamily="18" charset="0"/>
                                   </a:rPr>
@@ -13328,7 +16085,7 @@
                               </m:sSubPr>
                               <m:e>
                                 <m:r>
-                                  <a:rPr lang="fr-FR" sz="1800" b="0" i="1" smtClean="0">
+                                  <a:rPr lang="fr-FR" sz="1200" b="0" i="1" smtClean="0">
                                     <a:latin typeface="Cambria Math" panose="02040503050406030204" pitchFamily="18" charset="0"/>
                                     <a:ea typeface="Cambria Math" panose="02040503050406030204" pitchFamily="18" charset="0"/>
                                   </a:rPr>
@@ -13337,7 +16094,7 @@
                               </m:e>
                               <m:sub>
                                 <m:r>
-                                  <a:rPr lang="fr-FR" sz="1800" i="1">
+                                  <a:rPr lang="fr-FR" sz="1200" i="1">
                                     <a:latin typeface="Cambria Math" panose="02040503050406030204" pitchFamily="18" charset="0"/>
                                     <a:ea typeface="Cambria Math" panose="02040503050406030204" pitchFamily="18" charset="0"/>
                                   </a:rPr>
@@ -13351,19 +16108,19 @@
                     </m:d>
                   </m:oMath>
                 </a14:m>
-                <a:endParaRPr lang="fr-FR" sz="1800" dirty="0">
+                <a:endParaRPr lang="fr-FR" sz="1200" dirty="0">
                   <a:ea typeface="Cambria Math" panose="02040503050406030204" pitchFamily="18" charset="0"/>
                 </a:endParaRPr>
               </a:p>
               <a:p>
-                <a:pPr lvl="1"/>
+                <a:pPr lvl="2"/>
                 <a14:m>
                   <m:oMath xmlns:m="http://schemas.openxmlformats.org/officeDocument/2006/math">
                     <m:acc>
                       <m:accPr>
                         <m:chr m:val="⃗"/>
                         <m:ctrlPr>
-                          <a:rPr lang="fr-FR" sz="1800" i="1" smtClean="0">
+                          <a:rPr lang="fr-FR" sz="1200" i="1" smtClean="0">
                             <a:latin typeface="Cambria Math" panose="02040503050406030204" pitchFamily="18" charset="0"/>
                             <a:ea typeface="Cambria Math" panose="02040503050406030204" pitchFamily="18" charset="0"/>
                           </a:rPr>
@@ -13371,7 +16128,7 @@
                       </m:accPr>
                       <m:e>
                         <m:r>
-                          <a:rPr lang="fr-FR" sz="1800" b="0" i="1" smtClean="0">
+                          <a:rPr lang="fr-FR" sz="1200" b="0" i="1" smtClean="0">
                             <a:latin typeface="Cambria Math" panose="02040503050406030204" pitchFamily="18" charset="0"/>
                             <a:ea typeface="Cambria Math" panose="02040503050406030204" pitchFamily="18" charset="0"/>
                           </a:rPr>
@@ -13380,7 +16137,7 @@
                         <m:d>
                           <m:dPr>
                             <m:ctrlPr>
-                              <a:rPr lang="fr-FR" sz="1800" i="1">
+                              <a:rPr lang="fr-FR" sz="1200" i="1">
                                 <a:latin typeface="Cambria Math" panose="02040503050406030204" pitchFamily="18" charset="0"/>
                                 <a:ea typeface="Cambria Math" panose="02040503050406030204" pitchFamily="18" charset="0"/>
                               </a:rPr>
@@ -13388,21 +16145,21 @@
                           </m:dPr>
                           <m:e>
                             <m:r>
-                              <a:rPr lang="fr-FR" sz="1800" i="1">
+                              <a:rPr lang="fr-FR" sz="1200" i="1">
                                 <a:latin typeface="Cambria Math" panose="02040503050406030204" pitchFamily="18" charset="0"/>
                                 <a:ea typeface="Cambria Math" panose="02040503050406030204" pitchFamily="18" charset="0"/>
                               </a:rPr>
                               <m:t>𝐺</m:t>
                             </m:r>
                             <m:r>
-                              <a:rPr lang="fr-FR" sz="1800" i="1">
+                              <a:rPr lang="fr-FR" sz="1200" i="1">
                                 <a:latin typeface="Cambria Math" panose="02040503050406030204" pitchFamily="18" charset="0"/>
                                 <a:ea typeface="Cambria Math" panose="02040503050406030204" pitchFamily="18" charset="0"/>
                               </a:rPr>
                               <m:t>,</m:t>
                             </m:r>
                             <m:r>
-                              <a:rPr lang="fr-FR" sz="1800" i="1">
+                              <a:rPr lang="fr-FR" sz="1200" i="1">
                                 <a:latin typeface="Cambria Math" panose="02040503050406030204" pitchFamily="18" charset="0"/>
                                 <a:ea typeface="Cambria Math" panose="02040503050406030204" pitchFamily="18" charset="0"/>
                               </a:rPr>
@@ -13412,14 +16169,14 @@
                               <m:rPr>
                                 <m:lit/>
                               </m:rPr>
-                              <a:rPr lang="fr-FR" sz="1800" i="1">
+                              <a:rPr lang="fr-FR" sz="1200" i="1">
                                 <a:latin typeface="Cambria Math" panose="02040503050406030204" pitchFamily="18" charset="0"/>
                                 <a:ea typeface="Cambria Math" panose="02040503050406030204" pitchFamily="18" charset="0"/>
                               </a:rPr>
                               <m:t>/</m:t>
                             </m:r>
                             <m:r>
-                              <a:rPr lang="fr-FR" sz="1800" i="1">
+                              <a:rPr lang="fr-FR" sz="1200" i="1">
                                 <a:latin typeface="Cambria Math" panose="02040503050406030204" pitchFamily="18" charset="0"/>
                                 <a:ea typeface="Cambria Math" panose="02040503050406030204" pitchFamily="18" charset="0"/>
                               </a:rPr>
@@ -13430,7 +16187,7 @@
                       </m:e>
                     </m:acc>
                     <m:r>
-                      <a:rPr lang="fr-FR" sz="1800" b="0" i="0" smtClean="0">
+                      <a:rPr lang="fr-FR" sz="1200" b="0" i="0" smtClean="0">
                         <a:latin typeface="Cambria Math" panose="02040503050406030204" pitchFamily="18" charset="0"/>
                         <a:ea typeface="Cambria Math" panose="02040503050406030204" pitchFamily="18" charset="0"/>
                       </a:rPr>
@@ -13439,7 +16196,7 @@
                     <m:sSub>
                       <m:sSubPr>
                         <m:ctrlPr>
-                          <a:rPr lang="fr-FR" sz="1800" b="0" i="1" smtClean="0">
+                          <a:rPr lang="fr-FR" sz="1200" b="0" i="1" smtClean="0">
                             <a:latin typeface="Cambria Math" panose="02040503050406030204" pitchFamily="18" charset="0"/>
                             <a:ea typeface="Cambria Math" panose="02040503050406030204" pitchFamily="18" charset="0"/>
                           </a:rPr>
@@ -13451,7 +16208,7 @@
                             <m:begChr m:val="["/>
                             <m:endChr m:val="]"/>
                             <m:ctrlPr>
-                              <a:rPr lang="fr-FR" sz="1800" b="0" i="1" smtClean="0">
+                              <a:rPr lang="fr-FR" sz="1200" b="0" i="1" smtClean="0">
                                 <a:latin typeface="Cambria Math" panose="02040503050406030204" pitchFamily="18" charset="0"/>
                                 <a:ea typeface="Cambria Math" panose="02040503050406030204" pitchFamily="18" charset="0"/>
                               </a:rPr>
@@ -13469,7 +16226,7 @@
                                   </m:mc>
                                 </m:mcs>
                                 <m:ctrlPr>
-                                  <a:rPr lang="fr-FR" sz="1800" b="0" i="1" smtClean="0">
+                                  <a:rPr lang="fr-FR" sz="1200" b="0" i="1" smtClean="0">
                                     <a:latin typeface="Cambria Math" panose="02040503050406030204" pitchFamily="18" charset="0"/>
                                     <a:ea typeface="Cambria Math" panose="02040503050406030204" pitchFamily="18" charset="0"/>
                                   </a:rPr>
@@ -13481,7 +16238,7 @@
                                     <m:rPr>
                                       <m:brk m:alnAt="7"/>
                                     </m:rPr>
-                                    <a:rPr lang="fr-FR" sz="1800" b="0" i="1" smtClean="0">
+                                    <a:rPr lang="fr-FR" sz="1200" b="0" i="1" smtClean="0">
                                       <a:latin typeface="Cambria Math" panose="02040503050406030204" pitchFamily="18" charset="0"/>
                                       <a:ea typeface="Cambria Math" panose="02040503050406030204" pitchFamily="18" charset="0"/>
                                     </a:rPr>
@@ -13495,7 +16252,7 @@
                                 <m:e/>
                                 <m:e>
                                   <m:r>
-                                    <a:rPr lang="fr-FR" sz="1800" b="0" i="1" smtClean="0">
+                                    <a:rPr lang="fr-FR" sz="1200" b="0" i="1" smtClean="0">
                                       <a:latin typeface="Cambria Math" panose="02040503050406030204" pitchFamily="18" charset="0"/>
                                       <a:ea typeface="Cambria Math" panose="02040503050406030204" pitchFamily="18" charset="0"/>
                                     </a:rPr>
@@ -13509,7 +16266,7 @@
                                 <m:e/>
                                 <m:e>
                                   <m:r>
-                                    <a:rPr lang="fr-FR" sz="1800" b="0" i="1" smtClean="0">
+                                    <a:rPr lang="fr-FR" sz="1200" b="0" i="1" smtClean="0">
                                       <a:latin typeface="Cambria Math" panose="02040503050406030204" pitchFamily="18" charset="0"/>
                                       <a:ea typeface="Cambria Math" panose="02040503050406030204" pitchFamily="18" charset="0"/>
                                     </a:rPr>
@@ -13525,7 +16282,7 @@
                         <m:sSub>
                           <m:sSubPr>
                             <m:ctrlPr>
-                              <a:rPr lang="fr-FR" sz="1800" b="0" i="1" smtClean="0">
+                              <a:rPr lang="fr-FR" sz="1200" b="0" i="1" smtClean="0">
                                 <a:latin typeface="Cambria Math" panose="02040503050406030204" pitchFamily="18" charset="0"/>
                                 <a:ea typeface="Cambria Math" panose="02040503050406030204" pitchFamily="18" charset="0"/>
                               </a:rPr>
@@ -13533,7 +16290,7 @@
                           </m:sSubPr>
                           <m:e>
                             <m:r>
-                              <a:rPr lang="fr-FR" sz="1800" b="0" i="1" smtClean="0">
+                              <a:rPr lang="fr-FR" sz="1200" b="0" i="1" smtClean="0">
                                 <a:latin typeface="Cambria Math" panose="02040503050406030204" pitchFamily="18" charset="0"/>
                                 <a:ea typeface="Cambria Math" panose="02040503050406030204" pitchFamily="18" charset="0"/>
                               </a:rPr>
@@ -13542,7 +16299,7 @@
                           </m:e>
                           <m:sub>
                             <m:r>
-                              <a:rPr lang="fr-FR" sz="1800" b="0" i="1" smtClean="0">
+                              <a:rPr lang="fr-FR" sz="1200" b="0" i="1" smtClean="0">
                                 <a:latin typeface="Cambria Math" panose="02040503050406030204" pitchFamily="18" charset="0"/>
                                 <a:ea typeface="Cambria Math" panose="02040503050406030204" pitchFamily="18" charset="0"/>
                               </a:rPr>
@@ -13555,7 +16312,7 @@
                     <m:sSub>
                       <m:sSubPr>
                         <m:ctrlPr>
-                          <a:rPr lang="fr-FR" sz="1800" b="0" i="1" smtClean="0">
+                          <a:rPr lang="fr-FR" sz="1200" b="0" i="1" smtClean="0">
                             <a:latin typeface="Cambria Math" panose="02040503050406030204" pitchFamily="18" charset="0"/>
                             <a:ea typeface="Cambria Math" panose="02040503050406030204" pitchFamily="18" charset="0"/>
                           </a:rPr>
@@ -13567,7 +16324,7 @@
                             <m:begChr m:val="["/>
                             <m:endChr m:val="]"/>
                             <m:ctrlPr>
-                              <a:rPr lang="fr-FR" sz="1800" b="0" i="1" smtClean="0">
+                              <a:rPr lang="fr-FR" sz="1200" b="0" i="1" smtClean="0">
                                 <a:latin typeface="Cambria Math" panose="02040503050406030204" pitchFamily="18" charset="0"/>
                                 <a:ea typeface="Cambria Math" panose="02040503050406030204" pitchFamily="18" charset="0"/>
                               </a:rPr>
@@ -13585,7 +16342,7 @@
                                   </m:mc>
                                 </m:mcs>
                                 <m:ctrlPr>
-                                  <a:rPr lang="fr-FR" sz="1800" b="0" i="1" smtClean="0">
+                                  <a:rPr lang="fr-FR" sz="1200" b="0" i="1" smtClean="0">
                                     <a:latin typeface="Cambria Math" panose="02040503050406030204" pitchFamily="18" charset="0"/>
                                     <a:ea typeface="Cambria Math" panose="02040503050406030204" pitchFamily="18" charset="0"/>
                                   </a:rPr>
@@ -13597,7 +16354,7 @@
                                     <m:accPr>
                                       <m:chr m:val="̇"/>
                                       <m:ctrlPr>
-                                        <a:rPr lang="fr-FR" sz="1800" i="1">
+                                        <a:rPr lang="fr-FR" sz="1200" i="1">
                                           <a:latin typeface="Cambria Math" panose="02040503050406030204" pitchFamily="18" charset="0"/>
                                           <a:ea typeface="Cambria Math" panose="02040503050406030204" pitchFamily="18" charset="0"/>
                                         </a:rPr>
@@ -13605,7 +16362,7 @@
                                     </m:accPr>
                                     <m:e>
                                       <m:r>
-                                        <a:rPr lang="fr-FR" sz="1800" i="1">
+                                        <a:rPr lang="fr-FR" sz="1200" i="1">
                                           <a:latin typeface="Cambria Math" panose="02040503050406030204" pitchFamily="18" charset="0"/>
                                           <a:ea typeface="Cambria Math" panose="02040503050406030204" pitchFamily="18" charset="0"/>
                                         </a:rPr>
@@ -13621,7 +16378,7 @@
                                     <m:accPr>
                                       <m:chr m:val="̇"/>
                                       <m:ctrlPr>
-                                        <a:rPr lang="fr-FR" sz="1800" i="1">
+                                        <a:rPr lang="fr-FR" sz="1200" i="1">
                                           <a:latin typeface="Cambria Math" panose="02040503050406030204" pitchFamily="18" charset="0"/>
                                           <a:ea typeface="Cambria Math" panose="02040503050406030204" pitchFamily="18" charset="0"/>
                                         </a:rPr>
@@ -13629,7 +16386,7 @@
                                     </m:accPr>
                                     <m:e>
                                       <m:r>
-                                        <a:rPr lang="fr-FR" sz="1800" i="1">
+                                        <a:rPr lang="fr-FR" sz="1200" i="1">
                                           <a:latin typeface="Cambria Math" panose="02040503050406030204" pitchFamily="18" charset="0"/>
                                           <a:ea typeface="Cambria Math" panose="02040503050406030204" pitchFamily="18" charset="0"/>
                                         </a:rPr>
@@ -13640,7 +16397,7 @@
                                   <m:func>
                                     <m:funcPr>
                                       <m:ctrlPr>
-                                        <a:rPr lang="fr-FR" sz="1800" i="1">
+                                        <a:rPr lang="fr-FR" sz="1200" i="1">
                                           <a:latin typeface="Cambria Math" panose="02040503050406030204" pitchFamily="18" charset="0"/>
                                           <a:ea typeface="Cambria Math" panose="02040503050406030204" pitchFamily="18" charset="0"/>
                                         </a:rPr>
@@ -13651,7 +16408,7 @@
                                         <m:rPr>
                                           <m:sty m:val="p"/>
                                         </m:rPr>
-                                        <a:rPr lang="fr-FR" sz="1800">
+                                        <a:rPr lang="fr-FR" sz="1200">
                                           <a:latin typeface="Cambria Math" panose="02040503050406030204" pitchFamily="18" charset="0"/>
                                           <a:ea typeface="Cambria Math" panose="02040503050406030204" pitchFamily="18" charset="0"/>
                                         </a:rPr>
@@ -13660,7 +16417,7 @@
                                     </m:fName>
                                     <m:e>
                                       <m:r>
-                                        <a:rPr lang="fr-FR" sz="1800" i="1">
+                                        <a:rPr lang="fr-FR" sz="1200" i="1">
                                           <a:latin typeface="Cambria Math" panose="02040503050406030204" pitchFamily="18" charset="0"/>
                                           <a:ea typeface="Cambria Math" panose="02040503050406030204" pitchFamily="18" charset="0"/>
                                         </a:rPr>
@@ -13676,7 +16433,7 @@
                                     <m:accPr>
                                       <m:chr m:val="̇"/>
                                       <m:ctrlPr>
-                                        <a:rPr lang="fr-FR" sz="1800" i="1">
+                                        <a:rPr lang="fr-FR" sz="1200" i="1">
                                           <a:latin typeface="Cambria Math" panose="02040503050406030204" pitchFamily="18" charset="0"/>
                                           <a:ea typeface="Cambria Math" panose="02040503050406030204" pitchFamily="18" charset="0"/>
                                         </a:rPr>
@@ -13684,7 +16441,7 @@
                                     </m:accPr>
                                     <m:e>
                                       <m:r>
-                                        <a:rPr lang="fr-FR" sz="1800" i="1">
+                                        <a:rPr lang="fr-FR" sz="1200" i="1">
                                           <a:latin typeface="Cambria Math" panose="02040503050406030204" pitchFamily="18" charset="0"/>
                                           <a:ea typeface="Cambria Math" panose="02040503050406030204" pitchFamily="18" charset="0"/>
                                         </a:rPr>
@@ -13695,7 +16452,7 @@
                                   <m:func>
                                     <m:funcPr>
                                       <m:ctrlPr>
-                                        <a:rPr lang="fr-FR" sz="1800" b="0" i="1" smtClean="0">
+                                        <a:rPr lang="fr-FR" sz="1200" b="0" i="1" smtClean="0">
                                           <a:latin typeface="Cambria Math" panose="02040503050406030204" pitchFamily="18" charset="0"/>
                                           <a:ea typeface="Cambria Math" panose="02040503050406030204" pitchFamily="18" charset="0"/>
                                         </a:rPr>
@@ -13706,7 +16463,7 @@
                                         <m:rPr>
                                           <m:sty m:val="p"/>
                                         </m:rPr>
-                                        <a:rPr lang="fr-FR" sz="1800" b="0" i="0" smtClean="0">
+                                        <a:rPr lang="fr-FR" sz="1200" b="0" i="0" smtClean="0">
                                           <a:latin typeface="Cambria Math" panose="02040503050406030204" pitchFamily="18" charset="0"/>
                                           <a:ea typeface="Cambria Math" panose="02040503050406030204" pitchFamily="18" charset="0"/>
                                         </a:rPr>
@@ -13715,7 +16472,7 @@
                                     </m:fName>
                                     <m:e>
                                       <m:r>
-                                        <a:rPr lang="fr-FR" sz="1800" b="0" i="1" smtClean="0">
+                                        <a:rPr lang="fr-FR" sz="1200" b="0" i="1" smtClean="0">
                                           <a:latin typeface="Cambria Math" panose="02040503050406030204" pitchFamily="18" charset="0"/>
                                           <a:ea typeface="Cambria Math" panose="02040503050406030204" pitchFamily="18" charset="0"/>
                                         </a:rPr>
@@ -13733,7 +16490,7 @@
                         <m:sSub>
                           <m:sSubPr>
                             <m:ctrlPr>
-                              <a:rPr lang="fr-FR" sz="1800" b="0" i="1" smtClean="0">
+                              <a:rPr lang="fr-FR" sz="1200" b="0" i="1" smtClean="0">
                                 <a:latin typeface="Cambria Math" panose="02040503050406030204" pitchFamily="18" charset="0"/>
                                 <a:ea typeface="Cambria Math" panose="02040503050406030204" pitchFamily="18" charset="0"/>
                               </a:rPr>
@@ -13741,7 +16498,7 @@
                           </m:sSubPr>
                           <m:e>
                             <m:r>
-                              <a:rPr lang="fr-FR" sz="1800" b="0" i="1" smtClean="0">
+                              <a:rPr lang="fr-FR" sz="1200" b="0" i="1" smtClean="0">
                                 <a:latin typeface="Cambria Math" panose="02040503050406030204" pitchFamily="18" charset="0"/>
                                 <a:ea typeface="Cambria Math" panose="02040503050406030204" pitchFamily="18" charset="0"/>
                               </a:rPr>
@@ -13750,7 +16507,7 @@
                           </m:e>
                           <m:sub>
                             <m:r>
-                              <a:rPr lang="fr-FR" sz="1800" b="0" i="1" smtClean="0">
+                              <a:rPr lang="fr-FR" sz="1200" b="0" i="1" smtClean="0">
                                 <a:latin typeface="Cambria Math" panose="02040503050406030204" pitchFamily="18" charset="0"/>
                                 <a:ea typeface="Cambria Math" panose="02040503050406030204" pitchFamily="18" charset="0"/>
                               </a:rPr>
@@ -13761,7 +16518,7 @@
                       </m:sub>
                     </m:sSub>
                     <m:r>
-                      <a:rPr lang="fr-FR" sz="1800" b="0" i="1" smtClean="0">
+                      <a:rPr lang="fr-FR" sz="1200" b="0" i="1" smtClean="0">
                         <a:latin typeface="Cambria Math" panose="02040503050406030204" pitchFamily="18" charset="0"/>
                         <a:ea typeface="Cambria Math" panose="02040503050406030204" pitchFamily="18" charset="0"/>
                       </a:rPr>
@@ -13770,7 +16527,7 @@
                     <m:sSub>
                       <m:sSubPr>
                         <m:ctrlPr>
-                          <a:rPr lang="fr-FR" sz="1800" i="1">
+                          <a:rPr lang="fr-FR" sz="1200" i="1">
                             <a:latin typeface="Cambria Math" panose="02040503050406030204" pitchFamily="18" charset="0"/>
                             <a:ea typeface="Cambria Math" panose="02040503050406030204" pitchFamily="18" charset="0"/>
                           </a:rPr>
@@ -13782,7 +16539,7 @@
                             <m:begChr m:val="["/>
                             <m:endChr m:val="]"/>
                             <m:ctrlPr>
-                              <a:rPr lang="fr-FR" sz="1800" i="1">
+                              <a:rPr lang="fr-FR" sz="1200" i="1">
                                 <a:latin typeface="Cambria Math" panose="02040503050406030204" pitchFamily="18" charset="0"/>
                                 <a:ea typeface="Cambria Math" panose="02040503050406030204" pitchFamily="18" charset="0"/>
                               </a:rPr>
@@ -13800,7 +16557,7 @@
                                   </m:mc>
                                 </m:mcs>
                                 <m:ctrlPr>
-                                  <a:rPr lang="fr-FR" sz="1800" i="1">
+                                  <a:rPr lang="fr-FR" sz="1200" i="1">
                                     <a:latin typeface="Cambria Math" panose="02040503050406030204" pitchFamily="18" charset="0"/>
                                     <a:ea typeface="Cambria Math" panose="02040503050406030204" pitchFamily="18" charset="0"/>
                                   </a:rPr>
@@ -13812,7 +16569,7 @@
                                     <m:rPr>
                                       <m:brk m:alnAt="7"/>
                                     </m:rPr>
-                                    <a:rPr lang="fr-FR" sz="1800" b="0" i="1" smtClean="0">
+                                    <a:rPr lang="fr-FR" sz="1200" b="0" i="1" smtClean="0">
                                       <a:latin typeface="Cambria Math" panose="02040503050406030204" pitchFamily="18" charset="0"/>
                                       <a:ea typeface="Cambria Math" panose="02040503050406030204" pitchFamily="18" charset="0"/>
                                     </a:rPr>
@@ -13822,7 +16579,7 @@
                                     <m:accPr>
                                       <m:chr m:val="̇"/>
                                       <m:ctrlPr>
-                                        <a:rPr lang="fr-FR" sz="1800" i="1">
+                                        <a:rPr lang="fr-FR" sz="1200" i="1">
                                           <a:latin typeface="Cambria Math" panose="02040503050406030204" pitchFamily="18" charset="0"/>
                                           <a:ea typeface="Cambria Math" panose="02040503050406030204" pitchFamily="18" charset="0"/>
                                         </a:rPr>
@@ -13830,7 +16587,7 @@
                                     </m:accPr>
                                     <m:e>
                                       <m:r>
-                                        <a:rPr lang="fr-FR" sz="1800" i="1">
+                                        <a:rPr lang="fr-FR" sz="1200" i="1">
                                           <a:latin typeface="Cambria Math" panose="02040503050406030204" pitchFamily="18" charset="0"/>
                                           <a:ea typeface="Cambria Math" panose="02040503050406030204" pitchFamily="18" charset="0"/>
                                         </a:rPr>
@@ -13843,7 +16600,7 @@
                               <m:mr>
                                 <m:e>
                                   <m:r>
-                                    <a:rPr lang="fr-FR" sz="1800" b="0" i="1" smtClean="0">
+                                    <a:rPr lang="fr-FR" sz="1200" b="0" i="1" smtClean="0">
                                       <a:latin typeface="Cambria Math" panose="02040503050406030204" pitchFamily="18" charset="0"/>
                                       <a:ea typeface="Cambria Math" panose="02040503050406030204" pitchFamily="18" charset="0"/>
                                     </a:rPr>
@@ -13853,7 +16610,7 @@
                                     <m:accPr>
                                       <m:chr m:val="̇"/>
                                       <m:ctrlPr>
-                                        <a:rPr lang="fr-FR" sz="1800" i="1">
+                                        <a:rPr lang="fr-FR" sz="1200" i="1">
                                           <a:latin typeface="Cambria Math" panose="02040503050406030204" pitchFamily="18" charset="0"/>
                                           <a:ea typeface="Cambria Math" panose="02040503050406030204" pitchFamily="18" charset="0"/>
                                         </a:rPr>
@@ -13861,7 +16618,7 @@
                                     </m:accPr>
                                     <m:e>
                                       <m:r>
-                                        <a:rPr lang="fr-FR" sz="1800" i="1">
+                                        <a:rPr lang="fr-FR" sz="1200" i="1">
                                           <a:latin typeface="Cambria Math" panose="02040503050406030204" pitchFamily="18" charset="0"/>
                                           <a:ea typeface="Cambria Math" panose="02040503050406030204" pitchFamily="18" charset="0"/>
                                         </a:rPr>
@@ -13872,7 +16629,7 @@
                                   <m:func>
                                     <m:funcPr>
                                       <m:ctrlPr>
-                                        <a:rPr lang="fr-FR" sz="1800" i="1">
+                                        <a:rPr lang="fr-FR" sz="1200" i="1">
                                           <a:latin typeface="Cambria Math" panose="02040503050406030204" pitchFamily="18" charset="0"/>
                                           <a:ea typeface="Cambria Math" panose="02040503050406030204" pitchFamily="18" charset="0"/>
                                         </a:rPr>
@@ -13883,7 +16640,7 @@
                                         <m:rPr>
                                           <m:sty m:val="p"/>
                                         </m:rPr>
-                                        <a:rPr lang="fr-FR" sz="1800">
+                                        <a:rPr lang="fr-FR" sz="1200">
                                           <a:latin typeface="Cambria Math" panose="02040503050406030204" pitchFamily="18" charset="0"/>
                                           <a:ea typeface="Cambria Math" panose="02040503050406030204" pitchFamily="18" charset="0"/>
                                         </a:rPr>
@@ -13892,7 +16649,7 @@
                                     </m:fName>
                                     <m:e>
                                       <m:r>
-                                        <a:rPr lang="fr-FR" sz="1800" i="1">
+                                        <a:rPr lang="fr-FR" sz="1200" i="1">
                                           <a:latin typeface="Cambria Math" panose="02040503050406030204" pitchFamily="18" charset="0"/>
                                           <a:ea typeface="Cambria Math" panose="02040503050406030204" pitchFamily="18" charset="0"/>
                                         </a:rPr>
@@ -13905,7 +16662,7 @@
                               <m:mr>
                                 <m:e>
                                   <m:r>
-                                    <a:rPr lang="fr-FR" sz="1800" b="0" i="1" smtClean="0">
+                                    <a:rPr lang="fr-FR" sz="1200" b="0" i="1" smtClean="0">
                                       <a:latin typeface="Cambria Math" panose="02040503050406030204" pitchFamily="18" charset="0"/>
                                       <a:ea typeface="Cambria Math" panose="02040503050406030204" pitchFamily="18" charset="0"/>
                                     </a:rPr>
@@ -13915,7 +16672,7 @@
                                     <m:accPr>
                                       <m:chr m:val="̇"/>
                                       <m:ctrlPr>
-                                        <a:rPr lang="fr-FR" sz="1800" i="1">
+                                        <a:rPr lang="fr-FR" sz="1200" i="1">
                                           <a:latin typeface="Cambria Math" panose="02040503050406030204" pitchFamily="18" charset="0"/>
                                           <a:ea typeface="Cambria Math" panose="02040503050406030204" pitchFamily="18" charset="0"/>
                                         </a:rPr>
@@ -13923,7 +16680,7 @@
                                     </m:accPr>
                                     <m:e>
                                       <m:r>
-                                        <a:rPr lang="fr-FR" sz="1800" i="1">
+                                        <a:rPr lang="fr-FR" sz="1200" i="1">
                                           <a:latin typeface="Cambria Math" panose="02040503050406030204" pitchFamily="18" charset="0"/>
                                           <a:ea typeface="Cambria Math" panose="02040503050406030204" pitchFamily="18" charset="0"/>
                                         </a:rPr>
@@ -13934,7 +16691,7 @@
                                   <m:func>
                                     <m:funcPr>
                                       <m:ctrlPr>
-                                        <a:rPr lang="fr-FR" sz="1800" i="1">
+                                        <a:rPr lang="fr-FR" sz="1200" i="1">
                                           <a:latin typeface="Cambria Math" panose="02040503050406030204" pitchFamily="18" charset="0"/>
                                           <a:ea typeface="Cambria Math" panose="02040503050406030204" pitchFamily="18" charset="0"/>
                                         </a:rPr>
@@ -13945,7 +16702,7 @@
                                         <m:rPr>
                                           <m:sty m:val="p"/>
                                         </m:rPr>
-                                        <a:rPr lang="fr-FR" sz="1800">
+                                        <a:rPr lang="fr-FR" sz="1200">
                                           <a:latin typeface="Cambria Math" panose="02040503050406030204" pitchFamily="18" charset="0"/>
                                           <a:ea typeface="Cambria Math" panose="02040503050406030204" pitchFamily="18" charset="0"/>
                                         </a:rPr>
@@ -13954,7 +16711,7 @@
                                     </m:fName>
                                     <m:e>
                                       <m:r>
-                                        <a:rPr lang="fr-FR" sz="1800" i="1">
+                                        <a:rPr lang="fr-FR" sz="1200" i="1">
                                           <a:latin typeface="Cambria Math" panose="02040503050406030204" pitchFamily="18" charset="0"/>
                                           <a:ea typeface="Cambria Math" panose="02040503050406030204" pitchFamily="18" charset="0"/>
                                         </a:rPr>
@@ -13972,7 +16729,7 @@
                         <m:sSub>
                           <m:sSubPr>
                             <m:ctrlPr>
-                              <a:rPr lang="fr-FR" sz="1800" i="1">
+                              <a:rPr lang="fr-FR" sz="1200" i="1">
                                 <a:latin typeface="Cambria Math" panose="02040503050406030204" pitchFamily="18" charset="0"/>
                                 <a:ea typeface="Cambria Math" panose="02040503050406030204" pitchFamily="18" charset="0"/>
                               </a:rPr>
@@ -13980,7 +16737,7 @@
                           </m:sSubPr>
                           <m:e>
                             <m:r>
-                              <a:rPr lang="fr-FR" sz="1800" i="1">
+                              <a:rPr lang="fr-FR" sz="1200" i="1">
                                 <a:latin typeface="Cambria Math" panose="02040503050406030204" pitchFamily="18" charset="0"/>
                                 <a:ea typeface="Cambria Math" panose="02040503050406030204" pitchFamily="18" charset="0"/>
                               </a:rPr>
@@ -13989,7 +16746,7 @@
                           </m:e>
                           <m:sub>
                             <m:r>
-                              <a:rPr lang="fr-FR" sz="1800" i="1">
+                              <a:rPr lang="fr-FR" sz="1200" i="1">
                                 <a:latin typeface="Cambria Math" panose="02040503050406030204" pitchFamily="18" charset="0"/>
                                 <a:ea typeface="Cambria Math" panose="02040503050406030204" pitchFamily="18" charset="0"/>
                               </a:rPr>
@@ -14001,17 +16758,17 @@
                     </m:sSub>
                   </m:oMath>
                 </a14:m>
-                <a:endParaRPr lang="fr-FR" sz="1800" dirty="0"/>
+                <a:endParaRPr lang="fr-FR" sz="1200" dirty="0"/>
               </a:p>
               <a:p>
-                <a:pPr lvl="1"/>
+                <a:pPr lvl="2"/>
                 <a14:m>
                   <m:oMath xmlns:m="http://schemas.openxmlformats.org/officeDocument/2006/math">
                     <m:acc>
                       <m:accPr>
                         <m:chr m:val="⃗"/>
                         <m:ctrlPr>
-                          <a:rPr lang="fr-FR" sz="1800" i="1" smtClean="0">
+                          <a:rPr lang="fr-FR" sz="1200" i="1" smtClean="0">
                             <a:latin typeface="Cambria Math" panose="02040503050406030204" pitchFamily="18" charset="0"/>
                             <a:ea typeface="Cambria Math" panose="02040503050406030204" pitchFamily="18" charset="0"/>
                           </a:rPr>
@@ -14019,7 +16776,7 @@
                       </m:accPr>
                       <m:e>
                         <m:r>
-                          <a:rPr lang="fr-FR" sz="1800" b="0" i="1" smtClean="0">
+                          <a:rPr lang="fr-FR" sz="1200" b="0" i="1" smtClean="0">
                             <a:latin typeface="Cambria Math" panose="02040503050406030204" pitchFamily="18" charset="0"/>
                             <a:ea typeface="Cambria Math" panose="02040503050406030204" pitchFamily="18" charset="0"/>
                           </a:rPr>
@@ -14028,7 +16785,7 @@
                         <m:d>
                           <m:dPr>
                             <m:ctrlPr>
-                              <a:rPr lang="fr-FR" sz="1800" i="1">
+                              <a:rPr lang="fr-FR" sz="1200" i="1">
                                 <a:latin typeface="Cambria Math" panose="02040503050406030204" pitchFamily="18" charset="0"/>
                                 <a:ea typeface="Cambria Math" panose="02040503050406030204" pitchFamily="18" charset="0"/>
                               </a:rPr>
@@ -14036,21 +16793,21 @@
                           </m:dPr>
                           <m:e>
                             <m:r>
-                              <a:rPr lang="fr-FR" sz="1800" i="1">
+                              <a:rPr lang="fr-FR" sz="1200" i="1">
                                 <a:latin typeface="Cambria Math" panose="02040503050406030204" pitchFamily="18" charset="0"/>
                                 <a:ea typeface="Cambria Math" panose="02040503050406030204" pitchFamily="18" charset="0"/>
                               </a:rPr>
                               <m:t>𝐺</m:t>
                             </m:r>
                             <m:r>
-                              <a:rPr lang="fr-FR" sz="1800" i="1">
+                              <a:rPr lang="fr-FR" sz="1200" i="1">
                                 <a:latin typeface="Cambria Math" panose="02040503050406030204" pitchFamily="18" charset="0"/>
                                 <a:ea typeface="Cambria Math" panose="02040503050406030204" pitchFamily="18" charset="0"/>
                               </a:rPr>
                               <m:t>,</m:t>
                             </m:r>
                             <m:r>
-                              <a:rPr lang="fr-FR" sz="1800" i="1">
+                              <a:rPr lang="fr-FR" sz="1200" i="1">
                                 <a:latin typeface="Cambria Math" panose="02040503050406030204" pitchFamily="18" charset="0"/>
                                 <a:ea typeface="Cambria Math" panose="02040503050406030204" pitchFamily="18" charset="0"/>
                               </a:rPr>
@@ -14060,14 +16817,14 @@
                               <m:rPr>
                                 <m:lit/>
                               </m:rPr>
-                              <a:rPr lang="fr-FR" sz="1800" i="1">
+                              <a:rPr lang="fr-FR" sz="1200" i="1">
                                 <a:latin typeface="Cambria Math" panose="02040503050406030204" pitchFamily="18" charset="0"/>
                                 <a:ea typeface="Cambria Math" panose="02040503050406030204" pitchFamily="18" charset="0"/>
                               </a:rPr>
                               <m:t>/</m:t>
                             </m:r>
                             <m:r>
-                              <a:rPr lang="fr-FR" sz="1800" i="1">
+                              <a:rPr lang="fr-FR" sz="1200" i="1">
                                 <a:latin typeface="Cambria Math" panose="02040503050406030204" pitchFamily="18" charset="0"/>
                                 <a:ea typeface="Cambria Math" panose="02040503050406030204" pitchFamily="18" charset="0"/>
                               </a:rPr>
@@ -14078,7 +16835,7 @@
                       </m:e>
                     </m:acc>
                     <m:r>
-                      <a:rPr lang="fr-FR" sz="1800" b="0" i="1" smtClean="0">
+                      <a:rPr lang="fr-FR" sz="1200" b="0" i="1" smtClean="0">
                         <a:latin typeface="Cambria Math" panose="02040503050406030204" pitchFamily="18" charset="0"/>
                         <a:ea typeface="Cambria Math" panose="02040503050406030204" pitchFamily="18" charset="0"/>
                       </a:rPr>
@@ -14088,7 +16845,7 @@
                       <m:accPr>
                         <m:chr m:val="⃗"/>
                         <m:ctrlPr>
-                          <a:rPr lang="fr-FR" sz="1800" i="1">
+                          <a:rPr lang="fr-FR" sz="1200" i="1">
                             <a:latin typeface="Cambria Math" panose="02040503050406030204" pitchFamily="18" charset="0"/>
                             <a:ea typeface="Cambria Math" panose="02040503050406030204" pitchFamily="18" charset="0"/>
                           </a:rPr>
@@ -14099,7 +16856,7 @@
                           <m:rPr>
                             <m:sty m:val="p"/>
                           </m:rPr>
-                          <a:rPr lang="fr-FR" sz="1800">
+                          <a:rPr lang="fr-FR" sz="1200">
                             <a:latin typeface="Cambria Math" panose="02040503050406030204" pitchFamily="18" charset="0"/>
                             <a:ea typeface="Cambria Math" panose="02040503050406030204" pitchFamily="18" charset="0"/>
                           </a:rPr>
@@ -14108,7 +16865,7 @@
                         <m:d>
                           <m:dPr>
                             <m:ctrlPr>
-                              <a:rPr lang="fr-FR" sz="1800" i="1">
+                              <a:rPr lang="fr-FR" sz="1200" i="1">
                                 <a:latin typeface="Cambria Math" panose="02040503050406030204" pitchFamily="18" charset="0"/>
                                 <a:ea typeface="Cambria Math" panose="02040503050406030204" pitchFamily="18" charset="0"/>
                               </a:rPr>
@@ -14116,7 +16873,7 @@
                           </m:dPr>
                           <m:e>
                             <m:r>
-                              <a:rPr lang="fr-FR" sz="1800" i="1">
+                              <a:rPr lang="fr-FR" sz="1200" i="1">
                                 <a:latin typeface="Cambria Math" panose="02040503050406030204" pitchFamily="18" charset="0"/>
                                 <a:ea typeface="Cambria Math" panose="02040503050406030204" pitchFamily="18" charset="0"/>
                               </a:rPr>
@@ -14126,14 +16883,14 @@
                               <m:rPr>
                                 <m:lit/>
                               </m:rPr>
-                              <a:rPr lang="fr-FR" sz="1800" i="1">
+                              <a:rPr lang="fr-FR" sz="1200" i="1">
                                 <a:latin typeface="Cambria Math" panose="02040503050406030204" pitchFamily="18" charset="0"/>
                                 <a:ea typeface="Cambria Math" panose="02040503050406030204" pitchFamily="18" charset="0"/>
                               </a:rPr>
                               <m:t>/</m:t>
                             </m:r>
                             <m:r>
-                              <a:rPr lang="fr-FR" sz="1800" i="1">
+                              <a:rPr lang="fr-FR" sz="1200" i="1">
                                 <a:latin typeface="Cambria Math" panose="02040503050406030204" pitchFamily="18" charset="0"/>
                                 <a:ea typeface="Cambria Math" panose="02040503050406030204" pitchFamily="18" charset="0"/>
                               </a:rPr>
@@ -14144,14 +16901,14 @@
                       </m:e>
                     </m:acc>
                     <m:r>
-                      <a:rPr lang="fr-FR" sz="1800" b="0" i="1" smtClean="0">
+                      <a:rPr lang="fr-FR" sz="1200" b="0" i="1" smtClean="0">
                         <a:latin typeface="Cambria Math" panose="02040503050406030204" pitchFamily="18" charset="0"/>
                         <a:ea typeface="Cambria Math" panose="02040503050406030204" pitchFamily="18" charset="0"/>
                       </a:rPr>
                       <m:t>=</m:t>
                     </m:r>
                     <m:r>
-                      <a:rPr lang="fr-FR" sz="1800" b="0" i="1" smtClean="0">
+                      <a:rPr lang="fr-FR" sz="1200" b="0" i="1" smtClean="0">
                         <a:latin typeface="Cambria Math" panose="02040503050406030204" pitchFamily="18" charset="0"/>
                         <a:ea typeface="Cambria Math" panose="02040503050406030204" pitchFamily="18" charset="0"/>
                       </a:rPr>
@@ -14160,7 +16917,7 @@
                     <m:sSup>
                       <m:sSupPr>
                         <m:ctrlPr>
-                          <a:rPr lang="fr-FR" sz="1800" b="0" i="0" smtClean="0">
+                          <a:rPr lang="fr-FR" sz="1200" b="0" i="1" smtClean="0">
                             <a:latin typeface="Cambria Math" panose="02040503050406030204" pitchFamily="18" charset="0"/>
                             <a:ea typeface="Cambria Math" panose="02040503050406030204" pitchFamily="18" charset="0"/>
                           </a:rPr>
@@ -14171,7 +16928,7 @@
                           <m:accPr>
                             <m:chr m:val="̇"/>
                             <m:ctrlPr>
-                              <a:rPr lang="fr-FR" sz="1800" i="1">
+                              <a:rPr lang="fr-FR" sz="1200" i="1">
                                 <a:latin typeface="Cambria Math" panose="02040503050406030204" pitchFamily="18" charset="0"/>
                                 <a:ea typeface="Cambria Math" panose="02040503050406030204" pitchFamily="18" charset="0"/>
                               </a:rPr>
@@ -14179,7 +16936,7 @@
                           </m:accPr>
                           <m:e>
                             <m:r>
-                              <a:rPr lang="fr-FR" sz="1800" i="1">
+                              <a:rPr lang="fr-FR" sz="1200" i="1">
                                 <a:latin typeface="Cambria Math" panose="02040503050406030204" pitchFamily="18" charset="0"/>
                                 <a:ea typeface="Cambria Math" panose="02040503050406030204" pitchFamily="18" charset="0"/>
                               </a:rPr>
@@ -14190,7 +16947,7 @@
                       </m:e>
                       <m:sup>
                         <m:r>
-                          <a:rPr lang="fr-FR" sz="1800" b="0" i="0" smtClean="0">
+                          <a:rPr lang="fr-FR" sz="1200" b="0" i="0" smtClean="0">
                             <a:latin typeface="Cambria Math" panose="02040503050406030204" pitchFamily="18" charset="0"/>
                             <a:ea typeface="Cambria Math" panose="02040503050406030204" pitchFamily="18" charset="0"/>
                           </a:rPr>
@@ -14199,14 +16956,14 @@
                       </m:sup>
                     </m:sSup>
                     <m:r>
-                      <a:rPr lang="fr-FR" sz="1800">
+                      <a:rPr lang="fr-FR" sz="1200">
                         <a:latin typeface="Cambria Math" panose="02040503050406030204" pitchFamily="18" charset="0"/>
                         <a:ea typeface="Cambria Math" panose="02040503050406030204" pitchFamily="18" charset="0"/>
                       </a:rPr>
                       <m:t>+</m:t>
                     </m:r>
                     <m:r>
-                      <a:rPr lang="fr-FR" sz="1800" i="1">
+                      <a:rPr lang="fr-FR" sz="1200" i="1">
                         <a:latin typeface="Cambria Math" panose="02040503050406030204" pitchFamily="18" charset="0"/>
                         <a:ea typeface="Cambria Math" panose="02040503050406030204" pitchFamily="18" charset="0"/>
                       </a:rPr>
@@ -14216,7 +16973,7 @@
                       <m:accPr>
                         <m:chr m:val="̇"/>
                         <m:ctrlPr>
-                          <a:rPr lang="fr-FR" sz="1800" i="1">
+                          <a:rPr lang="fr-FR" sz="1200" i="1">
                             <a:latin typeface="Cambria Math" panose="02040503050406030204" pitchFamily="18" charset="0"/>
                             <a:ea typeface="Cambria Math" panose="02040503050406030204" pitchFamily="18" charset="0"/>
                           </a:rPr>
@@ -14226,7 +16983,7 @@
                         <m:sSup>
                           <m:sSupPr>
                             <m:ctrlPr>
-                              <a:rPr lang="fr-FR" sz="1800" i="1">
+                              <a:rPr lang="fr-FR" sz="1200" i="1">
                                 <a:latin typeface="Cambria Math" panose="02040503050406030204" pitchFamily="18" charset="0"/>
                                 <a:ea typeface="Cambria Math" panose="02040503050406030204" pitchFamily="18" charset="0"/>
                               </a:rPr>
@@ -14234,7 +16991,7 @@
                           </m:sSupPr>
                           <m:e>
                             <m:r>
-                              <a:rPr lang="fr-FR" sz="1800" i="1">
+                              <a:rPr lang="fr-FR" sz="1200" i="1">
                                 <a:latin typeface="Cambria Math" panose="02040503050406030204" pitchFamily="18" charset="0"/>
                                 <a:ea typeface="Cambria Math" panose="02040503050406030204" pitchFamily="18" charset="0"/>
                               </a:rPr>
@@ -14243,7 +17000,7 @@
                           </m:e>
                           <m:sup>
                             <m:r>
-                              <a:rPr lang="fr-FR" sz="1800" i="1">
+                              <a:rPr lang="fr-FR" sz="1200" i="1">
                                 <a:latin typeface="Cambria Math" panose="02040503050406030204" pitchFamily="18" charset="0"/>
                                 <a:ea typeface="Cambria Math" panose="02040503050406030204" pitchFamily="18" charset="0"/>
                               </a:rPr>
@@ -14255,19 +17012,19 @@
                     </m:acc>
                   </m:oMath>
                 </a14:m>
-                <a:endParaRPr lang="fr-FR" sz="1800" dirty="0">
+                <a:endParaRPr lang="fr-FR" sz="1200" dirty="0">
                   <a:ea typeface="Cambria Math" panose="02040503050406030204" pitchFamily="18" charset="0"/>
                 </a:endParaRPr>
               </a:p>
               <a:p>
-                <a:pPr lvl="1"/>
+                <a:pPr lvl="2"/>
                 <a14:m>
                   <m:oMath xmlns:m="http://schemas.openxmlformats.org/officeDocument/2006/math">
                     <m:acc>
                       <m:accPr>
                         <m:chr m:val="⃗"/>
                         <m:ctrlPr>
-                          <a:rPr lang="fr-FR" sz="1800" i="1" smtClean="0">
+                          <a:rPr lang="fr-FR" sz="1200" i="1" smtClean="0">
                             <a:latin typeface="Cambria Math" panose="02040503050406030204" pitchFamily="18" charset="0"/>
                             <a:ea typeface="Cambria Math" panose="02040503050406030204" pitchFamily="18" charset="0"/>
                           </a:rPr>
@@ -14278,7 +17035,7 @@
                           <m:rPr>
                             <m:sty m:val="p"/>
                           </m:rPr>
-                          <a:rPr lang="fr-FR" sz="1800" b="0" i="0" smtClean="0">
+                          <a:rPr lang="fr-FR" sz="1200" b="0" i="0" smtClean="0">
                             <a:latin typeface="Cambria Math" panose="02040503050406030204" pitchFamily="18" charset="0"/>
                             <a:ea typeface="Cambria Math" panose="02040503050406030204" pitchFamily="18" charset="0"/>
                           </a:rPr>
@@ -14287,7 +17044,7 @@
                         <m:d>
                           <m:dPr>
                             <m:ctrlPr>
-                              <a:rPr lang="fr-FR" sz="1800" i="1">
+                              <a:rPr lang="fr-FR" sz="1200" i="1">
                                 <a:latin typeface="Cambria Math" panose="02040503050406030204" pitchFamily="18" charset="0"/>
                                 <a:ea typeface="Cambria Math" panose="02040503050406030204" pitchFamily="18" charset="0"/>
                               </a:rPr>
@@ -14295,21 +17052,21 @@
                           </m:dPr>
                           <m:e>
                             <m:r>
-                              <a:rPr lang="fr-FR" sz="1800" b="0" i="1" smtClean="0">
+                              <a:rPr lang="fr-FR" sz="1200" b="0" i="1" smtClean="0">
                                 <a:latin typeface="Cambria Math" panose="02040503050406030204" pitchFamily="18" charset="0"/>
                                 <a:ea typeface="Cambria Math" panose="02040503050406030204" pitchFamily="18" charset="0"/>
                               </a:rPr>
                               <m:t>𝐺</m:t>
                             </m:r>
                             <m:r>
-                              <a:rPr lang="fr-FR" sz="1800" b="0" i="1" smtClean="0">
+                              <a:rPr lang="fr-FR" sz="1200" b="0" i="1" smtClean="0">
                                 <a:latin typeface="Cambria Math" panose="02040503050406030204" pitchFamily="18" charset="0"/>
                                 <a:ea typeface="Cambria Math" panose="02040503050406030204" pitchFamily="18" charset="0"/>
                               </a:rPr>
                               <m:t>,</m:t>
                             </m:r>
                             <m:r>
-                              <a:rPr lang="fr-FR" sz="1800" i="1">
+                              <a:rPr lang="fr-FR" sz="1200" i="1">
                                 <a:latin typeface="Cambria Math" panose="02040503050406030204" pitchFamily="18" charset="0"/>
                                 <a:ea typeface="Cambria Math" panose="02040503050406030204" pitchFamily="18" charset="0"/>
                               </a:rPr>
@@ -14319,14 +17076,14 @@
                               <m:rPr>
                                 <m:lit/>
                               </m:rPr>
-                              <a:rPr lang="fr-FR" sz="1800" i="1">
+                              <a:rPr lang="fr-FR" sz="1200" i="1">
                                 <a:latin typeface="Cambria Math" panose="02040503050406030204" pitchFamily="18" charset="0"/>
                                 <a:ea typeface="Cambria Math" panose="02040503050406030204" pitchFamily="18" charset="0"/>
                               </a:rPr>
                               <m:t>/</m:t>
                             </m:r>
                             <m:r>
-                              <a:rPr lang="fr-FR" sz="1800" i="1">
+                              <a:rPr lang="fr-FR" sz="1200" i="1">
                                 <a:latin typeface="Cambria Math" panose="02040503050406030204" pitchFamily="18" charset="0"/>
                                 <a:ea typeface="Cambria Math" panose="02040503050406030204" pitchFamily="18" charset="0"/>
                               </a:rPr>
@@ -14337,7 +17094,7 @@
                       </m:e>
                     </m:acc>
                     <m:r>
-                      <a:rPr lang="fr-FR" sz="1800" b="0" i="0" smtClean="0">
+                      <a:rPr lang="fr-FR" sz="1200" b="0" i="0" smtClean="0">
                         <a:latin typeface="Cambria Math" panose="02040503050406030204" pitchFamily="18" charset="0"/>
                         <a:ea typeface="Cambria Math" panose="02040503050406030204" pitchFamily="18" charset="0"/>
                       </a:rPr>
@@ -14348,7 +17105,7 @@
                         <m:begChr m:val="["/>
                         <m:endChr m:val="]"/>
                         <m:ctrlPr>
-                          <a:rPr lang="fr-FR" sz="1800" b="0" i="1" smtClean="0">
+                          <a:rPr lang="fr-FR" sz="1200" b="0" i="1" smtClean="0">
                             <a:latin typeface="Cambria Math" panose="02040503050406030204" pitchFamily="18" charset="0"/>
                             <a:ea typeface="Cambria Math" panose="02040503050406030204" pitchFamily="18" charset="0"/>
                           </a:rPr>
@@ -14358,7 +17115,7 @@
                         <m:f>
                           <m:fPr>
                             <m:ctrlPr>
-                              <a:rPr lang="fr-FR" sz="1800" b="0" i="1" smtClean="0">
+                              <a:rPr lang="fr-FR" sz="1200" b="0" i="1" smtClean="0">
                                 <a:latin typeface="Cambria Math" panose="02040503050406030204" pitchFamily="18" charset="0"/>
                                 <a:ea typeface="Cambria Math" panose="02040503050406030204" pitchFamily="18" charset="0"/>
                               </a:rPr>
@@ -14369,7 +17126,7 @@
                               <m:rPr>
                                 <m:sty m:val="p"/>
                               </m:rPr>
-                              <a:rPr lang="fr-FR" sz="1800" b="0" i="0" smtClean="0">
+                              <a:rPr lang="fr-FR" sz="1200" b="0" i="0" smtClean="0">
                                 <a:latin typeface="Cambria Math" panose="02040503050406030204" pitchFamily="18" charset="0"/>
                                 <a:ea typeface="Cambria Math" panose="02040503050406030204" pitchFamily="18" charset="0"/>
                               </a:rPr>
@@ -14379,7 +17136,7 @@
                               <m:accPr>
                                 <m:chr m:val="⃗"/>
                                 <m:ctrlPr>
-                                  <a:rPr lang="fr-FR" sz="1800" b="0" i="1" smtClean="0">
+                                  <a:rPr lang="fr-FR" sz="1200" b="0" i="1" smtClean="0">
                                     <a:latin typeface="Cambria Math" panose="02040503050406030204" pitchFamily="18" charset="0"/>
                                     <a:ea typeface="Cambria Math" panose="02040503050406030204" pitchFamily="18" charset="0"/>
                                   </a:rPr>
@@ -14390,7 +17147,7 @@
                                   <m:rPr>
                                     <m:sty m:val="p"/>
                                   </m:rPr>
-                                  <a:rPr lang="fr-FR" sz="1800" b="0" i="0" smtClean="0">
+                                  <a:rPr lang="fr-FR" sz="1200" b="0" i="0" smtClean="0">
                                     <a:latin typeface="Cambria Math" panose="02040503050406030204" pitchFamily="18" charset="0"/>
                                     <a:ea typeface="Cambria Math" panose="02040503050406030204" pitchFamily="18" charset="0"/>
                                   </a:rPr>
@@ -14400,7 +17157,7 @@
                                   <m:rPr>
                                     <m:sty m:val="p"/>
                                   </m:rPr>
-                                  <a:rPr lang="fr-FR" sz="1800">
+                                  <a:rPr lang="fr-FR" sz="1200">
                                     <a:latin typeface="Cambria Math" panose="02040503050406030204" pitchFamily="18" charset="0"/>
                                     <a:ea typeface="Cambria Math" panose="02040503050406030204" pitchFamily="18" charset="0"/>
                                   </a:rPr>
@@ -14414,14 +17171,14 @@
                               <m:rPr>
                                 <m:sty m:val="p"/>
                               </m:rPr>
-                              <a:rPr lang="fr-FR" sz="1800" b="0" i="0" smtClean="0">
+                              <a:rPr lang="fr-FR" sz="1200" b="0" i="0" smtClean="0">
                                 <a:latin typeface="Cambria Math" panose="02040503050406030204" pitchFamily="18" charset="0"/>
                                 <a:ea typeface="Cambria Math" panose="02040503050406030204" pitchFamily="18" charset="0"/>
                               </a:rPr>
                               <m:t>d</m:t>
                             </m:r>
                             <m:r>
-                              <a:rPr lang="fr-FR" sz="1800" b="0" i="1" smtClean="0">
+                              <a:rPr lang="fr-FR" sz="1200" b="0" i="1" smtClean="0">
                                 <a:latin typeface="Cambria Math" panose="02040503050406030204" pitchFamily="18" charset="0"/>
                                 <a:ea typeface="Cambria Math" panose="02040503050406030204" pitchFamily="18" charset="0"/>
                               </a:rPr>
@@ -14432,14 +17189,14 @@
                       </m:e>
                     </m:d>
                     <m:r>
-                      <a:rPr lang="fr-FR" sz="1800" b="0" i="1" smtClean="0">
+                      <a:rPr lang="fr-FR" sz="1200" b="0" i="1" smtClean="0">
                         <a:latin typeface="Cambria Math" panose="02040503050406030204" pitchFamily="18" charset="0"/>
                         <a:ea typeface="Cambria Math" panose="02040503050406030204" pitchFamily="18" charset="0"/>
                       </a:rPr>
                       <m:t>=</m:t>
                     </m:r>
                     <m:r>
-                      <a:rPr lang="fr-FR" sz="1800" b="0" i="1" smtClean="0">
+                      <a:rPr lang="fr-FR" sz="1200" b="0" i="1" smtClean="0">
                         <a:latin typeface="Cambria Math" panose="02040503050406030204" pitchFamily="18" charset="0"/>
                         <a:ea typeface="Cambria Math" panose="02040503050406030204" pitchFamily="18" charset="0"/>
                       </a:rPr>
@@ -14449,7 +17206,7 @@
                       <m:accPr>
                         <m:chr m:val="̇"/>
                         <m:ctrlPr>
-                          <a:rPr lang="fr-FR" sz="1800" i="1">
+                          <a:rPr lang="fr-FR" sz="1200" i="1">
                             <a:latin typeface="Cambria Math" panose="02040503050406030204" pitchFamily="18" charset="0"/>
                             <a:ea typeface="Cambria Math" panose="02040503050406030204" pitchFamily="18" charset="0"/>
                           </a:rPr>
@@ -14457,7 +17214,7 @@
                       </m:accPr>
                       <m:e>
                         <m:r>
-                          <a:rPr lang="fr-FR" sz="1800" i="1">
+                          <a:rPr lang="fr-FR" sz="1200" i="1">
                             <a:latin typeface="Cambria Math" panose="02040503050406030204" pitchFamily="18" charset="0"/>
                             <a:ea typeface="Cambria Math" panose="02040503050406030204" pitchFamily="18" charset="0"/>
                           </a:rPr>
@@ -14469,7 +17226,7 @@
                       <m:accPr>
                         <m:chr m:val="⃗"/>
                         <m:ctrlPr>
-                          <a:rPr lang="fr-FR" sz="1800" i="1" smtClean="0">
+                          <a:rPr lang="fr-FR" sz="1200" i="1" smtClean="0">
                             <a:latin typeface="Cambria Math" panose="02040503050406030204" pitchFamily="18" charset="0"/>
                             <a:ea typeface="Cambria Math" panose="02040503050406030204" pitchFamily="18" charset="0"/>
                           </a:rPr>
@@ -14479,7 +17236,7 @@
                         <m:sSub>
                           <m:sSubPr>
                             <m:ctrlPr>
-                              <a:rPr lang="fr-FR" sz="1800" b="0" i="1" smtClean="0">
+                              <a:rPr lang="fr-FR" sz="1200" b="0" i="1" smtClean="0">
                                 <a:latin typeface="Cambria Math" panose="02040503050406030204" pitchFamily="18" charset="0"/>
                                 <a:ea typeface="Cambria Math" panose="02040503050406030204" pitchFamily="18" charset="0"/>
                               </a:rPr>
@@ -14487,7 +17244,7 @@
                           </m:sSubPr>
                           <m:e>
                             <m:r>
-                              <a:rPr lang="fr-FR" sz="1800" b="0" i="1" smtClean="0">
+                              <a:rPr lang="fr-FR" sz="1200" b="0" i="1" smtClean="0">
                                 <a:latin typeface="Cambria Math" panose="02040503050406030204" pitchFamily="18" charset="0"/>
                                 <a:ea typeface="Cambria Math" panose="02040503050406030204" pitchFamily="18" charset="0"/>
                               </a:rPr>
@@ -14496,7 +17253,7 @@
                           </m:e>
                           <m:sub>
                             <m:r>
-                              <a:rPr lang="fr-FR" sz="1800" b="0" i="1" smtClean="0">
+                              <a:rPr lang="fr-FR" sz="1200" b="0" i="1" smtClean="0">
                                 <a:latin typeface="Cambria Math" panose="02040503050406030204" pitchFamily="18" charset="0"/>
                                 <a:ea typeface="Cambria Math" panose="02040503050406030204" pitchFamily="18" charset="0"/>
                               </a:rPr>
@@ -14508,7 +17265,7 @@
                     </m:acc>
                   </m:oMath>
                 </a14:m>
-                <a:endParaRPr lang="fr-FR" sz="1800" dirty="0">
+                <a:endParaRPr lang="fr-FR" sz="1200" dirty="0">
                   <a:ea typeface="Cambria Math" panose="02040503050406030204" pitchFamily="18" charset="0"/>
                 </a:endParaRPr>
               </a:p>
@@ -14881,7 +17638,7 @@
                 <a:pPr lvl="1"/>
                 <a:r>
                   <a:rPr lang="fr-FR" sz="1800" dirty="0"/>
-                  <a:t>Au final, pour l’ensemble rotor  :</a:t>
+                  <a:t>Au final, pour l’ensemble rotor :</a:t>
                 </a:r>
               </a:p>
               <a:p>
@@ -15756,6 +18513,12 @@
                     </m:acc>
                   </m:oMath>
                 </a14:m>
+                <a:endParaRPr lang="fr-FR" sz="1200" dirty="0">
+                  <a:ea typeface="Cambria Math" panose="02040503050406030204" pitchFamily="18" charset="0"/>
+                </a:endParaRPr>
+              </a:p>
+              <a:p>
+                <a:pPr lvl="2"/>
                 <a:endParaRPr lang="fr-FR" sz="1200" dirty="0"/>
               </a:p>
             </p:txBody>
@@ -15778,8 +18541,8 @@
             </p:nvSpPr>
             <p:spPr>
               <a:xfrm>
-                <a:off x="5366657" y="981887"/>
-                <a:ext cx="6476999" cy="5253339"/>
+                <a:off x="4659087" y="981887"/>
+                <a:ext cx="7184570" cy="5253339"/>
               </a:xfrm>
               <a:prstGeom prst="rect">
                 <a:avLst/>
@@ -15787,7 +18550,7 @@
               <a:blipFill>
                 <a:blip r:embed="rId2"/>
                 <a:stretch>
-                  <a:fillRect l="-1787" t="-1624" b="-10093"/>
+                  <a:fillRect l="-1781" t="-1392" b="-7309"/>
                 </a:stretch>
               </a:blipFill>
             </p:spPr>

--- a/11_MaxPID/11_MaxPID_Corrige.pptx
+++ b/11_MaxPID/11_MaxPID_Corrige.pptx
@@ -363,7 +363,7 @@
           <a:p>
             <a:fld id="{D7F135F6-2A09-4FDD-9ECA-096E230CA0FA}" type="datetimeFigureOut">
               <a:rPr lang="fr-FR" smtClean="0"/>
-              <a:t>23/01/2024</a:t>
+              <a:t>12/02/2024</a:t>
             </a:fld>
             <a:endParaRPr lang="fr-FR"/>
           </a:p>
@@ -568,7 +568,7 @@
           <a:p>
             <a:fld id="{D7F135F6-2A09-4FDD-9ECA-096E230CA0FA}" type="datetimeFigureOut">
               <a:rPr lang="fr-FR" smtClean="0"/>
-              <a:t>23/01/2024</a:t>
+              <a:t>12/02/2024</a:t>
             </a:fld>
             <a:endParaRPr lang="fr-FR"/>
           </a:p>
@@ -824,7 +824,7 @@
           <a:p>
             <a:fld id="{D7F135F6-2A09-4FDD-9ECA-096E230CA0FA}" type="datetimeFigureOut">
               <a:rPr lang="fr-FR" smtClean="0"/>
-              <a:t>23/01/2024</a:t>
+              <a:t>12/02/2024</a:t>
             </a:fld>
             <a:endParaRPr lang="fr-FR"/>
           </a:p>
@@ -1030,7 +1030,7 @@
           <a:p>
             <a:fld id="{D7F135F6-2A09-4FDD-9ECA-096E230CA0FA}" type="datetimeFigureOut">
               <a:rPr lang="fr-FR" smtClean="0"/>
-              <a:t>23/01/2024</a:t>
+              <a:t>12/02/2024</a:t>
             </a:fld>
             <a:endParaRPr lang="fr-FR"/>
           </a:p>
@@ -1392,7 +1392,7 @@
           <a:p>
             <a:fld id="{D7F135F6-2A09-4FDD-9ECA-096E230CA0FA}" type="datetimeFigureOut">
               <a:rPr lang="fr-FR" smtClean="0"/>
-              <a:t>23/01/2024</a:t>
+              <a:t>12/02/2024</a:t>
             </a:fld>
             <a:endParaRPr lang="fr-FR"/>
           </a:p>
@@ -1667,7 +1667,7 @@
           <a:p>
             <a:fld id="{D7F135F6-2A09-4FDD-9ECA-096E230CA0FA}" type="datetimeFigureOut">
               <a:rPr lang="fr-FR" smtClean="0"/>
-              <a:t>23/01/2024</a:t>
+              <a:t>12/02/2024</a:t>
             </a:fld>
             <a:endParaRPr lang="fr-FR"/>
           </a:p>
@@ -2046,7 +2046,7 @@
           <a:p>
             <a:fld id="{D7F135F6-2A09-4FDD-9ECA-096E230CA0FA}" type="datetimeFigureOut">
               <a:rPr lang="fr-FR" smtClean="0"/>
-              <a:t>23/01/2024</a:t>
+              <a:t>12/02/2024</a:t>
             </a:fld>
             <a:endParaRPr lang="fr-FR"/>
           </a:p>
@@ -2164,7 +2164,7 @@
           <a:p>
             <a:fld id="{D7F135F6-2A09-4FDD-9ECA-096E230CA0FA}" type="datetimeFigureOut">
               <a:rPr lang="fr-FR" smtClean="0"/>
-              <a:t>23/01/2024</a:t>
+              <a:t>12/02/2024</a:t>
             </a:fld>
             <a:endParaRPr lang="fr-FR"/>
           </a:p>
@@ -2338,7 +2338,7 @@
           <a:p>
             <a:fld id="{D7F135F6-2A09-4FDD-9ECA-096E230CA0FA}" type="datetimeFigureOut">
               <a:rPr lang="fr-FR" smtClean="0"/>
-              <a:t>23/01/2024</a:t>
+              <a:t>12/02/2024</a:t>
             </a:fld>
             <a:endParaRPr lang="fr-FR"/>
           </a:p>
@@ -2695,7 +2695,7 @@
           <a:p>
             <a:fld id="{D7F135F6-2A09-4FDD-9ECA-096E230CA0FA}" type="datetimeFigureOut">
               <a:rPr lang="fr-FR" smtClean="0"/>
-              <a:t>23/01/2024</a:t>
+              <a:t>12/02/2024</a:t>
             </a:fld>
             <a:endParaRPr lang="fr-FR"/>
           </a:p>
@@ -3080,7 +3080,7 @@
           <a:p>
             <a:fld id="{D7F135F6-2A09-4FDD-9ECA-096E230CA0FA}" type="datetimeFigureOut">
               <a:rPr lang="fr-FR" smtClean="0"/>
-              <a:t>23/01/2024</a:t>
+              <a:t>12/02/2024</a:t>
             </a:fld>
             <a:endParaRPr lang="fr-FR"/>
           </a:p>
@@ -3370,7 +3370,7 @@
           <a:p>
             <a:fld id="{D7F135F6-2A09-4FDD-9ECA-096E230CA0FA}" type="datetimeFigureOut">
               <a:rPr lang="fr-FR" smtClean="0"/>
-              <a:t>23/01/2024</a:t>
+              <a:t>12/02/2024</a:t>
             </a:fld>
             <a:endParaRPr lang="fr-FR" dirty="0"/>
           </a:p>
@@ -4196,8 +4196,8 @@
           </a:p>
         </p:txBody>
       </p:sp>
-      <mc:AlternateContent xmlns:mc="http://schemas.openxmlformats.org/markup-compatibility/2006">
-        <mc:Choice xmlns:a14="http://schemas.microsoft.com/office/drawing/2010/main" Requires="a14">
+      <mc:AlternateContent xmlns:mc="http://schemas.openxmlformats.org/markup-compatibility/2006" xmlns:a14="http://schemas.microsoft.com/office/drawing/2010/main">
+        <mc:Choice Requires="a14">
           <p:sp>
             <p:nvSpPr>
               <p:cNvPr id="4" name="Espace réservé du contenu 2">
@@ -6685,7 +6685,7 @@
             </p:txBody>
           </p:sp>
         </mc:Choice>
-        <mc:Fallback>
+        <mc:Fallback xmlns="">
           <p:sp>
             <p:nvSpPr>
               <p:cNvPr id="4" name="Espace réservé du contenu 2">
@@ -7742,7 +7742,19 @@
                 </a:solidFill>
                 <a:latin typeface="Arial Nova" panose="020B0504020202020204" pitchFamily="34" charset="0"/>
               </a:rPr>
-              <a:t>Axe linéaire « Poulie courroie »</a:t>
+              <a:t>Mécanisme </a:t>
+            </a:r>
+          </a:p>
+          <a:p>
+            <a:pPr algn="ctr"/>
+            <a:r>
+              <a:rPr lang="fr-FR" sz="900" dirty="0">
+                <a:solidFill>
+                  <a:srgbClr val="EE685D"/>
+                </a:solidFill>
+                <a:latin typeface="Arial Nova" panose="020B0504020202020204" pitchFamily="34" charset="0"/>
+              </a:rPr>
+              <a:t>Stator + Rotor – Vis + Ecrou + Bras</a:t>
             </a:r>
           </a:p>
         </p:txBody>
@@ -7770,8 +7782,13 @@
           <a:p>
             <a:r>
               <a:rPr lang="fr-FR" dirty="0"/>
-              <a:t>Chaine fonctionnelle du Comax</a:t>
+              <a:t>Chaine fonctionnelle du </a:t>
             </a:r>
+            <a:r>
+              <a:rPr lang="fr-FR" dirty="0" err="1"/>
+              <a:t>MaxPID</a:t>
+            </a:r>
+            <a:endParaRPr lang="fr-FR" dirty="0"/>
           </a:p>
         </p:txBody>
       </p:sp>
@@ -7896,18 +7913,6 @@
                 </a:solidFill>
                 <a:latin typeface="Arial Nova" panose="020B0504020202020204" pitchFamily="34" charset="0"/>
               </a:rPr>
-              <a:t>Codeur incrémental</a:t>
-            </a:r>
-          </a:p>
-          <a:p>
-            <a:pPr algn="ctr"/>
-            <a:r>
-              <a:rPr lang="fr-FR" sz="800" dirty="0">
-                <a:solidFill>
-                  <a:srgbClr val="004F77"/>
-                </a:solidFill>
-                <a:latin typeface="Arial Nova" panose="020B0504020202020204" pitchFamily="34" charset="0"/>
-              </a:rPr>
               <a:t>Capteur de courant</a:t>
             </a:r>
           </a:p>
@@ -7932,7 +7937,37 @@
                 </a:solidFill>
                 <a:latin typeface="Arial Nova" panose="020B0504020202020204" pitchFamily="34" charset="0"/>
               </a:rPr>
-              <a:t>Capteur d’effort</a:t>
+              <a:t>Potentiomètre rotatif</a:t>
+            </a:r>
+          </a:p>
+          <a:p>
+            <a:pPr algn="ctr"/>
+            <a:r>
+              <a:rPr lang="fr-FR" sz="800" dirty="0">
+                <a:solidFill>
+                  <a:srgbClr val="004F77"/>
+                </a:solidFill>
+                <a:latin typeface="Arial Nova" panose="020B0504020202020204" pitchFamily="34" charset="0"/>
+              </a:rPr>
+              <a:t>(Codeur sur le </a:t>
+            </a:r>
+            <a:r>
+              <a:rPr lang="fr-FR" sz="800" dirty="0" err="1">
+                <a:solidFill>
+                  <a:srgbClr val="004F77"/>
+                </a:solidFill>
+                <a:latin typeface="Arial Nova" panose="020B0504020202020204" pitchFamily="34" charset="0"/>
+              </a:rPr>
+              <a:t>Maxpid</a:t>
+            </a:r>
+            <a:r>
+              <a:rPr lang="fr-FR" sz="800" dirty="0">
+                <a:solidFill>
+                  <a:srgbClr val="004F77"/>
+                </a:solidFill>
+                <a:latin typeface="Arial Nova" panose="020B0504020202020204" pitchFamily="34" charset="0"/>
+              </a:rPr>
+              <a:t>-E)</a:t>
             </a:r>
           </a:p>
         </p:txBody>
@@ -8058,6 +8093,18 @@
                 </a:solidFill>
                 <a:latin typeface="Arial Nova" panose="020B0504020202020204" pitchFamily="34" charset="0"/>
               </a:rPr>
+              <a:t>Carte de traitement</a:t>
+            </a:r>
+          </a:p>
+          <a:p>
+            <a:pPr algn="ctr"/>
+            <a:r>
+              <a:rPr lang="fr-FR" sz="1000" dirty="0">
+                <a:solidFill>
+                  <a:srgbClr val="0C7391"/>
+                </a:solidFill>
+                <a:latin typeface="Arial Nova" panose="020B0504020202020204" pitchFamily="34" charset="0"/>
+              </a:rPr>
               <a:t>Carte EPOS</a:t>
             </a:r>
           </a:p>
@@ -8178,25 +8225,40 @@
           <a:p>
             <a:pPr algn="ctr"/>
             <a:r>
-              <a:rPr lang="fr-FR" sz="1200" dirty="0">
+              <a:rPr lang="fr-FR" sz="1100" dirty="0">
+                <a:solidFill>
+                  <a:srgbClr val="08A559"/>
+                </a:solidFill>
+                <a:latin typeface="Arial Nova" panose="020B0504020202020204" pitchFamily="34" charset="0"/>
+              </a:rPr>
+              <a:t>Carte de </a:t>
+            </a:r>
+            <a:r>
+              <a:rPr lang="fr-FR" sz="1100" dirty="0" err="1">
+                <a:solidFill>
+                  <a:srgbClr val="08A559"/>
+                </a:solidFill>
+                <a:latin typeface="Arial Nova" panose="020B0504020202020204" pitchFamily="34" charset="0"/>
+              </a:rPr>
+              <a:t>comm</a:t>
+            </a:r>
+            <a:endParaRPr lang="fr-FR" sz="1100" dirty="0">
+              <a:solidFill>
+                <a:srgbClr val="08A559"/>
+              </a:solidFill>
+              <a:latin typeface="Arial Nova" panose="020B0504020202020204" pitchFamily="34" charset="0"/>
+            </a:endParaRPr>
+          </a:p>
+          <a:p>
+            <a:pPr algn="ctr"/>
+            <a:r>
+              <a:rPr lang="fr-FR" sz="1100" dirty="0">
                 <a:solidFill>
                   <a:srgbClr val="08A559"/>
                 </a:solidFill>
                 <a:latin typeface="Arial Nova" panose="020B0504020202020204" pitchFamily="34" charset="0"/>
               </a:rPr>
               <a:t>Carte EPOS</a:t>
-            </a:r>
-          </a:p>
-          <a:p>
-            <a:pPr algn="ctr"/>
-            <a:r>
-              <a:rPr lang="fr-FR" sz="1200" dirty="0">
-                <a:solidFill>
-                  <a:srgbClr val="08A559"/>
-                </a:solidFill>
-                <a:latin typeface="Arial Nova" panose="020B0504020202020204" pitchFamily="34" charset="0"/>
-              </a:rPr>
-              <a:t>PC</a:t>
             </a:r>
           </a:p>
         </p:txBody>
@@ -8706,7 +8768,19 @@
                 </a:solidFill>
                 <a:latin typeface="Arial Nova" panose="020B0504020202020204" pitchFamily="34" charset="0"/>
               </a:rPr>
-              <a:t>Train épicycloïdal</a:t>
+              <a:t>Vis – écrou à billes</a:t>
+            </a:r>
+          </a:p>
+          <a:p>
+            <a:pPr algn="ctr"/>
+            <a:r>
+              <a:rPr lang="fr-FR" sz="900" dirty="0">
+                <a:solidFill>
+                  <a:srgbClr val="EE685D"/>
+                </a:solidFill>
+                <a:latin typeface="Arial Nova" panose="020B0504020202020204" pitchFamily="34" charset="0"/>
+              </a:rPr>
+              <a:t>Pas : 4 mm</a:t>
             </a:r>
           </a:p>
         </p:txBody>
@@ -9489,7 +9563,7 @@
                 </a:solidFill>
                 <a:latin typeface="Arial Nova" panose="020B0504020202020204" pitchFamily="34" charset="0"/>
               </a:rPr>
-              <a:t>Poignée</a:t>
+              <a:t>Bras</a:t>
             </a:r>
           </a:p>
         </p:txBody>
@@ -9779,8 +9853,8 @@
           </p:nvSpPr>
           <p:spPr>
             <a:xfrm rot="16200000">
-              <a:off x="8815678" y="3247763"/>
-              <a:ext cx="1918043" cy="369332"/>
+              <a:off x="8815678" y="3317013"/>
+              <a:ext cx="1918043" cy="230832"/>
             </a:xfrm>
             <a:prstGeom prst="rect">
               <a:avLst/>
@@ -9803,7 +9877,7 @@
                   </a:solidFill>
                   <a:latin typeface="Arial Nova" panose="020B0504020202020204" pitchFamily="34" charset="0"/>
                 </a:rPr>
-                <a:t>Poignée en position finale</a:t>
+                <a:t>Bras en position finale</a:t>
               </a:r>
             </a:p>
           </p:txBody>
@@ -9928,7 +10002,7 @@
                   </a:solidFill>
                   <a:latin typeface="Arial Nova" panose="020B0504020202020204" pitchFamily="34" charset="0"/>
                 </a:rPr>
-                <a:t>Poignée en position initiale</a:t>
+                <a:t>Bras en position initiale</a:t>
               </a:r>
             </a:p>
           </p:txBody>
@@ -10204,139 +10278,6 @@
           </p:sp>
         </mc:Fallback>
       </mc:AlternateContent>
-      <p:grpSp>
-        <p:nvGrpSpPr>
-          <p:cNvPr id="93" name="Groupe 92">
-            <a:extLst>
-              <a:ext uri="{FF2B5EF4-FFF2-40B4-BE49-F238E27FC236}">
-                <a16:creationId xmlns:a16="http://schemas.microsoft.com/office/drawing/2014/main" id="{633A414C-079F-72BC-C836-01640E3DA896}"/>
-              </a:ext>
-            </a:extLst>
-          </p:cNvPr>
-          <p:cNvGrpSpPr/>
-          <p:nvPr/>
-        </p:nvGrpSpPr>
-        <p:grpSpPr>
-          <a:xfrm>
-            <a:off x="694382" y="1656710"/>
-            <a:ext cx="360000" cy="360000"/>
-            <a:chOff x="5404964" y="4396133"/>
-            <a:chExt cx="1800000" cy="1800000"/>
-          </a:xfrm>
-        </p:grpSpPr>
-        <p:sp>
-          <p:nvSpPr>
-            <p:cNvPr id="94" name="Ellipse 93">
-              <a:extLst>
-                <a:ext uri="{FF2B5EF4-FFF2-40B4-BE49-F238E27FC236}">
-                  <a16:creationId xmlns:a16="http://schemas.microsoft.com/office/drawing/2014/main" id="{7DA91EB8-E9B2-6DC6-B932-B3F8200FCB4C}"/>
-                </a:ext>
-              </a:extLst>
-            </p:cNvPr>
-            <p:cNvSpPr/>
-            <p:nvPr/>
-          </p:nvSpPr>
-          <p:spPr>
-            <a:xfrm>
-              <a:off x="5404964" y="4396133"/>
-              <a:ext cx="1800000" cy="1800000"/>
-            </a:xfrm>
-            <a:prstGeom prst="ellipse">
-              <a:avLst/>
-            </a:prstGeom>
-            <a:solidFill>
-              <a:srgbClr val="00517A"/>
-            </a:solidFill>
-            <a:ln>
-              <a:noFill/>
-            </a:ln>
-          </p:spPr>
-          <p:style>
-            <a:lnRef idx="2">
-              <a:schemeClr val="accent1">
-                <a:shade val="50000"/>
-              </a:schemeClr>
-            </a:lnRef>
-            <a:fillRef idx="1">
-              <a:schemeClr val="accent1"/>
-            </a:fillRef>
-            <a:effectRef idx="0">
-              <a:schemeClr val="accent1"/>
-            </a:effectRef>
-            <a:fontRef idx="minor">
-              <a:schemeClr val="lt1"/>
-            </a:fontRef>
-          </p:style>
-          <p:txBody>
-            <a:bodyPr rtlCol="0" anchor="ctr"/>
-            <a:lstStyle/>
-            <a:p>
-              <a:pPr algn="ctr"/>
-              <a:endParaRPr lang="fr-FR"/>
-            </a:p>
-          </p:txBody>
-        </p:sp>
-        <p:pic>
-          <p:nvPicPr>
-            <p:cNvPr id="95" name="Image 94">
-              <a:extLst>
-                <a:ext uri="{FF2B5EF4-FFF2-40B4-BE49-F238E27FC236}">
-                  <a16:creationId xmlns:a16="http://schemas.microsoft.com/office/drawing/2014/main" id="{C57FF404-E034-F790-1839-6255F70696F2}"/>
-                </a:ext>
-              </a:extLst>
-            </p:cNvPr>
-            <p:cNvPicPr>
-              <a:picLocks noChangeAspect="1"/>
-            </p:cNvPicPr>
-            <p:nvPr/>
-          </p:nvPicPr>
-          <p:blipFill>
-            <a:blip r:embed="rId10"/>
-            <a:stretch>
-              <a:fillRect/>
-            </a:stretch>
-          </p:blipFill>
-          <p:spPr>
-            <a:xfrm>
-              <a:off x="5543445" y="4536296"/>
-              <a:ext cx="1358232" cy="1440000"/>
-            </a:xfrm>
-            <a:prstGeom prst="rect">
-              <a:avLst/>
-            </a:prstGeom>
-          </p:spPr>
-        </p:pic>
-      </p:grpSp>
-      <p:pic>
-        <p:nvPicPr>
-          <p:cNvPr id="110" name="Image 109">
-            <a:extLst>
-              <a:ext uri="{FF2B5EF4-FFF2-40B4-BE49-F238E27FC236}">
-                <a16:creationId xmlns:a16="http://schemas.microsoft.com/office/drawing/2014/main" id="{85C6EE0C-C52A-6134-EB1B-6F3C57492332}"/>
-              </a:ext>
-            </a:extLst>
-          </p:cNvPr>
-          <p:cNvPicPr>
-            <a:picLocks noChangeAspect="1"/>
-          </p:cNvPicPr>
-          <p:nvPr/>
-        </p:nvPicPr>
-        <p:blipFill>
-          <a:blip r:embed="rId11"/>
-          <a:stretch>
-            <a:fillRect/>
-          </a:stretch>
-        </p:blipFill>
-        <p:spPr>
-          <a:xfrm>
-            <a:off x="11149335" y="3661444"/>
-            <a:ext cx="288000" cy="105516"/>
-          </a:xfrm>
-          <a:prstGeom prst="rect">
-            <a:avLst/>
-          </a:prstGeom>
-        </p:spPr>
-      </p:pic>
       <p:sp>
         <p:nvSpPr>
           <p:cNvPr id="72" name="Rectangle 71">
@@ -10391,7 +10332,23 @@
                   <a:srgbClr val="00547F"/>
                 </a:solidFill>
               </a:rPr>
-              <a:t>Codeur, ampèremètre et capteur d’effort sont nécessaires au bon fonctionnement du système.</a:t>
+              <a:t>Tous </a:t>
+            </a:r>
+            <a:r>
+              <a:rPr lang="fr-FR" sz="1400">
+                <a:solidFill>
+                  <a:srgbClr val="00547F"/>
+                </a:solidFill>
+              </a:rPr>
+              <a:t>les capteurs </a:t>
+            </a:r>
+            <a:r>
+              <a:rPr lang="fr-FR" sz="1400" dirty="0">
+                <a:solidFill>
+                  <a:srgbClr val="00547F"/>
+                </a:solidFill>
+              </a:rPr>
+              <a:t>sont nécessaires au bon fonctionnement du système.</a:t>
             </a:r>
           </a:p>
         </p:txBody>
@@ -10483,7 +10440,7 @@
             <p:nvPr/>
           </p:nvPicPr>
           <p:blipFill>
-            <a:blip r:embed="rId12"/>
+            <a:blip r:embed="rId10"/>
             <a:stretch>
               <a:fillRect/>
             </a:stretch>
@@ -10744,7 +10701,7 @@
             <p:nvPr/>
           </p:nvPicPr>
           <p:blipFill>
-            <a:blip r:embed="rId13"/>
+            <a:blip r:embed="rId11"/>
             <a:stretch>
               <a:fillRect/>
             </a:stretch>
@@ -10753,109 +10710,6 @@
             <a:xfrm>
               <a:off x="6298697" y="5322283"/>
               <a:ext cx="1311072" cy="1076572"/>
-            </a:xfrm>
-            <a:prstGeom prst="rect">
-              <a:avLst/>
-            </a:prstGeom>
-          </p:spPr>
-        </p:pic>
-      </p:grpSp>
-      <p:grpSp>
-        <p:nvGrpSpPr>
-          <p:cNvPr id="68" name="Groupe 67">
-            <a:extLst>
-              <a:ext uri="{FF2B5EF4-FFF2-40B4-BE49-F238E27FC236}">
-                <a16:creationId xmlns:a16="http://schemas.microsoft.com/office/drawing/2014/main" id="{B841AA18-EE52-BF71-8A77-FCA95EC11591}"/>
-              </a:ext>
-            </a:extLst>
-          </p:cNvPr>
-          <p:cNvGrpSpPr/>
-          <p:nvPr/>
-        </p:nvGrpSpPr>
-        <p:grpSpPr>
-          <a:xfrm>
-            <a:off x="5950287" y="4647841"/>
-            <a:ext cx="288000" cy="288000"/>
-            <a:chOff x="5404964" y="4396133"/>
-            <a:chExt cx="1800000" cy="1800000"/>
-          </a:xfrm>
-        </p:grpSpPr>
-        <p:sp>
-          <p:nvSpPr>
-            <p:cNvPr id="69" name="Ellipse 68">
-              <a:extLst>
-                <a:ext uri="{FF2B5EF4-FFF2-40B4-BE49-F238E27FC236}">
-                  <a16:creationId xmlns:a16="http://schemas.microsoft.com/office/drawing/2014/main" id="{65F49912-F500-977C-390A-F4CE59EA478C}"/>
-                </a:ext>
-              </a:extLst>
-            </p:cNvPr>
-            <p:cNvSpPr/>
-            <p:nvPr/>
-          </p:nvSpPr>
-          <p:spPr>
-            <a:xfrm>
-              <a:off x="5404964" y="4396133"/>
-              <a:ext cx="1800000" cy="1800000"/>
-            </a:xfrm>
-            <a:prstGeom prst="ellipse">
-              <a:avLst/>
-            </a:prstGeom>
-            <a:solidFill>
-              <a:srgbClr val="00517A"/>
-            </a:solidFill>
-            <a:ln>
-              <a:noFill/>
-            </a:ln>
-          </p:spPr>
-          <p:style>
-            <a:lnRef idx="2">
-              <a:schemeClr val="accent1">
-                <a:shade val="50000"/>
-              </a:schemeClr>
-            </a:lnRef>
-            <a:fillRef idx="1">
-              <a:schemeClr val="accent1"/>
-            </a:fillRef>
-            <a:effectRef idx="0">
-              <a:schemeClr val="accent1"/>
-            </a:effectRef>
-            <a:fontRef idx="minor">
-              <a:schemeClr val="lt1"/>
-            </a:fontRef>
-          </p:style>
-          <p:txBody>
-            <a:bodyPr rtlCol="0" anchor="ctr"/>
-            <a:lstStyle/>
-            <a:p>
-              <a:pPr algn="ctr"/>
-              <a:endParaRPr lang="fr-FR"/>
-            </a:p>
-          </p:txBody>
-        </p:sp>
-        <p:pic>
-          <p:nvPicPr>
-            <p:cNvPr id="70" name="Image 69">
-              <a:extLst>
-                <a:ext uri="{FF2B5EF4-FFF2-40B4-BE49-F238E27FC236}">
-                  <a16:creationId xmlns:a16="http://schemas.microsoft.com/office/drawing/2014/main" id="{E46C5A9A-E0F4-935F-E346-29D344A63AA9}"/>
-                </a:ext>
-              </a:extLst>
-            </p:cNvPr>
-            <p:cNvPicPr>
-              <a:picLocks noChangeAspect="1"/>
-            </p:cNvPicPr>
-            <p:nvPr/>
-          </p:nvPicPr>
-          <p:blipFill>
-            <a:blip r:embed="rId10"/>
-            <a:stretch>
-              <a:fillRect/>
-            </a:stretch>
-          </p:blipFill>
-          <p:spPr>
-            <a:xfrm>
-              <a:off x="5543445" y="4536296"/>
-              <a:ext cx="1358232" cy="1440000"/>
             </a:xfrm>
             <a:prstGeom prst="rect">
               <a:avLst/>
@@ -10950,7 +10804,7 @@
             <p:nvPr/>
           </p:nvPicPr>
           <p:blipFill>
-            <a:blip r:embed="rId13"/>
+            <a:blip r:embed="rId11"/>
             <a:stretch>
               <a:fillRect/>
             </a:stretch>
@@ -10959,315 +10813,6 @@
             <a:xfrm>
               <a:off x="6298697" y="5322283"/>
               <a:ext cx="1311072" cy="1076572"/>
-            </a:xfrm>
-            <a:prstGeom prst="rect">
-              <a:avLst/>
-            </a:prstGeom>
-          </p:spPr>
-        </p:pic>
-      </p:grpSp>
-      <p:grpSp>
-        <p:nvGrpSpPr>
-          <p:cNvPr id="92" name="Groupe 91">
-            <a:extLst>
-              <a:ext uri="{FF2B5EF4-FFF2-40B4-BE49-F238E27FC236}">
-                <a16:creationId xmlns:a16="http://schemas.microsoft.com/office/drawing/2014/main" id="{9F95A1EA-9092-5D0B-B7AC-F7CE46698DF0}"/>
-              </a:ext>
-            </a:extLst>
-          </p:cNvPr>
-          <p:cNvGrpSpPr/>
-          <p:nvPr/>
-        </p:nvGrpSpPr>
-        <p:grpSpPr>
-          <a:xfrm>
-            <a:off x="694382" y="1254083"/>
-            <a:ext cx="360000" cy="360000"/>
-            <a:chOff x="-2063262" y="2086237"/>
-            <a:chExt cx="1800000" cy="1800000"/>
-          </a:xfrm>
-        </p:grpSpPr>
-        <p:sp>
-          <p:nvSpPr>
-            <p:cNvPr id="96" name="Ellipse 95">
-              <a:extLst>
-                <a:ext uri="{FF2B5EF4-FFF2-40B4-BE49-F238E27FC236}">
-                  <a16:creationId xmlns:a16="http://schemas.microsoft.com/office/drawing/2014/main" id="{845FC769-0299-0B5A-BCD6-DE55695F83D2}"/>
-                </a:ext>
-              </a:extLst>
-            </p:cNvPr>
-            <p:cNvSpPr/>
-            <p:nvPr/>
-          </p:nvSpPr>
-          <p:spPr>
-            <a:xfrm>
-              <a:off x="-2063262" y="2086237"/>
-              <a:ext cx="1800000" cy="1800000"/>
-            </a:xfrm>
-            <a:prstGeom prst="ellipse">
-              <a:avLst/>
-            </a:prstGeom>
-            <a:solidFill>
-              <a:srgbClr val="00547F"/>
-            </a:solidFill>
-            <a:ln>
-              <a:noFill/>
-            </a:ln>
-          </p:spPr>
-          <p:style>
-            <a:lnRef idx="2">
-              <a:schemeClr val="accent1">
-                <a:shade val="50000"/>
-              </a:schemeClr>
-            </a:lnRef>
-            <a:fillRef idx="1">
-              <a:schemeClr val="accent1"/>
-            </a:fillRef>
-            <a:effectRef idx="0">
-              <a:schemeClr val="accent1"/>
-            </a:effectRef>
-            <a:fontRef idx="minor">
-              <a:schemeClr val="lt1"/>
-            </a:fontRef>
-          </p:style>
-          <p:txBody>
-            <a:bodyPr rtlCol="0" anchor="ctr"/>
-            <a:lstStyle/>
-            <a:p>
-              <a:pPr algn="ctr"/>
-              <a:endParaRPr lang="fr-FR"/>
-            </a:p>
-          </p:txBody>
-        </p:sp>
-        <p:pic>
-          <p:nvPicPr>
-            <p:cNvPr id="97" name="Image 96">
-              <a:extLst>
-                <a:ext uri="{FF2B5EF4-FFF2-40B4-BE49-F238E27FC236}">
-                  <a16:creationId xmlns:a16="http://schemas.microsoft.com/office/drawing/2014/main" id="{6A7943FD-8BE6-B490-32BF-D4F134197C5E}"/>
-                </a:ext>
-              </a:extLst>
-            </p:cNvPr>
-            <p:cNvPicPr>
-              <a:picLocks noChangeAspect="1"/>
-            </p:cNvPicPr>
-            <p:nvPr/>
-          </p:nvPicPr>
-          <p:blipFill>
-            <a:blip r:embed="rId14"/>
-            <a:stretch>
-              <a:fillRect/>
-            </a:stretch>
-          </p:blipFill>
-          <p:spPr>
-            <a:xfrm>
-              <a:off x="-1609131" y="2149544"/>
-              <a:ext cx="891738" cy="1673385"/>
-            </a:xfrm>
-            <a:prstGeom prst="rect">
-              <a:avLst/>
-            </a:prstGeom>
-          </p:spPr>
-        </p:pic>
-      </p:grpSp>
-      <p:grpSp>
-        <p:nvGrpSpPr>
-          <p:cNvPr id="98" name="Groupe 97">
-            <a:extLst>
-              <a:ext uri="{FF2B5EF4-FFF2-40B4-BE49-F238E27FC236}">
-                <a16:creationId xmlns:a16="http://schemas.microsoft.com/office/drawing/2014/main" id="{FDD7D3C5-7014-8F67-1947-2626275503E2}"/>
-              </a:ext>
-            </a:extLst>
-          </p:cNvPr>
-          <p:cNvGrpSpPr/>
-          <p:nvPr/>
-        </p:nvGrpSpPr>
-        <p:grpSpPr>
-          <a:xfrm>
-            <a:off x="12416753" y="3543108"/>
-            <a:ext cx="288000" cy="288000"/>
-            <a:chOff x="-2063262" y="2086237"/>
-            <a:chExt cx="1800000" cy="1800000"/>
-          </a:xfrm>
-        </p:grpSpPr>
-        <p:sp>
-          <p:nvSpPr>
-            <p:cNvPr id="99" name="Ellipse 98">
-              <a:extLst>
-                <a:ext uri="{FF2B5EF4-FFF2-40B4-BE49-F238E27FC236}">
-                  <a16:creationId xmlns:a16="http://schemas.microsoft.com/office/drawing/2014/main" id="{B35256CE-9660-7734-0E5B-65E73BB68D56}"/>
-                </a:ext>
-              </a:extLst>
-            </p:cNvPr>
-            <p:cNvSpPr/>
-            <p:nvPr/>
-          </p:nvSpPr>
-          <p:spPr>
-            <a:xfrm>
-              <a:off x="-2063262" y="2086237"/>
-              <a:ext cx="1800000" cy="1800000"/>
-            </a:xfrm>
-            <a:prstGeom prst="ellipse">
-              <a:avLst/>
-            </a:prstGeom>
-            <a:solidFill>
-              <a:srgbClr val="00547F"/>
-            </a:solidFill>
-            <a:ln>
-              <a:noFill/>
-            </a:ln>
-          </p:spPr>
-          <p:style>
-            <a:lnRef idx="2">
-              <a:schemeClr val="accent1">
-                <a:shade val="50000"/>
-              </a:schemeClr>
-            </a:lnRef>
-            <a:fillRef idx="1">
-              <a:schemeClr val="accent1"/>
-            </a:fillRef>
-            <a:effectRef idx="0">
-              <a:schemeClr val="accent1"/>
-            </a:effectRef>
-            <a:fontRef idx="minor">
-              <a:schemeClr val="lt1"/>
-            </a:fontRef>
-          </p:style>
-          <p:txBody>
-            <a:bodyPr rtlCol="0" anchor="ctr"/>
-            <a:lstStyle/>
-            <a:p>
-              <a:pPr algn="ctr"/>
-              <a:endParaRPr lang="fr-FR"/>
-            </a:p>
-          </p:txBody>
-        </p:sp>
-        <p:pic>
-          <p:nvPicPr>
-            <p:cNvPr id="100" name="Image 99">
-              <a:extLst>
-                <a:ext uri="{FF2B5EF4-FFF2-40B4-BE49-F238E27FC236}">
-                  <a16:creationId xmlns:a16="http://schemas.microsoft.com/office/drawing/2014/main" id="{1B83FA9B-7FFD-974D-50C2-183E2ECB2E44}"/>
-                </a:ext>
-              </a:extLst>
-            </p:cNvPr>
-            <p:cNvPicPr>
-              <a:picLocks noChangeAspect="1"/>
-            </p:cNvPicPr>
-            <p:nvPr/>
-          </p:nvPicPr>
-          <p:blipFill>
-            <a:blip r:embed="rId14"/>
-            <a:stretch>
-              <a:fillRect/>
-            </a:stretch>
-          </p:blipFill>
-          <p:spPr>
-            <a:xfrm>
-              <a:off x="-1609131" y="2149544"/>
-              <a:ext cx="891738" cy="1673385"/>
-            </a:xfrm>
-            <a:prstGeom prst="rect">
-              <a:avLst/>
-            </a:prstGeom>
-          </p:spPr>
-        </p:pic>
-      </p:grpSp>
-      <p:grpSp>
-        <p:nvGrpSpPr>
-          <p:cNvPr id="101" name="Groupe 100">
-            <a:extLst>
-              <a:ext uri="{FF2B5EF4-FFF2-40B4-BE49-F238E27FC236}">
-                <a16:creationId xmlns:a16="http://schemas.microsoft.com/office/drawing/2014/main" id="{3A416195-885D-B412-950E-1F349C5CC6AB}"/>
-              </a:ext>
-            </a:extLst>
-          </p:cNvPr>
-          <p:cNvGrpSpPr/>
-          <p:nvPr/>
-        </p:nvGrpSpPr>
-        <p:grpSpPr>
-          <a:xfrm>
-            <a:off x="8079091" y="3940734"/>
-            <a:ext cx="360000" cy="360000"/>
-            <a:chOff x="5447928" y="2816932"/>
-            <a:chExt cx="1800000" cy="1800000"/>
-          </a:xfrm>
-        </p:grpSpPr>
-        <p:sp>
-          <p:nvSpPr>
-            <p:cNvPr id="108" name="Ellipse 107">
-              <a:extLst>
-                <a:ext uri="{FF2B5EF4-FFF2-40B4-BE49-F238E27FC236}">
-                  <a16:creationId xmlns:a16="http://schemas.microsoft.com/office/drawing/2014/main" id="{689719FF-319E-F4C6-E150-B6C708728D00}"/>
-                </a:ext>
-              </a:extLst>
-            </p:cNvPr>
-            <p:cNvSpPr/>
-            <p:nvPr/>
-          </p:nvSpPr>
-          <p:spPr>
-            <a:xfrm>
-              <a:off x="5447928" y="2816932"/>
-              <a:ext cx="1800000" cy="1800000"/>
-            </a:xfrm>
-            <a:prstGeom prst="ellipse">
-              <a:avLst/>
-            </a:prstGeom>
-            <a:solidFill>
-              <a:srgbClr val="EF7268"/>
-            </a:solidFill>
-            <a:ln>
-              <a:noFill/>
-            </a:ln>
-          </p:spPr>
-          <p:style>
-            <a:lnRef idx="2">
-              <a:schemeClr val="accent1">
-                <a:shade val="50000"/>
-              </a:schemeClr>
-            </a:lnRef>
-            <a:fillRef idx="1">
-              <a:schemeClr val="accent1"/>
-            </a:fillRef>
-            <a:effectRef idx="0">
-              <a:schemeClr val="accent1"/>
-            </a:effectRef>
-            <a:fontRef idx="minor">
-              <a:schemeClr val="lt1"/>
-            </a:fontRef>
-          </p:style>
-          <p:txBody>
-            <a:bodyPr rtlCol="0" anchor="ctr"/>
-            <a:lstStyle/>
-            <a:p>
-              <a:pPr algn="ctr"/>
-              <a:endParaRPr lang="fr-FR" dirty="0"/>
-            </a:p>
-          </p:txBody>
-        </p:sp>
-        <p:pic>
-          <p:nvPicPr>
-            <p:cNvPr id="109" name="Image 108">
-              <a:extLst>
-                <a:ext uri="{FF2B5EF4-FFF2-40B4-BE49-F238E27FC236}">
-                  <a16:creationId xmlns:a16="http://schemas.microsoft.com/office/drawing/2014/main" id="{1AC2262C-D76B-934A-5E65-99DB0E926C90}"/>
-                </a:ext>
-              </a:extLst>
-            </p:cNvPr>
-            <p:cNvPicPr>
-              <a:picLocks noChangeAspect="1"/>
-            </p:cNvPicPr>
-            <p:nvPr/>
-          </p:nvPicPr>
-          <p:blipFill>
-            <a:blip r:embed="rId15"/>
-            <a:stretch>
-              <a:fillRect/>
-            </a:stretch>
-          </p:blipFill>
-          <p:spPr>
-            <a:xfrm flipH="1">
-              <a:off x="5627848" y="2996852"/>
-              <a:ext cx="1440160" cy="1440160"/>
             </a:xfrm>
             <a:prstGeom prst="rect">
               <a:avLst/>
@@ -11362,7 +10907,7 @@
             <p:nvPr/>
           </p:nvPicPr>
           <p:blipFill>
-            <a:blip r:embed="rId16"/>
+            <a:blip r:embed="rId12"/>
             <a:stretch>
               <a:fillRect/>
             </a:stretch>
@@ -11465,7 +11010,7 @@
             <p:nvPr/>
           </p:nvPicPr>
           <p:blipFill>
-            <a:blip r:embed="rId17"/>
+            <a:blip r:embed="rId13"/>
             <a:stretch>
               <a:fillRect/>
             </a:stretch>
@@ -11492,8 +11037,6 @@
           </p:cNvPr>
           <p:cNvCxnSpPr>
             <a:cxnSpLocks/>
-            <a:stCxn id="69" idx="4"/>
-            <a:endCxn id="95" idx="1"/>
           </p:cNvCxnSpPr>
           <p:nvPr/>
         </p:nvCxnSpPr>
@@ -11590,8 +11133,6 @@
           </p:cNvPr>
           <p:cNvCxnSpPr>
             <a:cxnSpLocks/>
-            <a:stCxn id="100" idx="0"/>
-            <a:endCxn id="97" idx="0"/>
           </p:cNvCxnSpPr>
           <p:nvPr/>
         </p:nvCxnSpPr>
@@ -11816,168 +11357,6 @@
           </p:sp>
         </mc:Fallback>
       </mc:AlternateContent>
-      <mc:AlternateContent xmlns:mc="http://schemas.openxmlformats.org/markup-compatibility/2006" xmlns:a14="http://schemas.microsoft.com/office/drawing/2010/main">
-        <mc:Choice Requires="a14">
-          <p:sp>
-            <p:nvSpPr>
-              <p:cNvPr id="112" name="ZoneTexte 111">
-                <a:extLst>
-                  <a:ext uri="{FF2B5EF4-FFF2-40B4-BE49-F238E27FC236}">
-                    <a16:creationId xmlns:a16="http://schemas.microsoft.com/office/drawing/2014/main" id="{F72A4F02-81F2-12CD-42EB-688314B6AAB2}"/>
-                  </a:ext>
-                </a:extLst>
-              </p:cNvPr>
-              <p:cNvSpPr txBox="1"/>
-              <p:nvPr/>
-            </p:nvSpPr>
-            <p:spPr>
-              <a:xfrm>
-                <a:off x="10613889" y="3865361"/>
-                <a:ext cx="1431825" cy="261610"/>
-              </a:xfrm>
-              <a:prstGeom prst="rect">
-                <a:avLst/>
-              </a:prstGeom>
-              <a:noFill/>
-            </p:spPr>
-            <p:txBody>
-              <a:bodyPr wrap="square">
-                <a:spAutoFit/>
-              </a:bodyPr>
-              <a:lstStyle/>
-              <a:p>
-                <a:pPr algn="ctr"/>
-                <a14:m>
-                  <m:oMathPara xmlns:m="http://schemas.openxmlformats.org/officeDocument/2006/math">
-                    <m:oMathParaPr>
-                      <m:jc m:val="centerGroup"/>
-                    </m:oMathParaPr>
-                    <m:oMath xmlns:m="http://schemas.openxmlformats.org/officeDocument/2006/math">
-                      <m:r>
-                        <a:rPr lang="fr-FR" sz="1100" b="1" i="1" smtClean="0">
-                          <a:solidFill>
-                            <a:srgbClr val="7030A0"/>
-                          </a:solidFill>
-                          <a:latin typeface="Cambria Math" panose="02040503050406030204" pitchFamily="18" charset="0"/>
-                          <a:ea typeface="Cambria Math" panose="02040503050406030204" pitchFamily="18" charset="0"/>
-                        </a:rPr>
-                        <m:t>𝓟</m:t>
-                      </m:r>
-                      <m:r>
-                        <a:rPr lang="fr-FR" sz="1100" b="1" i="1" smtClean="0">
-                          <a:solidFill>
-                            <a:srgbClr val="7030A0"/>
-                          </a:solidFill>
-                          <a:latin typeface="Cambria Math" panose="02040503050406030204" pitchFamily="18" charset="0"/>
-                          <a:ea typeface="Cambria Math" panose="02040503050406030204" pitchFamily="18" charset="0"/>
-                        </a:rPr>
-                        <m:t>=</m:t>
-                      </m:r>
-                      <m:sSub>
-                        <m:sSubPr>
-                          <m:ctrlPr>
-                            <a:rPr lang="fr-FR" sz="1100" b="1" i="1" smtClean="0">
-                              <a:solidFill>
-                                <a:srgbClr val="7030A0"/>
-                              </a:solidFill>
-                              <a:latin typeface="Cambria Math" panose="02040503050406030204" pitchFamily="18" charset="0"/>
-                              <a:ea typeface="Cambria Math" panose="02040503050406030204" pitchFamily="18" charset="0"/>
-                            </a:rPr>
-                          </m:ctrlPr>
-                        </m:sSubPr>
-                        <m:e>
-                          <m:r>
-                            <a:rPr lang="fr-FR" sz="1100" b="1" i="1" smtClean="0">
-                              <a:solidFill>
-                                <a:srgbClr val="7030A0"/>
-                              </a:solidFill>
-                              <a:latin typeface="Cambria Math" panose="02040503050406030204" pitchFamily="18" charset="0"/>
-                              <a:ea typeface="Cambria Math" panose="02040503050406030204" pitchFamily="18" charset="0"/>
-                            </a:rPr>
-                            <m:t>𝑭</m:t>
-                          </m:r>
-                        </m:e>
-                        <m:sub>
-                          <m:r>
-                            <a:rPr lang="fr-FR" sz="1100" b="1" i="1" smtClean="0">
-                              <a:solidFill>
-                                <a:srgbClr val="7030A0"/>
-                              </a:solidFill>
-                              <a:latin typeface="Cambria Math" panose="02040503050406030204" pitchFamily="18" charset="0"/>
-                              <a:ea typeface="Cambria Math" panose="02040503050406030204" pitchFamily="18" charset="0"/>
-                            </a:rPr>
-                            <m:t>𝒎</m:t>
-                          </m:r>
-                        </m:sub>
-                      </m:sSub>
-                      <m:r>
-                        <a:rPr lang="fr-FR" sz="1100" b="1" i="1" smtClean="0">
-                          <a:solidFill>
-                            <a:srgbClr val="7030A0"/>
-                          </a:solidFill>
-                          <a:latin typeface="Cambria Math" panose="02040503050406030204" pitchFamily="18" charset="0"/>
-                          <a:ea typeface="Cambria Math" panose="02040503050406030204" pitchFamily="18" charset="0"/>
-                        </a:rPr>
-                        <m:t>𝑽</m:t>
-                      </m:r>
-                    </m:oMath>
-                  </m:oMathPara>
-                </a14:m>
-                <a:endParaRPr lang="fr-FR" sz="1100" b="1" dirty="0">
-                  <a:solidFill>
-                    <a:srgbClr val="7030A0"/>
-                  </a:solidFill>
-                  <a:latin typeface="Arial Nova" panose="020B0504020202020204" pitchFamily="34" charset="0"/>
-                </a:endParaRPr>
-              </a:p>
-            </p:txBody>
-          </p:sp>
-        </mc:Choice>
-        <mc:Fallback xmlns="">
-          <p:sp>
-            <p:nvSpPr>
-              <p:cNvPr id="112" name="ZoneTexte 111">
-                <a:extLst>
-                  <a:ext uri="{FF2B5EF4-FFF2-40B4-BE49-F238E27FC236}">
-                    <a16:creationId xmlns:a16="http://schemas.microsoft.com/office/drawing/2014/main" id="{F72A4F02-81F2-12CD-42EB-688314B6AAB2}"/>
-                  </a:ext>
-                </a:extLst>
-              </p:cNvPr>
-              <p:cNvSpPr txBox="1">
-                <a:spLocks noRot="1" noChangeAspect="1" noMove="1" noResize="1" noEditPoints="1" noAdjustHandles="1" noChangeArrowheads="1" noChangeShapeType="1" noTextEdit="1"/>
-              </p:cNvSpPr>
-              <p:nvPr/>
-            </p:nvSpPr>
-            <p:spPr>
-              <a:xfrm>
-                <a:off x="10613889" y="3865361"/>
-                <a:ext cx="1431825" cy="261610"/>
-              </a:xfrm>
-              <a:prstGeom prst="rect">
-                <a:avLst/>
-              </a:prstGeom>
-              <a:blipFill>
-                <a:blip r:embed="rId19"/>
-                <a:stretch>
-                  <a:fillRect/>
-                </a:stretch>
-              </a:blipFill>
-            </p:spPr>
-            <p:txBody>
-              <a:bodyPr/>
-              <a:lstStyle/>
-              <a:p>
-                <a:r>
-                  <a:rPr lang="fr-FR">
-                    <a:noFill/>
-                  </a:rPr>
-                  <a:t> </a:t>
-                </a:r>
-              </a:p>
-            </p:txBody>
-          </p:sp>
-        </mc:Fallback>
-      </mc:AlternateContent>
       <p:sp>
         <p:nvSpPr>
           <p:cNvPr id="66" name="Rectangle : coins arrondis 65">
@@ -12086,10 +11465,10 @@
       </p:cxnSp>
       <p:pic>
         <p:nvPicPr>
-          <p:cNvPr id="71" name="Image 70">
+          <p:cNvPr id="5" name="Image 4">
             <a:extLst>
               <a:ext uri="{FF2B5EF4-FFF2-40B4-BE49-F238E27FC236}">
-                <a16:creationId xmlns:a16="http://schemas.microsoft.com/office/drawing/2014/main" id="{7CFF18D7-B440-5F98-0242-64155E193C50}"/>
+                <a16:creationId xmlns:a16="http://schemas.microsoft.com/office/drawing/2014/main" id="{9D7A6D98-7B9F-A9B5-23AC-FDD7BBE7B757}"/>
               </a:ext>
             </a:extLst>
           </p:cNvPr>
@@ -12106,7 +11485,7 @@
         </p:blipFill>
         <p:spPr>
           <a:xfrm>
-            <a:off x="9075684" y="3407535"/>
+            <a:off x="11156590" y="3407535"/>
             <a:ext cx="360000" cy="360000"/>
           </a:xfrm>
           <a:prstGeom prst="rect">
@@ -12114,117 +11493,14 @@
           </a:prstGeom>
         </p:spPr>
       </p:pic>
-      <p:grpSp>
-        <p:nvGrpSpPr>
-          <p:cNvPr id="86" name="Groupe 85">
-            <a:extLst>
-              <a:ext uri="{FF2B5EF4-FFF2-40B4-BE49-F238E27FC236}">
-                <a16:creationId xmlns:a16="http://schemas.microsoft.com/office/drawing/2014/main" id="{F7FD68FD-39E8-E3FC-751F-6F8E7EFC5E05}"/>
-              </a:ext>
-            </a:extLst>
-          </p:cNvPr>
-          <p:cNvGrpSpPr/>
-          <p:nvPr/>
-        </p:nvGrpSpPr>
-        <p:grpSpPr>
-          <a:xfrm>
-            <a:off x="10151217" y="3954960"/>
-            <a:ext cx="360000" cy="360000"/>
-            <a:chOff x="10405167" y="2322166"/>
-            <a:chExt cx="1800000" cy="1800000"/>
-          </a:xfrm>
-        </p:grpSpPr>
-        <p:sp>
-          <p:nvSpPr>
-            <p:cNvPr id="87" name="Ellipse 86">
-              <a:extLst>
-                <a:ext uri="{FF2B5EF4-FFF2-40B4-BE49-F238E27FC236}">
-                  <a16:creationId xmlns:a16="http://schemas.microsoft.com/office/drawing/2014/main" id="{1E8A1773-049E-3FE0-3A55-46B324B5F72D}"/>
-                </a:ext>
-              </a:extLst>
-            </p:cNvPr>
-            <p:cNvSpPr/>
-            <p:nvPr/>
-          </p:nvSpPr>
-          <p:spPr>
-            <a:xfrm>
-              <a:off x="10405167" y="2322166"/>
-              <a:ext cx="1800000" cy="1800000"/>
-            </a:xfrm>
-            <a:prstGeom prst="ellipse">
-              <a:avLst/>
-            </a:prstGeom>
-            <a:solidFill>
-              <a:srgbClr val="EF7268"/>
-            </a:solidFill>
-            <a:ln>
-              <a:noFill/>
-            </a:ln>
-          </p:spPr>
-          <p:style>
-            <a:lnRef idx="2">
-              <a:schemeClr val="accent1">
-                <a:shade val="50000"/>
-              </a:schemeClr>
-            </a:lnRef>
-            <a:fillRef idx="1">
-              <a:schemeClr val="accent1"/>
-            </a:fillRef>
-            <a:effectRef idx="0">
-              <a:schemeClr val="accent1"/>
-            </a:effectRef>
-            <a:fontRef idx="minor">
-              <a:schemeClr val="lt1"/>
-            </a:fontRef>
-          </p:style>
-          <p:txBody>
-            <a:bodyPr rtlCol="0" anchor="ctr"/>
-            <a:lstStyle/>
-            <a:p>
-              <a:pPr algn="ctr"/>
-              <a:endParaRPr lang="fr-FR" dirty="0"/>
-            </a:p>
-          </p:txBody>
-        </p:sp>
-        <p:pic>
-          <p:nvPicPr>
-            <p:cNvPr id="88" name="Image 87">
-              <a:extLst>
-                <a:ext uri="{FF2B5EF4-FFF2-40B4-BE49-F238E27FC236}">
-                  <a16:creationId xmlns:a16="http://schemas.microsoft.com/office/drawing/2014/main" id="{CB10C83E-CD60-27F3-C1B3-1546FCE2839E}"/>
-                </a:ext>
-              </a:extLst>
-            </p:cNvPr>
-            <p:cNvPicPr>
-              <a:picLocks noChangeAspect="1"/>
-            </p:cNvPicPr>
-            <p:nvPr/>
-          </p:nvPicPr>
-          <p:blipFill>
-            <a:blip r:embed="rId20"/>
-            <a:stretch>
-              <a:fillRect/>
-            </a:stretch>
-          </p:blipFill>
-          <p:spPr>
-            <a:xfrm>
-              <a:off x="10546164" y="2642707"/>
-              <a:ext cx="1518007" cy="924719"/>
-            </a:xfrm>
-            <a:prstGeom prst="rect">
-              <a:avLst/>
-            </a:prstGeom>
-          </p:spPr>
-        </p:pic>
-      </p:grpSp>
-      <mc:AlternateContent xmlns:mc="http://schemas.openxmlformats.org/markup-compatibility/2006" xmlns:a14="http://schemas.microsoft.com/office/drawing/2010/main">
-        <mc:Choice Requires="a14">
+      <mc:AlternateContent xmlns:mc="http://schemas.openxmlformats.org/markup-compatibility/2006">
+        <mc:Choice xmlns:a14="http://schemas.microsoft.com/office/drawing/2010/main" Requires="a14">
           <p:sp>
             <p:nvSpPr>
-              <p:cNvPr id="107" name="ZoneTexte 106">
+              <p:cNvPr id="30" name="ZoneTexte 29">
                 <a:extLst>
                   <a:ext uri="{FF2B5EF4-FFF2-40B4-BE49-F238E27FC236}">
-                    <a16:creationId xmlns:a16="http://schemas.microsoft.com/office/drawing/2014/main" id="{D4448485-1542-9D3B-17C1-604149E67AE1}"/>
+                    <a16:creationId xmlns:a16="http://schemas.microsoft.com/office/drawing/2014/main" id="{A910A58C-1179-CA7F-E823-40BDA4D5C934}"/>
                   </a:ext>
                 </a:extLst>
               </p:cNvPr>
@@ -12233,7 +11509,7 @@
             </p:nvSpPr>
             <p:spPr>
               <a:xfrm>
-                <a:off x="8589080" y="3939627"/>
+                <a:off x="10669986" y="3939627"/>
                 <a:ext cx="1431825" cy="261610"/>
               </a:xfrm>
               <a:prstGeom prst="rect">
@@ -12361,13 +11637,13 @@
             </p:txBody>
           </p:sp>
         </mc:Choice>
-        <mc:Fallback xmlns="">
+        <mc:Fallback>
           <p:sp>
             <p:nvSpPr>
-              <p:cNvPr id="107" name="ZoneTexte 106">
+              <p:cNvPr id="30" name="ZoneTexte 29">
                 <a:extLst>
                   <a:ext uri="{FF2B5EF4-FFF2-40B4-BE49-F238E27FC236}">
-                    <a16:creationId xmlns:a16="http://schemas.microsoft.com/office/drawing/2014/main" id="{D4448485-1542-9D3B-17C1-604149E67AE1}"/>
+                    <a16:creationId xmlns:a16="http://schemas.microsoft.com/office/drawing/2014/main" id="{A910A58C-1179-CA7F-E823-40BDA4D5C934}"/>
                   </a:ext>
                 </a:extLst>
               </p:cNvPr>
@@ -12378,14 +11654,14 @@
             </p:nvSpPr>
             <p:spPr>
               <a:xfrm>
-                <a:off x="8589080" y="3939627"/>
+                <a:off x="10669986" y="3939627"/>
                 <a:ext cx="1431825" cy="261610"/>
               </a:xfrm>
               <a:prstGeom prst="rect">
                 <a:avLst/>
               </a:prstGeom>
               <a:blipFill>
-                <a:blip r:embed="rId21"/>
+                <a:blip r:embed="rId19"/>
                 <a:stretch>
                   <a:fillRect/>
                 </a:stretch>
@@ -12406,50 +11682,624 @@
           </p:sp>
         </mc:Fallback>
       </mc:AlternateContent>
-      <p:cxnSp>
-        <p:nvCxnSpPr>
-          <p:cNvPr id="3" name="Connecteur droit avec flèche 2">
+      <p:grpSp>
+        <p:nvGrpSpPr>
+          <p:cNvPr id="37" name="Groupe 36">
             <a:extLst>
               <a:ext uri="{FF2B5EF4-FFF2-40B4-BE49-F238E27FC236}">
-                <a16:creationId xmlns:a16="http://schemas.microsoft.com/office/drawing/2014/main" id="{4898279C-6E0C-4185-FE1B-06D6206800D7}"/>
+                <a16:creationId xmlns:a16="http://schemas.microsoft.com/office/drawing/2014/main" id="{9BD378B3-7B53-A753-62A4-0FE230E15643}"/>
               </a:ext>
             </a:extLst>
           </p:cNvPr>
-          <p:cNvCxnSpPr>
-            <a:cxnSpLocks/>
-          </p:cNvCxnSpPr>
+          <p:cNvGrpSpPr/>
           <p:nvPr/>
-        </p:nvCxnSpPr>
-        <p:spPr>
-          <a:xfrm flipV="1">
-            <a:off x="0" y="740229"/>
-            <a:ext cx="12704753" cy="5573485"/>
+        </p:nvGrpSpPr>
+        <p:grpSpPr>
+          <a:xfrm>
+            <a:off x="12387220" y="3543372"/>
+            <a:ext cx="360000" cy="360000"/>
+            <a:chOff x="1856523" y="133118"/>
+            <a:chExt cx="720000" cy="720000"/>
           </a:xfrm>
-          <a:prstGeom prst="straightConnector1">
-            <a:avLst/>
-          </a:prstGeom>
-          <a:ln w="25400" cap="rnd">
+        </p:grpSpPr>
+        <p:sp>
+          <p:nvSpPr>
+            <p:cNvPr id="38" name="Ellipse 37">
+              <a:extLst>
+                <a:ext uri="{FF2B5EF4-FFF2-40B4-BE49-F238E27FC236}">
+                  <a16:creationId xmlns:a16="http://schemas.microsoft.com/office/drawing/2014/main" id="{3BB21AE3-2ACD-729F-E350-AFA1D4B8F162}"/>
+                </a:ext>
+              </a:extLst>
+            </p:cNvPr>
+            <p:cNvSpPr/>
+            <p:nvPr/>
+          </p:nvSpPr>
+          <p:spPr>
+            <a:xfrm>
+              <a:off x="1856523" y="133118"/>
+              <a:ext cx="720000" cy="720000"/>
+            </a:xfrm>
+            <a:prstGeom prst="ellipse">
+              <a:avLst/>
+            </a:prstGeom>
             <a:solidFill>
-              <a:srgbClr val="0C7391"/>
+              <a:srgbClr val="00517A"/>
             </a:solidFill>
-            <a:tailEnd type="triangle" w="med" len="lg"/>
-          </a:ln>
-        </p:spPr>
-        <p:style>
-          <a:lnRef idx="1">
-            <a:schemeClr val="accent1"/>
-          </a:lnRef>
-          <a:fillRef idx="0">
-            <a:schemeClr val="accent1"/>
-          </a:fillRef>
-          <a:effectRef idx="0">
-            <a:schemeClr val="accent1"/>
-          </a:effectRef>
-          <a:fontRef idx="minor">
-            <a:schemeClr val="tx1"/>
-          </a:fontRef>
-        </p:style>
-      </p:cxnSp>
+            <a:ln>
+              <a:noFill/>
+            </a:ln>
+          </p:spPr>
+          <p:style>
+            <a:lnRef idx="2">
+              <a:schemeClr val="accent1">
+                <a:shade val="50000"/>
+              </a:schemeClr>
+            </a:lnRef>
+            <a:fillRef idx="1">
+              <a:schemeClr val="accent1"/>
+            </a:fillRef>
+            <a:effectRef idx="0">
+              <a:schemeClr val="accent1"/>
+            </a:effectRef>
+            <a:fontRef idx="minor">
+              <a:schemeClr val="lt1"/>
+            </a:fontRef>
+          </p:style>
+          <p:txBody>
+            <a:bodyPr rtlCol="0" anchor="ctr"/>
+            <a:lstStyle/>
+            <a:p>
+              <a:pPr algn="ctr"/>
+              <a:endParaRPr lang="fr-FR" dirty="0"/>
+            </a:p>
+          </p:txBody>
+        </p:sp>
+        <p:pic>
+          <p:nvPicPr>
+            <p:cNvPr id="40" name="Image 39">
+              <a:extLst>
+                <a:ext uri="{FF2B5EF4-FFF2-40B4-BE49-F238E27FC236}">
+                  <a16:creationId xmlns:a16="http://schemas.microsoft.com/office/drawing/2014/main" id="{560049D0-4921-DFB2-54FC-73843936F173}"/>
+                </a:ext>
+              </a:extLst>
+            </p:cNvPr>
+            <p:cNvPicPr>
+              <a:picLocks noChangeAspect="1"/>
+            </p:cNvPicPr>
+            <p:nvPr/>
+          </p:nvPicPr>
+          <p:blipFill>
+            <a:blip r:embed="rId20"/>
+            <a:stretch>
+              <a:fillRect/>
+            </a:stretch>
+          </p:blipFill>
+          <p:spPr>
+            <a:xfrm>
+              <a:off x="1955338" y="231933"/>
+              <a:ext cx="522371" cy="522371"/>
+            </a:xfrm>
+            <a:prstGeom prst="rect">
+              <a:avLst/>
+            </a:prstGeom>
+          </p:spPr>
+        </p:pic>
+      </p:grpSp>
+      <p:grpSp>
+        <p:nvGrpSpPr>
+          <p:cNvPr id="41" name="Groupe 40">
+            <a:extLst>
+              <a:ext uri="{FF2B5EF4-FFF2-40B4-BE49-F238E27FC236}">
+                <a16:creationId xmlns:a16="http://schemas.microsoft.com/office/drawing/2014/main" id="{B01E63F3-4BF5-704E-6471-BF9A4C55D36A}"/>
+              </a:ext>
+            </a:extLst>
+          </p:cNvPr>
+          <p:cNvGrpSpPr/>
+          <p:nvPr/>
+        </p:nvGrpSpPr>
+        <p:grpSpPr>
+          <a:xfrm>
+            <a:off x="688576" y="1260713"/>
+            <a:ext cx="360000" cy="360000"/>
+            <a:chOff x="1856523" y="133118"/>
+            <a:chExt cx="720000" cy="720000"/>
+          </a:xfrm>
+        </p:grpSpPr>
+        <p:sp>
+          <p:nvSpPr>
+            <p:cNvPr id="51" name="Ellipse 50">
+              <a:extLst>
+                <a:ext uri="{FF2B5EF4-FFF2-40B4-BE49-F238E27FC236}">
+                  <a16:creationId xmlns:a16="http://schemas.microsoft.com/office/drawing/2014/main" id="{3BEB3D33-3C61-0F37-D35D-EEEC73101051}"/>
+                </a:ext>
+              </a:extLst>
+            </p:cNvPr>
+            <p:cNvSpPr/>
+            <p:nvPr/>
+          </p:nvSpPr>
+          <p:spPr>
+            <a:xfrm>
+              <a:off x="1856523" y="133118"/>
+              <a:ext cx="720000" cy="720000"/>
+            </a:xfrm>
+            <a:prstGeom prst="ellipse">
+              <a:avLst/>
+            </a:prstGeom>
+            <a:solidFill>
+              <a:srgbClr val="00517A"/>
+            </a:solidFill>
+            <a:ln>
+              <a:noFill/>
+            </a:ln>
+          </p:spPr>
+          <p:style>
+            <a:lnRef idx="2">
+              <a:schemeClr val="accent1">
+                <a:shade val="50000"/>
+              </a:schemeClr>
+            </a:lnRef>
+            <a:fillRef idx="1">
+              <a:schemeClr val="accent1"/>
+            </a:fillRef>
+            <a:effectRef idx="0">
+              <a:schemeClr val="accent1"/>
+            </a:effectRef>
+            <a:fontRef idx="minor">
+              <a:schemeClr val="lt1"/>
+            </a:fontRef>
+          </p:style>
+          <p:txBody>
+            <a:bodyPr rtlCol="0" anchor="ctr"/>
+            <a:lstStyle/>
+            <a:p>
+              <a:pPr algn="ctr"/>
+              <a:endParaRPr lang="fr-FR" dirty="0"/>
+            </a:p>
+          </p:txBody>
+        </p:sp>
+        <p:pic>
+          <p:nvPicPr>
+            <p:cNvPr id="63" name="Image 62">
+              <a:extLst>
+                <a:ext uri="{FF2B5EF4-FFF2-40B4-BE49-F238E27FC236}">
+                  <a16:creationId xmlns:a16="http://schemas.microsoft.com/office/drawing/2014/main" id="{2B956809-6B27-95FF-8FBA-38B4BA637017}"/>
+                </a:ext>
+              </a:extLst>
+            </p:cNvPr>
+            <p:cNvPicPr>
+              <a:picLocks noChangeAspect="1"/>
+            </p:cNvPicPr>
+            <p:nvPr/>
+          </p:nvPicPr>
+          <p:blipFill>
+            <a:blip r:embed="rId20"/>
+            <a:stretch>
+              <a:fillRect/>
+            </a:stretch>
+          </p:blipFill>
+          <p:spPr>
+            <a:xfrm>
+              <a:off x="1955338" y="231933"/>
+              <a:ext cx="522371" cy="522371"/>
+            </a:xfrm>
+            <a:prstGeom prst="rect">
+              <a:avLst/>
+            </a:prstGeom>
+          </p:spPr>
+        </p:pic>
+      </p:grpSp>
+      <p:grpSp>
+        <p:nvGrpSpPr>
+          <p:cNvPr id="73" name="Groupe 72">
+            <a:extLst>
+              <a:ext uri="{FF2B5EF4-FFF2-40B4-BE49-F238E27FC236}">
+                <a16:creationId xmlns:a16="http://schemas.microsoft.com/office/drawing/2014/main" id="{E5D4ED94-FD8A-E9D5-5B49-962CE5C6E25B}"/>
+              </a:ext>
+            </a:extLst>
+          </p:cNvPr>
+          <p:cNvGrpSpPr/>
+          <p:nvPr/>
+        </p:nvGrpSpPr>
+        <p:grpSpPr>
+          <a:xfrm>
+            <a:off x="704165" y="1638298"/>
+            <a:ext cx="360000" cy="360000"/>
+            <a:chOff x="3056845" y="1528414"/>
+            <a:chExt cx="3454284" cy="3454284"/>
+          </a:xfrm>
+        </p:grpSpPr>
+        <p:sp>
+          <p:nvSpPr>
+            <p:cNvPr id="74" name="Ellipse 73">
+              <a:extLst>
+                <a:ext uri="{FF2B5EF4-FFF2-40B4-BE49-F238E27FC236}">
+                  <a16:creationId xmlns:a16="http://schemas.microsoft.com/office/drawing/2014/main" id="{1A4AFC09-9CB7-634D-3093-CE44DBB23C51}"/>
+                </a:ext>
+              </a:extLst>
+            </p:cNvPr>
+            <p:cNvSpPr/>
+            <p:nvPr/>
+          </p:nvSpPr>
+          <p:spPr>
+            <a:xfrm>
+              <a:off x="3056845" y="1528414"/>
+              <a:ext cx="3454284" cy="3454284"/>
+            </a:xfrm>
+            <a:prstGeom prst="ellipse">
+              <a:avLst/>
+            </a:prstGeom>
+            <a:solidFill>
+              <a:srgbClr val="00547F"/>
+            </a:solidFill>
+            <a:ln>
+              <a:noFill/>
+            </a:ln>
+          </p:spPr>
+          <p:style>
+            <a:lnRef idx="2">
+              <a:schemeClr val="accent1">
+                <a:shade val="50000"/>
+              </a:schemeClr>
+            </a:lnRef>
+            <a:fillRef idx="1">
+              <a:schemeClr val="accent1"/>
+            </a:fillRef>
+            <a:effectRef idx="0">
+              <a:schemeClr val="accent1"/>
+            </a:effectRef>
+            <a:fontRef idx="minor">
+              <a:schemeClr val="lt1"/>
+            </a:fontRef>
+          </p:style>
+          <p:txBody>
+            <a:bodyPr rtlCol="0" anchor="ctr"/>
+            <a:lstStyle/>
+            <a:p>
+              <a:pPr algn="ctr"/>
+              <a:endParaRPr lang="fr-FR"/>
+            </a:p>
+          </p:txBody>
+        </p:sp>
+        <p:pic>
+          <p:nvPicPr>
+            <p:cNvPr id="81" name="Image 80">
+              <a:extLst>
+                <a:ext uri="{FF2B5EF4-FFF2-40B4-BE49-F238E27FC236}">
+                  <a16:creationId xmlns:a16="http://schemas.microsoft.com/office/drawing/2014/main" id="{E100991F-29E3-91C0-E698-B6F9D6794432}"/>
+                </a:ext>
+              </a:extLst>
+            </p:cNvPr>
+            <p:cNvPicPr>
+              <a:picLocks noChangeAspect="1"/>
+            </p:cNvPicPr>
+            <p:nvPr/>
+          </p:nvPicPr>
+          <p:blipFill>
+            <a:blip r:embed="rId21"/>
+            <a:stretch>
+              <a:fillRect/>
+            </a:stretch>
+          </p:blipFill>
+          <p:spPr>
+            <a:xfrm>
+              <a:off x="3327958" y="2056096"/>
+              <a:ext cx="2912058" cy="2398920"/>
+            </a:xfrm>
+            <a:prstGeom prst="rect">
+              <a:avLst/>
+            </a:prstGeom>
+          </p:spPr>
+        </p:pic>
+      </p:grpSp>
+      <p:grpSp>
+        <p:nvGrpSpPr>
+          <p:cNvPr id="82" name="Groupe 81">
+            <a:extLst>
+              <a:ext uri="{FF2B5EF4-FFF2-40B4-BE49-F238E27FC236}">
+                <a16:creationId xmlns:a16="http://schemas.microsoft.com/office/drawing/2014/main" id="{D490A147-67BA-D5AA-020E-1414E8A0E832}"/>
+              </a:ext>
+            </a:extLst>
+          </p:cNvPr>
+          <p:cNvGrpSpPr/>
+          <p:nvPr/>
+        </p:nvGrpSpPr>
+        <p:grpSpPr>
+          <a:xfrm>
+            <a:off x="5912459" y="4736737"/>
+            <a:ext cx="360000" cy="360000"/>
+            <a:chOff x="3056845" y="1528414"/>
+            <a:chExt cx="3454284" cy="3454284"/>
+          </a:xfrm>
+        </p:grpSpPr>
+        <p:sp>
+          <p:nvSpPr>
+            <p:cNvPr id="85" name="Ellipse 84">
+              <a:extLst>
+                <a:ext uri="{FF2B5EF4-FFF2-40B4-BE49-F238E27FC236}">
+                  <a16:creationId xmlns:a16="http://schemas.microsoft.com/office/drawing/2014/main" id="{F455E967-89A5-926B-9569-B0C18BCEFCEB}"/>
+                </a:ext>
+              </a:extLst>
+            </p:cNvPr>
+            <p:cNvSpPr/>
+            <p:nvPr/>
+          </p:nvSpPr>
+          <p:spPr>
+            <a:xfrm>
+              <a:off x="3056845" y="1528414"/>
+              <a:ext cx="3454284" cy="3454284"/>
+            </a:xfrm>
+            <a:prstGeom prst="ellipse">
+              <a:avLst/>
+            </a:prstGeom>
+            <a:solidFill>
+              <a:srgbClr val="00547F"/>
+            </a:solidFill>
+            <a:ln>
+              <a:noFill/>
+            </a:ln>
+          </p:spPr>
+          <p:style>
+            <a:lnRef idx="2">
+              <a:schemeClr val="accent1">
+                <a:shade val="50000"/>
+              </a:schemeClr>
+            </a:lnRef>
+            <a:fillRef idx="1">
+              <a:schemeClr val="accent1"/>
+            </a:fillRef>
+            <a:effectRef idx="0">
+              <a:schemeClr val="accent1"/>
+            </a:effectRef>
+            <a:fontRef idx="minor">
+              <a:schemeClr val="lt1"/>
+            </a:fontRef>
+          </p:style>
+          <p:txBody>
+            <a:bodyPr rtlCol="0" anchor="ctr"/>
+            <a:lstStyle/>
+            <a:p>
+              <a:pPr algn="ctr"/>
+              <a:endParaRPr lang="fr-FR"/>
+            </a:p>
+          </p:txBody>
+        </p:sp>
+        <p:pic>
+          <p:nvPicPr>
+            <p:cNvPr id="90" name="Image 89">
+              <a:extLst>
+                <a:ext uri="{FF2B5EF4-FFF2-40B4-BE49-F238E27FC236}">
+                  <a16:creationId xmlns:a16="http://schemas.microsoft.com/office/drawing/2014/main" id="{E22E4030-22B7-70AB-F9A2-07A81EEE8B2E}"/>
+                </a:ext>
+              </a:extLst>
+            </p:cNvPr>
+            <p:cNvPicPr>
+              <a:picLocks noChangeAspect="1"/>
+            </p:cNvPicPr>
+            <p:nvPr/>
+          </p:nvPicPr>
+          <p:blipFill>
+            <a:blip r:embed="rId21"/>
+            <a:stretch>
+              <a:fillRect/>
+            </a:stretch>
+          </p:blipFill>
+          <p:spPr>
+            <a:xfrm>
+              <a:off x="3327958" y="2056096"/>
+              <a:ext cx="2912058" cy="2398920"/>
+            </a:xfrm>
+            <a:prstGeom prst="rect">
+              <a:avLst/>
+            </a:prstGeom>
+          </p:spPr>
+        </p:pic>
+      </p:grpSp>
+      <p:grpSp>
+        <p:nvGrpSpPr>
+          <p:cNvPr id="102" name="Groupe 101">
+            <a:extLst>
+              <a:ext uri="{FF2B5EF4-FFF2-40B4-BE49-F238E27FC236}">
+                <a16:creationId xmlns:a16="http://schemas.microsoft.com/office/drawing/2014/main" id="{52B43403-7B09-8054-59ED-49F7D05C1B54}"/>
+              </a:ext>
+            </a:extLst>
+          </p:cNvPr>
+          <p:cNvGrpSpPr/>
+          <p:nvPr/>
+        </p:nvGrpSpPr>
+        <p:grpSpPr>
+          <a:xfrm>
+            <a:off x="8000684" y="3973702"/>
+            <a:ext cx="463240" cy="360000"/>
+            <a:chOff x="4476612" y="5880432"/>
+            <a:chExt cx="1010860" cy="720000"/>
+          </a:xfrm>
+        </p:grpSpPr>
+        <p:sp>
+          <p:nvSpPr>
+            <p:cNvPr id="106" name="Ellipse 105">
+              <a:extLst>
+                <a:ext uri="{FF2B5EF4-FFF2-40B4-BE49-F238E27FC236}">
+                  <a16:creationId xmlns:a16="http://schemas.microsoft.com/office/drawing/2014/main" id="{C7749C57-CAA2-3363-F666-0D5749584068}"/>
+                </a:ext>
+              </a:extLst>
+            </p:cNvPr>
+            <p:cNvSpPr/>
+            <p:nvPr/>
+          </p:nvSpPr>
+          <p:spPr>
+            <a:xfrm>
+              <a:off x="4678466" y="5880432"/>
+              <a:ext cx="720000" cy="720000"/>
+            </a:xfrm>
+            <a:prstGeom prst="ellipse">
+              <a:avLst/>
+            </a:prstGeom>
+            <a:solidFill>
+              <a:srgbClr val="EF7268"/>
+            </a:solidFill>
+            <a:ln>
+              <a:noFill/>
+            </a:ln>
+          </p:spPr>
+          <p:style>
+            <a:lnRef idx="2">
+              <a:schemeClr val="accent1">
+                <a:shade val="50000"/>
+              </a:schemeClr>
+            </a:lnRef>
+            <a:fillRef idx="1">
+              <a:schemeClr val="accent1"/>
+            </a:fillRef>
+            <a:effectRef idx="0">
+              <a:schemeClr val="accent1"/>
+            </a:effectRef>
+            <a:fontRef idx="minor">
+              <a:schemeClr val="lt1"/>
+            </a:fontRef>
+          </p:style>
+          <p:txBody>
+            <a:bodyPr rtlCol="0" anchor="ctr"/>
+            <a:lstStyle/>
+            <a:p>
+              <a:pPr algn="ctr"/>
+              <a:endParaRPr lang="fr-FR" dirty="0"/>
+            </a:p>
+          </p:txBody>
+        </p:sp>
+        <p:pic>
+          <p:nvPicPr>
+            <p:cNvPr id="113" name="Image 112">
+              <a:extLst>
+                <a:ext uri="{FF2B5EF4-FFF2-40B4-BE49-F238E27FC236}">
+                  <a16:creationId xmlns:a16="http://schemas.microsoft.com/office/drawing/2014/main" id="{FF5703C6-7107-BB41-D6A5-8F693C9E2DE2}"/>
+                </a:ext>
+              </a:extLst>
+            </p:cNvPr>
+            <p:cNvPicPr>
+              <a:picLocks noChangeAspect="1"/>
+            </p:cNvPicPr>
+            <p:nvPr/>
+          </p:nvPicPr>
+          <p:blipFill>
+            <a:blip r:embed="rId22"/>
+            <a:stretch>
+              <a:fillRect/>
+            </a:stretch>
+          </p:blipFill>
+          <p:spPr>
+            <a:xfrm>
+              <a:off x="4476612" y="6060432"/>
+              <a:ext cx="1010860" cy="360000"/>
+            </a:xfrm>
+            <a:prstGeom prst="rect">
+              <a:avLst/>
+            </a:prstGeom>
+          </p:spPr>
+        </p:pic>
+      </p:grpSp>
+      <p:grpSp>
+        <p:nvGrpSpPr>
+          <p:cNvPr id="114" name="Groupe 113">
+            <a:extLst>
+              <a:ext uri="{FF2B5EF4-FFF2-40B4-BE49-F238E27FC236}">
+                <a16:creationId xmlns:a16="http://schemas.microsoft.com/office/drawing/2014/main" id="{DBB3458D-4CEE-E727-4796-FBB9AD6D4CE5}"/>
+              </a:ext>
+            </a:extLst>
+          </p:cNvPr>
+          <p:cNvGrpSpPr/>
+          <p:nvPr/>
+        </p:nvGrpSpPr>
+        <p:grpSpPr>
+          <a:xfrm>
+            <a:off x="10144506" y="3914795"/>
+            <a:ext cx="360000" cy="360000"/>
+            <a:chOff x="3533664" y="4396133"/>
+            <a:chExt cx="1800000" cy="1800000"/>
+          </a:xfrm>
+        </p:grpSpPr>
+        <p:sp>
+          <p:nvSpPr>
+            <p:cNvPr id="115" name="Ellipse 114">
+              <a:extLst>
+                <a:ext uri="{FF2B5EF4-FFF2-40B4-BE49-F238E27FC236}">
+                  <a16:creationId xmlns:a16="http://schemas.microsoft.com/office/drawing/2014/main" id="{97E301B2-3F02-4877-1A72-C48716EC20AC}"/>
+                </a:ext>
+              </a:extLst>
+            </p:cNvPr>
+            <p:cNvSpPr/>
+            <p:nvPr/>
+          </p:nvSpPr>
+          <p:spPr>
+            <a:xfrm>
+              <a:off x="3533664" y="4396133"/>
+              <a:ext cx="1800000" cy="1800000"/>
+            </a:xfrm>
+            <a:prstGeom prst="ellipse">
+              <a:avLst/>
+            </a:prstGeom>
+            <a:solidFill>
+              <a:srgbClr val="EF7268"/>
+            </a:solidFill>
+            <a:ln>
+              <a:noFill/>
+            </a:ln>
+          </p:spPr>
+          <p:style>
+            <a:lnRef idx="2">
+              <a:schemeClr val="accent1">
+                <a:shade val="50000"/>
+              </a:schemeClr>
+            </a:lnRef>
+            <a:fillRef idx="1">
+              <a:schemeClr val="accent1"/>
+            </a:fillRef>
+            <a:effectRef idx="0">
+              <a:schemeClr val="accent1"/>
+            </a:effectRef>
+            <a:fontRef idx="minor">
+              <a:schemeClr val="lt1"/>
+            </a:fontRef>
+          </p:style>
+          <p:txBody>
+            <a:bodyPr rtlCol="0" anchor="ctr"/>
+            <a:lstStyle/>
+            <a:p>
+              <a:pPr algn="ctr"/>
+              <a:endParaRPr lang="fr-FR" dirty="0"/>
+            </a:p>
+          </p:txBody>
+        </p:sp>
+        <p:pic>
+          <p:nvPicPr>
+            <p:cNvPr id="116" name="Image 115">
+              <a:extLst>
+                <a:ext uri="{FF2B5EF4-FFF2-40B4-BE49-F238E27FC236}">
+                  <a16:creationId xmlns:a16="http://schemas.microsoft.com/office/drawing/2014/main" id="{DAAD1D66-50CD-ECAA-883C-2A36C76F0979}"/>
+                </a:ext>
+              </a:extLst>
+            </p:cNvPr>
+            <p:cNvPicPr>
+              <a:picLocks noChangeAspect="1"/>
+            </p:cNvPicPr>
+            <p:nvPr/>
+          </p:nvPicPr>
+          <p:blipFill>
+            <a:blip r:embed="rId23"/>
+            <a:stretch>
+              <a:fillRect/>
+            </a:stretch>
+          </p:blipFill>
+          <p:spPr>
+            <a:xfrm>
+              <a:off x="3681584" y="4594762"/>
+              <a:ext cx="1427962" cy="1471564"/>
+            </a:xfrm>
+            <a:prstGeom prst="rect">
+              <a:avLst/>
+            </a:prstGeom>
+          </p:spPr>
+        </p:pic>
+      </p:grpSp>
     </p:spTree>
     <p:extLst>
       <p:ext uri="{BB962C8B-B14F-4D97-AF65-F5344CB8AC3E}">
@@ -14706,8 +14556,8 @@
           </a:p>
         </p:txBody>
       </p:sp>
-      <mc:AlternateContent xmlns:mc="http://schemas.openxmlformats.org/markup-compatibility/2006">
-        <mc:Choice xmlns:a14="http://schemas.microsoft.com/office/drawing/2010/main" Requires="a14">
+      <mc:AlternateContent xmlns:mc="http://schemas.openxmlformats.org/markup-compatibility/2006" xmlns:a14="http://schemas.microsoft.com/office/drawing/2010/main">
+        <mc:Choice Requires="a14">
           <p:sp>
             <p:nvSpPr>
               <p:cNvPr id="4" name="Espace réservé du contenu 2">
@@ -18524,7 +18374,7 @@
             </p:txBody>
           </p:sp>
         </mc:Choice>
-        <mc:Fallback>
+        <mc:Fallback xmlns="">
           <p:sp>
             <p:nvSpPr>
               <p:cNvPr id="4" name="Espace réservé du contenu 2">

--- a/11_MaxPID/11_MaxPID_Corrige.pptx
+++ b/11_MaxPID/11_MaxPID_Corrige.pptx
@@ -363,7 +363,7 @@
           <a:p>
             <a:fld id="{D7F135F6-2A09-4FDD-9ECA-096E230CA0FA}" type="datetimeFigureOut">
               <a:rPr lang="fr-FR" smtClean="0"/>
-              <a:t>12/02/2024</a:t>
+              <a:t>13/02/2024</a:t>
             </a:fld>
             <a:endParaRPr lang="fr-FR"/>
           </a:p>
@@ -568,7 +568,7 @@
           <a:p>
             <a:fld id="{D7F135F6-2A09-4FDD-9ECA-096E230CA0FA}" type="datetimeFigureOut">
               <a:rPr lang="fr-FR" smtClean="0"/>
-              <a:t>12/02/2024</a:t>
+              <a:t>13/02/2024</a:t>
             </a:fld>
             <a:endParaRPr lang="fr-FR"/>
           </a:p>
@@ -824,7 +824,7 @@
           <a:p>
             <a:fld id="{D7F135F6-2A09-4FDD-9ECA-096E230CA0FA}" type="datetimeFigureOut">
               <a:rPr lang="fr-FR" smtClean="0"/>
-              <a:t>12/02/2024</a:t>
+              <a:t>13/02/2024</a:t>
             </a:fld>
             <a:endParaRPr lang="fr-FR"/>
           </a:p>
@@ -1030,7 +1030,7 @@
           <a:p>
             <a:fld id="{D7F135F6-2A09-4FDD-9ECA-096E230CA0FA}" type="datetimeFigureOut">
               <a:rPr lang="fr-FR" smtClean="0"/>
-              <a:t>12/02/2024</a:t>
+              <a:t>13/02/2024</a:t>
             </a:fld>
             <a:endParaRPr lang="fr-FR"/>
           </a:p>
@@ -1392,7 +1392,7 @@
           <a:p>
             <a:fld id="{D7F135F6-2A09-4FDD-9ECA-096E230CA0FA}" type="datetimeFigureOut">
               <a:rPr lang="fr-FR" smtClean="0"/>
-              <a:t>12/02/2024</a:t>
+              <a:t>13/02/2024</a:t>
             </a:fld>
             <a:endParaRPr lang="fr-FR"/>
           </a:p>
@@ -1667,7 +1667,7 @@
           <a:p>
             <a:fld id="{D7F135F6-2A09-4FDD-9ECA-096E230CA0FA}" type="datetimeFigureOut">
               <a:rPr lang="fr-FR" smtClean="0"/>
-              <a:t>12/02/2024</a:t>
+              <a:t>13/02/2024</a:t>
             </a:fld>
             <a:endParaRPr lang="fr-FR"/>
           </a:p>
@@ -2046,7 +2046,7 @@
           <a:p>
             <a:fld id="{D7F135F6-2A09-4FDD-9ECA-096E230CA0FA}" type="datetimeFigureOut">
               <a:rPr lang="fr-FR" smtClean="0"/>
-              <a:t>12/02/2024</a:t>
+              <a:t>13/02/2024</a:t>
             </a:fld>
             <a:endParaRPr lang="fr-FR"/>
           </a:p>
@@ -2164,7 +2164,7 @@
           <a:p>
             <a:fld id="{D7F135F6-2A09-4FDD-9ECA-096E230CA0FA}" type="datetimeFigureOut">
               <a:rPr lang="fr-FR" smtClean="0"/>
-              <a:t>12/02/2024</a:t>
+              <a:t>13/02/2024</a:t>
             </a:fld>
             <a:endParaRPr lang="fr-FR"/>
           </a:p>
@@ -2338,7 +2338,7 @@
           <a:p>
             <a:fld id="{D7F135F6-2A09-4FDD-9ECA-096E230CA0FA}" type="datetimeFigureOut">
               <a:rPr lang="fr-FR" smtClean="0"/>
-              <a:t>12/02/2024</a:t>
+              <a:t>13/02/2024</a:t>
             </a:fld>
             <a:endParaRPr lang="fr-FR"/>
           </a:p>
@@ -2695,7 +2695,7 @@
           <a:p>
             <a:fld id="{D7F135F6-2A09-4FDD-9ECA-096E230CA0FA}" type="datetimeFigureOut">
               <a:rPr lang="fr-FR" smtClean="0"/>
-              <a:t>12/02/2024</a:t>
+              <a:t>13/02/2024</a:t>
             </a:fld>
             <a:endParaRPr lang="fr-FR"/>
           </a:p>
@@ -3080,7 +3080,7 @@
           <a:p>
             <a:fld id="{D7F135F6-2A09-4FDD-9ECA-096E230CA0FA}" type="datetimeFigureOut">
               <a:rPr lang="fr-FR" smtClean="0"/>
-              <a:t>12/02/2024</a:t>
+              <a:t>13/02/2024</a:t>
             </a:fld>
             <a:endParaRPr lang="fr-FR"/>
           </a:p>
@@ -3370,7 +3370,7 @@
           <a:p>
             <a:fld id="{D7F135F6-2A09-4FDD-9ECA-096E230CA0FA}" type="datetimeFigureOut">
               <a:rPr lang="fr-FR" smtClean="0"/>
-              <a:t>12/02/2024</a:t>
+              <a:t>13/02/2024</a:t>
             </a:fld>
             <a:endParaRPr lang="fr-FR" dirty="0"/>
           </a:p>
@@ -11493,8 +11493,8 @@
           </a:prstGeom>
         </p:spPr>
       </p:pic>
-      <mc:AlternateContent xmlns:mc="http://schemas.openxmlformats.org/markup-compatibility/2006">
-        <mc:Choice xmlns:a14="http://schemas.microsoft.com/office/drawing/2010/main" Requires="a14">
+      <mc:AlternateContent xmlns:mc="http://schemas.openxmlformats.org/markup-compatibility/2006" xmlns:a14="http://schemas.microsoft.com/office/drawing/2010/main">
+        <mc:Choice Requires="a14">
           <p:sp>
             <p:nvSpPr>
               <p:cNvPr id="30" name="ZoneTexte 29">
@@ -11637,7 +11637,7 @@
             </p:txBody>
           </p:sp>
         </mc:Choice>
-        <mc:Fallback>
+        <mc:Fallback xmlns="">
           <p:sp>
             <p:nvSpPr>
               <p:cNvPr id="30" name="ZoneTexte 29">
@@ -14056,8 +14056,8 @@
         </p:nvSpPr>
         <p:spPr>
           <a:xfrm>
-            <a:off x="6096000" y="2090057"/>
-            <a:ext cx="6021748" cy="4145169"/>
+            <a:off x="6002868" y="2090057"/>
+            <a:ext cx="5978206" cy="4145169"/>
           </a:xfrm>
           <a:prstGeom prst="rect">
             <a:avLst/>
@@ -14556,8 +14556,8 @@
           </a:p>
         </p:txBody>
       </p:sp>
-      <mc:AlternateContent xmlns:mc="http://schemas.openxmlformats.org/markup-compatibility/2006" xmlns:a14="http://schemas.microsoft.com/office/drawing/2010/main">
-        <mc:Choice Requires="a14">
+      <mc:AlternateContent xmlns:mc="http://schemas.openxmlformats.org/markup-compatibility/2006">
+        <mc:Choice xmlns:a14="http://schemas.microsoft.com/office/drawing/2010/main" Requires="a14">
           <p:sp>
             <p:nvSpPr>
               <p:cNvPr id="4" name="Espace réservé du contenu 2">
@@ -14574,8 +14574,8 @@
             </p:nvSpPr>
             <p:spPr>
               <a:xfrm>
-                <a:off x="4659087" y="981887"/>
-                <a:ext cx="7184570" cy="5253339"/>
+                <a:off x="4659086" y="981887"/>
+                <a:ext cx="7532913" cy="5253339"/>
               </a:xfrm>
               <a:prstGeom prst="rect">
                 <a:avLst/>
@@ -18374,7 +18374,7 @@
             </p:txBody>
           </p:sp>
         </mc:Choice>
-        <mc:Fallback xmlns="">
+        <mc:Fallback>
           <p:sp>
             <p:nvSpPr>
               <p:cNvPr id="4" name="Espace réservé du contenu 2">
@@ -18391,8 +18391,8 @@
             </p:nvSpPr>
             <p:spPr>
               <a:xfrm>
-                <a:off x="4659087" y="981887"/>
-                <a:ext cx="7184570" cy="5253339"/>
+                <a:off x="4659086" y="981887"/>
+                <a:ext cx="7532913" cy="5253339"/>
               </a:xfrm>
               <a:prstGeom prst="rect">
                 <a:avLst/>
@@ -18400,7 +18400,7 @@
               <a:blipFill>
                 <a:blip r:embed="rId2"/>
                 <a:stretch>
-                  <a:fillRect l="-1781" t="-1392" b="-7309"/>
+                  <a:fillRect l="-1699" t="-1392"/>
                 </a:stretch>
               </a:blipFill>
             </p:spPr>

--- a/11_MaxPID/11_MaxPID_Corrige.pptx
+++ b/11_MaxPID/11_MaxPID_Corrige.pptx
@@ -9,14 +9,15 @@
     <p:sldId id="265" r:id="rId3"/>
     <p:sldId id="266" r:id="rId4"/>
     <p:sldId id="267" r:id="rId5"/>
-    <p:sldId id="269" r:id="rId6"/>
-    <p:sldId id="272" r:id="rId7"/>
-    <p:sldId id="271" r:id="rId8"/>
-    <p:sldId id="274" r:id="rId9"/>
-    <p:sldId id="275" r:id="rId10"/>
-    <p:sldId id="278" r:id="rId11"/>
-    <p:sldId id="276" r:id="rId12"/>
-    <p:sldId id="277" r:id="rId13"/>
+    <p:sldId id="279" r:id="rId6"/>
+    <p:sldId id="269" r:id="rId7"/>
+    <p:sldId id="272" r:id="rId8"/>
+    <p:sldId id="271" r:id="rId9"/>
+    <p:sldId id="274" r:id="rId10"/>
+    <p:sldId id="275" r:id="rId11"/>
+    <p:sldId id="278" r:id="rId12"/>
+    <p:sldId id="276" r:id="rId13"/>
+    <p:sldId id="277" r:id="rId14"/>
   </p:sldIdLst>
   <p:sldSz cx="12192000" cy="6858000"/>
   <p:notesSz cx="6858000" cy="9144000"/>
@@ -363,7 +364,7 @@
           <a:p>
             <a:fld id="{D7F135F6-2A09-4FDD-9ECA-096E230CA0FA}" type="datetimeFigureOut">
               <a:rPr lang="fr-FR" smtClean="0"/>
-              <a:t>13/02/2024</a:t>
+              <a:t>04/03/2024</a:t>
             </a:fld>
             <a:endParaRPr lang="fr-FR"/>
           </a:p>
@@ -568,7 +569,7 @@
           <a:p>
             <a:fld id="{D7F135F6-2A09-4FDD-9ECA-096E230CA0FA}" type="datetimeFigureOut">
               <a:rPr lang="fr-FR" smtClean="0"/>
-              <a:t>13/02/2024</a:t>
+              <a:t>04/03/2024</a:t>
             </a:fld>
             <a:endParaRPr lang="fr-FR"/>
           </a:p>
@@ -824,7 +825,7 @@
           <a:p>
             <a:fld id="{D7F135F6-2A09-4FDD-9ECA-096E230CA0FA}" type="datetimeFigureOut">
               <a:rPr lang="fr-FR" smtClean="0"/>
-              <a:t>13/02/2024</a:t>
+              <a:t>04/03/2024</a:t>
             </a:fld>
             <a:endParaRPr lang="fr-FR"/>
           </a:p>
@@ -1030,7 +1031,7 @@
           <a:p>
             <a:fld id="{D7F135F6-2A09-4FDD-9ECA-096E230CA0FA}" type="datetimeFigureOut">
               <a:rPr lang="fr-FR" smtClean="0"/>
-              <a:t>13/02/2024</a:t>
+              <a:t>04/03/2024</a:t>
             </a:fld>
             <a:endParaRPr lang="fr-FR"/>
           </a:p>
@@ -1392,7 +1393,7 @@
           <a:p>
             <a:fld id="{D7F135F6-2A09-4FDD-9ECA-096E230CA0FA}" type="datetimeFigureOut">
               <a:rPr lang="fr-FR" smtClean="0"/>
-              <a:t>13/02/2024</a:t>
+              <a:t>04/03/2024</a:t>
             </a:fld>
             <a:endParaRPr lang="fr-FR"/>
           </a:p>
@@ -1667,7 +1668,7 @@
           <a:p>
             <a:fld id="{D7F135F6-2A09-4FDD-9ECA-096E230CA0FA}" type="datetimeFigureOut">
               <a:rPr lang="fr-FR" smtClean="0"/>
-              <a:t>13/02/2024</a:t>
+              <a:t>04/03/2024</a:t>
             </a:fld>
             <a:endParaRPr lang="fr-FR"/>
           </a:p>
@@ -2046,7 +2047,7 @@
           <a:p>
             <a:fld id="{D7F135F6-2A09-4FDD-9ECA-096E230CA0FA}" type="datetimeFigureOut">
               <a:rPr lang="fr-FR" smtClean="0"/>
-              <a:t>13/02/2024</a:t>
+              <a:t>04/03/2024</a:t>
             </a:fld>
             <a:endParaRPr lang="fr-FR"/>
           </a:p>
@@ -2164,7 +2165,7 @@
           <a:p>
             <a:fld id="{D7F135F6-2A09-4FDD-9ECA-096E230CA0FA}" type="datetimeFigureOut">
               <a:rPr lang="fr-FR" smtClean="0"/>
-              <a:t>13/02/2024</a:t>
+              <a:t>04/03/2024</a:t>
             </a:fld>
             <a:endParaRPr lang="fr-FR"/>
           </a:p>
@@ -2338,7 +2339,7 @@
           <a:p>
             <a:fld id="{D7F135F6-2A09-4FDD-9ECA-096E230CA0FA}" type="datetimeFigureOut">
               <a:rPr lang="fr-FR" smtClean="0"/>
-              <a:t>13/02/2024</a:t>
+              <a:t>04/03/2024</a:t>
             </a:fld>
             <a:endParaRPr lang="fr-FR"/>
           </a:p>
@@ -2695,7 +2696,7 @@
           <a:p>
             <a:fld id="{D7F135F6-2A09-4FDD-9ECA-096E230CA0FA}" type="datetimeFigureOut">
               <a:rPr lang="fr-FR" smtClean="0"/>
-              <a:t>13/02/2024</a:t>
+              <a:t>04/03/2024</a:t>
             </a:fld>
             <a:endParaRPr lang="fr-FR"/>
           </a:p>
@@ -3080,7 +3081,7 @@
           <a:p>
             <a:fld id="{D7F135F6-2A09-4FDD-9ECA-096E230CA0FA}" type="datetimeFigureOut">
               <a:rPr lang="fr-FR" smtClean="0"/>
-              <a:t>13/02/2024</a:t>
+              <a:t>04/03/2024</a:t>
             </a:fld>
             <a:endParaRPr lang="fr-FR"/>
           </a:p>
@@ -3370,7 +3371,7 @@
           <a:p>
             <a:fld id="{D7F135F6-2A09-4FDD-9ECA-096E230CA0FA}" type="datetimeFigureOut">
               <a:rPr lang="fr-FR" smtClean="0"/>
-              <a:t>13/02/2024</a:t>
+              <a:t>04/03/2024</a:t>
             </a:fld>
             <a:endParaRPr lang="fr-FR" dirty="0"/>
           </a:p>
@@ -4214,6 +4215,4091 @@
             </p:nvSpPr>
             <p:spPr>
               <a:xfrm>
+                <a:off x="4659086" y="981887"/>
+                <a:ext cx="7532913" cy="5253339"/>
+              </a:xfrm>
+              <a:prstGeom prst="rect">
+                <a:avLst/>
+              </a:prstGeom>
+            </p:spPr>
+            <p:txBody>
+              <a:bodyPr vert="horz" lIns="0" tIns="45720" rIns="0" bIns="45720" rtlCol="0">
+                <a:normAutofit/>
+              </a:bodyPr>
+              <a:lstStyle>
+                <a:lvl1pPr marL="271463" indent="-269875" algn="l" defTabSz="914400" rtl="0" eaLnBrk="1" latinLnBrk="0" hangingPunct="1">
+                  <a:lnSpc>
+                    <a:spcPct val="90000"/>
+                  </a:lnSpc>
+                  <a:spcBef>
+                    <a:spcPts val="1200"/>
+                  </a:spcBef>
+                  <a:spcAft>
+                    <a:spcPts val="200"/>
+                  </a:spcAft>
+                  <a:buClr>
+                    <a:schemeClr val="tx2"/>
+                  </a:buClr>
+                  <a:buSzPct val="80000"/>
+                  <a:buFont typeface="Wingdings" panose="05000000000000000000" pitchFamily="2" charset="2"/>
+                  <a:buChar char="q"/>
+                  <a:defRPr lang="fr-FR" sz="2800" kern="1200">
+                    <a:solidFill>
+                      <a:schemeClr val="tx1">
+                        <a:lumMod val="75000"/>
+                        <a:lumOff val="25000"/>
+                      </a:schemeClr>
+                    </a:solidFill>
+                    <a:latin typeface="+mn-lt"/>
+                    <a:ea typeface="+mn-ea"/>
+                    <a:cs typeface="+mn-cs"/>
+                  </a:defRPr>
+                </a:lvl1pPr>
+                <a:lvl2pPr marL="449263" indent="-249238" algn="l" defTabSz="914400" rtl="0" eaLnBrk="1" latinLnBrk="0" hangingPunct="1">
+                  <a:lnSpc>
+                    <a:spcPct val="90000"/>
+                  </a:lnSpc>
+                  <a:spcBef>
+                    <a:spcPts val="200"/>
+                  </a:spcBef>
+                  <a:spcAft>
+                    <a:spcPts val="400"/>
+                  </a:spcAft>
+                  <a:buClr>
+                    <a:schemeClr val="accent1"/>
+                  </a:buClr>
+                  <a:buSzPct val="80000"/>
+                  <a:buFont typeface="Wingdings" panose="05000000000000000000" pitchFamily="2" charset="2"/>
+                  <a:buChar char="q"/>
+                  <a:defRPr lang="fr-FR" sz="2400" kern="1200">
+                    <a:solidFill>
+                      <a:schemeClr val="tx1">
+                        <a:lumMod val="75000"/>
+                        <a:lumOff val="25000"/>
+                      </a:schemeClr>
+                    </a:solidFill>
+                    <a:latin typeface="+mn-lt"/>
+                    <a:ea typeface="+mn-ea"/>
+                    <a:cs typeface="+mn-cs"/>
+                  </a:defRPr>
+                </a:lvl2pPr>
+                <a:lvl3pPr marL="627063" indent="-242888" algn="l" defTabSz="914400" rtl="0" eaLnBrk="1" latinLnBrk="0" hangingPunct="1">
+                  <a:lnSpc>
+                    <a:spcPct val="90000"/>
+                  </a:lnSpc>
+                  <a:spcBef>
+                    <a:spcPts val="200"/>
+                  </a:spcBef>
+                  <a:spcAft>
+                    <a:spcPts val="400"/>
+                  </a:spcAft>
+                  <a:buClr>
+                    <a:schemeClr val="accent2"/>
+                  </a:buClr>
+                  <a:buSzPct val="80000"/>
+                  <a:buFont typeface="Wingdings" panose="05000000000000000000" pitchFamily="2" charset="2"/>
+                  <a:buChar char="q"/>
+                  <a:defRPr lang="fr-FR" sz="1800" kern="1200">
+                    <a:solidFill>
+                      <a:schemeClr val="tx1">
+                        <a:lumMod val="75000"/>
+                        <a:lumOff val="25000"/>
+                      </a:schemeClr>
+                    </a:solidFill>
+                    <a:latin typeface="+mn-lt"/>
+                    <a:ea typeface="+mn-ea"/>
+                    <a:cs typeface="+mn-cs"/>
+                  </a:defRPr>
+                </a:lvl3pPr>
+                <a:lvl4pPr marL="804863" indent="-238125" algn="l" defTabSz="914400" rtl="0" eaLnBrk="1" latinLnBrk="0" hangingPunct="1">
+                  <a:lnSpc>
+                    <a:spcPct val="90000"/>
+                  </a:lnSpc>
+                  <a:spcBef>
+                    <a:spcPts val="200"/>
+                  </a:spcBef>
+                  <a:spcAft>
+                    <a:spcPts val="400"/>
+                  </a:spcAft>
+                  <a:buClr>
+                    <a:schemeClr val="accent3"/>
+                  </a:buClr>
+                  <a:buSzPct val="80000"/>
+                  <a:buFont typeface="Wingdings" panose="05000000000000000000" pitchFamily="2" charset="2"/>
+                  <a:buChar char="q"/>
+                  <a:defRPr lang="fr-FR" sz="1800" kern="1200">
+                    <a:solidFill>
+                      <a:schemeClr val="tx1">
+                        <a:lumMod val="75000"/>
+                        <a:lumOff val="25000"/>
+                      </a:schemeClr>
+                    </a:solidFill>
+                    <a:latin typeface="+mn-lt"/>
+                    <a:ea typeface="+mn-ea"/>
+                    <a:cs typeface="+mn-cs"/>
+                  </a:defRPr>
+                </a:lvl4pPr>
+                <a:lvl5pPr marL="982663" indent="-233363" algn="l" defTabSz="914400" rtl="0" eaLnBrk="1" latinLnBrk="0" hangingPunct="1">
+                  <a:lnSpc>
+                    <a:spcPct val="90000"/>
+                  </a:lnSpc>
+                  <a:spcBef>
+                    <a:spcPts val="200"/>
+                  </a:spcBef>
+                  <a:spcAft>
+                    <a:spcPts val="400"/>
+                  </a:spcAft>
+                  <a:buClr>
+                    <a:schemeClr val="accent4"/>
+                  </a:buClr>
+                  <a:buSzPct val="80000"/>
+                  <a:buFont typeface="Wingdings" panose="05000000000000000000" pitchFamily="2" charset="2"/>
+                  <a:buChar char="q"/>
+                  <a:defRPr lang="en-US" sz="1800" kern="1200">
+                    <a:solidFill>
+                      <a:schemeClr val="tx1">
+                        <a:lumMod val="75000"/>
+                        <a:lumOff val="25000"/>
+                      </a:schemeClr>
+                    </a:solidFill>
+                    <a:latin typeface="+mn-lt"/>
+                    <a:ea typeface="+mn-ea"/>
+                    <a:cs typeface="+mn-cs"/>
+                  </a:defRPr>
+                </a:lvl5pPr>
+                <a:lvl6pPr marL="1100000" indent="-228600" algn="l" defTabSz="914400" rtl="0" eaLnBrk="1" latinLnBrk="0" hangingPunct="1">
+                  <a:lnSpc>
+                    <a:spcPct val="90000"/>
+                  </a:lnSpc>
+                  <a:spcBef>
+                    <a:spcPts val="200"/>
+                  </a:spcBef>
+                  <a:spcAft>
+                    <a:spcPts val="400"/>
+                  </a:spcAft>
+                  <a:buClr>
+                    <a:schemeClr val="accent1"/>
+                  </a:buClr>
+                  <a:buFont typeface="Calibri" pitchFamily="34" charset="0"/>
+                  <a:buChar char="◦"/>
+                  <a:defRPr sz="1400" kern="1200">
+                    <a:solidFill>
+                      <a:schemeClr val="tx1">
+                        <a:lumMod val="75000"/>
+                        <a:lumOff val="25000"/>
+                      </a:schemeClr>
+                    </a:solidFill>
+                    <a:latin typeface="+mn-lt"/>
+                    <a:ea typeface="+mn-ea"/>
+                    <a:cs typeface="+mn-cs"/>
+                  </a:defRPr>
+                </a:lvl6pPr>
+                <a:lvl7pPr marL="1300000" indent="-228600" algn="l" defTabSz="914400" rtl="0" eaLnBrk="1" latinLnBrk="0" hangingPunct="1">
+                  <a:lnSpc>
+                    <a:spcPct val="90000"/>
+                  </a:lnSpc>
+                  <a:spcBef>
+                    <a:spcPts val="200"/>
+                  </a:spcBef>
+                  <a:spcAft>
+                    <a:spcPts val="400"/>
+                  </a:spcAft>
+                  <a:buClr>
+                    <a:schemeClr val="accent1"/>
+                  </a:buClr>
+                  <a:buFont typeface="Calibri" pitchFamily="34" charset="0"/>
+                  <a:buChar char="◦"/>
+                  <a:defRPr sz="1400" kern="1200">
+                    <a:solidFill>
+                      <a:schemeClr val="tx1">
+                        <a:lumMod val="75000"/>
+                        <a:lumOff val="25000"/>
+                      </a:schemeClr>
+                    </a:solidFill>
+                    <a:latin typeface="+mn-lt"/>
+                    <a:ea typeface="+mn-ea"/>
+                    <a:cs typeface="+mn-cs"/>
+                  </a:defRPr>
+                </a:lvl7pPr>
+                <a:lvl8pPr marL="1500000" indent="-228600" algn="l" defTabSz="914400" rtl="0" eaLnBrk="1" latinLnBrk="0" hangingPunct="1">
+                  <a:lnSpc>
+                    <a:spcPct val="90000"/>
+                  </a:lnSpc>
+                  <a:spcBef>
+                    <a:spcPts val="200"/>
+                  </a:spcBef>
+                  <a:spcAft>
+                    <a:spcPts val="400"/>
+                  </a:spcAft>
+                  <a:buClr>
+                    <a:schemeClr val="accent1"/>
+                  </a:buClr>
+                  <a:buFont typeface="Calibri" pitchFamily="34" charset="0"/>
+                  <a:buChar char="◦"/>
+                  <a:defRPr sz="1400" kern="1200">
+                    <a:solidFill>
+                      <a:schemeClr val="tx1">
+                        <a:lumMod val="75000"/>
+                        <a:lumOff val="25000"/>
+                      </a:schemeClr>
+                    </a:solidFill>
+                    <a:latin typeface="+mn-lt"/>
+                    <a:ea typeface="+mn-ea"/>
+                    <a:cs typeface="+mn-cs"/>
+                  </a:defRPr>
+                </a:lvl8pPr>
+                <a:lvl9pPr marL="1700000" indent="-228600" algn="l" defTabSz="914400" rtl="0" eaLnBrk="1" latinLnBrk="0" hangingPunct="1">
+                  <a:lnSpc>
+                    <a:spcPct val="90000"/>
+                  </a:lnSpc>
+                  <a:spcBef>
+                    <a:spcPts val="200"/>
+                  </a:spcBef>
+                  <a:spcAft>
+                    <a:spcPts val="400"/>
+                  </a:spcAft>
+                  <a:buClr>
+                    <a:schemeClr val="accent1"/>
+                  </a:buClr>
+                  <a:buFont typeface="Calibri" pitchFamily="34" charset="0"/>
+                  <a:buChar char="◦"/>
+                  <a:defRPr sz="1400" kern="1200">
+                    <a:solidFill>
+                      <a:schemeClr val="tx1">
+                        <a:lumMod val="75000"/>
+                        <a:lumOff val="25000"/>
+                      </a:schemeClr>
+                    </a:solidFill>
+                    <a:latin typeface="+mn-lt"/>
+                    <a:ea typeface="+mn-ea"/>
+                    <a:cs typeface="+mn-cs"/>
+                  </a:defRPr>
+                </a:lvl9pPr>
+              </a:lstStyle>
+              <a:p>
+                <a:r>
+                  <a:rPr lang="fr-FR" sz="2200" b="0" dirty="0">
+                    <a:ea typeface="Cambria Math" panose="02040503050406030204" pitchFamily="18" charset="0"/>
+                  </a:rPr>
+                  <a:t> Ensemble stator</a:t>
+                </a:r>
+                <a:endParaRPr lang="fr-FR" sz="2200" b="0" i="1" dirty="0">
+                  <a:latin typeface="Cambria Math" panose="02040503050406030204" pitchFamily="18" charset="0"/>
+                  <a:ea typeface="Cambria Math" panose="02040503050406030204" pitchFamily="18" charset="0"/>
+                </a:endParaRPr>
+              </a:p>
+              <a:p>
+                <a:pPr lvl="1"/>
+                <a14:m>
+                  <m:oMath xmlns:m="http://schemas.openxmlformats.org/officeDocument/2006/math">
+                    <m:sSub>
+                      <m:sSubPr>
+                        <m:ctrlPr>
+                          <a:rPr lang="fr-FR" sz="2200" b="0" i="1" smtClean="0">
+                            <a:latin typeface="Cambria Math" panose="02040503050406030204" pitchFamily="18" charset="0"/>
+                            <a:ea typeface="Cambria Math" panose="02040503050406030204" pitchFamily="18" charset="0"/>
+                          </a:rPr>
+                        </m:ctrlPr>
+                      </m:sSubPr>
+                      <m:e>
+                        <m:r>
+                          <a:rPr lang="fr-FR" sz="2200" i="1" smtClean="0">
+                            <a:latin typeface="Cambria Math" panose="02040503050406030204" pitchFamily="18" charset="0"/>
+                            <a:ea typeface="Cambria Math" panose="02040503050406030204" pitchFamily="18" charset="0"/>
+                          </a:rPr>
+                          <m:t>ℰ</m:t>
+                        </m:r>
+                      </m:e>
+                      <m:sub>
+                        <m:r>
+                          <a:rPr lang="fr-FR" sz="2200" b="0" i="1" smtClean="0">
+                            <a:latin typeface="Cambria Math" panose="02040503050406030204" pitchFamily="18" charset="0"/>
+                            <a:ea typeface="Cambria Math" panose="02040503050406030204" pitchFamily="18" charset="0"/>
+                          </a:rPr>
+                          <m:t>𝑐</m:t>
+                        </m:r>
+                      </m:sub>
+                    </m:sSub>
+                    <m:d>
+                      <m:dPr>
+                        <m:ctrlPr>
+                          <a:rPr lang="fr-FR" sz="2200" b="0" i="1" smtClean="0">
+                            <a:latin typeface="Cambria Math" panose="02040503050406030204" pitchFamily="18" charset="0"/>
+                            <a:ea typeface="Cambria Math" panose="02040503050406030204" pitchFamily="18" charset="0"/>
+                          </a:rPr>
+                        </m:ctrlPr>
+                      </m:dPr>
+                      <m:e>
+                        <m:r>
+                          <a:rPr lang="fr-FR" sz="2200" b="0" i="1" smtClean="0">
+                            <a:latin typeface="Cambria Math" panose="02040503050406030204" pitchFamily="18" charset="0"/>
+                            <a:ea typeface="Cambria Math" panose="02040503050406030204" pitchFamily="18" charset="0"/>
+                          </a:rPr>
+                          <m:t>𝑆</m:t>
+                        </m:r>
+                        <m:r>
+                          <m:rPr>
+                            <m:lit/>
+                          </m:rPr>
+                          <a:rPr lang="fr-FR" sz="2200" b="0" i="1" smtClean="0">
+                            <a:latin typeface="Cambria Math" panose="02040503050406030204" pitchFamily="18" charset="0"/>
+                            <a:ea typeface="Cambria Math" panose="02040503050406030204" pitchFamily="18" charset="0"/>
+                          </a:rPr>
+                          <m:t>/</m:t>
+                        </m:r>
+                        <m:r>
+                          <a:rPr lang="fr-FR" sz="2200" b="0" i="1" smtClean="0">
+                            <a:latin typeface="Cambria Math" panose="02040503050406030204" pitchFamily="18" charset="0"/>
+                            <a:ea typeface="Cambria Math" panose="02040503050406030204" pitchFamily="18" charset="0"/>
+                          </a:rPr>
+                          <m:t>0</m:t>
+                        </m:r>
+                      </m:e>
+                    </m:d>
+                    <m:r>
+                      <a:rPr lang="fr-FR" sz="2200" b="0" i="1" smtClean="0">
+                        <a:latin typeface="Cambria Math" panose="02040503050406030204" pitchFamily="18" charset="0"/>
+                        <a:ea typeface="Cambria Math" panose="02040503050406030204" pitchFamily="18" charset="0"/>
+                      </a:rPr>
+                      <m:t>=</m:t>
+                    </m:r>
+                    <m:f>
+                      <m:fPr>
+                        <m:ctrlPr>
+                          <a:rPr lang="fr-FR" sz="2200" b="0" i="1" smtClean="0">
+                            <a:latin typeface="Cambria Math" panose="02040503050406030204" pitchFamily="18" charset="0"/>
+                            <a:ea typeface="Cambria Math" panose="02040503050406030204" pitchFamily="18" charset="0"/>
+                          </a:rPr>
+                        </m:ctrlPr>
+                      </m:fPr>
+                      <m:num>
+                        <m:r>
+                          <a:rPr lang="fr-FR" sz="2200" b="0" i="1" smtClean="0">
+                            <a:latin typeface="Cambria Math" panose="02040503050406030204" pitchFamily="18" charset="0"/>
+                            <a:ea typeface="Cambria Math" panose="02040503050406030204" pitchFamily="18" charset="0"/>
+                          </a:rPr>
+                          <m:t>1</m:t>
+                        </m:r>
+                      </m:num>
+                      <m:den>
+                        <m:r>
+                          <a:rPr lang="fr-FR" sz="2200" b="0" i="1" smtClean="0">
+                            <a:latin typeface="Cambria Math" panose="02040503050406030204" pitchFamily="18" charset="0"/>
+                            <a:ea typeface="Cambria Math" panose="02040503050406030204" pitchFamily="18" charset="0"/>
+                          </a:rPr>
+                          <m:t>2</m:t>
+                        </m:r>
+                      </m:den>
+                    </m:f>
+                    <m:sSub>
+                      <m:sSubPr>
+                        <m:ctrlPr>
+                          <a:rPr lang="fr-FR" sz="2200" b="0" i="1" smtClean="0">
+                            <a:latin typeface="Cambria Math" panose="02040503050406030204" pitchFamily="18" charset="0"/>
+                            <a:ea typeface="Cambria Math" panose="02040503050406030204" pitchFamily="18" charset="0"/>
+                          </a:rPr>
+                        </m:ctrlPr>
+                      </m:sSubPr>
+                      <m:e>
+                        <m:r>
+                          <a:rPr lang="fr-FR" sz="2200" b="0" i="1" smtClean="0">
+                            <a:latin typeface="Cambria Math" panose="02040503050406030204" pitchFamily="18" charset="0"/>
+                            <a:ea typeface="Cambria Math" panose="02040503050406030204" pitchFamily="18" charset="0"/>
+                          </a:rPr>
+                          <m:t>𝐽</m:t>
+                        </m:r>
+                      </m:e>
+                      <m:sub>
+                        <m:r>
+                          <a:rPr lang="fr-FR" sz="2200" b="0" i="1" smtClean="0">
+                            <a:latin typeface="Cambria Math" panose="02040503050406030204" pitchFamily="18" charset="0"/>
+                            <a:ea typeface="Cambria Math" panose="02040503050406030204" pitchFamily="18" charset="0"/>
+                          </a:rPr>
+                          <m:t>𝑆</m:t>
+                        </m:r>
+                      </m:sub>
+                    </m:sSub>
+                    <m:sSup>
+                      <m:sSupPr>
+                        <m:ctrlPr>
+                          <a:rPr lang="fr-FR" sz="2200" b="0" i="1" smtClean="0">
+                            <a:latin typeface="Cambria Math" panose="02040503050406030204" pitchFamily="18" charset="0"/>
+                            <a:ea typeface="Cambria Math" panose="02040503050406030204" pitchFamily="18" charset="0"/>
+                          </a:rPr>
+                        </m:ctrlPr>
+                      </m:sSupPr>
+                      <m:e>
+                        <m:acc>
+                          <m:accPr>
+                            <m:chr m:val="̇"/>
+                            <m:ctrlPr>
+                              <a:rPr lang="fr-FR" sz="2200" b="0" i="1" smtClean="0">
+                                <a:latin typeface="Cambria Math" panose="02040503050406030204" pitchFamily="18" charset="0"/>
+                                <a:ea typeface="Cambria Math" panose="02040503050406030204" pitchFamily="18" charset="0"/>
+                              </a:rPr>
+                            </m:ctrlPr>
+                          </m:accPr>
+                          <m:e>
+                            <m:r>
+                              <a:rPr lang="fr-FR" sz="2200" b="0" i="1" smtClean="0">
+                                <a:latin typeface="Cambria Math" panose="02040503050406030204" pitchFamily="18" charset="0"/>
+                                <a:ea typeface="Cambria Math" panose="02040503050406030204" pitchFamily="18" charset="0"/>
+                              </a:rPr>
+                              <m:t>𝛽</m:t>
+                            </m:r>
+                          </m:e>
+                        </m:acc>
+                      </m:e>
+                      <m:sup>
+                        <m:r>
+                          <a:rPr lang="fr-FR" sz="2200" b="0" i="1" smtClean="0">
+                            <a:latin typeface="Cambria Math" panose="02040503050406030204" pitchFamily="18" charset="0"/>
+                            <a:ea typeface="Cambria Math" panose="02040503050406030204" pitchFamily="18" charset="0"/>
+                          </a:rPr>
+                          <m:t>2</m:t>
+                        </m:r>
+                      </m:sup>
+                    </m:sSup>
+                  </m:oMath>
+                </a14:m>
+                <a:endParaRPr lang="fr-FR" sz="2200" b="0" dirty="0">
+                  <a:ea typeface="Cambria Math" panose="02040503050406030204" pitchFamily="18" charset="0"/>
+                </a:endParaRPr>
+              </a:p>
+              <a:p>
+                <a:r>
+                  <a:rPr lang="fr-FR" sz="2200" dirty="0">
+                    <a:ea typeface="Cambria Math" panose="02040503050406030204" pitchFamily="18" charset="0"/>
+                  </a:rPr>
+                  <a:t>Ensemble rotor</a:t>
+                </a:r>
+              </a:p>
+              <a:p>
+                <a:pPr lvl="1"/>
+                <a14:m>
+                  <m:oMath xmlns:m="http://schemas.openxmlformats.org/officeDocument/2006/math">
+                    <m:sSub>
+                      <m:sSubPr>
+                        <m:ctrlPr>
+                          <a:rPr lang="fr-FR" sz="2200" b="0" i="1" smtClean="0">
+                            <a:latin typeface="Cambria Math" panose="02040503050406030204" pitchFamily="18" charset="0"/>
+                            <a:ea typeface="Cambria Math" panose="02040503050406030204" pitchFamily="18" charset="0"/>
+                          </a:rPr>
+                        </m:ctrlPr>
+                      </m:sSubPr>
+                      <m:e>
+                        <m:r>
+                          <a:rPr lang="fr-FR" sz="2200" i="1" smtClean="0">
+                            <a:latin typeface="Cambria Math" panose="02040503050406030204" pitchFamily="18" charset="0"/>
+                            <a:ea typeface="Cambria Math" panose="02040503050406030204" pitchFamily="18" charset="0"/>
+                          </a:rPr>
+                          <m:t>ℰ</m:t>
+                        </m:r>
+                      </m:e>
+                      <m:sub>
+                        <m:r>
+                          <a:rPr lang="fr-FR" sz="2200" b="0" i="1" smtClean="0">
+                            <a:latin typeface="Cambria Math" panose="02040503050406030204" pitchFamily="18" charset="0"/>
+                            <a:ea typeface="Cambria Math" panose="02040503050406030204" pitchFamily="18" charset="0"/>
+                          </a:rPr>
+                          <m:t>𝑐</m:t>
+                        </m:r>
+                      </m:sub>
+                    </m:sSub>
+                    <m:d>
+                      <m:dPr>
+                        <m:ctrlPr>
+                          <a:rPr lang="fr-FR" sz="2200" b="0" i="1" smtClean="0">
+                            <a:latin typeface="Cambria Math" panose="02040503050406030204" pitchFamily="18" charset="0"/>
+                            <a:ea typeface="Cambria Math" panose="02040503050406030204" pitchFamily="18" charset="0"/>
+                          </a:rPr>
+                        </m:ctrlPr>
+                      </m:dPr>
+                      <m:e>
+                        <m:r>
+                          <a:rPr lang="fr-FR" sz="2200" b="0" i="1" smtClean="0">
+                            <a:latin typeface="Cambria Math" panose="02040503050406030204" pitchFamily="18" charset="0"/>
+                            <a:ea typeface="Cambria Math" panose="02040503050406030204" pitchFamily="18" charset="0"/>
+                          </a:rPr>
+                          <m:t>𝑅</m:t>
+                        </m:r>
+                        <m:r>
+                          <m:rPr>
+                            <m:lit/>
+                          </m:rPr>
+                          <a:rPr lang="fr-FR" sz="2200" b="0" i="1" smtClean="0">
+                            <a:latin typeface="Cambria Math" panose="02040503050406030204" pitchFamily="18" charset="0"/>
+                            <a:ea typeface="Cambria Math" panose="02040503050406030204" pitchFamily="18" charset="0"/>
+                          </a:rPr>
+                          <m:t>/</m:t>
+                        </m:r>
+                        <m:r>
+                          <a:rPr lang="fr-FR" sz="2200" b="0" i="1" smtClean="0">
+                            <a:latin typeface="Cambria Math" panose="02040503050406030204" pitchFamily="18" charset="0"/>
+                            <a:ea typeface="Cambria Math" panose="02040503050406030204" pitchFamily="18" charset="0"/>
+                          </a:rPr>
+                          <m:t>0</m:t>
+                        </m:r>
+                      </m:e>
+                    </m:d>
+                    <m:r>
+                      <a:rPr lang="fr-FR" sz="2200" b="0" i="1" smtClean="0">
+                        <a:latin typeface="Cambria Math" panose="02040503050406030204" pitchFamily="18" charset="0"/>
+                        <a:ea typeface="Cambria Math" panose="02040503050406030204" pitchFamily="18" charset="0"/>
+                      </a:rPr>
+                      <m:t>=</m:t>
+                    </m:r>
+                    <m:f>
+                      <m:fPr>
+                        <m:ctrlPr>
+                          <a:rPr lang="fr-FR" sz="2200" b="0" i="1" smtClean="0">
+                            <a:latin typeface="Cambria Math" panose="02040503050406030204" pitchFamily="18" charset="0"/>
+                            <a:ea typeface="Cambria Math" panose="02040503050406030204" pitchFamily="18" charset="0"/>
+                          </a:rPr>
+                        </m:ctrlPr>
+                      </m:fPr>
+                      <m:num>
+                        <m:r>
+                          <a:rPr lang="fr-FR" sz="2200" b="0" i="1" smtClean="0">
+                            <a:latin typeface="Cambria Math" panose="02040503050406030204" pitchFamily="18" charset="0"/>
+                            <a:ea typeface="Cambria Math" panose="02040503050406030204" pitchFamily="18" charset="0"/>
+                          </a:rPr>
+                          <m:t>1</m:t>
+                        </m:r>
+                      </m:num>
+                      <m:den>
+                        <m:r>
+                          <a:rPr lang="fr-FR" sz="2200" b="0" i="1" smtClean="0">
+                            <a:latin typeface="Cambria Math" panose="02040503050406030204" pitchFamily="18" charset="0"/>
+                            <a:ea typeface="Cambria Math" panose="02040503050406030204" pitchFamily="18" charset="0"/>
+                          </a:rPr>
+                          <m:t>2</m:t>
+                        </m:r>
+                      </m:den>
+                    </m:f>
+                    <m:d>
+                      <m:dPr>
+                        <m:begChr m:val="{"/>
+                        <m:endChr m:val="}"/>
+                        <m:ctrlPr>
+                          <a:rPr lang="fr-FR" sz="2200" b="0" i="1" smtClean="0">
+                            <a:latin typeface="Cambria Math" panose="02040503050406030204" pitchFamily="18" charset="0"/>
+                            <a:ea typeface="Cambria Math" panose="02040503050406030204" pitchFamily="18" charset="0"/>
+                          </a:rPr>
+                        </m:ctrlPr>
+                      </m:dPr>
+                      <m:e>
+                        <m:eqArr>
+                          <m:eqArrPr>
+                            <m:ctrlPr>
+                              <a:rPr lang="fr-FR" sz="2200" b="0" i="1" smtClean="0">
+                                <a:latin typeface="Cambria Math" panose="02040503050406030204" pitchFamily="18" charset="0"/>
+                                <a:ea typeface="Cambria Math" panose="02040503050406030204" pitchFamily="18" charset="0"/>
+                              </a:rPr>
+                            </m:ctrlPr>
+                          </m:eqArrPr>
+                          <m:e>
+                            <m:acc>
+                              <m:accPr>
+                                <m:chr m:val="⃗"/>
+                                <m:ctrlPr>
+                                  <a:rPr lang="fr-FR" sz="2200" b="0" i="1" smtClean="0">
+                                    <a:latin typeface="Cambria Math" panose="02040503050406030204" pitchFamily="18" charset="0"/>
+                                    <a:ea typeface="Cambria Math" panose="02040503050406030204" pitchFamily="18" charset="0"/>
+                                  </a:rPr>
+                                </m:ctrlPr>
+                              </m:accPr>
+                              <m:e>
+                                <m:r>
+                                  <m:rPr>
+                                    <m:sty m:val="p"/>
+                                  </m:rPr>
+                                  <a:rPr lang="fr-FR" sz="2200" b="0" i="0" smtClean="0">
+                                    <a:latin typeface="Cambria Math" panose="02040503050406030204" pitchFamily="18" charset="0"/>
+                                    <a:ea typeface="Cambria Math" panose="02040503050406030204" pitchFamily="18" charset="0"/>
+                                  </a:rPr>
+                                  <m:t>Ω</m:t>
+                                </m:r>
+                                <m:d>
+                                  <m:dPr>
+                                    <m:ctrlPr>
+                                      <a:rPr lang="fr-FR" sz="2200" b="0" i="1" smtClean="0">
+                                        <a:latin typeface="Cambria Math" panose="02040503050406030204" pitchFamily="18" charset="0"/>
+                                        <a:ea typeface="Cambria Math" panose="02040503050406030204" pitchFamily="18" charset="0"/>
+                                      </a:rPr>
+                                    </m:ctrlPr>
+                                  </m:dPr>
+                                  <m:e>
+                                    <m:r>
+                                      <a:rPr lang="fr-FR" sz="2200" b="0" i="1" smtClean="0">
+                                        <a:latin typeface="Cambria Math" panose="02040503050406030204" pitchFamily="18" charset="0"/>
+                                        <a:ea typeface="Cambria Math" panose="02040503050406030204" pitchFamily="18" charset="0"/>
+                                      </a:rPr>
+                                      <m:t>𝑅</m:t>
+                                    </m:r>
+                                    <m:r>
+                                      <m:rPr>
+                                        <m:lit/>
+                                      </m:rPr>
+                                      <a:rPr lang="fr-FR" sz="2200" b="0" i="1" smtClean="0">
+                                        <a:latin typeface="Cambria Math" panose="02040503050406030204" pitchFamily="18" charset="0"/>
+                                        <a:ea typeface="Cambria Math" panose="02040503050406030204" pitchFamily="18" charset="0"/>
+                                      </a:rPr>
+                                      <m:t>/</m:t>
+                                    </m:r>
+                                    <m:r>
+                                      <a:rPr lang="fr-FR" sz="2200" b="0" i="1" smtClean="0">
+                                        <a:latin typeface="Cambria Math" panose="02040503050406030204" pitchFamily="18" charset="0"/>
+                                        <a:ea typeface="Cambria Math" panose="02040503050406030204" pitchFamily="18" charset="0"/>
+                                      </a:rPr>
+                                      <m:t>0</m:t>
+                                    </m:r>
+                                  </m:e>
+                                </m:d>
+                              </m:e>
+                            </m:acc>
+                          </m:e>
+                          <m:e>
+                            <m:acc>
+                              <m:accPr>
+                                <m:chr m:val="⃗"/>
+                                <m:ctrlPr>
+                                  <a:rPr lang="fr-FR" sz="2200" i="1">
+                                    <a:latin typeface="Cambria Math" panose="02040503050406030204" pitchFamily="18" charset="0"/>
+                                    <a:ea typeface="Cambria Math" panose="02040503050406030204" pitchFamily="18" charset="0"/>
+                                  </a:rPr>
+                                </m:ctrlPr>
+                              </m:accPr>
+                              <m:e>
+                                <m:r>
+                                  <m:rPr>
+                                    <m:sty m:val="p"/>
+                                  </m:rPr>
+                                  <a:rPr lang="fr-FR" sz="2200" b="0" i="0" smtClean="0">
+                                    <a:latin typeface="Cambria Math" panose="02040503050406030204" pitchFamily="18" charset="0"/>
+                                    <a:ea typeface="Cambria Math" panose="02040503050406030204" pitchFamily="18" charset="0"/>
+                                  </a:rPr>
+                                  <m:t>V</m:t>
+                                </m:r>
+                                <m:d>
+                                  <m:dPr>
+                                    <m:ctrlPr>
+                                      <a:rPr lang="fr-FR" sz="2200" i="1">
+                                        <a:latin typeface="Cambria Math" panose="02040503050406030204" pitchFamily="18" charset="0"/>
+                                        <a:ea typeface="Cambria Math" panose="02040503050406030204" pitchFamily="18" charset="0"/>
+                                      </a:rPr>
+                                    </m:ctrlPr>
+                                  </m:dPr>
+                                  <m:e>
+                                    <m:r>
+                                      <a:rPr lang="fr-FR" sz="2200" b="0" i="1" smtClean="0">
+                                        <a:latin typeface="Cambria Math" panose="02040503050406030204" pitchFamily="18" charset="0"/>
+                                        <a:ea typeface="Cambria Math" panose="02040503050406030204" pitchFamily="18" charset="0"/>
+                                      </a:rPr>
+                                      <m:t>𝐺</m:t>
+                                    </m:r>
+                                    <m:r>
+                                      <a:rPr lang="fr-FR" sz="2200" b="0" i="1" smtClean="0">
+                                        <a:latin typeface="Cambria Math" panose="02040503050406030204" pitchFamily="18" charset="0"/>
+                                        <a:ea typeface="Cambria Math" panose="02040503050406030204" pitchFamily="18" charset="0"/>
+                                      </a:rPr>
+                                      <m:t>,</m:t>
+                                    </m:r>
+                                    <m:r>
+                                      <a:rPr lang="fr-FR" sz="2200" i="1">
+                                        <a:latin typeface="Cambria Math" panose="02040503050406030204" pitchFamily="18" charset="0"/>
+                                        <a:ea typeface="Cambria Math" panose="02040503050406030204" pitchFamily="18" charset="0"/>
+                                      </a:rPr>
+                                      <m:t>𝑅</m:t>
+                                    </m:r>
+                                    <m:r>
+                                      <m:rPr>
+                                        <m:lit/>
+                                      </m:rPr>
+                                      <a:rPr lang="fr-FR" sz="2200" i="1">
+                                        <a:latin typeface="Cambria Math" panose="02040503050406030204" pitchFamily="18" charset="0"/>
+                                        <a:ea typeface="Cambria Math" panose="02040503050406030204" pitchFamily="18" charset="0"/>
+                                      </a:rPr>
+                                      <m:t>/</m:t>
+                                    </m:r>
+                                    <m:r>
+                                      <a:rPr lang="fr-FR" sz="2200" i="1">
+                                        <a:latin typeface="Cambria Math" panose="02040503050406030204" pitchFamily="18" charset="0"/>
+                                        <a:ea typeface="Cambria Math" panose="02040503050406030204" pitchFamily="18" charset="0"/>
+                                      </a:rPr>
+                                      <m:t>0</m:t>
+                                    </m:r>
+                                  </m:e>
+                                </m:d>
+                              </m:e>
+                            </m:acc>
+                          </m:e>
+                        </m:eqArr>
+                      </m:e>
+                    </m:d>
+                    <m:r>
+                      <a:rPr lang="fr-FR" sz="2200" b="0" i="1" smtClean="0">
+                        <a:latin typeface="Cambria Math" panose="02040503050406030204" pitchFamily="18" charset="0"/>
+                        <a:ea typeface="Cambria Math" panose="02040503050406030204" pitchFamily="18" charset="0"/>
+                      </a:rPr>
+                      <m:t>⊗</m:t>
+                    </m:r>
+                    <m:d>
+                      <m:dPr>
+                        <m:begChr m:val="{"/>
+                        <m:endChr m:val="}"/>
+                        <m:ctrlPr>
+                          <a:rPr lang="fr-FR" sz="2200" i="1">
+                            <a:latin typeface="Cambria Math" panose="02040503050406030204" pitchFamily="18" charset="0"/>
+                            <a:ea typeface="Cambria Math" panose="02040503050406030204" pitchFamily="18" charset="0"/>
+                          </a:rPr>
+                        </m:ctrlPr>
+                      </m:dPr>
+                      <m:e>
+                        <m:eqArr>
+                          <m:eqArrPr>
+                            <m:ctrlPr>
+                              <a:rPr lang="fr-FR" sz="2200" i="1">
+                                <a:latin typeface="Cambria Math" panose="02040503050406030204" pitchFamily="18" charset="0"/>
+                                <a:ea typeface="Cambria Math" panose="02040503050406030204" pitchFamily="18" charset="0"/>
+                              </a:rPr>
+                            </m:ctrlPr>
+                          </m:eqArrPr>
+                          <m:e>
+                            <m:sSub>
+                              <m:sSubPr>
+                                <m:ctrlPr>
+                                  <a:rPr lang="fr-FR" sz="2200" b="0" i="1" smtClean="0">
+                                    <a:latin typeface="Cambria Math" panose="02040503050406030204" pitchFamily="18" charset="0"/>
+                                    <a:ea typeface="Cambria Math" panose="02040503050406030204" pitchFamily="18" charset="0"/>
+                                  </a:rPr>
+                                </m:ctrlPr>
+                              </m:sSubPr>
+                              <m:e>
+                                <m:r>
+                                  <a:rPr lang="fr-FR" sz="2200" b="0" i="1" smtClean="0">
+                                    <a:latin typeface="Cambria Math" panose="02040503050406030204" pitchFamily="18" charset="0"/>
+                                    <a:ea typeface="Cambria Math" panose="02040503050406030204" pitchFamily="18" charset="0"/>
+                                  </a:rPr>
+                                  <m:t>𝑚</m:t>
+                                </m:r>
+                              </m:e>
+                              <m:sub>
+                                <m:r>
+                                  <a:rPr lang="fr-FR" sz="2200" b="0" i="1" smtClean="0">
+                                    <a:latin typeface="Cambria Math" panose="02040503050406030204" pitchFamily="18" charset="0"/>
+                                    <a:ea typeface="Cambria Math" panose="02040503050406030204" pitchFamily="18" charset="0"/>
+                                  </a:rPr>
+                                  <m:t>𝑅</m:t>
+                                </m:r>
+                              </m:sub>
+                            </m:sSub>
+                            <m:acc>
+                              <m:accPr>
+                                <m:chr m:val="⃗"/>
+                                <m:ctrlPr>
+                                  <a:rPr lang="fr-FR" sz="2200" i="1">
+                                    <a:latin typeface="Cambria Math" panose="02040503050406030204" pitchFamily="18" charset="0"/>
+                                    <a:ea typeface="Cambria Math" panose="02040503050406030204" pitchFamily="18" charset="0"/>
+                                  </a:rPr>
+                                </m:ctrlPr>
+                              </m:accPr>
+                              <m:e>
+                                <m:r>
+                                  <m:rPr>
+                                    <m:sty m:val="p"/>
+                                  </m:rPr>
+                                  <a:rPr lang="fr-FR" sz="2200">
+                                    <a:latin typeface="Cambria Math" panose="02040503050406030204" pitchFamily="18" charset="0"/>
+                                    <a:ea typeface="Cambria Math" panose="02040503050406030204" pitchFamily="18" charset="0"/>
+                                  </a:rPr>
+                                  <m:t>V</m:t>
+                                </m:r>
+                                <m:d>
+                                  <m:dPr>
+                                    <m:ctrlPr>
+                                      <a:rPr lang="fr-FR" sz="2200" i="1">
+                                        <a:latin typeface="Cambria Math" panose="02040503050406030204" pitchFamily="18" charset="0"/>
+                                        <a:ea typeface="Cambria Math" panose="02040503050406030204" pitchFamily="18" charset="0"/>
+                                      </a:rPr>
+                                    </m:ctrlPr>
+                                  </m:dPr>
+                                  <m:e>
+                                    <m:r>
+                                      <a:rPr lang="fr-FR" sz="2200" i="1">
+                                        <a:latin typeface="Cambria Math" panose="02040503050406030204" pitchFamily="18" charset="0"/>
+                                        <a:ea typeface="Cambria Math" panose="02040503050406030204" pitchFamily="18" charset="0"/>
+                                      </a:rPr>
+                                      <m:t>𝐺</m:t>
+                                    </m:r>
+                                    <m:r>
+                                      <a:rPr lang="fr-FR" sz="2200" i="1">
+                                        <a:latin typeface="Cambria Math" panose="02040503050406030204" pitchFamily="18" charset="0"/>
+                                        <a:ea typeface="Cambria Math" panose="02040503050406030204" pitchFamily="18" charset="0"/>
+                                      </a:rPr>
+                                      <m:t>,</m:t>
+                                    </m:r>
+                                    <m:r>
+                                      <a:rPr lang="fr-FR" sz="2200" i="1">
+                                        <a:latin typeface="Cambria Math" panose="02040503050406030204" pitchFamily="18" charset="0"/>
+                                        <a:ea typeface="Cambria Math" panose="02040503050406030204" pitchFamily="18" charset="0"/>
+                                      </a:rPr>
+                                      <m:t>𝑅</m:t>
+                                    </m:r>
+                                    <m:r>
+                                      <m:rPr>
+                                        <m:lit/>
+                                      </m:rPr>
+                                      <a:rPr lang="fr-FR" sz="2200" i="1">
+                                        <a:latin typeface="Cambria Math" panose="02040503050406030204" pitchFamily="18" charset="0"/>
+                                        <a:ea typeface="Cambria Math" panose="02040503050406030204" pitchFamily="18" charset="0"/>
+                                      </a:rPr>
+                                      <m:t>/</m:t>
+                                    </m:r>
+                                    <m:r>
+                                      <a:rPr lang="fr-FR" sz="2200" i="1">
+                                        <a:latin typeface="Cambria Math" panose="02040503050406030204" pitchFamily="18" charset="0"/>
+                                        <a:ea typeface="Cambria Math" panose="02040503050406030204" pitchFamily="18" charset="0"/>
+                                      </a:rPr>
+                                      <m:t>0</m:t>
+                                    </m:r>
+                                  </m:e>
+                                </m:d>
+                              </m:e>
+                            </m:acc>
+                          </m:e>
+                          <m:e>
+                            <m:acc>
+                              <m:accPr>
+                                <m:chr m:val="⃗"/>
+                                <m:ctrlPr>
+                                  <a:rPr lang="fr-FR" sz="2200" i="1">
+                                    <a:latin typeface="Cambria Math" panose="02040503050406030204" pitchFamily="18" charset="0"/>
+                                    <a:ea typeface="Cambria Math" panose="02040503050406030204" pitchFamily="18" charset="0"/>
+                                  </a:rPr>
+                                </m:ctrlPr>
+                              </m:accPr>
+                              <m:e>
+                                <m:r>
+                                  <a:rPr lang="fr-FR" sz="2200" b="0" i="1" smtClean="0">
+                                    <a:latin typeface="Cambria Math" panose="02040503050406030204" pitchFamily="18" charset="0"/>
+                                    <a:ea typeface="Cambria Math" panose="02040503050406030204" pitchFamily="18" charset="0"/>
+                                  </a:rPr>
+                                  <m:t>𝜎</m:t>
+                                </m:r>
+                                <m:d>
+                                  <m:dPr>
+                                    <m:ctrlPr>
+                                      <a:rPr lang="fr-FR" sz="2200" i="1">
+                                        <a:latin typeface="Cambria Math" panose="02040503050406030204" pitchFamily="18" charset="0"/>
+                                        <a:ea typeface="Cambria Math" panose="02040503050406030204" pitchFamily="18" charset="0"/>
+                                      </a:rPr>
+                                    </m:ctrlPr>
+                                  </m:dPr>
+                                  <m:e>
+                                    <m:r>
+                                      <a:rPr lang="fr-FR" sz="2200" i="1">
+                                        <a:latin typeface="Cambria Math" panose="02040503050406030204" pitchFamily="18" charset="0"/>
+                                        <a:ea typeface="Cambria Math" panose="02040503050406030204" pitchFamily="18" charset="0"/>
+                                      </a:rPr>
+                                      <m:t>𝐺</m:t>
+                                    </m:r>
+                                    <m:r>
+                                      <a:rPr lang="fr-FR" sz="2200" i="1">
+                                        <a:latin typeface="Cambria Math" panose="02040503050406030204" pitchFamily="18" charset="0"/>
+                                        <a:ea typeface="Cambria Math" panose="02040503050406030204" pitchFamily="18" charset="0"/>
+                                      </a:rPr>
+                                      <m:t>,</m:t>
+                                    </m:r>
+                                    <m:r>
+                                      <a:rPr lang="fr-FR" sz="2200" i="1">
+                                        <a:latin typeface="Cambria Math" panose="02040503050406030204" pitchFamily="18" charset="0"/>
+                                        <a:ea typeface="Cambria Math" panose="02040503050406030204" pitchFamily="18" charset="0"/>
+                                      </a:rPr>
+                                      <m:t>𝑅</m:t>
+                                    </m:r>
+                                    <m:r>
+                                      <m:rPr>
+                                        <m:lit/>
+                                      </m:rPr>
+                                      <a:rPr lang="fr-FR" sz="2200" i="1">
+                                        <a:latin typeface="Cambria Math" panose="02040503050406030204" pitchFamily="18" charset="0"/>
+                                        <a:ea typeface="Cambria Math" panose="02040503050406030204" pitchFamily="18" charset="0"/>
+                                      </a:rPr>
+                                      <m:t>/</m:t>
+                                    </m:r>
+                                    <m:r>
+                                      <a:rPr lang="fr-FR" sz="2200" i="1">
+                                        <a:latin typeface="Cambria Math" panose="02040503050406030204" pitchFamily="18" charset="0"/>
+                                        <a:ea typeface="Cambria Math" panose="02040503050406030204" pitchFamily="18" charset="0"/>
+                                      </a:rPr>
+                                      <m:t>0</m:t>
+                                    </m:r>
+                                  </m:e>
+                                </m:d>
+                              </m:e>
+                            </m:acc>
+                          </m:e>
+                        </m:eqArr>
+                      </m:e>
+                    </m:d>
+                  </m:oMath>
+                </a14:m>
+                <a:endParaRPr lang="fr-FR" sz="2200" dirty="0"/>
+              </a:p>
+              <a:p>
+                <a:pPr lvl="2"/>
+                <a14:m>
+                  <m:oMath xmlns:m="http://schemas.openxmlformats.org/officeDocument/2006/math">
+                    <m:acc>
+                      <m:accPr>
+                        <m:chr m:val="⃗"/>
+                        <m:ctrlPr>
+                          <a:rPr lang="fr-FR" sz="1200" i="1">
+                            <a:latin typeface="Cambria Math" panose="02040503050406030204" pitchFamily="18" charset="0"/>
+                            <a:ea typeface="Cambria Math" panose="02040503050406030204" pitchFamily="18" charset="0"/>
+                          </a:rPr>
+                        </m:ctrlPr>
+                      </m:accPr>
+                      <m:e>
+                        <m:r>
+                          <m:rPr>
+                            <m:sty m:val="p"/>
+                          </m:rPr>
+                          <a:rPr lang="fr-FR" sz="1200">
+                            <a:latin typeface="Cambria Math" panose="02040503050406030204" pitchFamily="18" charset="0"/>
+                            <a:ea typeface="Cambria Math" panose="02040503050406030204" pitchFamily="18" charset="0"/>
+                          </a:rPr>
+                          <m:t>Ω</m:t>
+                        </m:r>
+                        <m:d>
+                          <m:dPr>
+                            <m:ctrlPr>
+                              <a:rPr lang="fr-FR" sz="1200" i="1">
+                                <a:latin typeface="Cambria Math" panose="02040503050406030204" pitchFamily="18" charset="0"/>
+                                <a:ea typeface="Cambria Math" panose="02040503050406030204" pitchFamily="18" charset="0"/>
+                              </a:rPr>
+                            </m:ctrlPr>
+                          </m:dPr>
+                          <m:e>
+                            <m:r>
+                              <a:rPr lang="fr-FR" sz="1200" i="1">
+                                <a:latin typeface="Cambria Math" panose="02040503050406030204" pitchFamily="18" charset="0"/>
+                                <a:ea typeface="Cambria Math" panose="02040503050406030204" pitchFamily="18" charset="0"/>
+                              </a:rPr>
+                              <m:t>𝑅</m:t>
+                            </m:r>
+                            <m:r>
+                              <m:rPr>
+                                <m:lit/>
+                              </m:rPr>
+                              <a:rPr lang="fr-FR" sz="1200" i="1">
+                                <a:latin typeface="Cambria Math" panose="02040503050406030204" pitchFamily="18" charset="0"/>
+                                <a:ea typeface="Cambria Math" panose="02040503050406030204" pitchFamily="18" charset="0"/>
+                              </a:rPr>
+                              <m:t>/</m:t>
+                            </m:r>
+                            <m:r>
+                              <a:rPr lang="fr-FR" sz="1200" i="1">
+                                <a:latin typeface="Cambria Math" panose="02040503050406030204" pitchFamily="18" charset="0"/>
+                                <a:ea typeface="Cambria Math" panose="02040503050406030204" pitchFamily="18" charset="0"/>
+                              </a:rPr>
+                              <m:t>0</m:t>
+                            </m:r>
+                          </m:e>
+                        </m:d>
+                      </m:e>
+                    </m:acc>
+                    <m:r>
+                      <a:rPr lang="fr-FR" sz="1200" b="0" i="0" smtClean="0">
+                        <a:latin typeface="Cambria Math" panose="02040503050406030204" pitchFamily="18" charset="0"/>
+                        <a:ea typeface="Cambria Math" panose="02040503050406030204" pitchFamily="18" charset="0"/>
+                      </a:rPr>
+                      <m:t>=</m:t>
+                    </m:r>
+                    <m:acc>
+                      <m:accPr>
+                        <m:chr m:val="̇"/>
+                        <m:ctrlPr>
+                          <a:rPr lang="fr-FR" sz="1200" i="1">
+                            <a:latin typeface="Cambria Math" panose="02040503050406030204" pitchFamily="18" charset="0"/>
+                            <a:ea typeface="Cambria Math" panose="02040503050406030204" pitchFamily="18" charset="0"/>
+                          </a:rPr>
+                        </m:ctrlPr>
+                      </m:accPr>
+                      <m:e>
+                        <m:r>
+                          <a:rPr lang="fr-FR" sz="1200" i="1">
+                            <a:latin typeface="Cambria Math" panose="02040503050406030204" pitchFamily="18" charset="0"/>
+                            <a:ea typeface="Cambria Math" panose="02040503050406030204" pitchFamily="18" charset="0"/>
+                          </a:rPr>
+                          <m:t>𝛾</m:t>
+                        </m:r>
+                      </m:e>
+                    </m:acc>
+                    <m:acc>
+                      <m:accPr>
+                        <m:chr m:val="⃗"/>
+                        <m:ctrlPr>
+                          <a:rPr lang="fr-FR" sz="1200" i="1">
+                            <a:latin typeface="Cambria Math" panose="02040503050406030204" pitchFamily="18" charset="0"/>
+                            <a:ea typeface="Cambria Math" panose="02040503050406030204" pitchFamily="18" charset="0"/>
+                          </a:rPr>
+                        </m:ctrlPr>
+                      </m:accPr>
+                      <m:e>
+                        <m:sSub>
+                          <m:sSubPr>
+                            <m:ctrlPr>
+                              <a:rPr lang="fr-FR" sz="1200" i="1">
+                                <a:latin typeface="Cambria Math" panose="02040503050406030204" pitchFamily="18" charset="0"/>
+                                <a:ea typeface="Cambria Math" panose="02040503050406030204" pitchFamily="18" charset="0"/>
+                              </a:rPr>
+                            </m:ctrlPr>
+                          </m:sSubPr>
+                          <m:e>
+                            <m:r>
+                              <a:rPr lang="fr-FR" sz="1200" i="1">
+                                <a:latin typeface="Cambria Math" panose="02040503050406030204" pitchFamily="18" charset="0"/>
+                                <a:ea typeface="Cambria Math" panose="02040503050406030204" pitchFamily="18" charset="0"/>
+                              </a:rPr>
+                              <m:t>𝑥</m:t>
+                            </m:r>
+                          </m:e>
+                          <m:sub>
+                            <m:r>
+                              <a:rPr lang="fr-FR" sz="1200" i="1">
+                                <a:latin typeface="Cambria Math" panose="02040503050406030204" pitchFamily="18" charset="0"/>
+                                <a:ea typeface="Cambria Math" panose="02040503050406030204" pitchFamily="18" charset="0"/>
+                              </a:rPr>
+                              <m:t>1</m:t>
+                            </m:r>
+                          </m:sub>
+                        </m:sSub>
+                      </m:e>
+                    </m:acc>
+                    <m:r>
+                      <a:rPr lang="fr-FR" sz="1200">
+                        <a:latin typeface="Cambria Math" panose="02040503050406030204" pitchFamily="18" charset="0"/>
+                        <a:ea typeface="Cambria Math" panose="02040503050406030204" pitchFamily="18" charset="0"/>
+                      </a:rPr>
+                      <m:t>+</m:t>
+                    </m:r>
+                    <m:acc>
+                      <m:accPr>
+                        <m:chr m:val="̇"/>
+                        <m:ctrlPr>
+                          <a:rPr lang="fr-FR" sz="1200" i="1">
+                            <a:latin typeface="Cambria Math" panose="02040503050406030204" pitchFamily="18" charset="0"/>
+                            <a:ea typeface="Cambria Math" panose="02040503050406030204" pitchFamily="18" charset="0"/>
+                          </a:rPr>
+                        </m:ctrlPr>
+                      </m:accPr>
+                      <m:e>
+                        <m:r>
+                          <a:rPr lang="fr-FR" sz="1200" i="1">
+                            <a:latin typeface="Cambria Math" panose="02040503050406030204" pitchFamily="18" charset="0"/>
+                            <a:ea typeface="Cambria Math" panose="02040503050406030204" pitchFamily="18" charset="0"/>
+                          </a:rPr>
+                          <m:t>𝛽</m:t>
+                        </m:r>
+                      </m:e>
+                    </m:acc>
+                    <m:acc>
+                      <m:accPr>
+                        <m:chr m:val="⃗"/>
+                        <m:ctrlPr>
+                          <a:rPr lang="fr-FR" sz="1200" i="1">
+                            <a:latin typeface="Cambria Math" panose="02040503050406030204" pitchFamily="18" charset="0"/>
+                            <a:ea typeface="Cambria Math" panose="02040503050406030204" pitchFamily="18" charset="0"/>
+                          </a:rPr>
+                        </m:ctrlPr>
+                      </m:accPr>
+                      <m:e>
+                        <m:sSub>
+                          <m:sSubPr>
+                            <m:ctrlPr>
+                              <a:rPr lang="fr-FR" sz="1200" i="1">
+                                <a:latin typeface="Cambria Math" panose="02040503050406030204" pitchFamily="18" charset="0"/>
+                                <a:ea typeface="Cambria Math" panose="02040503050406030204" pitchFamily="18" charset="0"/>
+                              </a:rPr>
+                            </m:ctrlPr>
+                          </m:sSubPr>
+                          <m:e>
+                            <m:r>
+                              <a:rPr lang="fr-FR" sz="1200" i="1">
+                                <a:latin typeface="Cambria Math" panose="02040503050406030204" pitchFamily="18" charset="0"/>
+                                <a:ea typeface="Cambria Math" panose="02040503050406030204" pitchFamily="18" charset="0"/>
+                              </a:rPr>
+                              <m:t>𝑧</m:t>
+                            </m:r>
+                          </m:e>
+                          <m:sub>
+                            <m:r>
+                              <a:rPr lang="fr-FR" sz="1200" i="1">
+                                <a:latin typeface="Cambria Math" panose="02040503050406030204" pitchFamily="18" charset="0"/>
+                                <a:ea typeface="Cambria Math" panose="02040503050406030204" pitchFamily="18" charset="0"/>
+                              </a:rPr>
+                              <m:t>1</m:t>
+                            </m:r>
+                          </m:sub>
+                        </m:sSub>
+                      </m:e>
+                    </m:acc>
+                    <m:r>
+                      <a:rPr lang="fr-FR" sz="1200" b="0" i="1" smtClean="0">
+                        <a:latin typeface="Cambria Math" panose="02040503050406030204" pitchFamily="18" charset="0"/>
+                        <a:ea typeface="Cambria Math" panose="02040503050406030204" pitchFamily="18" charset="0"/>
+                      </a:rPr>
+                      <m:t>=</m:t>
+                    </m:r>
+                    <m:acc>
+                      <m:accPr>
+                        <m:chr m:val="̇"/>
+                        <m:ctrlPr>
+                          <a:rPr lang="fr-FR" sz="1200" i="1">
+                            <a:latin typeface="Cambria Math" panose="02040503050406030204" pitchFamily="18" charset="0"/>
+                            <a:ea typeface="Cambria Math" panose="02040503050406030204" pitchFamily="18" charset="0"/>
+                          </a:rPr>
+                        </m:ctrlPr>
+                      </m:accPr>
+                      <m:e>
+                        <m:r>
+                          <a:rPr lang="fr-FR" sz="1200" i="1">
+                            <a:latin typeface="Cambria Math" panose="02040503050406030204" pitchFamily="18" charset="0"/>
+                            <a:ea typeface="Cambria Math" panose="02040503050406030204" pitchFamily="18" charset="0"/>
+                          </a:rPr>
+                          <m:t>𝛾</m:t>
+                        </m:r>
+                      </m:e>
+                    </m:acc>
+                    <m:acc>
+                      <m:accPr>
+                        <m:chr m:val="⃗"/>
+                        <m:ctrlPr>
+                          <a:rPr lang="fr-FR" sz="1200" i="1">
+                            <a:latin typeface="Cambria Math" panose="02040503050406030204" pitchFamily="18" charset="0"/>
+                            <a:ea typeface="Cambria Math" panose="02040503050406030204" pitchFamily="18" charset="0"/>
+                          </a:rPr>
+                        </m:ctrlPr>
+                      </m:accPr>
+                      <m:e>
+                        <m:sSub>
+                          <m:sSubPr>
+                            <m:ctrlPr>
+                              <a:rPr lang="fr-FR" sz="1200" i="1">
+                                <a:latin typeface="Cambria Math" panose="02040503050406030204" pitchFamily="18" charset="0"/>
+                                <a:ea typeface="Cambria Math" panose="02040503050406030204" pitchFamily="18" charset="0"/>
+                              </a:rPr>
+                            </m:ctrlPr>
+                          </m:sSubPr>
+                          <m:e>
+                            <m:r>
+                              <a:rPr lang="fr-FR" sz="1200" i="1">
+                                <a:latin typeface="Cambria Math" panose="02040503050406030204" pitchFamily="18" charset="0"/>
+                                <a:ea typeface="Cambria Math" panose="02040503050406030204" pitchFamily="18" charset="0"/>
+                              </a:rPr>
+                              <m:t>𝑥</m:t>
+                            </m:r>
+                          </m:e>
+                          <m:sub>
+                            <m:r>
+                              <a:rPr lang="fr-FR" sz="1200" b="0" i="1" smtClean="0">
+                                <a:latin typeface="Cambria Math" panose="02040503050406030204" pitchFamily="18" charset="0"/>
+                                <a:ea typeface="Cambria Math" panose="02040503050406030204" pitchFamily="18" charset="0"/>
+                              </a:rPr>
+                              <m:t>2</m:t>
+                            </m:r>
+                          </m:sub>
+                        </m:sSub>
+                      </m:e>
+                    </m:acc>
+                    <m:r>
+                      <a:rPr lang="fr-FR" sz="1200">
+                        <a:latin typeface="Cambria Math" panose="02040503050406030204" pitchFamily="18" charset="0"/>
+                        <a:ea typeface="Cambria Math" panose="02040503050406030204" pitchFamily="18" charset="0"/>
+                      </a:rPr>
+                      <m:t>+</m:t>
+                    </m:r>
+                    <m:acc>
+                      <m:accPr>
+                        <m:chr m:val="̇"/>
+                        <m:ctrlPr>
+                          <a:rPr lang="fr-FR" sz="1200" i="1">
+                            <a:latin typeface="Cambria Math" panose="02040503050406030204" pitchFamily="18" charset="0"/>
+                            <a:ea typeface="Cambria Math" panose="02040503050406030204" pitchFamily="18" charset="0"/>
+                          </a:rPr>
+                        </m:ctrlPr>
+                      </m:accPr>
+                      <m:e>
+                        <m:r>
+                          <a:rPr lang="fr-FR" sz="1200" i="1">
+                            <a:latin typeface="Cambria Math" panose="02040503050406030204" pitchFamily="18" charset="0"/>
+                            <a:ea typeface="Cambria Math" panose="02040503050406030204" pitchFamily="18" charset="0"/>
+                          </a:rPr>
+                          <m:t>𝛽</m:t>
+                        </m:r>
+                      </m:e>
+                    </m:acc>
+                    <m:d>
+                      <m:dPr>
+                        <m:ctrlPr>
+                          <a:rPr lang="fr-FR" sz="1200" i="1" smtClean="0">
+                            <a:latin typeface="Cambria Math" panose="02040503050406030204" pitchFamily="18" charset="0"/>
+                            <a:ea typeface="Cambria Math" panose="02040503050406030204" pitchFamily="18" charset="0"/>
+                          </a:rPr>
+                        </m:ctrlPr>
+                      </m:dPr>
+                      <m:e>
+                        <m:r>
+                          <m:rPr>
+                            <m:sty m:val="p"/>
+                          </m:rPr>
+                          <a:rPr lang="fr-FR" sz="1200" i="1">
+                            <a:latin typeface="Cambria Math" panose="02040503050406030204" pitchFamily="18" charset="0"/>
+                            <a:ea typeface="Cambria Math" panose="02040503050406030204" pitchFamily="18" charset="0"/>
+                          </a:rPr>
+                          <m:t>cos</m:t>
+                        </m:r>
+                        <m:r>
+                          <a:rPr lang="fr-FR" sz="1200" i="1">
+                            <a:latin typeface="Cambria Math" panose="02040503050406030204" pitchFamily="18" charset="0"/>
+                            <a:ea typeface="Cambria Math" panose="02040503050406030204" pitchFamily="18" charset="0"/>
+                          </a:rPr>
+                          <m:t> </m:t>
+                        </m:r>
+                        <m:r>
+                          <a:rPr lang="fr-FR" sz="1200" i="1">
+                            <a:latin typeface="Cambria Math" panose="02040503050406030204" pitchFamily="18" charset="0"/>
+                            <a:ea typeface="Cambria Math" panose="02040503050406030204" pitchFamily="18" charset="0"/>
+                          </a:rPr>
+                          <m:t>𝛾</m:t>
+                        </m:r>
+                        <m:acc>
+                          <m:accPr>
+                            <m:chr m:val="⃗"/>
+                            <m:ctrlPr>
+                              <a:rPr lang="fr-FR" sz="1200" i="1">
+                                <a:latin typeface="Cambria Math" panose="02040503050406030204" pitchFamily="18" charset="0"/>
+                                <a:ea typeface="Cambria Math" panose="02040503050406030204" pitchFamily="18" charset="0"/>
+                              </a:rPr>
+                            </m:ctrlPr>
+                          </m:accPr>
+                          <m:e>
+                            <m:sSub>
+                              <m:sSubPr>
+                                <m:ctrlPr>
+                                  <a:rPr lang="fr-FR" sz="1200" i="1">
+                                    <a:latin typeface="Cambria Math" panose="02040503050406030204" pitchFamily="18" charset="0"/>
+                                    <a:ea typeface="Cambria Math" panose="02040503050406030204" pitchFamily="18" charset="0"/>
+                                  </a:rPr>
+                                </m:ctrlPr>
+                              </m:sSubPr>
+                              <m:e>
+                                <m:r>
+                                  <a:rPr lang="fr-FR" sz="1200" i="1">
+                                    <a:latin typeface="Cambria Math" panose="02040503050406030204" pitchFamily="18" charset="0"/>
+                                    <a:ea typeface="Cambria Math" panose="02040503050406030204" pitchFamily="18" charset="0"/>
+                                  </a:rPr>
+                                  <m:t>𝑧</m:t>
+                                </m:r>
+                              </m:e>
+                              <m:sub>
+                                <m:r>
+                                  <a:rPr lang="fr-FR" sz="1200" i="1">
+                                    <a:latin typeface="Cambria Math" panose="02040503050406030204" pitchFamily="18" charset="0"/>
+                                    <a:ea typeface="Cambria Math" panose="02040503050406030204" pitchFamily="18" charset="0"/>
+                                  </a:rPr>
+                                  <m:t>2</m:t>
+                                </m:r>
+                              </m:sub>
+                            </m:sSub>
+                          </m:e>
+                        </m:acc>
+                        <m:r>
+                          <a:rPr lang="fr-FR" sz="1200" b="0" i="1" smtClean="0">
+                            <a:latin typeface="Cambria Math" panose="02040503050406030204" pitchFamily="18" charset="0"/>
+                            <a:ea typeface="Cambria Math" panose="02040503050406030204" pitchFamily="18" charset="0"/>
+                          </a:rPr>
+                          <m:t>+</m:t>
+                        </m:r>
+                        <m:func>
+                          <m:funcPr>
+                            <m:ctrlPr>
+                              <a:rPr lang="fr-FR" sz="1200" b="0" i="1" smtClean="0">
+                                <a:latin typeface="Cambria Math" panose="02040503050406030204" pitchFamily="18" charset="0"/>
+                                <a:ea typeface="Cambria Math" panose="02040503050406030204" pitchFamily="18" charset="0"/>
+                              </a:rPr>
+                            </m:ctrlPr>
+                          </m:funcPr>
+                          <m:fName>
+                            <m:r>
+                              <m:rPr>
+                                <m:sty m:val="p"/>
+                              </m:rPr>
+                              <a:rPr lang="fr-FR" sz="1200" b="0" i="0" smtClean="0">
+                                <a:latin typeface="Cambria Math" panose="02040503050406030204" pitchFamily="18" charset="0"/>
+                                <a:ea typeface="Cambria Math" panose="02040503050406030204" pitchFamily="18" charset="0"/>
+                              </a:rPr>
+                              <m:t>sin</m:t>
+                            </m:r>
+                          </m:fName>
+                          <m:e>
+                            <m:r>
+                              <a:rPr lang="fr-FR" sz="1200" b="0" i="1" smtClean="0">
+                                <a:latin typeface="Cambria Math" panose="02040503050406030204" pitchFamily="18" charset="0"/>
+                                <a:ea typeface="Cambria Math" panose="02040503050406030204" pitchFamily="18" charset="0"/>
+                              </a:rPr>
+                              <m:t>𝛾</m:t>
+                            </m:r>
+                          </m:e>
+                        </m:func>
+                        <m:acc>
+                          <m:accPr>
+                            <m:chr m:val="⃗"/>
+                            <m:ctrlPr>
+                              <a:rPr lang="fr-FR" sz="1200" i="1">
+                                <a:latin typeface="Cambria Math" panose="02040503050406030204" pitchFamily="18" charset="0"/>
+                                <a:ea typeface="Cambria Math" panose="02040503050406030204" pitchFamily="18" charset="0"/>
+                              </a:rPr>
+                            </m:ctrlPr>
+                          </m:accPr>
+                          <m:e>
+                            <m:sSub>
+                              <m:sSubPr>
+                                <m:ctrlPr>
+                                  <a:rPr lang="fr-FR" sz="1200" i="1">
+                                    <a:latin typeface="Cambria Math" panose="02040503050406030204" pitchFamily="18" charset="0"/>
+                                    <a:ea typeface="Cambria Math" panose="02040503050406030204" pitchFamily="18" charset="0"/>
+                                  </a:rPr>
+                                </m:ctrlPr>
+                              </m:sSubPr>
+                              <m:e>
+                                <m:r>
+                                  <a:rPr lang="fr-FR" sz="1200" b="0" i="1" smtClean="0">
+                                    <a:latin typeface="Cambria Math" panose="02040503050406030204" pitchFamily="18" charset="0"/>
+                                    <a:ea typeface="Cambria Math" panose="02040503050406030204" pitchFamily="18" charset="0"/>
+                                  </a:rPr>
+                                  <m:t>𝑦</m:t>
+                                </m:r>
+                              </m:e>
+                              <m:sub>
+                                <m:r>
+                                  <a:rPr lang="fr-FR" sz="1200" i="1">
+                                    <a:latin typeface="Cambria Math" panose="02040503050406030204" pitchFamily="18" charset="0"/>
+                                    <a:ea typeface="Cambria Math" panose="02040503050406030204" pitchFamily="18" charset="0"/>
+                                  </a:rPr>
+                                  <m:t>2</m:t>
+                                </m:r>
+                              </m:sub>
+                            </m:sSub>
+                          </m:e>
+                        </m:acc>
+                      </m:e>
+                    </m:d>
+                  </m:oMath>
+                </a14:m>
+                <a:endParaRPr lang="fr-FR" sz="1200" dirty="0">
+                  <a:ea typeface="Cambria Math" panose="02040503050406030204" pitchFamily="18" charset="0"/>
+                </a:endParaRPr>
+              </a:p>
+              <a:p>
+                <a:pPr lvl="2"/>
+                <a14:m>
+                  <m:oMath xmlns:m="http://schemas.openxmlformats.org/officeDocument/2006/math">
+                    <m:acc>
+                      <m:accPr>
+                        <m:chr m:val="⃗"/>
+                        <m:ctrlPr>
+                          <a:rPr lang="fr-FR" sz="1200" i="1" smtClean="0">
+                            <a:latin typeface="Cambria Math" panose="02040503050406030204" pitchFamily="18" charset="0"/>
+                            <a:ea typeface="Cambria Math" panose="02040503050406030204" pitchFamily="18" charset="0"/>
+                          </a:rPr>
+                        </m:ctrlPr>
+                      </m:accPr>
+                      <m:e>
+                        <m:r>
+                          <a:rPr lang="fr-FR" sz="1200" b="0" i="1" smtClean="0">
+                            <a:latin typeface="Cambria Math" panose="02040503050406030204" pitchFamily="18" charset="0"/>
+                            <a:ea typeface="Cambria Math" panose="02040503050406030204" pitchFamily="18" charset="0"/>
+                          </a:rPr>
+                          <m:t>𝜎</m:t>
+                        </m:r>
+                        <m:d>
+                          <m:dPr>
+                            <m:ctrlPr>
+                              <a:rPr lang="fr-FR" sz="1200" i="1">
+                                <a:latin typeface="Cambria Math" panose="02040503050406030204" pitchFamily="18" charset="0"/>
+                                <a:ea typeface="Cambria Math" panose="02040503050406030204" pitchFamily="18" charset="0"/>
+                              </a:rPr>
+                            </m:ctrlPr>
+                          </m:dPr>
+                          <m:e>
+                            <m:r>
+                              <a:rPr lang="fr-FR" sz="1200" i="1">
+                                <a:latin typeface="Cambria Math" panose="02040503050406030204" pitchFamily="18" charset="0"/>
+                                <a:ea typeface="Cambria Math" panose="02040503050406030204" pitchFamily="18" charset="0"/>
+                              </a:rPr>
+                              <m:t>𝐺</m:t>
+                            </m:r>
+                            <m:r>
+                              <a:rPr lang="fr-FR" sz="1200" i="1">
+                                <a:latin typeface="Cambria Math" panose="02040503050406030204" pitchFamily="18" charset="0"/>
+                                <a:ea typeface="Cambria Math" panose="02040503050406030204" pitchFamily="18" charset="0"/>
+                              </a:rPr>
+                              <m:t>,</m:t>
+                            </m:r>
+                            <m:r>
+                              <a:rPr lang="fr-FR" sz="1200" i="1">
+                                <a:latin typeface="Cambria Math" panose="02040503050406030204" pitchFamily="18" charset="0"/>
+                                <a:ea typeface="Cambria Math" panose="02040503050406030204" pitchFamily="18" charset="0"/>
+                              </a:rPr>
+                              <m:t>𝑅</m:t>
+                            </m:r>
+                            <m:r>
+                              <m:rPr>
+                                <m:lit/>
+                              </m:rPr>
+                              <a:rPr lang="fr-FR" sz="1200" i="1">
+                                <a:latin typeface="Cambria Math" panose="02040503050406030204" pitchFamily="18" charset="0"/>
+                                <a:ea typeface="Cambria Math" panose="02040503050406030204" pitchFamily="18" charset="0"/>
+                              </a:rPr>
+                              <m:t>/</m:t>
+                            </m:r>
+                            <m:r>
+                              <a:rPr lang="fr-FR" sz="1200" i="1">
+                                <a:latin typeface="Cambria Math" panose="02040503050406030204" pitchFamily="18" charset="0"/>
+                                <a:ea typeface="Cambria Math" panose="02040503050406030204" pitchFamily="18" charset="0"/>
+                              </a:rPr>
+                              <m:t>0</m:t>
+                            </m:r>
+                          </m:e>
+                        </m:d>
+                      </m:e>
+                    </m:acc>
+                    <m:r>
+                      <a:rPr lang="fr-FR" sz="1200" b="0" i="0" smtClean="0">
+                        <a:latin typeface="Cambria Math" panose="02040503050406030204" pitchFamily="18" charset="0"/>
+                        <a:ea typeface="Cambria Math" panose="02040503050406030204" pitchFamily="18" charset="0"/>
+                      </a:rPr>
+                      <m:t>=</m:t>
+                    </m:r>
+                    <m:sSub>
+                      <m:sSubPr>
+                        <m:ctrlPr>
+                          <a:rPr lang="fr-FR" sz="1200" b="0" i="1" smtClean="0">
+                            <a:latin typeface="Cambria Math" panose="02040503050406030204" pitchFamily="18" charset="0"/>
+                            <a:ea typeface="Cambria Math" panose="02040503050406030204" pitchFamily="18" charset="0"/>
+                          </a:rPr>
+                        </m:ctrlPr>
+                      </m:sSubPr>
+                      <m:e>
+                        <m:d>
+                          <m:dPr>
+                            <m:begChr m:val="["/>
+                            <m:endChr m:val="]"/>
+                            <m:ctrlPr>
+                              <a:rPr lang="fr-FR" sz="1200" b="0" i="1" smtClean="0">
+                                <a:latin typeface="Cambria Math" panose="02040503050406030204" pitchFamily="18" charset="0"/>
+                                <a:ea typeface="Cambria Math" panose="02040503050406030204" pitchFamily="18" charset="0"/>
+                              </a:rPr>
+                            </m:ctrlPr>
+                          </m:dPr>
+                          <m:e>
+                            <m:m>
+                              <m:mPr>
+                                <m:mcs>
+                                  <m:mc>
+                                    <m:mcPr>
+                                      <m:count m:val="3"/>
+                                      <m:mcJc m:val="center"/>
+                                    </m:mcPr>
+                                  </m:mc>
+                                </m:mcs>
+                                <m:ctrlPr>
+                                  <a:rPr lang="fr-FR" sz="1200" b="0" i="1" smtClean="0">
+                                    <a:latin typeface="Cambria Math" panose="02040503050406030204" pitchFamily="18" charset="0"/>
+                                    <a:ea typeface="Cambria Math" panose="02040503050406030204" pitchFamily="18" charset="0"/>
+                                  </a:rPr>
+                                </m:ctrlPr>
+                              </m:mPr>
+                              <m:mr>
+                                <m:e>
+                                  <m:r>
+                                    <m:rPr>
+                                      <m:brk m:alnAt="7"/>
+                                    </m:rPr>
+                                    <a:rPr lang="fr-FR" sz="1200" b="0" i="1" smtClean="0">
+                                      <a:latin typeface="Cambria Math" panose="02040503050406030204" pitchFamily="18" charset="0"/>
+                                      <a:ea typeface="Cambria Math" panose="02040503050406030204" pitchFamily="18" charset="0"/>
+                                    </a:rPr>
+                                    <m:t>𝐴</m:t>
+                                  </m:r>
+                                </m:e>
+                                <m:e/>
+                                <m:e/>
+                              </m:mr>
+                              <m:mr>
+                                <m:e/>
+                                <m:e>
+                                  <m:r>
+                                    <a:rPr lang="fr-FR" sz="1200" b="0" i="1" smtClean="0">
+                                      <a:latin typeface="Cambria Math" panose="02040503050406030204" pitchFamily="18" charset="0"/>
+                                      <a:ea typeface="Cambria Math" panose="02040503050406030204" pitchFamily="18" charset="0"/>
+                                    </a:rPr>
+                                    <m:t>𝐵</m:t>
+                                  </m:r>
+                                </m:e>
+                                <m:e/>
+                              </m:mr>
+                              <m:mr>
+                                <m:e/>
+                                <m:e/>
+                                <m:e>
+                                  <m:r>
+                                    <a:rPr lang="fr-FR" sz="1200" b="0" i="1" smtClean="0">
+                                      <a:latin typeface="Cambria Math" panose="02040503050406030204" pitchFamily="18" charset="0"/>
+                                      <a:ea typeface="Cambria Math" panose="02040503050406030204" pitchFamily="18" charset="0"/>
+                                    </a:rPr>
+                                    <m:t>𝐵</m:t>
+                                  </m:r>
+                                </m:e>
+                              </m:mr>
+                            </m:m>
+                          </m:e>
+                        </m:d>
+                      </m:e>
+                      <m:sub>
+                        <m:sSub>
+                          <m:sSubPr>
+                            <m:ctrlPr>
+                              <a:rPr lang="fr-FR" sz="1200" b="0" i="1" smtClean="0">
+                                <a:latin typeface="Cambria Math" panose="02040503050406030204" pitchFamily="18" charset="0"/>
+                                <a:ea typeface="Cambria Math" panose="02040503050406030204" pitchFamily="18" charset="0"/>
+                              </a:rPr>
+                            </m:ctrlPr>
+                          </m:sSubPr>
+                          <m:e>
+                            <m:r>
+                              <a:rPr lang="fr-FR" sz="1200" b="0" i="1" smtClean="0">
+                                <a:latin typeface="Cambria Math" panose="02040503050406030204" pitchFamily="18" charset="0"/>
+                                <a:ea typeface="Cambria Math" panose="02040503050406030204" pitchFamily="18" charset="0"/>
+                              </a:rPr>
+                              <m:t>𝐵</m:t>
+                            </m:r>
+                          </m:e>
+                          <m:sub>
+                            <m:r>
+                              <a:rPr lang="fr-FR" sz="1200" b="0" i="1" smtClean="0">
+                                <a:latin typeface="Cambria Math" panose="02040503050406030204" pitchFamily="18" charset="0"/>
+                                <a:ea typeface="Cambria Math" panose="02040503050406030204" pitchFamily="18" charset="0"/>
+                              </a:rPr>
+                              <m:t>2</m:t>
+                            </m:r>
+                          </m:sub>
+                        </m:sSub>
+                      </m:sub>
+                    </m:sSub>
+                    <m:sSub>
+                      <m:sSubPr>
+                        <m:ctrlPr>
+                          <a:rPr lang="fr-FR" sz="1200" b="0" i="1" smtClean="0">
+                            <a:latin typeface="Cambria Math" panose="02040503050406030204" pitchFamily="18" charset="0"/>
+                            <a:ea typeface="Cambria Math" panose="02040503050406030204" pitchFamily="18" charset="0"/>
+                          </a:rPr>
+                        </m:ctrlPr>
+                      </m:sSubPr>
+                      <m:e>
+                        <m:d>
+                          <m:dPr>
+                            <m:begChr m:val="["/>
+                            <m:endChr m:val="]"/>
+                            <m:ctrlPr>
+                              <a:rPr lang="fr-FR" sz="1200" b="0" i="1" smtClean="0">
+                                <a:latin typeface="Cambria Math" panose="02040503050406030204" pitchFamily="18" charset="0"/>
+                                <a:ea typeface="Cambria Math" panose="02040503050406030204" pitchFamily="18" charset="0"/>
+                              </a:rPr>
+                            </m:ctrlPr>
+                          </m:dPr>
+                          <m:e>
+                            <m:m>
+                              <m:mPr>
+                                <m:mcs>
+                                  <m:mc>
+                                    <m:mcPr>
+                                      <m:count m:val="1"/>
+                                      <m:mcJc m:val="center"/>
+                                    </m:mcPr>
+                                  </m:mc>
+                                </m:mcs>
+                                <m:ctrlPr>
+                                  <a:rPr lang="fr-FR" sz="1200" b="0" i="1" smtClean="0">
+                                    <a:latin typeface="Cambria Math" panose="02040503050406030204" pitchFamily="18" charset="0"/>
+                                    <a:ea typeface="Cambria Math" panose="02040503050406030204" pitchFamily="18" charset="0"/>
+                                  </a:rPr>
+                                </m:ctrlPr>
+                              </m:mPr>
+                              <m:mr>
+                                <m:e>
+                                  <m:acc>
+                                    <m:accPr>
+                                      <m:chr m:val="̇"/>
+                                      <m:ctrlPr>
+                                        <a:rPr lang="fr-FR" sz="1200" i="1">
+                                          <a:latin typeface="Cambria Math" panose="02040503050406030204" pitchFamily="18" charset="0"/>
+                                          <a:ea typeface="Cambria Math" panose="02040503050406030204" pitchFamily="18" charset="0"/>
+                                        </a:rPr>
+                                      </m:ctrlPr>
+                                    </m:accPr>
+                                    <m:e>
+                                      <m:r>
+                                        <a:rPr lang="fr-FR" sz="1200" i="1">
+                                          <a:latin typeface="Cambria Math" panose="02040503050406030204" pitchFamily="18" charset="0"/>
+                                          <a:ea typeface="Cambria Math" panose="02040503050406030204" pitchFamily="18" charset="0"/>
+                                        </a:rPr>
+                                        <m:t>𝛾</m:t>
+                                      </m:r>
+                                    </m:e>
+                                  </m:acc>
+                                </m:e>
+                              </m:mr>
+                              <m:mr>
+                                <m:e>
+                                  <m:acc>
+                                    <m:accPr>
+                                      <m:chr m:val="̇"/>
+                                      <m:ctrlPr>
+                                        <a:rPr lang="fr-FR" sz="1200" i="1">
+                                          <a:latin typeface="Cambria Math" panose="02040503050406030204" pitchFamily="18" charset="0"/>
+                                          <a:ea typeface="Cambria Math" panose="02040503050406030204" pitchFamily="18" charset="0"/>
+                                        </a:rPr>
+                                      </m:ctrlPr>
+                                    </m:accPr>
+                                    <m:e>
+                                      <m:r>
+                                        <a:rPr lang="fr-FR" sz="1200" i="1">
+                                          <a:latin typeface="Cambria Math" panose="02040503050406030204" pitchFamily="18" charset="0"/>
+                                          <a:ea typeface="Cambria Math" panose="02040503050406030204" pitchFamily="18" charset="0"/>
+                                        </a:rPr>
+                                        <m:t>𝛽</m:t>
+                                      </m:r>
+                                    </m:e>
+                                  </m:acc>
+                                  <m:func>
+                                    <m:funcPr>
+                                      <m:ctrlPr>
+                                        <a:rPr lang="fr-FR" sz="1200" i="1">
+                                          <a:latin typeface="Cambria Math" panose="02040503050406030204" pitchFamily="18" charset="0"/>
+                                          <a:ea typeface="Cambria Math" panose="02040503050406030204" pitchFamily="18" charset="0"/>
+                                        </a:rPr>
+                                      </m:ctrlPr>
+                                    </m:funcPr>
+                                    <m:fName>
+                                      <m:r>
+                                        <m:rPr>
+                                          <m:sty m:val="p"/>
+                                        </m:rPr>
+                                        <a:rPr lang="fr-FR" sz="1200">
+                                          <a:latin typeface="Cambria Math" panose="02040503050406030204" pitchFamily="18" charset="0"/>
+                                          <a:ea typeface="Cambria Math" panose="02040503050406030204" pitchFamily="18" charset="0"/>
+                                        </a:rPr>
+                                        <m:t>sin</m:t>
+                                      </m:r>
+                                    </m:fName>
+                                    <m:e>
+                                      <m:r>
+                                        <a:rPr lang="fr-FR" sz="1200" i="1">
+                                          <a:latin typeface="Cambria Math" panose="02040503050406030204" pitchFamily="18" charset="0"/>
+                                          <a:ea typeface="Cambria Math" panose="02040503050406030204" pitchFamily="18" charset="0"/>
+                                        </a:rPr>
+                                        <m:t>𝛾</m:t>
+                                      </m:r>
+                                    </m:e>
+                                  </m:func>
+                                </m:e>
+                              </m:mr>
+                              <m:mr>
+                                <m:e>
+                                  <m:acc>
+                                    <m:accPr>
+                                      <m:chr m:val="̇"/>
+                                      <m:ctrlPr>
+                                        <a:rPr lang="fr-FR" sz="1200" i="1">
+                                          <a:latin typeface="Cambria Math" panose="02040503050406030204" pitchFamily="18" charset="0"/>
+                                          <a:ea typeface="Cambria Math" panose="02040503050406030204" pitchFamily="18" charset="0"/>
+                                        </a:rPr>
+                                      </m:ctrlPr>
+                                    </m:accPr>
+                                    <m:e>
+                                      <m:r>
+                                        <a:rPr lang="fr-FR" sz="1200" i="1">
+                                          <a:latin typeface="Cambria Math" panose="02040503050406030204" pitchFamily="18" charset="0"/>
+                                          <a:ea typeface="Cambria Math" panose="02040503050406030204" pitchFamily="18" charset="0"/>
+                                        </a:rPr>
+                                        <m:t>𝛽</m:t>
+                                      </m:r>
+                                    </m:e>
+                                  </m:acc>
+                                  <m:func>
+                                    <m:funcPr>
+                                      <m:ctrlPr>
+                                        <a:rPr lang="fr-FR" sz="1200" b="0" i="1" smtClean="0">
+                                          <a:latin typeface="Cambria Math" panose="02040503050406030204" pitchFamily="18" charset="0"/>
+                                          <a:ea typeface="Cambria Math" panose="02040503050406030204" pitchFamily="18" charset="0"/>
+                                        </a:rPr>
+                                      </m:ctrlPr>
+                                    </m:funcPr>
+                                    <m:fName>
+                                      <m:r>
+                                        <m:rPr>
+                                          <m:sty m:val="p"/>
+                                        </m:rPr>
+                                        <a:rPr lang="fr-FR" sz="1200" b="0" i="0" smtClean="0">
+                                          <a:latin typeface="Cambria Math" panose="02040503050406030204" pitchFamily="18" charset="0"/>
+                                          <a:ea typeface="Cambria Math" panose="02040503050406030204" pitchFamily="18" charset="0"/>
+                                        </a:rPr>
+                                        <m:t>cos</m:t>
+                                      </m:r>
+                                    </m:fName>
+                                    <m:e>
+                                      <m:r>
+                                        <a:rPr lang="fr-FR" sz="1200" b="0" i="1" smtClean="0">
+                                          <a:latin typeface="Cambria Math" panose="02040503050406030204" pitchFamily="18" charset="0"/>
+                                          <a:ea typeface="Cambria Math" panose="02040503050406030204" pitchFamily="18" charset="0"/>
+                                        </a:rPr>
+                                        <m:t>𝛾</m:t>
+                                      </m:r>
+                                    </m:e>
+                                  </m:func>
+                                </m:e>
+                              </m:mr>
+                            </m:m>
+                          </m:e>
+                        </m:d>
+                      </m:e>
+                      <m:sub>
+                        <m:sSub>
+                          <m:sSubPr>
+                            <m:ctrlPr>
+                              <a:rPr lang="fr-FR" sz="1200" b="0" i="1" smtClean="0">
+                                <a:latin typeface="Cambria Math" panose="02040503050406030204" pitchFamily="18" charset="0"/>
+                                <a:ea typeface="Cambria Math" panose="02040503050406030204" pitchFamily="18" charset="0"/>
+                              </a:rPr>
+                            </m:ctrlPr>
+                          </m:sSubPr>
+                          <m:e>
+                            <m:r>
+                              <a:rPr lang="fr-FR" sz="1200" b="0" i="1" smtClean="0">
+                                <a:latin typeface="Cambria Math" panose="02040503050406030204" pitchFamily="18" charset="0"/>
+                                <a:ea typeface="Cambria Math" panose="02040503050406030204" pitchFamily="18" charset="0"/>
+                              </a:rPr>
+                              <m:t>𝐵</m:t>
+                            </m:r>
+                          </m:e>
+                          <m:sub>
+                            <m:r>
+                              <a:rPr lang="fr-FR" sz="1200" b="0" i="1" smtClean="0">
+                                <a:latin typeface="Cambria Math" panose="02040503050406030204" pitchFamily="18" charset="0"/>
+                                <a:ea typeface="Cambria Math" panose="02040503050406030204" pitchFamily="18" charset="0"/>
+                              </a:rPr>
+                              <m:t>2</m:t>
+                            </m:r>
+                          </m:sub>
+                        </m:sSub>
+                      </m:sub>
+                    </m:sSub>
+                    <m:r>
+                      <a:rPr lang="fr-FR" sz="1200" b="0" i="1" smtClean="0">
+                        <a:latin typeface="Cambria Math" panose="02040503050406030204" pitchFamily="18" charset="0"/>
+                        <a:ea typeface="Cambria Math" panose="02040503050406030204" pitchFamily="18" charset="0"/>
+                      </a:rPr>
+                      <m:t>=</m:t>
+                    </m:r>
+                    <m:sSub>
+                      <m:sSubPr>
+                        <m:ctrlPr>
+                          <a:rPr lang="fr-FR" sz="1200" i="1">
+                            <a:latin typeface="Cambria Math" panose="02040503050406030204" pitchFamily="18" charset="0"/>
+                            <a:ea typeface="Cambria Math" panose="02040503050406030204" pitchFamily="18" charset="0"/>
+                          </a:rPr>
+                        </m:ctrlPr>
+                      </m:sSubPr>
+                      <m:e>
+                        <m:d>
+                          <m:dPr>
+                            <m:begChr m:val="["/>
+                            <m:endChr m:val="]"/>
+                            <m:ctrlPr>
+                              <a:rPr lang="fr-FR" sz="1200" i="1">
+                                <a:latin typeface="Cambria Math" panose="02040503050406030204" pitchFamily="18" charset="0"/>
+                                <a:ea typeface="Cambria Math" panose="02040503050406030204" pitchFamily="18" charset="0"/>
+                              </a:rPr>
+                            </m:ctrlPr>
+                          </m:dPr>
+                          <m:e>
+                            <m:m>
+                              <m:mPr>
+                                <m:mcs>
+                                  <m:mc>
+                                    <m:mcPr>
+                                      <m:count m:val="1"/>
+                                      <m:mcJc m:val="center"/>
+                                    </m:mcPr>
+                                  </m:mc>
+                                </m:mcs>
+                                <m:ctrlPr>
+                                  <a:rPr lang="fr-FR" sz="1200" i="1">
+                                    <a:latin typeface="Cambria Math" panose="02040503050406030204" pitchFamily="18" charset="0"/>
+                                    <a:ea typeface="Cambria Math" panose="02040503050406030204" pitchFamily="18" charset="0"/>
+                                  </a:rPr>
+                                </m:ctrlPr>
+                              </m:mPr>
+                              <m:mr>
+                                <m:e>
+                                  <m:r>
+                                    <m:rPr>
+                                      <m:brk m:alnAt="7"/>
+                                    </m:rPr>
+                                    <a:rPr lang="fr-FR" sz="1200" b="0" i="1" smtClean="0">
+                                      <a:latin typeface="Cambria Math" panose="02040503050406030204" pitchFamily="18" charset="0"/>
+                                      <a:ea typeface="Cambria Math" panose="02040503050406030204" pitchFamily="18" charset="0"/>
+                                    </a:rPr>
+                                    <m:t>𝐴</m:t>
+                                  </m:r>
+                                  <m:acc>
+                                    <m:accPr>
+                                      <m:chr m:val="̇"/>
+                                      <m:ctrlPr>
+                                        <a:rPr lang="fr-FR" sz="1200" i="1">
+                                          <a:latin typeface="Cambria Math" panose="02040503050406030204" pitchFamily="18" charset="0"/>
+                                          <a:ea typeface="Cambria Math" panose="02040503050406030204" pitchFamily="18" charset="0"/>
+                                        </a:rPr>
+                                      </m:ctrlPr>
+                                    </m:accPr>
+                                    <m:e>
+                                      <m:r>
+                                        <a:rPr lang="fr-FR" sz="1200" i="1">
+                                          <a:latin typeface="Cambria Math" panose="02040503050406030204" pitchFamily="18" charset="0"/>
+                                          <a:ea typeface="Cambria Math" panose="02040503050406030204" pitchFamily="18" charset="0"/>
+                                        </a:rPr>
+                                        <m:t>𝛾</m:t>
+                                      </m:r>
+                                    </m:e>
+                                  </m:acc>
+                                </m:e>
+                              </m:mr>
+                              <m:mr>
+                                <m:e>
+                                  <m:r>
+                                    <a:rPr lang="fr-FR" sz="1200" b="0" i="1" smtClean="0">
+                                      <a:latin typeface="Cambria Math" panose="02040503050406030204" pitchFamily="18" charset="0"/>
+                                      <a:ea typeface="Cambria Math" panose="02040503050406030204" pitchFamily="18" charset="0"/>
+                                    </a:rPr>
+                                    <m:t>𝐵</m:t>
+                                  </m:r>
+                                  <m:acc>
+                                    <m:accPr>
+                                      <m:chr m:val="̇"/>
+                                      <m:ctrlPr>
+                                        <a:rPr lang="fr-FR" sz="1200" i="1">
+                                          <a:latin typeface="Cambria Math" panose="02040503050406030204" pitchFamily="18" charset="0"/>
+                                          <a:ea typeface="Cambria Math" panose="02040503050406030204" pitchFamily="18" charset="0"/>
+                                        </a:rPr>
+                                      </m:ctrlPr>
+                                    </m:accPr>
+                                    <m:e>
+                                      <m:r>
+                                        <a:rPr lang="fr-FR" sz="1200" i="1">
+                                          <a:latin typeface="Cambria Math" panose="02040503050406030204" pitchFamily="18" charset="0"/>
+                                          <a:ea typeface="Cambria Math" panose="02040503050406030204" pitchFamily="18" charset="0"/>
+                                        </a:rPr>
+                                        <m:t>𝛽</m:t>
+                                      </m:r>
+                                    </m:e>
+                                  </m:acc>
+                                  <m:func>
+                                    <m:funcPr>
+                                      <m:ctrlPr>
+                                        <a:rPr lang="fr-FR" sz="1200" i="1">
+                                          <a:latin typeface="Cambria Math" panose="02040503050406030204" pitchFamily="18" charset="0"/>
+                                          <a:ea typeface="Cambria Math" panose="02040503050406030204" pitchFamily="18" charset="0"/>
+                                        </a:rPr>
+                                      </m:ctrlPr>
+                                    </m:funcPr>
+                                    <m:fName>
+                                      <m:r>
+                                        <m:rPr>
+                                          <m:sty m:val="p"/>
+                                        </m:rPr>
+                                        <a:rPr lang="fr-FR" sz="1200">
+                                          <a:latin typeface="Cambria Math" panose="02040503050406030204" pitchFamily="18" charset="0"/>
+                                          <a:ea typeface="Cambria Math" panose="02040503050406030204" pitchFamily="18" charset="0"/>
+                                        </a:rPr>
+                                        <m:t>sin</m:t>
+                                      </m:r>
+                                    </m:fName>
+                                    <m:e>
+                                      <m:r>
+                                        <a:rPr lang="fr-FR" sz="1200" i="1">
+                                          <a:latin typeface="Cambria Math" panose="02040503050406030204" pitchFamily="18" charset="0"/>
+                                          <a:ea typeface="Cambria Math" panose="02040503050406030204" pitchFamily="18" charset="0"/>
+                                        </a:rPr>
+                                        <m:t>𝛾</m:t>
+                                      </m:r>
+                                    </m:e>
+                                  </m:func>
+                                </m:e>
+                              </m:mr>
+                              <m:mr>
+                                <m:e>
+                                  <m:r>
+                                    <a:rPr lang="fr-FR" sz="1200" b="0" i="1" smtClean="0">
+                                      <a:latin typeface="Cambria Math" panose="02040503050406030204" pitchFamily="18" charset="0"/>
+                                      <a:ea typeface="Cambria Math" panose="02040503050406030204" pitchFamily="18" charset="0"/>
+                                    </a:rPr>
+                                    <m:t>𝐵</m:t>
+                                  </m:r>
+                                  <m:acc>
+                                    <m:accPr>
+                                      <m:chr m:val="̇"/>
+                                      <m:ctrlPr>
+                                        <a:rPr lang="fr-FR" sz="1200" i="1">
+                                          <a:latin typeface="Cambria Math" panose="02040503050406030204" pitchFamily="18" charset="0"/>
+                                          <a:ea typeface="Cambria Math" panose="02040503050406030204" pitchFamily="18" charset="0"/>
+                                        </a:rPr>
+                                      </m:ctrlPr>
+                                    </m:accPr>
+                                    <m:e>
+                                      <m:r>
+                                        <a:rPr lang="fr-FR" sz="1200" i="1">
+                                          <a:latin typeface="Cambria Math" panose="02040503050406030204" pitchFamily="18" charset="0"/>
+                                          <a:ea typeface="Cambria Math" panose="02040503050406030204" pitchFamily="18" charset="0"/>
+                                        </a:rPr>
+                                        <m:t>𝛽</m:t>
+                                      </m:r>
+                                    </m:e>
+                                  </m:acc>
+                                  <m:func>
+                                    <m:funcPr>
+                                      <m:ctrlPr>
+                                        <a:rPr lang="fr-FR" sz="1200" i="1">
+                                          <a:latin typeface="Cambria Math" panose="02040503050406030204" pitchFamily="18" charset="0"/>
+                                          <a:ea typeface="Cambria Math" panose="02040503050406030204" pitchFamily="18" charset="0"/>
+                                        </a:rPr>
+                                      </m:ctrlPr>
+                                    </m:funcPr>
+                                    <m:fName>
+                                      <m:r>
+                                        <m:rPr>
+                                          <m:sty m:val="p"/>
+                                        </m:rPr>
+                                        <a:rPr lang="fr-FR" sz="1200">
+                                          <a:latin typeface="Cambria Math" panose="02040503050406030204" pitchFamily="18" charset="0"/>
+                                          <a:ea typeface="Cambria Math" panose="02040503050406030204" pitchFamily="18" charset="0"/>
+                                        </a:rPr>
+                                        <m:t>cos</m:t>
+                                      </m:r>
+                                    </m:fName>
+                                    <m:e>
+                                      <m:r>
+                                        <a:rPr lang="fr-FR" sz="1200" i="1">
+                                          <a:latin typeface="Cambria Math" panose="02040503050406030204" pitchFamily="18" charset="0"/>
+                                          <a:ea typeface="Cambria Math" panose="02040503050406030204" pitchFamily="18" charset="0"/>
+                                        </a:rPr>
+                                        <m:t>𝛾</m:t>
+                                      </m:r>
+                                    </m:e>
+                                  </m:func>
+                                </m:e>
+                              </m:mr>
+                            </m:m>
+                          </m:e>
+                        </m:d>
+                      </m:e>
+                      <m:sub>
+                        <m:sSub>
+                          <m:sSubPr>
+                            <m:ctrlPr>
+                              <a:rPr lang="fr-FR" sz="1200" i="1">
+                                <a:latin typeface="Cambria Math" panose="02040503050406030204" pitchFamily="18" charset="0"/>
+                                <a:ea typeface="Cambria Math" panose="02040503050406030204" pitchFamily="18" charset="0"/>
+                              </a:rPr>
+                            </m:ctrlPr>
+                          </m:sSubPr>
+                          <m:e>
+                            <m:r>
+                              <a:rPr lang="fr-FR" sz="1200" i="1">
+                                <a:latin typeface="Cambria Math" panose="02040503050406030204" pitchFamily="18" charset="0"/>
+                                <a:ea typeface="Cambria Math" panose="02040503050406030204" pitchFamily="18" charset="0"/>
+                              </a:rPr>
+                              <m:t>𝐵</m:t>
+                            </m:r>
+                          </m:e>
+                          <m:sub>
+                            <m:r>
+                              <a:rPr lang="fr-FR" sz="1200" i="1">
+                                <a:latin typeface="Cambria Math" panose="02040503050406030204" pitchFamily="18" charset="0"/>
+                                <a:ea typeface="Cambria Math" panose="02040503050406030204" pitchFamily="18" charset="0"/>
+                              </a:rPr>
+                              <m:t>2</m:t>
+                            </m:r>
+                          </m:sub>
+                        </m:sSub>
+                      </m:sub>
+                    </m:sSub>
+                  </m:oMath>
+                </a14:m>
+                <a:endParaRPr lang="fr-FR" sz="1200" dirty="0"/>
+              </a:p>
+              <a:p>
+                <a:pPr lvl="2"/>
+                <a14:m>
+                  <m:oMath xmlns:m="http://schemas.openxmlformats.org/officeDocument/2006/math">
+                    <m:acc>
+                      <m:accPr>
+                        <m:chr m:val="⃗"/>
+                        <m:ctrlPr>
+                          <a:rPr lang="fr-FR" sz="1200" i="1" smtClean="0">
+                            <a:latin typeface="Cambria Math" panose="02040503050406030204" pitchFamily="18" charset="0"/>
+                            <a:ea typeface="Cambria Math" panose="02040503050406030204" pitchFamily="18" charset="0"/>
+                          </a:rPr>
+                        </m:ctrlPr>
+                      </m:accPr>
+                      <m:e>
+                        <m:r>
+                          <a:rPr lang="fr-FR" sz="1200" b="0" i="1" smtClean="0">
+                            <a:latin typeface="Cambria Math" panose="02040503050406030204" pitchFamily="18" charset="0"/>
+                            <a:ea typeface="Cambria Math" panose="02040503050406030204" pitchFamily="18" charset="0"/>
+                          </a:rPr>
+                          <m:t>𝜎</m:t>
+                        </m:r>
+                        <m:d>
+                          <m:dPr>
+                            <m:ctrlPr>
+                              <a:rPr lang="fr-FR" sz="1200" i="1">
+                                <a:latin typeface="Cambria Math" panose="02040503050406030204" pitchFamily="18" charset="0"/>
+                                <a:ea typeface="Cambria Math" panose="02040503050406030204" pitchFamily="18" charset="0"/>
+                              </a:rPr>
+                            </m:ctrlPr>
+                          </m:dPr>
+                          <m:e>
+                            <m:r>
+                              <a:rPr lang="fr-FR" sz="1200" i="1">
+                                <a:latin typeface="Cambria Math" panose="02040503050406030204" pitchFamily="18" charset="0"/>
+                                <a:ea typeface="Cambria Math" panose="02040503050406030204" pitchFamily="18" charset="0"/>
+                              </a:rPr>
+                              <m:t>𝐺</m:t>
+                            </m:r>
+                            <m:r>
+                              <a:rPr lang="fr-FR" sz="1200" i="1">
+                                <a:latin typeface="Cambria Math" panose="02040503050406030204" pitchFamily="18" charset="0"/>
+                                <a:ea typeface="Cambria Math" panose="02040503050406030204" pitchFamily="18" charset="0"/>
+                              </a:rPr>
+                              <m:t>,</m:t>
+                            </m:r>
+                            <m:r>
+                              <a:rPr lang="fr-FR" sz="1200" i="1">
+                                <a:latin typeface="Cambria Math" panose="02040503050406030204" pitchFamily="18" charset="0"/>
+                                <a:ea typeface="Cambria Math" panose="02040503050406030204" pitchFamily="18" charset="0"/>
+                              </a:rPr>
+                              <m:t>𝑅</m:t>
+                            </m:r>
+                            <m:r>
+                              <m:rPr>
+                                <m:lit/>
+                              </m:rPr>
+                              <a:rPr lang="fr-FR" sz="1200" i="1">
+                                <a:latin typeface="Cambria Math" panose="02040503050406030204" pitchFamily="18" charset="0"/>
+                                <a:ea typeface="Cambria Math" panose="02040503050406030204" pitchFamily="18" charset="0"/>
+                              </a:rPr>
+                              <m:t>/</m:t>
+                            </m:r>
+                            <m:r>
+                              <a:rPr lang="fr-FR" sz="1200" i="1">
+                                <a:latin typeface="Cambria Math" panose="02040503050406030204" pitchFamily="18" charset="0"/>
+                                <a:ea typeface="Cambria Math" panose="02040503050406030204" pitchFamily="18" charset="0"/>
+                              </a:rPr>
+                              <m:t>0</m:t>
+                            </m:r>
+                          </m:e>
+                        </m:d>
+                      </m:e>
+                    </m:acc>
+                    <m:r>
+                      <a:rPr lang="fr-FR" sz="1200" b="0" i="1" smtClean="0">
+                        <a:latin typeface="Cambria Math" panose="02040503050406030204" pitchFamily="18" charset="0"/>
+                        <a:ea typeface="Cambria Math" panose="02040503050406030204" pitchFamily="18" charset="0"/>
+                      </a:rPr>
+                      <m:t>⋅</m:t>
+                    </m:r>
+                    <m:acc>
+                      <m:accPr>
+                        <m:chr m:val="⃗"/>
+                        <m:ctrlPr>
+                          <a:rPr lang="fr-FR" sz="1200" i="1">
+                            <a:latin typeface="Cambria Math" panose="02040503050406030204" pitchFamily="18" charset="0"/>
+                            <a:ea typeface="Cambria Math" panose="02040503050406030204" pitchFamily="18" charset="0"/>
+                          </a:rPr>
+                        </m:ctrlPr>
+                      </m:accPr>
+                      <m:e>
+                        <m:r>
+                          <m:rPr>
+                            <m:sty m:val="p"/>
+                          </m:rPr>
+                          <a:rPr lang="fr-FR" sz="1200">
+                            <a:latin typeface="Cambria Math" panose="02040503050406030204" pitchFamily="18" charset="0"/>
+                            <a:ea typeface="Cambria Math" panose="02040503050406030204" pitchFamily="18" charset="0"/>
+                          </a:rPr>
+                          <m:t>Ω</m:t>
+                        </m:r>
+                        <m:d>
+                          <m:dPr>
+                            <m:ctrlPr>
+                              <a:rPr lang="fr-FR" sz="1200" i="1">
+                                <a:latin typeface="Cambria Math" panose="02040503050406030204" pitchFamily="18" charset="0"/>
+                                <a:ea typeface="Cambria Math" panose="02040503050406030204" pitchFamily="18" charset="0"/>
+                              </a:rPr>
+                            </m:ctrlPr>
+                          </m:dPr>
+                          <m:e>
+                            <m:r>
+                              <a:rPr lang="fr-FR" sz="1200" i="1">
+                                <a:latin typeface="Cambria Math" panose="02040503050406030204" pitchFamily="18" charset="0"/>
+                                <a:ea typeface="Cambria Math" panose="02040503050406030204" pitchFamily="18" charset="0"/>
+                              </a:rPr>
+                              <m:t>𝑅</m:t>
+                            </m:r>
+                            <m:r>
+                              <m:rPr>
+                                <m:lit/>
+                              </m:rPr>
+                              <a:rPr lang="fr-FR" sz="1200" i="1">
+                                <a:latin typeface="Cambria Math" panose="02040503050406030204" pitchFamily="18" charset="0"/>
+                                <a:ea typeface="Cambria Math" panose="02040503050406030204" pitchFamily="18" charset="0"/>
+                              </a:rPr>
+                              <m:t>/</m:t>
+                            </m:r>
+                            <m:r>
+                              <a:rPr lang="fr-FR" sz="1200" i="1">
+                                <a:latin typeface="Cambria Math" panose="02040503050406030204" pitchFamily="18" charset="0"/>
+                                <a:ea typeface="Cambria Math" panose="02040503050406030204" pitchFamily="18" charset="0"/>
+                              </a:rPr>
+                              <m:t>0</m:t>
+                            </m:r>
+                          </m:e>
+                        </m:d>
+                      </m:e>
+                    </m:acc>
+                    <m:r>
+                      <a:rPr lang="fr-FR" sz="1200" b="0" i="1" smtClean="0">
+                        <a:latin typeface="Cambria Math" panose="02040503050406030204" pitchFamily="18" charset="0"/>
+                        <a:ea typeface="Cambria Math" panose="02040503050406030204" pitchFamily="18" charset="0"/>
+                      </a:rPr>
+                      <m:t>=</m:t>
+                    </m:r>
+                    <m:r>
+                      <a:rPr lang="fr-FR" sz="1200" b="0" i="1" smtClean="0">
+                        <a:latin typeface="Cambria Math" panose="02040503050406030204" pitchFamily="18" charset="0"/>
+                        <a:ea typeface="Cambria Math" panose="02040503050406030204" pitchFamily="18" charset="0"/>
+                      </a:rPr>
+                      <m:t>𝐴</m:t>
+                    </m:r>
+                    <m:sSup>
+                      <m:sSupPr>
+                        <m:ctrlPr>
+                          <a:rPr lang="fr-FR" sz="1200" b="0" i="1" smtClean="0">
+                            <a:latin typeface="Cambria Math" panose="02040503050406030204" pitchFamily="18" charset="0"/>
+                            <a:ea typeface="Cambria Math" panose="02040503050406030204" pitchFamily="18" charset="0"/>
+                          </a:rPr>
+                        </m:ctrlPr>
+                      </m:sSupPr>
+                      <m:e>
+                        <m:acc>
+                          <m:accPr>
+                            <m:chr m:val="̇"/>
+                            <m:ctrlPr>
+                              <a:rPr lang="fr-FR" sz="1200" i="1">
+                                <a:latin typeface="Cambria Math" panose="02040503050406030204" pitchFamily="18" charset="0"/>
+                                <a:ea typeface="Cambria Math" panose="02040503050406030204" pitchFamily="18" charset="0"/>
+                              </a:rPr>
+                            </m:ctrlPr>
+                          </m:accPr>
+                          <m:e>
+                            <m:r>
+                              <a:rPr lang="fr-FR" sz="1200" i="1">
+                                <a:latin typeface="Cambria Math" panose="02040503050406030204" pitchFamily="18" charset="0"/>
+                                <a:ea typeface="Cambria Math" panose="02040503050406030204" pitchFamily="18" charset="0"/>
+                              </a:rPr>
+                              <m:t>𝛾</m:t>
+                            </m:r>
+                          </m:e>
+                        </m:acc>
+                      </m:e>
+                      <m:sup>
+                        <m:r>
+                          <a:rPr lang="fr-FR" sz="1200" b="0" i="0" smtClean="0">
+                            <a:latin typeface="Cambria Math" panose="02040503050406030204" pitchFamily="18" charset="0"/>
+                            <a:ea typeface="Cambria Math" panose="02040503050406030204" pitchFamily="18" charset="0"/>
+                          </a:rPr>
+                          <m:t>2</m:t>
+                        </m:r>
+                      </m:sup>
+                    </m:sSup>
+                    <m:r>
+                      <a:rPr lang="fr-FR" sz="1200">
+                        <a:latin typeface="Cambria Math" panose="02040503050406030204" pitchFamily="18" charset="0"/>
+                        <a:ea typeface="Cambria Math" panose="02040503050406030204" pitchFamily="18" charset="0"/>
+                      </a:rPr>
+                      <m:t>+</m:t>
+                    </m:r>
+                    <m:r>
+                      <a:rPr lang="fr-FR" sz="1200" i="1">
+                        <a:latin typeface="Cambria Math" panose="02040503050406030204" pitchFamily="18" charset="0"/>
+                        <a:ea typeface="Cambria Math" panose="02040503050406030204" pitchFamily="18" charset="0"/>
+                      </a:rPr>
+                      <m:t>𝐵</m:t>
+                    </m:r>
+                    <m:acc>
+                      <m:accPr>
+                        <m:chr m:val="̇"/>
+                        <m:ctrlPr>
+                          <a:rPr lang="fr-FR" sz="1200" i="1">
+                            <a:latin typeface="Cambria Math" panose="02040503050406030204" pitchFamily="18" charset="0"/>
+                            <a:ea typeface="Cambria Math" panose="02040503050406030204" pitchFamily="18" charset="0"/>
+                          </a:rPr>
+                        </m:ctrlPr>
+                      </m:accPr>
+                      <m:e>
+                        <m:sSup>
+                          <m:sSupPr>
+                            <m:ctrlPr>
+                              <a:rPr lang="fr-FR" sz="1200" i="1">
+                                <a:latin typeface="Cambria Math" panose="02040503050406030204" pitchFamily="18" charset="0"/>
+                                <a:ea typeface="Cambria Math" panose="02040503050406030204" pitchFamily="18" charset="0"/>
+                              </a:rPr>
+                            </m:ctrlPr>
+                          </m:sSupPr>
+                          <m:e>
+                            <m:r>
+                              <a:rPr lang="fr-FR" sz="1200" i="1">
+                                <a:latin typeface="Cambria Math" panose="02040503050406030204" pitchFamily="18" charset="0"/>
+                                <a:ea typeface="Cambria Math" panose="02040503050406030204" pitchFamily="18" charset="0"/>
+                              </a:rPr>
+                              <m:t>𝛽</m:t>
+                            </m:r>
+                          </m:e>
+                          <m:sup>
+                            <m:r>
+                              <a:rPr lang="fr-FR" sz="1200" i="1">
+                                <a:latin typeface="Cambria Math" panose="02040503050406030204" pitchFamily="18" charset="0"/>
+                                <a:ea typeface="Cambria Math" panose="02040503050406030204" pitchFamily="18" charset="0"/>
+                              </a:rPr>
+                              <m:t>2</m:t>
+                            </m:r>
+                          </m:sup>
+                        </m:sSup>
+                      </m:e>
+                    </m:acc>
+                  </m:oMath>
+                </a14:m>
+                <a:endParaRPr lang="fr-FR" sz="1200" dirty="0">
+                  <a:ea typeface="Cambria Math" panose="02040503050406030204" pitchFamily="18" charset="0"/>
+                </a:endParaRPr>
+              </a:p>
+              <a:p>
+                <a:pPr lvl="2"/>
+                <a14:m>
+                  <m:oMath xmlns:m="http://schemas.openxmlformats.org/officeDocument/2006/math">
+                    <m:acc>
+                      <m:accPr>
+                        <m:chr m:val="⃗"/>
+                        <m:ctrlPr>
+                          <a:rPr lang="fr-FR" sz="1200" i="1" smtClean="0">
+                            <a:latin typeface="Cambria Math" panose="02040503050406030204" pitchFamily="18" charset="0"/>
+                            <a:ea typeface="Cambria Math" panose="02040503050406030204" pitchFamily="18" charset="0"/>
+                          </a:rPr>
+                        </m:ctrlPr>
+                      </m:accPr>
+                      <m:e>
+                        <m:r>
+                          <m:rPr>
+                            <m:sty m:val="p"/>
+                          </m:rPr>
+                          <a:rPr lang="fr-FR" sz="1200" b="0" i="0" smtClean="0">
+                            <a:latin typeface="Cambria Math" panose="02040503050406030204" pitchFamily="18" charset="0"/>
+                            <a:ea typeface="Cambria Math" panose="02040503050406030204" pitchFamily="18" charset="0"/>
+                          </a:rPr>
+                          <m:t>V</m:t>
+                        </m:r>
+                        <m:d>
+                          <m:dPr>
+                            <m:ctrlPr>
+                              <a:rPr lang="fr-FR" sz="1200" i="1">
+                                <a:latin typeface="Cambria Math" panose="02040503050406030204" pitchFamily="18" charset="0"/>
+                                <a:ea typeface="Cambria Math" panose="02040503050406030204" pitchFamily="18" charset="0"/>
+                              </a:rPr>
+                            </m:ctrlPr>
+                          </m:dPr>
+                          <m:e>
+                            <m:r>
+                              <a:rPr lang="fr-FR" sz="1200" b="0" i="1" smtClean="0">
+                                <a:latin typeface="Cambria Math" panose="02040503050406030204" pitchFamily="18" charset="0"/>
+                                <a:ea typeface="Cambria Math" panose="02040503050406030204" pitchFamily="18" charset="0"/>
+                              </a:rPr>
+                              <m:t>𝐺</m:t>
+                            </m:r>
+                            <m:r>
+                              <a:rPr lang="fr-FR" sz="1200" b="0" i="1" smtClean="0">
+                                <a:latin typeface="Cambria Math" panose="02040503050406030204" pitchFamily="18" charset="0"/>
+                                <a:ea typeface="Cambria Math" panose="02040503050406030204" pitchFamily="18" charset="0"/>
+                              </a:rPr>
+                              <m:t>,</m:t>
+                            </m:r>
+                            <m:r>
+                              <a:rPr lang="fr-FR" sz="1200" i="1">
+                                <a:latin typeface="Cambria Math" panose="02040503050406030204" pitchFamily="18" charset="0"/>
+                                <a:ea typeface="Cambria Math" panose="02040503050406030204" pitchFamily="18" charset="0"/>
+                              </a:rPr>
+                              <m:t>𝑅</m:t>
+                            </m:r>
+                            <m:r>
+                              <m:rPr>
+                                <m:lit/>
+                              </m:rPr>
+                              <a:rPr lang="fr-FR" sz="1200" i="1">
+                                <a:latin typeface="Cambria Math" panose="02040503050406030204" pitchFamily="18" charset="0"/>
+                                <a:ea typeface="Cambria Math" panose="02040503050406030204" pitchFamily="18" charset="0"/>
+                              </a:rPr>
+                              <m:t>/</m:t>
+                            </m:r>
+                            <m:r>
+                              <a:rPr lang="fr-FR" sz="1200" i="1">
+                                <a:latin typeface="Cambria Math" panose="02040503050406030204" pitchFamily="18" charset="0"/>
+                                <a:ea typeface="Cambria Math" panose="02040503050406030204" pitchFamily="18" charset="0"/>
+                              </a:rPr>
+                              <m:t>0</m:t>
+                            </m:r>
+                          </m:e>
+                        </m:d>
+                      </m:e>
+                    </m:acc>
+                    <m:r>
+                      <a:rPr lang="fr-FR" sz="1200" b="0" i="0" smtClean="0">
+                        <a:latin typeface="Cambria Math" panose="02040503050406030204" pitchFamily="18" charset="0"/>
+                        <a:ea typeface="Cambria Math" panose="02040503050406030204" pitchFamily="18" charset="0"/>
+                      </a:rPr>
+                      <m:t>=</m:t>
+                    </m:r>
+                    <m:d>
+                      <m:dPr>
+                        <m:begChr m:val="["/>
+                        <m:endChr m:val="]"/>
+                        <m:ctrlPr>
+                          <a:rPr lang="fr-FR" sz="1200" b="0" i="1" smtClean="0">
+                            <a:latin typeface="Cambria Math" panose="02040503050406030204" pitchFamily="18" charset="0"/>
+                            <a:ea typeface="Cambria Math" panose="02040503050406030204" pitchFamily="18" charset="0"/>
+                          </a:rPr>
+                        </m:ctrlPr>
+                      </m:dPr>
+                      <m:e>
+                        <m:f>
+                          <m:fPr>
+                            <m:ctrlPr>
+                              <a:rPr lang="fr-FR" sz="1200" b="0" i="1" smtClean="0">
+                                <a:latin typeface="Cambria Math" panose="02040503050406030204" pitchFamily="18" charset="0"/>
+                                <a:ea typeface="Cambria Math" panose="02040503050406030204" pitchFamily="18" charset="0"/>
+                              </a:rPr>
+                            </m:ctrlPr>
+                          </m:fPr>
+                          <m:num>
+                            <m:r>
+                              <m:rPr>
+                                <m:sty m:val="p"/>
+                              </m:rPr>
+                              <a:rPr lang="fr-FR" sz="1200" b="0" i="0" smtClean="0">
+                                <a:latin typeface="Cambria Math" panose="02040503050406030204" pitchFamily="18" charset="0"/>
+                                <a:ea typeface="Cambria Math" panose="02040503050406030204" pitchFamily="18" charset="0"/>
+                              </a:rPr>
+                              <m:t>d</m:t>
+                            </m:r>
+                            <m:acc>
+                              <m:accPr>
+                                <m:chr m:val="⃗"/>
+                                <m:ctrlPr>
+                                  <a:rPr lang="fr-FR" sz="1200" b="0" i="1" smtClean="0">
+                                    <a:latin typeface="Cambria Math" panose="02040503050406030204" pitchFamily="18" charset="0"/>
+                                    <a:ea typeface="Cambria Math" panose="02040503050406030204" pitchFamily="18" charset="0"/>
+                                  </a:rPr>
+                                </m:ctrlPr>
+                              </m:accPr>
+                              <m:e>
+                                <m:r>
+                                  <m:rPr>
+                                    <m:sty m:val="p"/>
+                                  </m:rPr>
+                                  <a:rPr lang="fr-FR" sz="1200" b="0" i="0" smtClean="0">
+                                    <a:latin typeface="Cambria Math" panose="02040503050406030204" pitchFamily="18" charset="0"/>
+                                    <a:ea typeface="Cambria Math" panose="02040503050406030204" pitchFamily="18" charset="0"/>
+                                  </a:rPr>
+                                  <m:t>A</m:t>
+                                </m:r>
+                                <m:r>
+                                  <m:rPr>
+                                    <m:sty m:val="p"/>
+                                  </m:rPr>
+                                  <a:rPr lang="fr-FR" sz="1200">
+                                    <a:latin typeface="Cambria Math" panose="02040503050406030204" pitchFamily="18" charset="0"/>
+                                    <a:ea typeface="Cambria Math" panose="02040503050406030204" pitchFamily="18" charset="0"/>
+                                  </a:rPr>
+                                  <m:t>G</m:t>
+                                </m:r>
+                              </m:e>
+                            </m:acc>
+                          </m:num>
+                          <m:den>
+                            <m:r>
+                              <m:rPr>
+                                <m:sty m:val="p"/>
+                              </m:rPr>
+                              <a:rPr lang="fr-FR" sz="1200" b="0" i="0" smtClean="0">
+                                <a:latin typeface="Cambria Math" panose="02040503050406030204" pitchFamily="18" charset="0"/>
+                                <a:ea typeface="Cambria Math" panose="02040503050406030204" pitchFamily="18" charset="0"/>
+                              </a:rPr>
+                              <m:t>d</m:t>
+                            </m:r>
+                            <m:r>
+                              <a:rPr lang="fr-FR" sz="1200" b="0" i="1" smtClean="0">
+                                <a:latin typeface="Cambria Math" panose="02040503050406030204" pitchFamily="18" charset="0"/>
+                                <a:ea typeface="Cambria Math" panose="02040503050406030204" pitchFamily="18" charset="0"/>
+                              </a:rPr>
+                              <m:t>𝑡</m:t>
+                            </m:r>
+                          </m:den>
+                        </m:f>
+                      </m:e>
+                    </m:d>
+                    <m:r>
+                      <a:rPr lang="fr-FR" sz="1200" b="0" i="1" smtClean="0">
+                        <a:latin typeface="Cambria Math" panose="02040503050406030204" pitchFamily="18" charset="0"/>
+                        <a:ea typeface="Cambria Math" panose="02040503050406030204" pitchFamily="18" charset="0"/>
+                      </a:rPr>
+                      <m:t>=</m:t>
+                    </m:r>
+                    <m:r>
+                      <a:rPr lang="fr-FR" sz="1200" b="0" i="1" smtClean="0">
+                        <a:latin typeface="Cambria Math" panose="02040503050406030204" pitchFamily="18" charset="0"/>
+                        <a:ea typeface="Cambria Math" panose="02040503050406030204" pitchFamily="18" charset="0"/>
+                      </a:rPr>
+                      <m:t>𝑅</m:t>
+                    </m:r>
+                    <m:acc>
+                      <m:accPr>
+                        <m:chr m:val="̇"/>
+                        <m:ctrlPr>
+                          <a:rPr lang="fr-FR" sz="1200" i="1">
+                            <a:latin typeface="Cambria Math" panose="02040503050406030204" pitchFamily="18" charset="0"/>
+                            <a:ea typeface="Cambria Math" panose="02040503050406030204" pitchFamily="18" charset="0"/>
+                          </a:rPr>
+                        </m:ctrlPr>
+                      </m:accPr>
+                      <m:e>
+                        <m:r>
+                          <a:rPr lang="fr-FR" sz="1200" i="1">
+                            <a:latin typeface="Cambria Math" panose="02040503050406030204" pitchFamily="18" charset="0"/>
+                            <a:ea typeface="Cambria Math" panose="02040503050406030204" pitchFamily="18" charset="0"/>
+                          </a:rPr>
+                          <m:t>𝛽</m:t>
+                        </m:r>
+                      </m:e>
+                    </m:acc>
+                    <m:acc>
+                      <m:accPr>
+                        <m:chr m:val="⃗"/>
+                        <m:ctrlPr>
+                          <a:rPr lang="fr-FR" sz="1200" i="1" smtClean="0">
+                            <a:latin typeface="Cambria Math" panose="02040503050406030204" pitchFamily="18" charset="0"/>
+                            <a:ea typeface="Cambria Math" panose="02040503050406030204" pitchFamily="18" charset="0"/>
+                          </a:rPr>
+                        </m:ctrlPr>
+                      </m:accPr>
+                      <m:e>
+                        <m:sSub>
+                          <m:sSubPr>
+                            <m:ctrlPr>
+                              <a:rPr lang="fr-FR" sz="1200" b="0" i="1" smtClean="0">
+                                <a:latin typeface="Cambria Math" panose="02040503050406030204" pitchFamily="18" charset="0"/>
+                                <a:ea typeface="Cambria Math" panose="02040503050406030204" pitchFamily="18" charset="0"/>
+                              </a:rPr>
+                            </m:ctrlPr>
+                          </m:sSubPr>
+                          <m:e>
+                            <m:r>
+                              <a:rPr lang="fr-FR" sz="1200" b="0" i="1" smtClean="0">
+                                <a:latin typeface="Cambria Math" panose="02040503050406030204" pitchFamily="18" charset="0"/>
+                                <a:ea typeface="Cambria Math" panose="02040503050406030204" pitchFamily="18" charset="0"/>
+                              </a:rPr>
+                              <m:t>𝑦</m:t>
+                            </m:r>
+                          </m:e>
+                          <m:sub>
+                            <m:r>
+                              <a:rPr lang="fr-FR" sz="1200" b="0" i="1" smtClean="0">
+                                <a:latin typeface="Cambria Math" panose="02040503050406030204" pitchFamily="18" charset="0"/>
+                                <a:ea typeface="Cambria Math" panose="02040503050406030204" pitchFamily="18" charset="0"/>
+                              </a:rPr>
+                              <m:t>1</m:t>
+                            </m:r>
+                          </m:sub>
+                        </m:sSub>
+                      </m:e>
+                    </m:acc>
+                  </m:oMath>
+                </a14:m>
+                <a:endParaRPr lang="fr-FR" sz="1200" dirty="0">
+                  <a:ea typeface="Cambria Math" panose="02040503050406030204" pitchFamily="18" charset="0"/>
+                </a:endParaRPr>
+              </a:p>
+              <a:p>
+                <a:pPr lvl="1"/>
+                <a14:m>
+                  <m:oMath xmlns:m="http://schemas.openxmlformats.org/officeDocument/2006/math">
+                    <m:sSub>
+                      <m:sSubPr>
+                        <m:ctrlPr>
+                          <a:rPr lang="fr-FR" sz="1800" b="0" i="1" smtClean="0">
+                            <a:latin typeface="Cambria Math" panose="02040503050406030204" pitchFamily="18" charset="0"/>
+                            <a:ea typeface="Cambria Math" panose="02040503050406030204" pitchFamily="18" charset="0"/>
+                          </a:rPr>
+                        </m:ctrlPr>
+                      </m:sSubPr>
+                      <m:e>
+                        <m:r>
+                          <a:rPr lang="fr-FR" sz="1800" i="1" smtClean="0">
+                            <a:latin typeface="Cambria Math" panose="02040503050406030204" pitchFamily="18" charset="0"/>
+                            <a:ea typeface="Cambria Math" panose="02040503050406030204" pitchFamily="18" charset="0"/>
+                          </a:rPr>
+                          <m:t>ℰ</m:t>
+                        </m:r>
+                      </m:e>
+                      <m:sub>
+                        <m:r>
+                          <a:rPr lang="fr-FR" sz="1800" b="0" i="1" smtClean="0">
+                            <a:latin typeface="Cambria Math" panose="02040503050406030204" pitchFamily="18" charset="0"/>
+                            <a:ea typeface="Cambria Math" panose="02040503050406030204" pitchFamily="18" charset="0"/>
+                          </a:rPr>
+                          <m:t>𝑐</m:t>
+                        </m:r>
+                      </m:sub>
+                    </m:sSub>
+                    <m:d>
+                      <m:dPr>
+                        <m:ctrlPr>
+                          <a:rPr lang="fr-FR" sz="1800" b="0" i="1" smtClean="0">
+                            <a:latin typeface="Cambria Math" panose="02040503050406030204" pitchFamily="18" charset="0"/>
+                            <a:ea typeface="Cambria Math" panose="02040503050406030204" pitchFamily="18" charset="0"/>
+                          </a:rPr>
+                        </m:ctrlPr>
+                      </m:dPr>
+                      <m:e>
+                        <m:r>
+                          <a:rPr lang="fr-FR" sz="1800" b="0" i="1" smtClean="0">
+                            <a:latin typeface="Cambria Math" panose="02040503050406030204" pitchFamily="18" charset="0"/>
+                            <a:ea typeface="Cambria Math" panose="02040503050406030204" pitchFamily="18" charset="0"/>
+                          </a:rPr>
+                          <m:t>𝑅</m:t>
+                        </m:r>
+                        <m:r>
+                          <m:rPr>
+                            <m:lit/>
+                          </m:rPr>
+                          <a:rPr lang="fr-FR" sz="1800" b="0" i="1" smtClean="0">
+                            <a:latin typeface="Cambria Math" panose="02040503050406030204" pitchFamily="18" charset="0"/>
+                            <a:ea typeface="Cambria Math" panose="02040503050406030204" pitchFamily="18" charset="0"/>
+                          </a:rPr>
+                          <m:t>/</m:t>
+                        </m:r>
+                        <m:r>
+                          <a:rPr lang="fr-FR" sz="1800" b="0" i="1" smtClean="0">
+                            <a:latin typeface="Cambria Math" panose="02040503050406030204" pitchFamily="18" charset="0"/>
+                            <a:ea typeface="Cambria Math" panose="02040503050406030204" pitchFamily="18" charset="0"/>
+                          </a:rPr>
+                          <m:t>0</m:t>
+                        </m:r>
+                      </m:e>
+                    </m:d>
+                    <m:r>
+                      <a:rPr lang="fr-FR" sz="1800" b="0" i="1" smtClean="0">
+                        <a:latin typeface="Cambria Math" panose="02040503050406030204" pitchFamily="18" charset="0"/>
+                        <a:ea typeface="Cambria Math" panose="02040503050406030204" pitchFamily="18" charset="0"/>
+                      </a:rPr>
+                      <m:t>=</m:t>
+                    </m:r>
+                    <m:f>
+                      <m:fPr>
+                        <m:ctrlPr>
+                          <a:rPr lang="fr-FR" sz="1800" b="0" i="1" smtClean="0">
+                            <a:latin typeface="Cambria Math" panose="02040503050406030204" pitchFamily="18" charset="0"/>
+                            <a:ea typeface="Cambria Math" panose="02040503050406030204" pitchFamily="18" charset="0"/>
+                          </a:rPr>
+                        </m:ctrlPr>
+                      </m:fPr>
+                      <m:num>
+                        <m:r>
+                          <a:rPr lang="fr-FR" sz="1800" b="0" i="1" smtClean="0">
+                            <a:latin typeface="Cambria Math" panose="02040503050406030204" pitchFamily="18" charset="0"/>
+                            <a:ea typeface="Cambria Math" panose="02040503050406030204" pitchFamily="18" charset="0"/>
+                          </a:rPr>
+                          <m:t>1</m:t>
+                        </m:r>
+                      </m:num>
+                      <m:den>
+                        <m:r>
+                          <a:rPr lang="fr-FR" sz="1800" b="0" i="1" smtClean="0">
+                            <a:latin typeface="Cambria Math" panose="02040503050406030204" pitchFamily="18" charset="0"/>
+                            <a:ea typeface="Cambria Math" panose="02040503050406030204" pitchFamily="18" charset="0"/>
+                          </a:rPr>
+                          <m:t>2</m:t>
+                        </m:r>
+                      </m:den>
+                    </m:f>
+                    <m:d>
+                      <m:dPr>
+                        <m:ctrlPr>
+                          <a:rPr lang="fr-FR" sz="1800" b="0" i="1" smtClean="0">
+                            <a:latin typeface="Cambria Math" panose="02040503050406030204" pitchFamily="18" charset="0"/>
+                            <a:ea typeface="Cambria Math" panose="02040503050406030204" pitchFamily="18" charset="0"/>
+                          </a:rPr>
+                        </m:ctrlPr>
+                      </m:dPr>
+                      <m:e>
+                        <m:r>
+                          <a:rPr lang="fr-FR" sz="1800" i="1">
+                            <a:latin typeface="Cambria Math" panose="02040503050406030204" pitchFamily="18" charset="0"/>
+                            <a:ea typeface="Cambria Math" panose="02040503050406030204" pitchFamily="18" charset="0"/>
+                          </a:rPr>
+                          <m:t>𝐴</m:t>
+                        </m:r>
+                        <m:sSup>
+                          <m:sSupPr>
+                            <m:ctrlPr>
+                              <a:rPr lang="fr-FR" sz="1800" i="1">
+                                <a:latin typeface="Cambria Math" panose="02040503050406030204" pitchFamily="18" charset="0"/>
+                                <a:ea typeface="Cambria Math" panose="02040503050406030204" pitchFamily="18" charset="0"/>
+                              </a:rPr>
+                            </m:ctrlPr>
+                          </m:sSupPr>
+                          <m:e>
+                            <m:acc>
+                              <m:accPr>
+                                <m:chr m:val="̇"/>
+                                <m:ctrlPr>
+                                  <a:rPr lang="fr-FR" sz="1800" i="1">
+                                    <a:latin typeface="Cambria Math" panose="02040503050406030204" pitchFamily="18" charset="0"/>
+                                    <a:ea typeface="Cambria Math" panose="02040503050406030204" pitchFamily="18" charset="0"/>
+                                  </a:rPr>
+                                </m:ctrlPr>
+                              </m:accPr>
+                              <m:e>
+                                <m:r>
+                                  <a:rPr lang="fr-FR" sz="1800" i="1">
+                                    <a:latin typeface="Cambria Math" panose="02040503050406030204" pitchFamily="18" charset="0"/>
+                                    <a:ea typeface="Cambria Math" panose="02040503050406030204" pitchFamily="18" charset="0"/>
+                                  </a:rPr>
+                                  <m:t>𝛾</m:t>
+                                </m:r>
+                              </m:e>
+                            </m:acc>
+                          </m:e>
+                          <m:sup>
+                            <m:r>
+                              <a:rPr lang="fr-FR" sz="1800">
+                                <a:latin typeface="Cambria Math" panose="02040503050406030204" pitchFamily="18" charset="0"/>
+                                <a:ea typeface="Cambria Math" panose="02040503050406030204" pitchFamily="18" charset="0"/>
+                              </a:rPr>
+                              <m:t>2</m:t>
+                            </m:r>
+                          </m:sup>
+                        </m:sSup>
+                        <m:r>
+                          <a:rPr lang="fr-FR" sz="1800">
+                            <a:latin typeface="Cambria Math" panose="02040503050406030204" pitchFamily="18" charset="0"/>
+                            <a:ea typeface="Cambria Math" panose="02040503050406030204" pitchFamily="18" charset="0"/>
+                          </a:rPr>
+                          <m:t>+</m:t>
+                        </m:r>
+                        <m:r>
+                          <a:rPr lang="fr-FR" sz="1800" i="1">
+                            <a:latin typeface="Cambria Math" panose="02040503050406030204" pitchFamily="18" charset="0"/>
+                            <a:ea typeface="Cambria Math" panose="02040503050406030204" pitchFamily="18" charset="0"/>
+                          </a:rPr>
+                          <m:t>𝐵</m:t>
+                        </m:r>
+                        <m:acc>
+                          <m:accPr>
+                            <m:chr m:val="̇"/>
+                            <m:ctrlPr>
+                              <a:rPr lang="fr-FR" sz="1800" i="1">
+                                <a:latin typeface="Cambria Math" panose="02040503050406030204" pitchFamily="18" charset="0"/>
+                                <a:ea typeface="Cambria Math" panose="02040503050406030204" pitchFamily="18" charset="0"/>
+                              </a:rPr>
+                            </m:ctrlPr>
+                          </m:accPr>
+                          <m:e>
+                            <m:sSup>
+                              <m:sSupPr>
+                                <m:ctrlPr>
+                                  <a:rPr lang="fr-FR" sz="1800" i="1">
+                                    <a:latin typeface="Cambria Math" panose="02040503050406030204" pitchFamily="18" charset="0"/>
+                                    <a:ea typeface="Cambria Math" panose="02040503050406030204" pitchFamily="18" charset="0"/>
+                                  </a:rPr>
+                                </m:ctrlPr>
+                              </m:sSupPr>
+                              <m:e>
+                                <m:r>
+                                  <a:rPr lang="fr-FR" sz="1800" i="1">
+                                    <a:latin typeface="Cambria Math" panose="02040503050406030204" pitchFamily="18" charset="0"/>
+                                    <a:ea typeface="Cambria Math" panose="02040503050406030204" pitchFamily="18" charset="0"/>
+                                  </a:rPr>
+                                  <m:t>𝛽</m:t>
+                                </m:r>
+                              </m:e>
+                              <m:sup>
+                                <m:r>
+                                  <a:rPr lang="fr-FR" sz="1800" i="1">
+                                    <a:latin typeface="Cambria Math" panose="02040503050406030204" pitchFamily="18" charset="0"/>
+                                    <a:ea typeface="Cambria Math" panose="02040503050406030204" pitchFamily="18" charset="0"/>
+                                  </a:rPr>
+                                  <m:t>2</m:t>
+                                </m:r>
+                              </m:sup>
+                            </m:sSup>
+                          </m:e>
+                        </m:acc>
+                      </m:e>
+                    </m:d>
+                    <m:r>
+                      <a:rPr lang="fr-FR" sz="1800" b="0" i="1" smtClean="0">
+                        <a:latin typeface="Cambria Math" panose="02040503050406030204" pitchFamily="18" charset="0"/>
+                        <a:ea typeface="Cambria Math" panose="02040503050406030204" pitchFamily="18" charset="0"/>
+                      </a:rPr>
+                      <m:t>+</m:t>
+                    </m:r>
+                    <m:f>
+                      <m:fPr>
+                        <m:ctrlPr>
+                          <a:rPr lang="fr-FR" sz="1800" b="0" i="1" smtClean="0">
+                            <a:latin typeface="Cambria Math" panose="02040503050406030204" pitchFamily="18" charset="0"/>
+                            <a:ea typeface="Cambria Math" panose="02040503050406030204" pitchFamily="18" charset="0"/>
+                          </a:rPr>
+                        </m:ctrlPr>
+                      </m:fPr>
+                      <m:num>
+                        <m:r>
+                          <a:rPr lang="fr-FR" sz="1800" b="0" i="1" smtClean="0">
+                            <a:latin typeface="Cambria Math" panose="02040503050406030204" pitchFamily="18" charset="0"/>
+                            <a:ea typeface="Cambria Math" panose="02040503050406030204" pitchFamily="18" charset="0"/>
+                          </a:rPr>
+                          <m:t>1</m:t>
+                        </m:r>
+                      </m:num>
+                      <m:den>
+                        <m:r>
+                          <a:rPr lang="fr-FR" sz="1800" b="0" i="1" smtClean="0">
+                            <a:latin typeface="Cambria Math" panose="02040503050406030204" pitchFamily="18" charset="0"/>
+                            <a:ea typeface="Cambria Math" panose="02040503050406030204" pitchFamily="18" charset="0"/>
+                          </a:rPr>
+                          <m:t>2</m:t>
+                        </m:r>
+                      </m:den>
+                    </m:f>
+                    <m:sSub>
+                      <m:sSubPr>
+                        <m:ctrlPr>
+                          <a:rPr lang="fr-FR" sz="1800" b="0" i="1" smtClean="0">
+                            <a:latin typeface="Cambria Math" panose="02040503050406030204" pitchFamily="18" charset="0"/>
+                            <a:ea typeface="Cambria Math" panose="02040503050406030204" pitchFamily="18" charset="0"/>
+                          </a:rPr>
+                        </m:ctrlPr>
+                      </m:sSubPr>
+                      <m:e>
+                        <m:r>
+                          <a:rPr lang="fr-FR" sz="1800" b="0" i="1" smtClean="0">
+                            <a:latin typeface="Cambria Math" panose="02040503050406030204" pitchFamily="18" charset="0"/>
+                            <a:ea typeface="Cambria Math" panose="02040503050406030204" pitchFamily="18" charset="0"/>
+                          </a:rPr>
+                          <m:t>𝑚</m:t>
+                        </m:r>
+                      </m:e>
+                      <m:sub>
+                        <m:r>
+                          <a:rPr lang="fr-FR" sz="1800" b="0" i="1" smtClean="0">
+                            <a:latin typeface="Cambria Math" panose="02040503050406030204" pitchFamily="18" charset="0"/>
+                            <a:ea typeface="Cambria Math" panose="02040503050406030204" pitchFamily="18" charset="0"/>
+                          </a:rPr>
+                          <m:t>𝑅</m:t>
+                        </m:r>
+                      </m:sub>
+                    </m:sSub>
+                    <m:sSubSup>
+                      <m:sSubSupPr>
+                        <m:ctrlPr>
+                          <a:rPr lang="fr-FR" sz="1800" b="0" i="1" smtClean="0">
+                            <a:latin typeface="Cambria Math" panose="02040503050406030204" pitchFamily="18" charset="0"/>
+                            <a:ea typeface="Cambria Math" panose="02040503050406030204" pitchFamily="18" charset="0"/>
+                          </a:rPr>
+                        </m:ctrlPr>
+                      </m:sSubSupPr>
+                      <m:e>
+                        <m:r>
+                          <a:rPr lang="fr-FR" sz="1800" b="0" i="1" smtClean="0">
+                            <a:latin typeface="Cambria Math" panose="02040503050406030204" pitchFamily="18" charset="0"/>
+                            <a:ea typeface="Cambria Math" panose="02040503050406030204" pitchFamily="18" charset="0"/>
+                          </a:rPr>
+                          <m:t>𝑅</m:t>
+                        </m:r>
+                      </m:e>
+                      <m:sub>
+                        <m:r>
+                          <a:rPr lang="fr-FR" sz="1800" b="0" i="1" smtClean="0">
+                            <a:latin typeface="Cambria Math" panose="02040503050406030204" pitchFamily="18" charset="0"/>
+                            <a:ea typeface="Cambria Math" panose="02040503050406030204" pitchFamily="18" charset="0"/>
+                          </a:rPr>
+                          <m:t>𝑅</m:t>
+                        </m:r>
+                      </m:sub>
+                      <m:sup>
+                        <m:r>
+                          <a:rPr lang="fr-FR" sz="1800" b="0" i="1" smtClean="0">
+                            <a:latin typeface="Cambria Math" panose="02040503050406030204" pitchFamily="18" charset="0"/>
+                            <a:ea typeface="Cambria Math" panose="02040503050406030204" pitchFamily="18" charset="0"/>
+                          </a:rPr>
+                          <m:t>2</m:t>
+                        </m:r>
+                      </m:sup>
+                    </m:sSubSup>
+                    <m:acc>
+                      <m:accPr>
+                        <m:chr m:val="̇"/>
+                        <m:ctrlPr>
+                          <a:rPr lang="fr-FR" sz="1800" i="1">
+                            <a:latin typeface="Cambria Math" panose="02040503050406030204" pitchFamily="18" charset="0"/>
+                            <a:ea typeface="Cambria Math" panose="02040503050406030204" pitchFamily="18" charset="0"/>
+                          </a:rPr>
+                        </m:ctrlPr>
+                      </m:accPr>
+                      <m:e>
+                        <m:sSup>
+                          <m:sSupPr>
+                            <m:ctrlPr>
+                              <a:rPr lang="fr-FR" sz="1800" i="1">
+                                <a:latin typeface="Cambria Math" panose="02040503050406030204" pitchFamily="18" charset="0"/>
+                                <a:ea typeface="Cambria Math" panose="02040503050406030204" pitchFamily="18" charset="0"/>
+                              </a:rPr>
+                            </m:ctrlPr>
+                          </m:sSupPr>
+                          <m:e>
+                            <m:r>
+                              <a:rPr lang="fr-FR" sz="1800" i="1">
+                                <a:latin typeface="Cambria Math" panose="02040503050406030204" pitchFamily="18" charset="0"/>
+                                <a:ea typeface="Cambria Math" panose="02040503050406030204" pitchFamily="18" charset="0"/>
+                              </a:rPr>
+                              <m:t>𝛽</m:t>
+                            </m:r>
+                          </m:e>
+                          <m:sup>
+                            <m:r>
+                              <a:rPr lang="fr-FR" sz="1800" i="1">
+                                <a:latin typeface="Cambria Math" panose="02040503050406030204" pitchFamily="18" charset="0"/>
+                                <a:ea typeface="Cambria Math" panose="02040503050406030204" pitchFamily="18" charset="0"/>
+                              </a:rPr>
+                              <m:t>2</m:t>
+                            </m:r>
+                          </m:sup>
+                        </m:sSup>
+                      </m:e>
+                    </m:acc>
+                  </m:oMath>
+                </a14:m>
+                <a:endParaRPr lang="fr-FR" sz="1800" dirty="0">
+                  <a:ea typeface="Cambria Math" panose="02040503050406030204" pitchFamily="18" charset="0"/>
+                </a:endParaRPr>
+              </a:p>
+              <a:p>
+                <a:pPr lvl="1"/>
+                <a:r>
+                  <a:rPr lang="fr-FR" sz="1800" dirty="0"/>
+                  <a:t>Au final, pour l’ensemble rotor :</a:t>
+                </a:r>
+              </a:p>
+              <a:p>
+                <a:pPr lvl="2"/>
+                <a14:m>
+                  <m:oMath xmlns:m="http://schemas.openxmlformats.org/officeDocument/2006/math">
+                    <m:sSub>
+                      <m:sSubPr>
+                        <m:ctrlPr>
+                          <a:rPr lang="fr-FR" sz="1200" b="0" i="1" smtClean="0">
+                            <a:latin typeface="Cambria Math" panose="02040503050406030204" pitchFamily="18" charset="0"/>
+                            <a:ea typeface="Cambria Math" panose="02040503050406030204" pitchFamily="18" charset="0"/>
+                          </a:rPr>
+                        </m:ctrlPr>
+                      </m:sSubPr>
+                      <m:e>
+                        <m:r>
+                          <a:rPr lang="fr-FR" sz="1200" i="1" smtClean="0">
+                            <a:latin typeface="Cambria Math" panose="02040503050406030204" pitchFamily="18" charset="0"/>
+                            <a:ea typeface="Cambria Math" panose="02040503050406030204" pitchFamily="18" charset="0"/>
+                          </a:rPr>
+                          <m:t>ℰ</m:t>
+                        </m:r>
+                      </m:e>
+                      <m:sub>
+                        <m:r>
+                          <a:rPr lang="fr-FR" sz="1200" b="0" i="1" smtClean="0">
+                            <a:latin typeface="Cambria Math" panose="02040503050406030204" pitchFamily="18" charset="0"/>
+                            <a:ea typeface="Cambria Math" panose="02040503050406030204" pitchFamily="18" charset="0"/>
+                          </a:rPr>
+                          <m:t>𝑐</m:t>
+                        </m:r>
+                      </m:sub>
+                    </m:sSub>
+                    <m:d>
+                      <m:dPr>
+                        <m:ctrlPr>
+                          <a:rPr lang="fr-FR" sz="1200" b="0" i="1" smtClean="0">
+                            <a:latin typeface="Cambria Math" panose="02040503050406030204" pitchFamily="18" charset="0"/>
+                            <a:ea typeface="Cambria Math" panose="02040503050406030204" pitchFamily="18" charset="0"/>
+                          </a:rPr>
+                        </m:ctrlPr>
+                      </m:dPr>
+                      <m:e>
+                        <m:r>
+                          <a:rPr lang="fr-FR" sz="1200" b="0" i="1" smtClean="0">
+                            <a:latin typeface="Cambria Math" panose="02040503050406030204" pitchFamily="18" charset="0"/>
+                            <a:ea typeface="Cambria Math" panose="02040503050406030204" pitchFamily="18" charset="0"/>
+                          </a:rPr>
+                          <m:t>𝑅</m:t>
+                        </m:r>
+                        <m:r>
+                          <m:rPr>
+                            <m:lit/>
+                          </m:rPr>
+                          <a:rPr lang="fr-FR" sz="1200" b="0" i="1" smtClean="0">
+                            <a:latin typeface="Cambria Math" panose="02040503050406030204" pitchFamily="18" charset="0"/>
+                            <a:ea typeface="Cambria Math" panose="02040503050406030204" pitchFamily="18" charset="0"/>
+                          </a:rPr>
+                          <m:t>/</m:t>
+                        </m:r>
+                        <m:r>
+                          <a:rPr lang="fr-FR" sz="1200" b="0" i="1" smtClean="0">
+                            <a:latin typeface="Cambria Math" panose="02040503050406030204" pitchFamily="18" charset="0"/>
+                            <a:ea typeface="Cambria Math" panose="02040503050406030204" pitchFamily="18" charset="0"/>
+                          </a:rPr>
+                          <m:t>0</m:t>
+                        </m:r>
+                      </m:e>
+                    </m:d>
+                    <m:r>
+                      <a:rPr lang="fr-FR" sz="1200" b="0" i="1" smtClean="0">
+                        <a:latin typeface="Cambria Math" panose="02040503050406030204" pitchFamily="18" charset="0"/>
+                        <a:ea typeface="Cambria Math" panose="02040503050406030204" pitchFamily="18" charset="0"/>
+                      </a:rPr>
+                      <m:t>=</m:t>
+                    </m:r>
+                    <m:f>
+                      <m:fPr>
+                        <m:ctrlPr>
+                          <a:rPr lang="fr-FR" sz="1200" b="0" i="1" smtClean="0">
+                            <a:latin typeface="Cambria Math" panose="02040503050406030204" pitchFamily="18" charset="0"/>
+                            <a:ea typeface="Cambria Math" panose="02040503050406030204" pitchFamily="18" charset="0"/>
+                          </a:rPr>
+                        </m:ctrlPr>
+                      </m:fPr>
+                      <m:num>
+                        <m:r>
+                          <a:rPr lang="fr-FR" sz="1200" b="0" i="1" smtClean="0">
+                            <a:latin typeface="Cambria Math" panose="02040503050406030204" pitchFamily="18" charset="0"/>
+                            <a:ea typeface="Cambria Math" panose="02040503050406030204" pitchFamily="18" charset="0"/>
+                          </a:rPr>
+                          <m:t>1</m:t>
+                        </m:r>
+                      </m:num>
+                      <m:den>
+                        <m:r>
+                          <a:rPr lang="fr-FR" sz="1200" b="0" i="1" smtClean="0">
+                            <a:latin typeface="Cambria Math" panose="02040503050406030204" pitchFamily="18" charset="0"/>
+                            <a:ea typeface="Cambria Math" panose="02040503050406030204" pitchFamily="18" charset="0"/>
+                          </a:rPr>
+                          <m:t>2</m:t>
+                        </m:r>
+                      </m:den>
+                    </m:f>
+                    <m:d>
+                      <m:dPr>
+                        <m:ctrlPr>
+                          <a:rPr lang="fr-FR" sz="1200" b="0" i="1" smtClean="0">
+                            <a:latin typeface="Cambria Math" panose="02040503050406030204" pitchFamily="18" charset="0"/>
+                            <a:ea typeface="Cambria Math" panose="02040503050406030204" pitchFamily="18" charset="0"/>
+                          </a:rPr>
+                        </m:ctrlPr>
+                      </m:dPr>
+                      <m:e>
+                        <m:d>
+                          <m:dPr>
+                            <m:ctrlPr>
+                              <a:rPr lang="fr-FR" sz="1200" b="0" i="1" smtClean="0">
+                                <a:latin typeface="Cambria Math" panose="02040503050406030204" pitchFamily="18" charset="0"/>
+                                <a:ea typeface="Cambria Math" panose="02040503050406030204" pitchFamily="18" charset="0"/>
+                              </a:rPr>
+                            </m:ctrlPr>
+                          </m:dPr>
+                          <m:e>
+                            <m:sSub>
+                              <m:sSubPr>
+                                <m:ctrlPr>
+                                  <a:rPr lang="fr-FR" sz="1200" b="0" i="1" smtClean="0">
+                                    <a:latin typeface="Cambria Math" panose="02040503050406030204" pitchFamily="18" charset="0"/>
+                                    <a:ea typeface="Cambria Math" panose="02040503050406030204" pitchFamily="18" charset="0"/>
+                                  </a:rPr>
+                                </m:ctrlPr>
+                              </m:sSubPr>
+                              <m:e>
+                                <m:r>
+                                  <a:rPr lang="fr-FR" sz="1200" b="0" i="1" smtClean="0">
+                                    <a:latin typeface="Cambria Math" panose="02040503050406030204" pitchFamily="18" charset="0"/>
+                                    <a:ea typeface="Cambria Math" panose="02040503050406030204" pitchFamily="18" charset="0"/>
+                                  </a:rPr>
+                                  <m:t>𝐴</m:t>
+                                </m:r>
+                              </m:e>
+                              <m:sub>
+                                <m:r>
+                                  <a:rPr lang="fr-FR" sz="1200" b="0" i="1" smtClean="0">
+                                    <a:latin typeface="Cambria Math" panose="02040503050406030204" pitchFamily="18" charset="0"/>
+                                    <a:ea typeface="Cambria Math" panose="02040503050406030204" pitchFamily="18" charset="0"/>
+                                  </a:rPr>
+                                  <m:t>𝑟</m:t>
+                                </m:r>
+                              </m:sub>
+                            </m:sSub>
+                            <m:r>
+                              <a:rPr lang="fr-FR" sz="1200" b="0" i="1" smtClean="0">
+                                <a:latin typeface="Cambria Math" panose="02040503050406030204" pitchFamily="18" charset="0"/>
+                                <a:ea typeface="Cambria Math" panose="02040503050406030204" pitchFamily="18" charset="0"/>
+                              </a:rPr>
+                              <m:t>+</m:t>
+                            </m:r>
+                            <m:sSub>
+                              <m:sSubPr>
+                                <m:ctrlPr>
+                                  <a:rPr lang="fr-FR" sz="1200" b="0" i="1" smtClean="0">
+                                    <a:latin typeface="Cambria Math" panose="02040503050406030204" pitchFamily="18" charset="0"/>
+                                    <a:ea typeface="Cambria Math" panose="02040503050406030204" pitchFamily="18" charset="0"/>
+                                  </a:rPr>
+                                </m:ctrlPr>
+                              </m:sSubPr>
+                              <m:e>
+                                <m:r>
+                                  <a:rPr lang="fr-FR" sz="1200" b="0" i="1" smtClean="0">
+                                    <a:latin typeface="Cambria Math" panose="02040503050406030204" pitchFamily="18" charset="0"/>
+                                    <a:ea typeface="Cambria Math" panose="02040503050406030204" pitchFamily="18" charset="0"/>
+                                  </a:rPr>
+                                  <m:t>𝐴</m:t>
+                                </m:r>
+                              </m:e>
+                              <m:sub>
+                                <m:r>
+                                  <a:rPr lang="fr-FR" sz="1200" b="0" i="1" smtClean="0">
+                                    <a:latin typeface="Cambria Math" panose="02040503050406030204" pitchFamily="18" charset="0"/>
+                                    <a:ea typeface="Cambria Math" panose="02040503050406030204" pitchFamily="18" charset="0"/>
+                                  </a:rPr>
+                                  <m:t>𝐽</m:t>
+                                </m:r>
+                              </m:sub>
+                            </m:sSub>
+                            <m:r>
+                              <a:rPr lang="fr-FR" sz="1200" b="0" i="1" smtClean="0">
+                                <a:latin typeface="Cambria Math" panose="02040503050406030204" pitchFamily="18" charset="0"/>
+                                <a:ea typeface="Cambria Math" panose="02040503050406030204" pitchFamily="18" charset="0"/>
+                              </a:rPr>
+                              <m:t>+</m:t>
+                            </m:r>
+                            <m:sSub>
+                              <m:sSubPr>
+                                <m:ctrlPr>
+                                  <a:rPr lang="fr-FR" sz="1200" b="0" i="1" smtClean="0">
+                                    <a:latin typeface="Cambria Math" panose="02040503050406030204" pitchFamily="18" charset="0"/>
+                                    <a:ea typeface="Cambria Math" panose="02040503050406030204" pitchFamily="18" charset="0"/>
+                                  </a:rPr>
+                                </m:ctrlPr>
+                              </m:sSubPr>
+                              <m:e>
+                                <m:r>
+                                  <a:rPr lang="fr-FR" sz="1200" b="0" i="1" smtClean="0">
+                                    <a:latin typeface="Cambria Math" panose="02040503050406030204" pitchFamily="18" charset="0"/>
+                                    <a:ea typeface="Cambria Math" panose="02040503050406030204" pitchFamily="18" charset="0"/>
+                                  </a:rPr>
+                                  <m:t>𝐴</m:t>
+                                </m:r>
+                              </m:e>
+                              <m:sub>
+                                <m:r>
+                                  <a:rPr lang="fr-FR" sz="1200" b="0" i="1" smtClean="0">
+                                    <a:latin typeface="Cambria Math" panose="02040503050406030204" pitchFamily="18" charset="0"/>
+                                    <a:ea typeface="Cambria Math" panose="02040503050406030204" pitchFamily="18" charset="0"/>
+                                  </a:rPr>
+                                  <m:t>𝑉</m:t>
+                                </m:r>
+                              </m:sub>
+                            </m:sSub>
+                            <m:r>
+                              <a:rPr lang="fr-FR" sz="1200" b="0" i="1" smtClean="0">
+                                <a:latin typeface="Cambria Math" panose="02040503050406030204" pitchFamily="18" charset="0"/>
+                                <a:ea typeface="Cambria Math" panose="02040503050406030204" pitchFamily="18" charset="0"/>
+                              </a:rPr>
+                              <m:t>+</m:t>
+                            </m:r>
+                            <m:sSub>
+                              <m:sSubPr>
+                                <m:ctrlPr>
+                                  <a:rPr lang="fr-FR" sz="1200" b="0" i="1" smtClean="0">
+                                    <a:latin typeface="Cambria Math" panose="02040503050406030204" pitchFamily="18" charset="0"/>
+                                    <a:ea typeface="Cambria Math" panose="02040503050406030204" pitchFamily="18" charset="0"/>
+                                  </a:rPr>
+                                </m:ctrlPr>
+                              </m:sSubPr>
+                              <m:e>
+                                <m:r>
+                                  <a:rPr lang="fr-FR" sz="1200" b="0" i="1" smtClean="0">
+                                    <a:latin typeface="Cambria Math" panose="02040503050406030204" pitchFamily="18" charset="0"/>
+                                    <a:ea typeface="Cambria Math" panose="02040503050406030204" pitchFamily="18" charset="0"/>
+                                  </a:rPr>
+                                  <m:t>𝐴</m:t>
+                                </m:r>
+                              </m:e>
+                              <m:sub>
+                                <m:r>
+                                  <a:rPr lang="fr-FR" sz="1200" b="0" i="1" smtClean="0">
+                                    <a:latin typeface="Cambria Math" panose="02040503050406030204" pitchFamily="18" charset="0"/>
+                                    <a:ea typeface="Cambria Math" panose="02040503050406030204" pitchFamily="18" charset="0"/>
+                                  </a:rPr>
+                                  <m:t>𝐸</m:t>
+                                </m:r>
+                              </m:sub>
+                            </m:sSub>
+                          </m:e>
+                        </m:d>
+                        <m:sSup>
+                          <m:sSupPr>
+                            <m:ctrlPr>
+                              <a:rPr lang="fr-FR" sz="1200" i="1">
+                                <a:latin typeface="Cambria Math" panose="02040503050406030204" pitchFamily="18" charset="0"/>
+                                <a:ea typeface="Cambria Math" panose="02040503050406030204" pitchFamily="18" charset="0"/>
+                              </a:rPr>
+                            </m:ctrlPr>
+                          </m:sSupPr>
+                          <m:e>
+                            <m:r>
+                              <a:rPr lang="fr-FR" sz="1200" b="0" i="1" smtClean="0">
+                                <a:latin typeface="Cambria Math" panose="02040503050406030204" pitchFamily="18" charset="0"/>
+                                <a:ea typeface="Cambria Math" panose="02040503050406030204" pitchFamily="18" charset="0"/>
+                              </a:rPr>
+                              <m:t> </m:t>
+                            </m:r>
+                            <m:acc>
+                              <m:accPr>
+                                <m:chr m:val="̇"/>
+                                <m:ctrlPr>
+                                  <a:rPr lang="fr-FR" sz="1200" i="1">
+                                    <a:latin typeface="Cambria Math" panose="02040503050406030204" pitchFamily="18" charset="0"/>
+                                    <a:ea typeface="Cambria Math" panose="02040503050406030204" pitchFamily="18" charset="0"/>
+                                  </a:rPr>
+                                </m:ctrlPr>
+                              </m:accPr>
+                              <m:e>
+                                <m:r>
+                                  <a:rPr lang="fr-FR" sz="1200" i="1">
+                                    <a:latin typeface="Cambria Math" panose="02040503050406030204" pitchFamily="18" charset="0"/>
+                                    <a:ea typeface="Cambria Math" panose="02040503050406030204" pitchFamily="18" charset="0"/>
+                                  </a:rPr>
+                                  <m:t>𝛾</m:t>
+                                </m:r>
+                              </m:e>
+                            </m:acc>
+                          </m:e>
+                          <m:sup>
+                            <m:r>
+                              <a:rPr lang="fr-FR" sz="1200">
+                                <a:latin typeface="Cambria Math" panose="02040503050406030204" pitchFamily="18" charset="0"/>
+                                <a:ea typeface="Cambria Math" panose="02040503050406030204" pitchFamily="18" charset="0"/>
+                              </a:rPr>
+                              <m:t>2</m:t>
+                            </m:r>
+                          </m:sup>
+                        </m:sSup>
+                        <m:r>
+                          <a:rPr lang="fr-FR" sz="1200">
+                            <a:latin typeface="Cambria Math" panose="02040503050406030204" pitchFamily="18" charset="0"/>
+                            <a:ea typeface="Cambria Math" panose="02040503050406030204" pitchFamily="18" charset="0"/>
+                          </a:rPr>
+                          <m:t>+</m:t>
+                        </m:r>
+                        <m:d>
+                          <m:dPr>
+                            <m:ctrlPr>
+                              <a:rPr lang="fr-FR" sz="1200" i="1">
+                                <a:latin typeface="Cambria Math" panose="02040503050406030204" pitchFamily="18" charset="0"/>
+                                <a:ea typeface="Cambria Math" panose="02040503050406030204" pitchFamily="18" charset="0"/>
+                              </a:rPr>
+                            </m:ctrlPr>
+                          </m:dPr>
+                          <m:e>
+                            <m:sSub>
+                              <m:sSubPr>
+                                <m:ctrlPr>
+                                  <a:rPr lang="fr-FR" sz="1200" i="1">
+                                    <a:latin typeface="Cambria Math" panose="02040503050406030204" pitchFamily="18" charset="0"/>
+                                    <a:ea typeface="Cambria Math" panose="02040503050406030204" pitchFamily="18" charset="0"/>
+                                  </a:rPr>
+                                </m:ctrlPr>
+                              </m:sSubPr>
+                              <m:e>
+                                <m:r>
+                                  <a:rPr lang="fr-FR" sz="1200" b="0" i="1" smtClean="0">
+                                    <a:latin typeface="Cambria Math" panose="02040503050406030204" pitchFamily="18" charset="0"/>
+                                    <a:ea typeface="Cambria Math" panose="02040503050406030204" pitchFamily="18" charset="0"/>
+                                  </a:rPr>
+                                  <m:t>𝐵</m:t>
+                                </m:r>
+                              </m:e>
+                              <m:sub>
+                                <m:r>
+                                  <a:rPr lang="fr-FR" sz="1200" i="1">
+                                    <a:latin typeface="Cambria Math" panose="02040503050406030204" pitchFamily="18" charset="0"/>
+                                    <a:ea typeface="Cambria Math" panose="02040503050406030204" pitchFamily="18" charset="0"/>
+                                  </a:rPr>
+                                  <m:t>𝑟</m:t>
+                                </m:r>
+                              </m:sub>
+                            </m:sSub>
+                            <m:r>
+                              <a:rPr lang="fr-FR" sz="1200" i="1">
+                                <a:latin typeface="Cambria Math" panose="02040503050406030204" pitchFamily="18" charset="0"/>
+                                <a:ea typeface="Cambria Math" panose="02040503050406030204" pitchFamily="18" charset="0"/>
+                              </a:rPr>
+                              <m:t>+</m:t>
+                            </m:r>
+                            <m:sSub>
+                              <m:sSubPr>
+                                <m:ctrlPr>
+                                  <a:rPr lang="fr-FR" sz="1200" i="1">
+                                    <a:latin typeface="Cambria Math" panose="02040503050406030204" pitchFamily="18" charset="0"/>
+                                    <a:ea typeface="Cambria Math" panose="02040503050406030204" pitchFamily="18" charset="0"/>
+                                  </a:rPr>
+                                </m:ctrlPr>
+                              </m:sSubPr>
+                              <m:e>
+                                <m:r>
+                                  <a:rPr lang="fr-FR" sz="1200" b="0" i="1" smtClean="0">
+                                    <a:latin typeface="Cambria Math" panose="02040503050406030204" pitchFamily="18" charset="0"/>
+                                    <a:ea typeface="Cambria Math" panose="02040503050406030204" pitchFamily="18" charset="0"/>
+                                  </a:rPr>
+                                  <m:t>𝐵</m:t>
+                                </m:r>
+                              </m:e>
+                              <m:sub>
+                                <m:r>
+                                  <a:rPr lang="fr-FR" sz="1200" i="1">
+                                    <a:latin typeface="Cambria Math" panose="02040503050406030204" pitchFamily="18" charset="0"/>
+                                    <a:ea typeface="Cambria Math" panose="02040503050406030204" pitchFamily="18" charset="0"/>
+                                  </a:rPr>
+                                  <m:t>𝐽</m:t>
+                                </m:r>
+                              </m:sub>
+                            </m:sSub>
+                            <m:r>
+                              <a:rPr lang="fr-FR" sz="1200" i="1">
+                                <a:latin typeface="Cambria Math" panose="02040503050406030204" pitchFamily="18" charset="0"/>
+                                <a:ea typeface="Cambria Math" panose="02040503050406030204" pitchFamily="18" charset="0"/>
+                              </a:rPr>
+                              <m:t>+</m:t>
+                            </m:r>
+                            <m:sSub>
+                              <m:sSubPr>
+                                <m:ctrlPr>
+                                  <a:rPr lang="fr-FR" sz="1200" i="1">
+                                    <a:latin typeface="Cambria Math" panose="02040503050406030204" pitchFamily="18" charset="0"/>
+                                    <a:ea typeface="Cambria Math" panose="02040503050406030204" pitchFamily="18" charset="0"/>
+                                  </a:rPr>
+                                </m:ctrlPr>
+                              </m:sSubPr>
+                              <m:e>
+                                <m:r>
+                                  <a:rPr lang="fr-FR" sz="1200" b="0" i="1" smtClean="0">
+                                    <a:latin typeface="Cambria Math" panose="02040503050406030204" pitchFamily="18" charset="0"/>
+                                    <a:ea typeface="Cambria Math" panose="02040503050406030204" pitchFamily="18" charset="0"/>
+                                  </a:rPr>
+                                  <m:t>𝐵</m:t>
+                                </m:r>
+                              </m:e>
+                              <m:sub>
+                                <m:r>
+                                  <a:rPr lang="fr-FR" sz="1200" i="1">
+                                    <a:latin typeface="Cambria Math" panose="02040503050406030204" pitchFamily="18" charset="0"/>
+                                    <a:ea typeface="Cambria Math" panose="02040503050406030204" pitchFamily="18" charset="0"/>
+                                  </a:rPr>
+                                  <m:t>𝑉</m:t>
+                                </m:r>
+                              </m:sub>
+                            </m:sSub>
+                            <m:r>
+                              <a:rPr lang="fr-FR" sz="1200" i="1">
+                                <a:latin typeface="Cambria Math" panose="02040503050406030204" pitchFamily="18" charset="0"/>
+                                <a:ea typeface="Cambria Math" panose="02040503050406030204" pitchFamily="18" charset="0"/>
+                              </a:rPr>
+                              <m:t>+</m:t>
+                            </m:r>
+                            <m:sSub>
+                              <m:sSubPr>
+                                <m:ctrlPr>
+                                  <a:rPr lang="fr-FR" sz="1200" i="1">
+                                    <a:latin typeface="Cambria Math" panose="02040503050406030204" pitchFamily="18" charset="0"/>
+                                    <a:ea typeface="Cambria Math" panose="02040503050406030204" pitchFamily="18" charset="0"/>
+                                  </a:rPr>
+                                </m:ctrlPr>
+                              </m:sSubPr>
+                              <m:e>
+                                <m:r>
+                                  <a:rPr lang="fr-FR" sz="1200" b="0" i="1" smtClean="0">
+                                    <a:latin typeface="Cambria Math" panose="02040503050406030204" pitchFamily="18" charset="0"/>
+                                    <a:ea typeface="Cambria Math" panose="02040503050406030204" pitchFamily="18" charset="0"/>
+                                  </a:rPr>
+                                  <m:t>𝐵</m:t>
+                                </m:r>
+                              </m:e>
+                              <m:sub>
+                                <m:r>
+                                  <a:rPr lang="fr-FR" sz="1200" i="1">
+                                    <a:latin typeface="Cambria Math" panose="02040503050406030204" pitchFamily="18" charset="0"/>
+                                    <a:ea typeface="Cambria Math" panose="02040503050406030204" pitchFamily="18" charset="0"/>
+                                  </a:rPr>
+                                  <m:t>𝐸</m:t>
+                                </m:r>
+                              </m:sub>
+                            </m:sSub>
+                          </m:e>
+                        </m:d>
+                        <m:acc>
+                          <m:accPr>
+                            <m:chr m:val="̇"/>
+                            <m:ctrlPr>
+                              <a:rPr lang="fr-FR" sz="1200" i="1">
+                                <a:latin typeface="Cambria Math" panose="02040503050406030204" pitchFamily="18" charset="0"/>
+                                <a:ea typeface="Cambria Math" panose="02040503050406030204" pitchFamily="18" charset="0"/>
+                              </a:rPr>
+                            </m:ctrlPr>
+                          </m:accPr>
+                          <m:e>
+                            <m:sSup>
+                              <m:sSupPr>
+                                <m:ctrlPr>
+                                  <a:rPr lang="fr-FR" sz="1200" i="1">
+                                    <a:latin typeface="Cambria Math" panose="02040503050406030204" pitchFamily="18" charset="0"/>
+                                    <a:ea typeface="Cambria Math" panose="02040503050406030204" pitchFamily="18" charset="0"/>
+                                  </a:rPr>
+                                </m:ctrlPr>
+                              </m:sSupPr>
+                              <m:e>
+                                <m:r>
+                                  <a:rPr lang="fr-FR" sz="1200" i="1">
+                                    <a:latin typeface="Cambria Math" panose="02040503050406030204" pitchFamily="18" charset="0"/>
+                                    <a:ea typeface="Cambria Math" panose="02040503050406030204" pitchFamily="18" charset="0"/>
+                                  </a:rPr>
+                                  <m:t>𝛽</m:t>
+                                </m:r>
+                              </m:e>
+                              <m:sup>
+                                <m:r>
+                                  <a:rPr lang="fr-FR" sz="1200" i="1">
+                                    <a:latin typeface="Cambria Math" panose="02040503050406030204" pitchFamily="18" charset="0"/>
+                                    <a:ea typeface="Cambria Math" panose="02040503050406030204" pitchFamily="18" charset="0"/>
+                                  </a:rPr>
+                                  <m:t>2</m:t>
+                                </m:r>
+                              </m:sup>
+                            </m:sSup>
+                          </m:e>
+                        </m:acc>
+                      </m:e>
+                    </m:d>
+                    <m:r>
+                      <a:rPr lang="fr-FR" sz="1200" b="0" i="1" smtClean="0">
+                        <a:latin typeface="Cambria Math" panose="02040503050406030204" pitchFamily="18" charset="0"/>
+                        <a:ea typeface="Cambria Math" panose="02040503050406030204" pitchFamily="18" charset="0"/>
+                      </a:rPr>
+                      <m:t>+</m:t>
+                    </m:r>
+                    <m:f>
+                      <m:fPr>
+                        <m:ctrlPr>
+                          <a:rPr lang="fr-FR" sz="1200" b="0" i="1" smtClean="0">
+                            <a:latin typeface="Cambria Math" panose="02040503050406030204" pitchFamily="18" charset="0"/>
+                            <a:ea typeface="Cambria Math" panose="02040503050406030204" pitchFamily="18" charset="0"/>
+                          </a:rPr>
+                        </m:ctrlPr>
+                      </m:fPr>
+                      <m:num>
+                        <m:r>
+                          <a:rPr lang="fr-FR" sz="1200" b="0" i="1" smtClean="0">
+                            <a:latin typeface="Cambria Math" panose="02040503050406030204" pitchFamily="18" charset="0"/>
+                            <a:ea typeface="Cambria Math" panose="02040503050406030204" pitchFamily="18" charset="0"/>
+                          </a:rPr>
+                          <m:t>1</m:t>
+                        </m:r>
+                      </m:num>
+                      <m:den>
+                        <m:r>
+                          <a:rPr lang="fr-FR" sz="1200" b="0" i="1" smtClean="0">
+                            <a:latin typeface="Cambria Math" panose="02040503050406030204" pitchFamily="18" charset="0"/>
+                            <a:ea typeface="Cambria Math" panose="02040503050406030204" pitchFamily="18" charset="0"/>
+                          </a:rPr>
+                          <m:t>2</m:t>
+                        </m:r>
+                      </m:den>
+                    </m:f>
+                    <m:d>
+                      <m:dPr>
+                        <m:ctrlPr>
+                          <a:rPr lang="fr-FR" sz="1200" b="0" i="1" smtClean="0">
+                            <a:latin typeface="Cambria Math" panose="02040503050406030204" pitchFamily="18" charset="0"/>
+                            <a:ea typeface="Cambria Math" panose="02040503050406030204" pitchFamily="18" charset="0"/>
+                          </a:rPr>
+                        </m:ctrlPr>
+                      </m:dPr>
+                      <m:e>
+                        <m:sSub>
+                          <m:sSubPr>
+                            <m:ctrlPr>
+                              <a:rPr lang="fr-FR" sz="1200" i="1">
+                                <a:latin typeface="Cambria Math" panose="02040503050406030204" pitchFamily="18" charset="0"/>
+                                <a:ea typeface="Cambria Math" panose="02040503050406030204" pitchFamily="18" charset="0"/>
+                              </a:rPr>
+                            </m:ctrlPr>
+                          </m:sSubPr>
+                          <m:e>
+                            <m:r>
+                              <a:rPr lang="fr-FR" sz="1200" i="1">
+                                <a:latin typeface="Cambria Math" panose="02040503050406030204" pitchFamily="18" charset="0"/>
+                                <a:ea typeface="Cambria Math" panose="02040503050406030204" pitchFamily="18" charset="0"/>
+                              </a:rPr>
+                              <m:t>𝑚</m:t>
+                            </m:r>
+                          </m:e>
+                          <m:sub>
+                            <m:r>
+                              <a:rPr lang="fr-FR" sz="1200" i="1">
+                                <a:latin typeface="Cambria Math" panose="02040503050406030204" pitchFamily="18" charset="0"/>
+                                <a:ea typeface="Cambria Math" panose="02040503050406030204" pitchFamily="18" charset="0"/>
+                              </a:rPr>
+                              <m:t>𝑟</m:t>
+                            </m:r>
+                          </m:sub>
+                        </m:sSub>
+                        <m:sSubSup>
+                          <m:sSubSupPr>
+                            <m:ctrlPr>
+                              <a:rPr lang="fr-FR" sz="1200" i="1">
+                                <a:latin typeface="Cambria Math" panose="02040503050406030204" pitchFamily="18" charset="0"/>
+                                <a:ea typeface="Cambria Math" panose="02040503050406030204" pitchFamily="18" charset="0"/>
+                              </a:rPr>
+                            </m:ctrlPr>
+                          </m:sSubSupPr>
+                          <m:e>
+                            <m:r>
+                              <a:rPr lang="fr-FR" sz="1200" i="1">
+                                <a:latin typeface="Cambria Math" panose="02040503050406030204" pitchFamily="18" charset="0"/>
+                                <a:ea typeface="Cambria Math" panose="02040503050406030204" pitchFamily="18" charset="0"/>
+                              </a:rPr>
+                              <m:t>𝑅</m:t>
+                            </m:r>
+                          </m:e>
+                          <m:sub>
+                            <m:r>
+                              <a:rPr lang="fr-FR" sz="1200" i="1">
+                                <a:latin typeface="Cambria Math" panose="02040503050406030204" pitchFamily="18" charset="0"/>
+                                <a:ea typeface="Cambria Math" panose="02040503050406030204" pitchFamily="18" charset="0"/>
+                              </a:rPr>
+                              <m:t>𝑟</m:t>
+                            </m:r>
+                          </m:sub>
+                          <m:sup>
+                            <m:r>
+                              <a:rPr lang="fr-FR" sz="1200" i="1">
+                                <a:latin typeface="Cambria Math" panose="02040503050406030204" pitchFamily="18" charset="0"/>
+                                <a:ea typeface="Cambria Math" panose="02040503050406030204" pitchFamily="18" charset="0"/>
+                              </a:rPr>
+                              <m:t>2</m:t>
+                            </m:r>
+                          </m:sup>
+                        </m:sSubSup>
+                        <m:r>
+                          <a:rPr lang="fr-FR" sz="1200" b="0" i="1" smtClean="0">
+                            <a:latin typeface="Cambria Math" panose="02040503050406030204" pitchFamily="18" charset="0"/>
+                            <a:ea typeface="Cambria Math" panose="02040503050406030204" pitchFamily="18" charset="0"/>
+                          </a:rPr>
+                          <m:t>+</m:t>
+                        </m:r>
+                        <m:sSub>
+                          <m:sSubPr>
+                            <m:ctrlPr>
+                              <a:rPr lang="fr-FR" sz="1200" i="1">
+                                <a:latin typeface="Cambria Math" panose="02040503050406030204" pitchFamily="18" charset="0"/>
+                                <a:ea typeface="Cambria Math" panose="02040503050406030204" pitchFamily="18" charset="0"/>
+                              </a:rPr>
+                            </m:ctrlPr>
+                          </m:sSubPr>
+                          <m:e>
+                            <m:r>
+                              <a:rPr lang="fr-FR" sz="1200" i="1">
+                                <a:latin typeface="Cambria Math" panose="02040503050406030204" pitchFamily="18" charset="0"/>
+                                <a:ea typeface="Cambria Math" panose="02040503050406030204" pitchFamily="18" charset="0"/>
+                              </a:rPr>
+                              <m:t>𝑚</m:t>
+                            </m:r>
+                          </m:e>
+                          <m:sub>
+                            <m:r>
+                              <a:rPr lang="fr-FR" sz="1200" b="0" i="1" smtClean="0">
+                                <a:latin typeface="Cambria Math" panose="02040503050406030204" pitchFamily="18" charset="0"/>
+                                <a:ea typeface="Cambria Math" panose="02040503050406030204" pitchFamily="18" charset="0"/>
+                              </a:rPr>
+                              <m:t>𝐽</m:t>
+                            </m:r>
+                          </m:sub>
+                        </m:sSub>
+                        <m:sSubSup>
+                          <m:sSubSupPr>
+                            <m:ctrlPr>
+                              <a:rPr lang="fr-FR" sz="1200" i="1">
+                                <a:latin typeface="Cambria Math" panose="02040503050406030204" pitchFamily="18" charset="0"/>
+                                <a:ea typeface="Cambria Math" panose="02040503050406030204" pitchFamily="18" charset="0"/>
+                              </a:rPr>
+                            </m:ctrlPr>
+                          </m:sSubSupPr>
+                          <m:e>
+                            <m:r>
+                              <a:rPr lang="fr-FR" sz="1200" i="1">
+                                <a:latin typeface="Cambria Math" panose="02040503050406030204" pitchFamily="18" charset="0"/>
+                                <a:ea typeface="Cambria Math" panose="02040503050406030204" pitchFamily="18" charset="0"/>
+                              </a:rPr>
+                              <m:t>𝑅</m:t>
+                            </m:r>
+                          </m:e>
+                          <m:sub>
+                            <m:r>
+                              <a:rPr lang="fr-FR" sz="1200" b="0" i="1" smtClean="0">
+                                <a:latin typeface="Cambria Math" panose="02040503050406030204" pitchFamily="18" charset="0"/>
+                                <a:ea typeface="Cambria Math" panose="02040503050406030204" pitchFamily="18" charset="0"/>
+                              </a:rPr>
+                              <m:t>𝐽</m:t>
+                            </m:r>
+                          </m:sub>
+                          <m:sup>
+                            <m:r>
+                              <a:rPr lang="fr-FR" sz="1200" i="1">
+                                <a:latin typeface="Cambria Math" panose="02040503050406030204" pitchFamily="18" charset="0"/>
+                                <a:ea typeface="Cambria Math" panose="02040503050406030204" pitchFamily="18" charset="0"/>
+                              </a:rPr>
+                              <m:t>2</m:t>
+                            </m:r>
+                          </m:sup>
+                        </m:sSubSup>
+                        <m:r>
+                          <a:rPr lang="fr-FR" sz="1200" b="0" i="1" smtClean="0">
+                            <a:latin typeface="Cambria Math" panose="02040503050406030204" pitchFamily="18" charset="0"/>
+                            <a:ea typeface="Cambria Math" panose="02040503050406030204" pitchFamily="18" charset="0"/>
+                          </a:rPr>
+                          <m:t>+</m:t>
+                        </m:r>
+                        <m:sSub>
+                          <m:sSubPr>
+                            <m:ctrlPr>
+                              <a:rPr lang="fr-FR" sz="1200" i="1">
+                                <a:latin typeface="Cambria Math" panose="02040503050406030204" pitchFamily="18" charset="0"/>
+                                <a:ea typeface="Cambria Math" panose="02040503050406030204" pitchFamily="18" charset="0"/>
+                              </a:rPr>
+                            </m:ctrlPr>
+                          </m:sSubPr>
+                          <m:e>
+                            <m:r>
+                              <a:rPr lang="fr-FR" sz="1200" i="1">
+                                <a:latin typeface="Cambria Math" panose="02040503050406030204" pitchFamily="18" charset="0"/>
+                                <a:ea typeface="Cambria Math" panose="02040503050406030204" pitchFamily="18" charset="0"/>
+                              </a:rPr>
+                              <m:t>𝑚</m:t>
+                            </m:r>
+                          </m:e>
+                          <m:sub>
+                            <m:r>
+                              <a:rPr lang="fr-FR" sz="1200" b="0" i="1" smtClean="0">
+                                <a:latin typeface="Cambria Math" panose="02040503050406030204" pitchFamily="18" charset="0"/>
+                                <a:ea typeface="Cambria Math" panose="02040503050406030204" pitchFamily="18" charset="0"/>
+                              </a:rPr>
+                              <m:t>𝑉</m:t>
+                            </m:r>
+                          </m:sub>
+                        </m:sSub>
+                        <m:sSubSup>
+                          <m:sSubSupPr>
+                            <m:ctrlPr>
+                              <a:rPr lang="fr-FR" sz="1200" i="1">
+                                <a:latin typeface="Cambria Math" panose="02040503050406030204" pitchFamily="18" charset="0"/>
+                                <a:ea typeface="Cambria Math" panose="02040503050406030204" pitchFamily="18" charset="0"/>
+                              </a:rPr>
+                            </m:ctrlPr>
+                          </m:sSubSupPr>
+                          <m:e>
+                            <m:r>
+                              <a:rPr lang="fr-FR" sz="1200" i="1">
+                                <a:latin typeface="Cambria Math" panose="02040503050406030204" pitchFamily="18" charset="0"/>
+                                <a:ea typeface="Cambria Math" panose="02040503050406030204" pitchFamily="18" charset="0"/>
+                              </a:rPr>
+                              <m:t>𝑅</m:t>
+                            </m:r>
+                          </m:e>
+                          <m:sub>
+                            <m:r>
+                              <a:rPr lang="fr-FR" sz="1200" b="0" i="1" smtClean="0">
+                                <a:latin typeface="Cambria Math" panose="02040503050406030204" pitchFamily="18" charset="0"/>
+                                <a:ea typeface="Cambria Math" panose="02040503050406030204" pitchFamily="18" charset="0"/>
+                              </a:rPr>
+                              <m:t>𝑉</m:t>
+                            </m:r>
+                          </m:sub>
+                          <m:sup>
+                            <m:r>
+                              <a:rPr lang="fr-FR" sz="1200" i="1">
+                                <a:latin typeface="Cambria Math" panose="02040503050406030204" pitchFamily="18" charset="0"/>
+                                <a:ea typeface="Cambria Math" panose="02040503050406030204" pitchFamily="18" charset="0"/>
+                              </a:rPr>
+                              <m:t>2</m:t>
+                            </m:r>
+                          </m:sup>
+                        </m:sSubSup>
+                        <m:r>
+                          <a:rPr lang="fr-FR" sz="1200" b="0" i="1" smtClean="0">
+                            <a:latin typeface="Cambria Math" panose="02040503050406030204" pitchFamily="18" charset="0"/>
+                            <a:ea typeface="Cambria Math" panose="02040503050406030204" pitchFamily="18" charset="0"/>
+                          </a:rPr>
+                          <m:t>+</m:t>
+                        </m:r>
+                        <m:sSub>
+                          <m:sSubPr>
+                            <m:ctrlPr>
+                              <a:rPr lang="fr-FR" sz="1200" i="1">
+                                <a:latin typeface="Cambria Math" panose="02040503050406030204" pitchFamily="18" charset="0"/>
+                                <a:ea typeface="Cambria Math" panose="02040503050406030204" pitchFamily="18" charset="0"/>
+                              </a:rPr>
+                            </m:ctrlPr>
+                          </m:sSubPr>
+                          <m:e>
+                            <m:r>
+                              <a:rPr lang="fr-FR" sz="1200" i="1">
+                                <a:latin typeface="Cambria Math" panose="02040503050406030204" pitchFamily="18" charset="0"/>
+                                <a:ea typeface="Cambria Math" panose="02040503050406030204" pitchFamily="18" charset="0"/>
+                              </a:rPr>
+                              <m:t>𝑚</m:t>
+                            </m:r>
+                          </m:e>
+                          <m:sub>
+                            <m:r>
+                              <a:rPr lang="fr-FR" sz="1200" b="0" i="1" smtClean="0">
+                                <a:latin typeface="Cambria Math" panose="02040503050406030204" pitchFamily="18" charset="0"/>
+                                <a:ea typeface="Cambria Math" panose="02040503050406030204" pitchFamily="18" charset="0"/>
+                              </a:rPr>
+                              <m:t>𝐸</m:t>
+                            </m:r>
+                          </m:sub>
+                        </m:sSub>
+                        <m:sSubSup>
+                          <m:sSubSupPr>
+                            <m:ctrlPr>
+                              <a:rPr lang="fr-FR" sz="1200" i="1">
+                                <a:latin typeface="Cambria Math" panose="02040503050406030204" pitchFamily="18" charset="0"/>
+                                <a:ea typeface="Cambria Math" panose="02040503050406030204" pitchFamily="18" charset="0"/>
+                              </a:rPr>
+                            </m:ctrlPr>
+                          </m:sSubSupPr>
+                          <m:e>
+                            <m:r>
+                              <a:rPr lang="fr-FR" sz="1200" i="1">
+                                <a:latin typeface="Cambria Math" panose="02040503050406030204" pitchFamily="18" charset="0"/>
+                                <a:ea typeface="Cambria Math" panose="02040503050406030204" pitchFamily="18" charset="0"/>
+                              </a:rPr>
+                              <m:t>𝑅</m:t>
+                            </m:r>
+                          </m:e>
+                          <m:sub>
+                            <m:r>
+                              <a:rPr lang="fr-FR" sz="1200" b="0" i="1" smtClean="0">
+                                <a:latin typeface="Cambria Math" panose="02040503050406030204" pitchFamily="18" charset="0"/>
+                                <a:ea typeface="Cambria Math" panose="02040503050406030204" pitchFamily="18" charset="0"/>
+                              </a:rPr>
+                              <m:t>𝐸</m:t>
+                            </m:r>
+                          </m:sub>
+                          <m:sup>
+                            <m:r>
+                              <a:rPr lang="fr-FR" sz="1200" i="1">
+                                <a:latin typeface="Cambria Math" panose="02040503050406030204" pitchFamily="18" charset="0"/>
+                                <a:ea typeface="Cambria Math" panose="02040503050406030204" pitchFamily="18" charset="0"/>
+                              </a:rPr>
+                              <m:t>2</m:t>
+                            </m:r>
+                          </m:sup>
+                        </m:sSubSup>
+                      </m:e>
+                    </m:d>
+                    <m:acc>
+                      <m:accPr>
+                        <m:chr m:val="̇"/>
+                        <m:ctrlPr>
+                          <a:rPr lang="fr-FR" sz="1200" i="1">
+                            <a:latin typeface="Cambria Math" panose="02040503050406030204" pitchFamily="18" charset="0"/>
+                            <a:ea typeface="Cambria Math" panose="02040503050406030204" pitchFamily="18" charset="0"/>
+                          </a:rPr>
+                        </m:ctrlPr>
+                      </m:accPr>
+                      <m:e>
+                        <m:sSup>
+                          <m:sSupPr>
+                            <m:ctrlPr>
+                              <a:rPr lang="fr-FR" sz="1200" i="1">
+                                <a:latin typeface="Cambria Math" panose="02040503050406030204" pitchFamily="18" charset="0"/>
+                                <a:ea typeface="Cambria Math" panose="02040503050406030204" pitchFamily="18" charset="0"/>
+                              </a:rPr>
+                            </m:ctrlPr>
+                          </m:sSupPr>
+                          <m:e>
+                            <m:r>
+                              <a:rPr lang="fr-FR" sz="1200" i="1">
+                                <a:latin typeface="Cambria Math" panose="02040503050406030204" pitchFamily="18" charset="0"/>
+                                <a:ea typeface="Cambria Math" panose="02040503050406030204" pitchFamily="18" charset="0"/>
+                              </a:rPr>
+                              <m:t>𝛽</m:t>
+                            </m:r>
+                          </m:e>
+                          <m:sup>
+                            <m:r>
+                              <a:rPr lang="fr-FR" sz="1200" i="1">
+                                <a:latin typeface="Cambria Math" panose="02040503050406030204" pitchFamily="18" charset="0"/>
+                                <a:ea typeface="Cambria Math" panose="02040503050406030204" pitchFamily="18" charset="0"/>
+                              </a:rPr>
+                              <m:t>2</m:t>
+                            </m:r>
+                          </m:sup>
+                        </m:sSup>
+                      </m:e>
+                    </m:acc>
+                  </m:oMath>
+                </a14:m>
+                <a:endParaRPr lang="fr-FR" sz="1200" dirty="0">
+                  <a:ea typeface="Cambria Math" panose="02040503050406030204" pitchFamily="18" charset="0"/>
+                </a:endParaRPr>
+              </a:p>
+              <a:p>
+                <a:pPr lvl="2"/>
+                <a:endParaRPr lang="fr-FR" sz="1200" dirty="0"/>
+              </a:p>
+            </p:txBody>
+          </p:sp>
+        </mc:Choice>
+        <mc:Fallback xmlns="">
+          <p:sp>
+            <p:nvSpPr>
+              <p:cNvPr id="4" name="Espace réservé du contenu 2">
+                <a:extLst>
+                  <a:ext uri="{FF2B5EF4-FFF2-40B4-BE49-F238E27FC236}">
+                    <a16:creationId xmlns:a16="http://schemas.microsoft.com/office/drawing/2014/main" id="{E7512A05-D1EA-5493-6918-5F2C2DCF52A2}"/>
+                  </a:ext>
+                </a:extLst>
+              </p:cNvPr>
+              <p:cNvSpPr txBox="1">
+                <a:spLocks noRot="1" noChangeAspect="1" noMove="1" noResize="1" noEditPoints="1" noAdjustHandles="1" noChangeArrowheads="1" noChangeShapeType="1" noTextEdit="1"/>
+              </p:cNvSpPr>
+              <p:nvPr/>
+            </p:nvSpPr>
+            <p:spPr>
+              <a:xfrm>
+                <a:off x="4659086" y="981887"/>
+                <a:ext cx="7532913" cy="5253339"/>
+              </a:xfrm>
+              <a:prstGeom prst="rect">
+                <a:avLst/>
+              </a:prstGeom>
+              <a:blipFill>
+                <a:blip r:embed="rId2"/>
+                <a:stretch>
+                  <a:fillRect l="-1699" t="-1392"/>
+                </a:stretch>
+              </a:blipFill>
+            </p:spPr>
+            <p:txBody>
+              <a:bodyPr/>
+              <a:lstStyle/>
+              <a:p>
+                <a:r>
+                  <a:rPr lang="fr-FR">
+                    <a:noFill/>
+                  </a:rPr>
+                  <a:t> </a:t>
+                </a:r>
+              </a:p>
+            </p:txBody>
+          </p:sp>
+        </mc:Fallback>
+      </mc:AlternateContent>
+    </p:spTree>
+    <p:extLst>
+      <p:ext uri="{BB962C8B-B14F-4D97-AF65-F5344CB8AC3E}">
+        <p14:creationId xmlns:p14="http://schemas.microsoft.com/office/powerpoint/2010/main" val="3361322380"/>
+      </p:ext>
+    </p:extLst>
+  </p:cSld>
+  <p:clrMapOvr>
+    <a:masterClrMapping/>
+  </p:clrMapOvr>
+</p:sld>
+</file>
+
+<file path=ppt/slides/slide11.xml><?xml version="1.0" encoding="utf-8"?>
+<p:sld xmlns:a="http://schemas.openxmlformats.org/drawingml/2006/main" xmlns:r="http://schemas.openxmlformats.org/officeDocument/2006/relationships" xmlns:p="http://schemas.openxmlformats.org/presentationml/2006/main">
+  <p:cSld>
+    <p:spTree>
+      <p:nvGrpSpPr>
+        <p:cNvPr id="1" name=""/>
+        <p:cNvGrpSpPr/>
+        <p:nvPr/>
+      </p:nvGrpSpPr>
+      <p:grpSpPr>
+        <a:xfrm>
+          <a:off x="0" y="0"/>
+          <a:ext cx="0" cy="0"/>
+          <a:chOff x="0" y="0"/>
+          <a:chExt cx="0" cy="0"/>
+        </a:xfrm>
+      </p:grpSpPr>
+      <p:sp>
+        <p:nvSpPr>
+          <p:cNvPr id="2" name="Titre 1">
+            <a:extLst>
+              <a:ext uri="{FF2B5EF4-FFF2-40B4-BE49-F238E27FC236}">
+                <a16:creationId xmlns:a16="http://schemas.microsoft.com/office/drawing/2014/main" id="{0880FE2C-A2DB-EC9F-19A8-C313B7295FF7}"/>
+              </a:ext>
+            </a:extLst>
+          </p:cNvPr>
+          <p:cNvSpPr>
+            <a:spLocks noGrp="1"/>
+          </p:cNvSpPr>
+          <p:nvPr>
+            <p:ph type="title"/>
+          </p:nvPr>
+        </p:nvSpPr>
+        <p:spPr/>
+        <p:txBody>
+          <a:bodyPr>
+            <a:noAutofit/>
+          </a:bodyPr>
+          <a:lstStyle/>
+          <a:p>
+            <a:r>
+              <a:rPr lang="fr-FR" sz="2800" dirty="0"/>
+              <a:t>Stratégie TEC</a:t>
+            </a:r>
+            <a:br>
+              <a:rPr lang="fr-FR" sz="2800" dirty="0"/>
+            </a:br>
+            <a:r>
+              <a:rPr lang="fr-FR" sz="2800" dirty="0"/>
+              <a:t>Energie cinétique</a:t>
+            </a:r>
+          </a:p>
+        </p:txBody>
+      </p:sp>
+      <p:sp>
+        <p:nvSpPr>
+          <p:cNvPr id="3" name="Espace réservé du contenu 2">
+            <a:extLst>
+              <a:ext uri="{FF2B5EF4-FFF2-40B4-BE49-F238E27FC236}">
+                <a16:creationId xmlns:a16="http://schemas.microsoft.com/office/drawing/2014/main" id="{67BAA89F-0FFE-0B50-3319-445849FF9A19}"/>
+              </a:ext>
+            </a:extLst>
+          </p:cNvPr>
+          <p:cNvSpPr>
+            <a:spLocks noGrp="1"/>
+          </p:cNvSpPr>
+          <p:nvPr>
+            <p:ph idx="1"/>
+          </p:nvPr>
+        </p:nvSpPr>
+        <p:spPr>
+          <a:xfrm>
+            <a:off x="117795" y="981887"/>
+            <a:ext cx="4541291" cy="5253339"/>
+          </a:xfrm>
+        </p:spPr>
+        <p:txBody>
+          <a:bodyPr>
+            <a:normAutofit fontScale="85000" lnSpcReduction="20000"/>
+          </a:bodyPr>
+          <a:lstStyle/>
+          <a:p>
+            <a:r>
+              <a:rPr lang="fr-FR" dirty="0"/>
+              <a:t> Energie cinétique</a:t>
+            </a:r>
+          </a:p>
+          <a:p>
+            <a:pPr lvl="1"/>
+            <a:r>
+              <a:rPr lang="fr-FR" dirty="0"/>
+              <a:t>Relation cinématique</a:t>
+            </a:r>
+          </a:p>
+          <a:p>
+            <a:pPr lvl="2"/>
+            <a:r>
+              <a:rPr lang="fr-FR" dirty="0"/>
+              <a:t>Expérimentalement</a:t>
+            </a:r>
+          </a:p>
+          <a:p>
+            <a:pPr lvl="2"/>
+            <a:r>
+              <a:rPr lang="fr-FR" dirty="0"/>
+              <a:t>Avec la documentation</a:t>
+            </a:r>
+          </a:p>
+          <a:p>
+            <a:pPr lvl="1"/>
+            <a:r>
+              <a:rPr lang="fr-FR" dirty="0"/>
+              <a:t>Energie cinétique ensemble stator</a:t>
+            </a:r>
+          </a:p>
+          <a:p>
+            <a:pPr lvl="2"/>
+            <a:r>
+              <a:rPr lang="fr-FR" dirty="0"/>
+              <a:t>Inertie stator : peser stator + SW</a:t>
+            </a:r>
+          </a:p>
+          <a:p>
+            <a:pPr lvl="1"/>
+            <a:r>
+              <a:rPr lang="fr-FR" dirty="0"/>
+              <a:t>Energie cinétique ensemble rotor</a:t>
+            </a:r>
+          </a:p>
+          <a:p>
+            <a:pPr lvl="1"/>
+            <a:r>
+              <a:rPr lang="fr-FR" dirty="0"/>
+              <a:t>Energie cinétique écrou</a:t>
+            </a:r>
+          </a:p>
+          <a:p>
+            <a:pPr lvl="1"/>
+            <a:r>
+              <a:rPr lang="fr-FR" dirty="0"/>
+              <a:t>Energie cinétique ensemble bras</a:t>
+            </a:r>
+          </a:p>
+          <a:p>
+            <a:pPr lvl="1"/>
+            <a:endParaRPr lang="fr-FR" dirty="0"/>
+          </a:p>
+          <a:p>
+            <a:pPr lvl="1"/>
+            <a:endParaRPr lang="fr-FR" dirty="0"/>
+          </a:p>
+          <a:p>
+            <a:pPr lvl="2"/>
+            <a:r>
+              <a:rPr lang="fr-FR" dirty="0"/>
+              <a:t>Documentation</a:t>
+            </a:r>
+          </a:p>
+          <a:p>
+            <a:pPr lvl="1"/>
+            <a:r>
+              <a:rPr lang="fr-FR" dirty="0"/>
+              <a:t>Inertie du réducteur</a:t>
+            </a:r>
+          </a:p>
+          <a:p>
+            <a:pPr lvl="2"/>
+            <a:r>
+              <a:rPr lang="fr-FR" dirty="0"/>
+              <a:t>Documentation</a:t>
+            </a:r>
+          </a:p>
+          <a:p>
+            <a:pPr lvl="1"/>
+            <a:r>
+              <a:rPr lang="fr-FR" dirty="0"/>
+              <a:t>Inertie de la poulie</a:t>
+            </a:r>
+          </a:p>
+          <a:p>
+            <a:pPr lvl="1"/>
+            <a:r>
+              <a:rPr lang="fr-FR" dirty="0"/>
+              <a:t>Inertie codeur ?</a:t>
+            </a:r>
+          </a:p>
+          <a:p>
+            <a:pPr lvl="1"/>
+            <a:r>
+              <a:rPr lang="fr-FR" dirty="0"/>
+              <a:t>Masse en translation</a:t>
+            </a:r>
+          </a:p>
+          <a:p>
+            <a:pPr lvl="2"/>
+            <a:r>
+              <a:rPr lang="fr-FR" dirty="0"/>
+              <a:t>Documentation</a:t>
+            </a:r>
+          </a:p>
+          <a:p>
+            <a:pPr lvl="2"/>
+            <a:r>
+              <a:rPr lang="fr-FR" dirty="0"/>
+              <a:t>Expérimentation</a:t>
+            </a:r>
+          </a:p>
+        </p:txBody>
+      </p:sp>
+      <mc:AlternateContent xmlns:mc="http://schemas.openxmlformats.org/markup-compatibility/2006" xmlns:a14="http://schemas.microsoft.com/office/drawing/2010/main">
+        <mc:Choice Requires="a14">
+          <p:sp>
+            <p:nvSpPr>
+              <p:cNvPr id="4" name="Espace réservé du contenu 2">
+                <a:extLst>
+                  <a:ext uri="{FF2B5EF4-FFF2-40B4-BE49-F238E27FC236}">
+                    <a16:creationId xmlns:a16="http://schemas.microsoft.com/office/drawing/2014/main" id="{E7512A05-D1EA-5493-6918-5F2C2DCF52A2}"/>
+                  </a:ext>
+                </a:extLst>
+              </p:cNvPr>
+              <p:cNvSpPr txBox="1">
+                <a:spLocks/>
+              </p:cNvSpPr>
+              <p:nvPr/>
+            </p:nvSpPr>
+            <p:spPr>
+              <a:xfrm>
                 <a:off x="4659087" y="981887"/>
                 <a:ext cx="7184570" cy="5253339"/>
               </a:xfrm>
@@ -6743,7 +10829,7 @@
 </p:sld>
 </file>
 
-<file path=ppt/slides/slide11.xml><?xml version="1.0" encoding="utf-8"?>
+<file path=ppt/slides/slide12.xml><?xml version="1.0" encoding="utf-8"?>
 <p:sld xmlns:a="http://schemas.openxmlformats.org/drawingml/2006/main" xmlns:r="http://schemas.openxmlformats.org/officeDocument/2006/relationships" xmlns:p="http://schemas.openxmlformats.org/presentationml/2006/main">
   <p:cSld>
     <p:spTree>
@@ -7150,7 +11236,7 @@
 </p:sld>
 </file>
 
-<file path=ppt/slides/slide12.xml><?xml version="1.0" encoding="utf-8"?>
+<file path=ppt/slides/slide13.xml><?xml version="1.0" encoding="utf-8"?>
 <p:sld xmlns:a="http://schemas.openxmlformats.org/drawingml/2006/main" xmlns:r="http://schemas.openxmlformats.org/officeDocument/2006/relationships" xmlns:p="http://schemas.openxmlformats.org/presentationml/2006/main">
   <p:cSld>
     <p:spTree>
@@ -12335,7 +16421,7 @@
           <p:cNvPr id="4" name="Titre 3">
             <a:extLst>
               <a:ext uri="{FF2B5EF4-FFF2-40B4-BE49-F238E27FC236}">
-                <a16:creationId xmlns:a16="http://schemas.microsoft.com/office/drawing/2014/main" id="{B794E1E6-E0CB-0314-482E-A48AE59E0887}"/>
+                <a16:creationId xmlns:a16="http://schemas.microsoft.com/office/drawing/2014/main" id="{E5C1CAA4-BEC8-E034-06F5-82D8ED3BFB47}"/>
               </a:ext>
             </a:extLst>
           </p:cNvPr>
@@ -12348,54 +16434,124 @@
         </p:nvSpPr>
         <p:spPr/>
         <p:txBody>
-          <a:bodyPr>
-            <a:normAutofit fontScale="90000"/>
-          </a:bodyPr>
+          <a:bodyPr/>
           <a:lstStyle/>
           <a:p>
             <a:r>
               <a:rPr lang="fr-FR" dirty="0"/>
-              <a:t>07</a:t>
+              <a:t>Chaine fonctionnelle du </a:t>
             </a:r>
-            <a:br>
-              <a:rPr lang="fr-FR" dirty="0"/>
-            </a:br>
             <a:r>
-              <a:rPr lang="fr-FR" dirty="0"/>
-              <a:t>Modélisation composants ou phénomènes</a:t>
+              <a:rPr lang="fr-FR" dirty="0" err="1"/>
+              <a:t>MaxPID</a:t>
             </a:r>
+            <a:endParaRPr lang="fr-FR" dirty="0"/>
           </a:p>
         </p:txBody>
       </p:sp>
       <p:sp>
         <p:nvSpPr>
-          <p:cNvPr id="5" name="Espace réservé du texte 4">
+          <p:cNvPr id="72" name="Rectangle 71">
             <a:extLst>
               <a:ext uri="{FF2B5EF4-FFF2-40B4-BE49-F238E27FC236}">
-                <a16:creationId xmlns:a16="http://schemas.microsoft.com/office/drawing/2014/main" id="{31164354-1A91-E980-2D9B-9062246D64F4}"/>
+                <a16:creationId xmlns:a16="http://schemas.microsoft.com/office/drawing/2014/main" id="{22DFAA51-C6D3-9FCC-9035-87E9C9207526}"/>
               </a:ext>
             </a:extLst>
           </p:cNvPr>
-          <p:cNvSpPr>
-            <a:spLocks noGrp="1"/>
-          </p:cNvSpPr>
-          <p:nvPr>
-            <p:ph type="body" idx="1"/>
-          </p:nvPr>
+          <p:cNvSpPr/>
+          <p:nvPr/>
         </p:nvSpPr>
-        <p:spPr/>
+        <p:spPr>
+          <a:xfrm>
+            <a:off x="498044" y="5363610"/>
+            <a:ext cx="8528438" cy="652851"/>
+          </a:xfrm>
+          <a:prstGeom prst="rect">
+            <a:avLst/>
+          </a:prstGeom>
+          <a:solidFill>
+            <a:srgbClr val="DFE3EB"/>
+          </a:solidFill>
+          <a:ln>
+            <a:noFill/>
+          </a:ln>
+        </p:spPr>
+        <p:style>
+          <a:lnRef idx="2">
+            <a:schemeClr val="accent1">
+              <a:shade val="50000"/>
+            </a:schemeClr>
+          </a:lnRef>
+          <a:fillRef idx="1">
+            <a:schemeClr val="accent1"/>
+          </a:fillRef>
+          <a:effectRef idx="0">
+            <a:schemeClr val="accent1"/>
+          </a:effectRef>
+          <a:fontRef idx="minor">
+            <a:schemeClr val="lt1"/>
+          </a:fontRef>
+        </p:style>
         <p:txBody>
-          <a:bodyPr/>
+          <a:bodyPr rtlCol="0" anchor="ctr"/>
           <a:lstStyle/>
           <a:p>
-            <a:endParaRPr lang="fr-FR"/>
+            <a:pPr marL="449263" algn="just"/>
+            <a:r>
+              <a:rPr lang="fr-FR" sz="1400" dirty="0">
+                <a:solidFill>
+                  <a:srgbClr val="00547F"/>
+                </a:solidFill>
+              </a:rPr>
+              <a:t>Tous </a:t>
+            </a:r>
+            <a:r>
+              <a:rPr lang="fr-FR" sz="1400">
+                <a:solidFill>
+                  <a:srgbClr val="00547F"/>
+                </a:solidFill>
+              </a:rPr>
+              <a:t>les capteurs </a:t>
+            </a:r>
+            <a:r>
+              <a:rPr lang="fr-FR" sz="1400" dirty="0">
+                <a:solidFill>
+                  <a:srgbClr val="00547F"/>
+                </a:solidFill>
+              </a:rPr>
+              <a:t>sont nécessaires au bon fonctionnement du système.</a:t>
+            </a:r>
           </a:p>
         </p:txBody>
       </p:sp>
+      <p:pic>
+        <p:nvPicPr>
+          <p:cNvPr id="3" name="Image 2"/>
+          <p:cNvPicPr>
+            <a:picLocks noChangeAspect="1"/>
+          </p:cNvPicPr>
+          <p:nvPr/>
+        </p:nvPicPr>
+        <p:blipFill>
+          <a:blip r:embed="rId2"/>
+          <a:stretch>
+            <a:fillRect/>
+          </a:stretch>
+        </p:blipFill>
+        <p:spPr>
+          <a:xfrm>
+            <a:off x="368386" y="1553029"/>
+            <a:ext cx="11455228" cy="3751942"/>
+          </a:xfrm>
+          <a:prstGeom prst="rect">
+            <a:avLst/>
+          </a:prstGeom>
+        </p:spPr>
+      </p:pic>
     </p:spTree>
     <p:extLst>
       <p:ext uri="{BB962C8B-B14F-4D97-AF65-F5344CB8AC3E}">
-        <p14:creationId xmlns:p14="http://schemas.microsoft.com/office/powerpoint/2010/main" val="455227787"/>
+        <p14:creationId xmlns:p14="http://schemas.microsoft.com/office/powerpoint/2010/main" val="3067843040"/>
       </p:ext>
     </p:extLst>
   </p:cSld>
@@ -12447,14 +16603,14 @@
           <a:p>
             <a:r>
               <a:rPr lang="fr-FR" dirty="0"/>
-              <a:t>09</a:t>
+              <a:t>07</a:t>
             </a:r>
             <a:br>
               <a:rPr lang="fr-FR" dirty="0"/>
             </a:br>
             <a:r>
               <a:rPr lang="fr-FR" dirty="0"/>
-              <a:t>Dimensionnement d’un actionneur en dynamique</a:t>
+              <a:t>Modélisation composants ou phénomènes</a:t>
             </a:r>
           </a:p>
         </p:txBody>
@@ -12487,6 +16643,98 @@
     </p:spTree>
     <p:extLst>
       <p:ext uri="{BB962C8B-B14F-4D97-AF65-F5344CB8AC3E}">
+        <p14:creationId xmlns:p14="http://schemas.microsoft.com/office/powerpoint/2010/main" val="455227787"/>
+      </p:ext>
+    </p:extLst>
+  </p:cSld>
+  <p:clrMapOvr>
+    <a:masterClrMapping/>
+  </p:clrMapOvr>
+</p:sld>
+</file>
+
+<file path=ppt/slides/slide7.xml><?xml version="1.0" encoding="utf-8"?>
+<p:sld xmlns:a="http://schemas.openxmlformats.org/drawingml/2006/main" xmlns:r="http://schemas.openxmlformats.org/officeDocument/2006/relationships" xmlns:p="http://schemas.openxmlformats.org/presentationml/2006/main">
+  <p:cSld>
+    <p:spTree>
+      <p:nvGrpSpPr>
+        <p:cNvPr id="1" name=""/>
+        <p:cNvGrpSpPr/>
+        <p:nvPr/>
+      </p:nvGrpSpPr>
+      <p:grpSpPr>
+        <a:xfrm>
+          <a:off x="0" y="0"/>
+          <a:ext cx="0" cy="0"/>
+          <a:chOff x="0" y="0"/>
+          <a:chExt cx="0" cy="0"/>
+        </a:xfrm>
+      </p:grpSpPr>
+      <p:sp>
+        <p:nvSpPr>
+          <p:cNvPr id="4" name="Titre 3">
+            <a:extLst>
+              <a:ext uri="{FF2B5EF4-FFF2-40B4-BE49-F238E27FC236}">
+                <a16:creationId xmlns:a16="http://schemas.microsoft.com/office/drawing/2014/main" id="{B794E1E6-E0CB-0314-482E-A48AE59E0887}"/>
+              </a:ext>
+            </a:extLst>
+          </p:cNvPr>
+          <p:cNvSpPr>
+            <a:spLocks noGrp="1"/>
+          </p:cNvSpPr>
+          <p:nvPr>
+            <p:ph type="title"/>
+          </p:nvPr>
+        </p:nvSpPr>
+        <p:spPr/>
+        <p:txBody>
+          <a:bodyPr>
+            <a:normAutofit fontScale="90000"/>
+          </a:bodyPr>
+          <a:lstStyle/>
+          <a:p>
+            <a:r>
+              <a:rPr lang="fr-FR" dirty="0"/>
+              <a:t>09</a:t>
+            </a:r>
+            <a:br>
+              <a:rPr lang="fr-FR" dirty="0"/>
+            </a:br>
+            <a:r>
+              <a:rPr lang="fr-FR" dirty="0"/>
+              <a:t>Dimensionnement d’un actionneur en dynamique</a:t>
+            </a:r>
+          </a:p>
+        </p:txBody>
+      </p:sp>
+      <p:sp>
+        <p:nvSpPr>
+          <p:cNvPr id="5" name="Espace réservé du texte 4">
+            <a:extLst>
+              <a:ext uri="{FF2B5EF4-FFF2-40B4-BE49-F238E27FC236}">
+                <a16:creationId xmlns:a16="http://schemas.microsoft.com/office/drawing/2014/main" id="{31164354-1A91-E980-2D9B-9062246D64F4}"/>
+              </a:ext>
+            </a:extLst>
+          </p:cNvPr>
+          <p:cNvSpPr>
+            <a:spLocks noGrp="1"/>
+          </p:cNvSpPr>
+          <p:nvPr>
+            <p:ph type="body" idx="1"/>
+          </p:nvPr>
+        </p:nvSpPr>
+        <p:spPr/>
+        <p:txBody>
+          <a:bodyPr/>
+          <a:lstStyle/>
+          <a:p>
+            <a:endParaRPr lang="fr-FR"/>
+          </a:p>
+        </p:txBody>
+      </p:sp>
+    </p:spTree>
+    <p:extLst>
+      <p:ext uri="{BB962C8B-B14F-4D97-AF65-F5344CB8AC3E}">
         <p14:creationId xmlns:p14="http://schemas.microsoft.com/office/powerpoint/2010/main" val="2985822988"/>
       </p:ext>
     </p:extLst>
@@ -12497,7 +16745,7 @@
 </p:sld>
 </file>
 
-<file path=ppt/slides/slide7.xml><?xml version="1.0" encoding="utf-8"?>
+<file path=ppt/slides/slide8.xml><?xml version="1.0" encoding="utf-8"?>
 <p:sld xmlns:a="http://schemas.openxmlformats.org/drawingml/2006/main" xmlns:r="http://schemas.openxmlformats.org/officeDocument/2006/relationships" xmlns:p="http://schemas.openxmlformats.org/presentationml/2006/main">
   <p:cSld>
     <p:spTree>
@@ -13867,7 +18115,7 @@
 </p:sld>
 </file>
 
-<file path=ppt/slides/slide8.xml><?xml version="1.0" encoding="utf-8"?>
+<file path=ppt/slides/slide9.xml><?xml version="1.0" encoding="utf-8"?>
 <p:sld xmlns:a="http://schemas.openxmlformats.org/drawingml/2006/main" xmlns:r="http://schemas.openxmlformats.org/officeDocument/2006/relationships" xmlns:p="http://schemas.openxmlformats.org/presentationml/2006/main">
   <p:cSld>
     <p:spTree>
@@ -14338,4091 +18586,6 @@
     <p:extLst>
       <p:ext uri="{BB962C8B-B14F-4D97-AF65-F5344CB8AC3E}">
         <p14:creationId xmlns:p14="http://schemas.microsoft.com/office/powerpoint/2010/main" val="1974777859"/>
-      </p:ext>
-    </p:extLst>
-  </p:cSld>
-  <p:clrMapOvr>
-    <a:masterClrMapping/>
-  </p:clrMapOvr>
-</p:sld>
-</file>
-
-<file path=ppt/slides/slide9.xml><?xml version="1.0" encoding="utf-8"?>
-<p:sld xmlns:a="http://schemas.openxmlformats.org/drawingml/2006/main" xmlns:r="http://schemas.openxmlformats.org/officeDocument/2006/relationships" xmlns:p="http://schemas.openxmlformats.org/presentationml/2006/main">
-  <p:cSld>
-    <p:spTree>
-      <p:nvGrpSpPr>
-        <p:cNvPr id="1" name=""/>
-        <p:cNvGrpSpPr/>
-        <p:nvPr/>
-      </p:nvGrpSpPr>
-      <p:grpSpPr>
-        <a:xfrm>
-          <a:off x="0" y="0"/>
-          <a:ext cx="0" cy="0"/>
-          <a:chOff x="0" y="0"/>
-          <a:chExt cx="0" cy="0"/>
-        </a:xfrm>
-      </p:grpSpPr>
-      <p:sp>
-        <p:nvSpPr>
-          <p:cNvPr id="2" name="Titre 1">
-            <a:extLst>
-              <a:ext uri="{FF2B5EF4-FFF2-40B4-BE49-F238E27FC236}">
-                <a16:creationId xmlns:a16="http://schemas.microsoft.com/office/drawing/2014/main" id="{0880FE2C-A2DB-EC9F-19A8-C313B7295FF7}"/>
-              </a:ext>
-            </a:extLst>
-          </p:cNvPr>
-          <p:cNvSpPr>
-            <a:spLocks noGrp="1"/>
-          </p:cNvSpPr>
-          <p:nvPr>
-            <p:ph type="title"/>
-          </p:nvPr>
-        </p:nvSpPr>
-        <p:spPr/>
-        <p:txBody>
-          <a:bodyPr>
-            <a:noAutofit/>
-          </a:bodyPr>
-          <a:lstStyle/>
-          <a:p>
-            <a:r>
-              <a:rPr lang="fr-FR" sz="2800" dirty="0"/>
-              <a:t>Stratégie TEC</a:t>
-            </a:r>
-            <a:br>
-              <a:rPr lang="fr-FR" sz="2800" dirty="0"/>
-            </a:br>
-            <a:r>
-              <a:rPr lang="fr-FR" sz="2800" dirty="0"/>
-              <a:t>Energie cinétique</a:t>
-            </a:r>
-          </a:p>
-        </p:txBody>
-      </p:sp>
-      <p:sp>
-        <p:nvSpPr>
-          <p:cNvPr id="3" name="Espace réservé du contenu 2">
-            <a:extLst>
-              <a:ext uri="{FF2B5EF4-FFF2-40B4-BE49-F238E27FC236}">
-                <a16:creationId xmlns:a16="http://schemas.microsoft.com/office/drawing/2014/main" id="{67BAA89F-0FFE-0B50-3319-445849FF9A19}"/>
-              </a:ext>
-            </a:extLst>
-          </p:cNvPr>
-          <p:cNvSpPr>
-            <a:spLocks noGrp="1"/>
-          </p:cNvSpPr>
-          <p:nvPr>
-            <p:ph idx="1"/>
-          </p:nvPr>
-        </p:nvSpPr>
-        <p:spPr>
-          <a:xfrm>
-            <a:off x="117795" y="981887"/>
-            <a:ext cx="4541291" cy="5253339"/>
-          </a:xfrm>
-        </p:spPr>
-        <p:txBody>
-          <a:bodyPr>
-            <a:normAutofit fontScale="85000" lnSpcReduction="20000"/>
-          </a:bodyPr>
-          <a:lstStyle/>
-          <a:p>
-            <a:r>
-              <a:rPr lang="fr-FR" dirty="0"/>
-              <a:t> Energie cinétique</a:t>
-            </a:r>
-          </a:p>
-          <a:p>
-            <a:pPr lvl="1"/>
-            <a:r>
-              <a:rPr lang="fr-FR" dirty="0"/>
-              <a:t>Relation cinématique</a:t>
-            </a:r>
-          </a:p>
-          <a:p>
-            <a:pPr lvl="2"/>
-            <a:r>
-              <a:rPr lang="fr-FR" dirty="0"/>
-              <a:t>Expérimentalement</a:t>
-            </a:r>
-          </a:p>
-          <a:p>
-            <a:pPr lvl="2"/>
-            <a:r>
-              <a:rPr lang="fr-FR" dirty="0"/>
-              <a:t>Avec la documentation</a:t>
-            </a:r>
-          </a:p>
-          <a:p>
-            <a:pPr lvl="1"/>
-            <a:r>
-              <a:rPr lang="fr-FR" dirty="0"/>
-              <a:t>Energie cinétique ensemble stator</a:t>
-            </a:r>
-          </a:p>
-          <a:p>
-            <a:pPr lvl="2"/>
-            <a:r>
-              <a:rPr lang="fr-FR" dirty="0"/>
-              <a:t>Inertie stator : peser stator + SW</a:t>
-            </a:r>
-          </a:p>
-          <a:p>
-            <a:pPr lvl="1"/>
-            <a:r>
-              <a:rPr lang="fr-FR" dirty="0"/>
-              <a:t>Energie cinétique ensemble rotor</a:t>
-            </a:r>
-          </a:p>
-          <a:p>
-            <a:pPr lvl="1"/>
-            <a:r>
-              <a:rPr lang="fr-FR" dirty="0"/>
-              <a:t>Energie cinétique écrou</a:t>
-            </a:r>
-          </a:p>
-          <a:p>
-            <a:pPr lvl="1"/>
-            <a:r>
-              <a:rPr lang="fr-FR" dirty="0"/>
-              <a:t>Energie cinétique ensemble bras</a:t>
-            </a:r>
-          </a:p>
-          <a:p>
-            <a:pPr lvl="1"/>
-            <a:endParaRPr lang="fr-FR" dirty="0"/>
-          </a:p>
-          <a:p>
-            <a:pPr lvl="1"/>
-            <a:endParaRPr lang="fr-FR" dirty="0"/>
-          </a:p>
-          <a:p>
-            <a:pPr lvl="2"/>
-            <a:r>
-              <a:rPr lang="fr-FR" dirty="0"/>
-              <a:t>Documentation</a:t>
-            </a:r>
-          </a:p>
-          <a:p>
-            <a:pPr lvl="1"/>
-            <a:r>
-              <a:rPr lang="fr-FR" dirty="0"/>
-              <a:t>Inertie du réducteur</a:t>
-            </a:r>
-          </a:p>
-          <a:p>
-            <a:pPr lvl="2"/>
-            <a:r>
-              <a:rPr lang="fr-FR" dirty="0"/>
-              <a:t>Documentation</a:t>
-            </a:r>
-          </a:p>
-          <a:p>
-            <a:pPr lvl="1"/>
-            <a:r>
-              <a:rPr lang="fr-FR" dirty="0"/>
-              <a:t>Inertie de la poulie</a:t>
-            </a:r>
-          </a:p>
-          <a:p>
-            <a:pPr lvl="1"/>
-            <a:r>
-              <a:rPr lang="fr-FR" dirty="0"/>
-              <a:t>Inertie codeur ?</a:t>
-            </a:r>
-          </a:p>
-          <a:p>
-            <a:pPr lvl="1"/>
-            <a:r>
-              <a:rPr lang="fr-FR" dirty="0"/>
-              <a:t>Masse en translation</a:t>
-            </a:r>
-          </a:p>
-          <a:p>
-            <a:pPr lvl="2"/>
-            <a:r>
-              <a:rPr lang="fr-FR" dirty="0"/>
-              <a:t>Documentation</a:t>
-            </a:r>
-          </a:p>
-          <a:p>
-            <a:pPr lvl="2"/>
-            <a:r>
-              <a:rPr lang="fr-FR" dirty="0"/>
-              <a:t>Expérimentation</a:t>
-            </a:r>
-          </a:p>
-        </p:txBody>
-      </p:sp>
-      <mc:AlternateContent xmlns:mc="http://schemas.openxmlformats.org/markup-compatibility/2006">
-        <mc:Choice xmlns:a14="http://schemas.microsoft.com/office/drawing/2010/main" Requires="a14">
-          <p:sp>
-            <p:nvSpPr>
-              <p:cNvPr id="4" name="Espace réservé du contenu 2">
-                <a:extLst>
-                  <a:ext uri="{FF2B5EF4-FFF2-40B4-BE49-F238E27FC236}">
-                    <a16:creationId xmlns:a16="http://schemas.microsoft.com/office/drawing/2014/main" id="{E7512A05-D1EA-5493-6918-5F2C2DCF52A2}"/>
-                  </a:ext>
-                </a:extLst>
-              </p:cNvPr>
-              <p:cNvSpPr txBox="1">
-                <a:spLocks/>
-              </p:cNvSpPr>
-              <p:nvPr/>
-            </p:nvSpPr>
-            <p:spPr>
-              <a:xfrm>
-                <a:off x="4659086" y="981887"/>
-                <a:ext cx="7532913" cy="5253339"/>
-              </a:xfrm>
-              <a:prstGeom prst="rect">
-                <a:avLst/>
-              </a:prstGeom>
-            </p:spPr>
-            <p:txBody>
-              <a:bodyPr vert="horz" lIns="0" tIns="45720" rIns="0" bIns="45720" rtlCol="0">
-                <a:normAutofit/>
-              </a:bodyPr>
-              <a:lstStyle>
-                <a:lvl1pPr marL="271463" indent="-269875" algn="l" defTabSz="914400" rtl="0" eaLnBrk="1" latinLnBrk="0" hangingPunct="1">
-                  <a:lnSpc>
-                    <a:spcPct val="90000"/>
-                  </a:lnSpc>
-                  <a:spcBef>
-                    <a:spcPts val="1200"/>
-                  </a:spcBef>
-                  <a:spcAft>
-                    <a:spcPts val="200"/>
-                  </a:spcAft>
-                  <a:buClr>
-                    <a:schemeClr val="tx2"/>
-                  </a:buClr>
-                  <a:buSzPct val="80000"/>
-                  <a:buFont typeface="Wingdings" panose="05000000000000000000" pitchFamily="2" charset="2"/>
-                  <a:buChar char="q"/>
-                  <a:defRPr lang="fr-FR" sz="2800" kern="1200">
-                    <a:solidFill>
-                      <a:schemeClr val="tx1">
-                        <a:lumMod val="75000"/>
-                        <a:lumOff val="25000"/>
-                      </a:schemeClr>
-                    </a:solidFill>
-                    <a:latin typeface="+mn-lt"/>
-                    <a:ea typeface="+mn-ea"/>
-                    <a:cs typeface="+mn-cs"/>
-                  </a:defRPr>
-                </a:lvl1pPr>
-                <a:lvl2pPr marL="449263" indent="-249238" algn="l" defTabSz="914400" rtl="0" eaLnBrk="1" latinLnBrk="0" hangingPunct="1">
-                  <a:lnSpc>
-                    <a:spcPct val="90000"/>
-                  </a:lnSpc>
-                  <a:spcBef>
-                    <a:spcPts val="200"/>
-                  </a:spcBef>
-                  <a:spcAft>
-                    <a:spcPts val="400"/>
-                  </a:spcAft>
-                  <a:buClr>
-                    <a:schemeClr val="accent1"/>
-                  </a:buClr>
-                  <a:buSzPct val="80000"/>
-                  <a:buFont typeface="Wingdings" panose="05000000000000000000" pitchFamily="2" charset="2"/>
-                  <a:buChar char="q"/>
-                  <a:defRPr lang="fr-FR" sz="2400" kern="1200">
-                    <a:solidFill>
-                      <a:schemeClr val="tx1">
-                        <a:lumMod val="75000"/>
-                        <a:lumOff val="25000"/>
-                      </a:schemeClr>
-                    </a:solidFill>
-                    <a:latin typeface="+mn-lt"/>
-                    <a:ea typeface="+mn-ea"/>
-                    <a:cs typeface="+mn-cs"/>
-                  </a:defRPr>
-                </a:lvl2pPr>
-                <a:lvl3pPr marL="627063" indent="-242888" algn="l" defTabSz="914400" rtl="0" eaLnBrk="1" latinLnBrk="0" hangingPunct="1">
-                  <a:lnSpc>
-                    <a:spcPct val="90000"/>
-                  </a:lnSpc>
-                  <a:spcBef>
-                    <a:spcPts val="200"/>
-                  </a:spcBef>
-                  <a:spcAft>
-                    <a:spcPts val="400"/>
-                  </a:spcAft>
-                  <a:buClr>
-                    <a:schemeClr val="accent2"/>
-                  </a:buClr>
-                  <a:buSzPct val="80000"/>
-                  <a:buFont typeface="Wingdings" panose="05000000000000000000" pitchFamily="2" charset="2"/>
-                  <a:buChar char="q"/>
-                  <a:defRPr lang="fr-FR" sz="1800" kern="1200">
-                    <a:solidFill>
-                      <a:schemeClr val="tx1">
-                        <a:lumMod val="75000"/>
-                        <a:lumOff val="25000"/>
-                      </a:schemeClr>
-                    </a:solidFill>
-                    <a:latin typeface="+mn-lt"/>
-                    <a:ea typeface="+mn-ea"/>
-                    <a:cs typeface="+mn-cs"/>
-                  </a:defRPr>
-                </a:lvl3pPr>
-                <a:lvl4pPr marL="804863" indent="-238125" algn="l" defTabSz="914400" rtl="0" eaLnBrk="1" latinLnBrk="0" hangingPunct="1">
-                  <a:lnSpc>
-                    <a:spcPct val="90000"/>
-                  </a:lnSpc>
-                  <a:spcBef>
-                    <a:spcPts val="200"/>
-                  </a:spcBef>
-                  <a:spcAft>
-                    <a:spcPts val="400"/>
-                  </a:spcAft>
-                  <a:buClr>
-                    <a:schemeClr val="accent3"/>
-                  </a:buClr>
-                  <a:buSzPct val="80000"/>
-                  <a:buFont typeface="Wingdings" panose="05000000000000000000" pitchFamily="2" charset="2"/>
-                  <a:buChar char="q"/>
-                  <a:defRPr lang="fr-FR" sz="1800" kern="1200">
-                    <a:solidFill>
-                      <a:schemeClr val="tx1">
-                        <a:lumMod val="75000"/>
-                        <a:lumOff val="25000"/>
-                      </a:schemeClr>
-                    </a:solidFill>
-                    <a:latin typeface="+mn-lt"/>
-                    <a:ea typeface="+mn-ea"/>
-                    <a:cs typeface="+mn-cs"/>
-                  </a:defRPr>
-                </a:lvl4pPr>
-                <a:lvl5pPr marL="982663" indent="-233363" algn="l" defTabSz="914400" rtl="0" eaLnBrk="1" latinLnBrk="0" hangingPunct="1">
-                  <a:lnSpc>
-                    <a:spcPct val="90000"/>
-                  </a:lnSpc>
-                  <a:spcBef>
-                    <a:spcPts val="200"/>
-                  </a:spcBef>
-                  <a:spcAft>
-                    <a:spcPts val="400"/>
-                  </a:spcAft>
-                  <a:buClr>
-                    <a:schemeClr val="accent4"/>
-                  </a:buClr>
-                  <a:buSzPct val="80000"/>
-                  <a:buFont typeface="Wingdings" panose="05000000000000000000" pitchFamily="2" charset="2"/>
-                  <a:buChar char="q"/>
-                  <a:defRPr lang="en-US" sz="1800" kern="1200">
-                    <a:solidFill>
-                      <a:schemeClr val="tx1">
-                        <a:lumMod val="75000"/>
-                        <a:lumOff val="25000"/>
-                      </a:schemeClr>
-                    </a:solidFill>
-                    <a:latin typeface="+mn-lt"/>
-                    <a:ea typeface="+mn-ea"/>
-                    <a:cs typeface="+mn-cs"/>
-                  </a:defRPr>
-                </a:lvl5pPr>
-                <a:lvl6pPr marL="1100000" indent="-228600" algn="l" defTabSz="914400" rtl="0" eaLnBrk="1" latinLnBrk="0" hangingPunct="1">
-                  <a:lnSpc>
-                    <a:spcPct val="90000"/>
-                  </a:lnSpc>
-                  <a:spcBef>
-                    <a:spcPts val="200"/>
-                  </a:spcBef>
-                  <a:spcAft>
-                    <a:spcPts val="400"/>
-                  </a:spcAft>
-                  <a:buClr>
-                    <a:schemeClr val="accent1"/>
-                  </a:buClr>
-                  <a:buFont typeface="Calibri" pitchFamily="34" charset="0"/>
-                  <a:buChar char="◦"/>
-                  <a:defRPr sz="1400" kern="1200">
-                    <a:solidFill>
-                      <a:schemeClr val="tx1">
-                        <a:lumMod val="75000"/>
-                        <a:lumOff val="25000"/>
-                      </a:schemeClr>
-                    </a:solidFill>
-                    <a:latin typeface="+mn-lt"/>
-                    <a:ea typeface="+mn-ea"/>
-                    <a:cs typeface="+mn-cs"/>
-                  </a:defRPr>
-                </a:lvl6pPr>
-                <a:lvl7pPr marL="1300000" indent="-228600" algn="l" defTabSz="914400" rtl="0" eaLnBrk="1" latinLnBrk="0" hangingPunct="1">
-                  <a:lnSpc>
-                    <a:spcPct val="90000"/>
-                  </a:lnSpc>
-                  <a:spcBef>
-                    <a:spcPts val="200"/>
-                  </a:spcBef>
-                  <a:spcAft>
-                    <a:spcPts val="400"/>
-                  </a:spcAft>
-                  <a:buClr>
-                    <a:schemeClr val="accent1"/>
-                  </a:buClr>
-                  <a:buFont typeface="Calibri" pitchFamily="34" charset="0"/>
-                  <a:buChar char="◦"/>
-                  <a:defRPr sz="1400" kern="1200">
-                    <a:solidFill>
-                      <a:schemeClr val="tx1">
-                        <a:lumMod val="75000"/>
-                        <a:lumOff val="25000"/>
-                      </a:schemeClr>
-                    </a:solidFill>
-                    <a:latin typeface="+mn-lt"/>
-                    <a:ea typeface="+mn-ea"/>
-                    <a:cs typeface="+mn-cs"/>
-                  </a:defRPr>
-                </a:lvl7pPr>
-                <a:lvl8pPr marL="1500000" indent="-228600" algn="l" defTabSz="914400" rtl="0" eaLnBrk="1" latinLnBrk="0" hangingPunct="1">
-                  <a:lnSpc>
-                    <a:spcPct val="90000"/>
-                  </a:lnSpc>
-                  <a:spcBef>
-                    <a:spcPts val="200"/>
-                  </a:spcBef>
-                  <a:spcAft>
-                    <a:spcPts val="400"/>
-                  </a:spcAft>
-                  <a:buClr>
-                    <a:schemeClr val="accent1"/>
-                  </a:buClr>
-                  <a:buFont typeface="Calibri" pitchFamily="34" charset="0"/>
-                  <a:buChar char="◦"/>
-                  <a:defRPr sz="1400" kern="1200">
-                    <a:solidFill>
-                      <a:schemeClr val="tx1">
-                        <a:lumMod val="75000"/>
-                        <a:lumOff val="25000"/>
-                      </a:schemeClr>
-                    </a:solidFill>
-                    <a:latin typeface="+mn-lt"/>
-                    <a:ea typeface="+mn-ea"/>
-                    <a:cs typeface="+mn-cs"/>
-                  </a:defRPr>
-                </a:lvl8pPr>
-                <a:lvl9pPr marL="1700000" indent="-228600" algn="l" defTabSz="914400" rtl="0" eaLnBrk="1" latinLnBrk="0" hangingPunct="1">
-                  <a:lnSpc>
-                    <a:spcPct val="90000"/>
-                  </a:lnSpc>
-                  <a:spcBef>
-                    <a:spcPts val="200"/>
-                  </a:spcBef>
-                  <a:spcAft>
-                    <a:spcPts val="400"/>
-                  </a:spcAft>
-                  <a:buClr>
-                    <a:schemeClr val="accent1"/>
-                  </a:buClr>
-                  <a:buFont typeface="Calibri" pitchFamily="34" charset="0"/>
-                  <a:buChar char="◦"/>
-                  <a:defRPr sz="1400" kern="1200">
-                    <a:solidFill>
-                      <a:schemeClr val="tx1">
-                        <a:lumMod val="75000"/>
-                        <a:lumOff val="25000"/>
-                      </a:schemeClr>
-                    </a:solidFill>
-                    <a:latin typeface="+mn-lt"/>
-                    <a:ea typeface="+mn-ea"/>
-                    <a:cs typeface="+mn-cs"/>
-                  </a:defRPr>
-                </a:lvl9pPr>
-              </a:lstStyle>
-              <a:p>
-                <a:r>
-                  <a:rPr lang="fr-FR" sz="2200" b="0" dirty="0">
-                    <a:ea typeface="Cambria Math" panose="02040503050406030204" pitchFamily="18" charset="0"/>
-                  </a:rPr>
-                  <a:t> Ensemble stator</a:t>
-                </a:r>
-                <a:endParaRPr lang="fr-FR" sz="2200" b="0" i="1" dirty="0">
-                  <a:latin typeface="Cambria Math" panose="02040503050406030204" pitchFamily="18" charset="0"/>
-                  <a:ea typeface="Cambria Math" panose="02040503050406030204" pitchFamily="18" charset="0"/>
-                </a:endParaRPr>
-              </a:p>
-              <a:p>
-                <a:pPr lvl="1"/>
-                <a14:m>
-                  <m:oMath xmlns:m="http://schemas.openxmlformats.org/officeDocument/2006/math">
-                    <m:sSub>
-                      <m:sSubPr>
-                        <m:ctrlPr>
-                          <a:rPr lang="fr-FR" sz="2200" b="0" i="1" smtClean="0">
-                            <a:latin typeface="Cambria Math" panose="02040503050406030204" pitchFamily="18" charset="0"/>
-                            <a:ea typeface="Cambria Math" panose="02040503050406030204" pitchFamily="18" charset="0"/>
-                          </a:rPr>
-                        </m:ctrlPr>
-                      </m:sSubPr>
-                      <m:e>
-                        <m:r>
-                          <a:rPr lang="fr-FR" sz="2200" i="1" smtClean="0">
-                            <a:latin typeface="Cambria Math" panose="02040503050406030204" pitchFamily="18" charset="0"/>
-                            <a:ea typeface="Cambria Math" panose="02040503050406030204" pitchFamily="18" charset="0"/>
-                          </a:rPr>
-                          <m:t>ℰ</m:t>
-                        </m:r>
-                      </m:e>
-                      <m:sub>
-                        <m:r>
-                          <a:rPr lang="fr-FR" sz="2200" b="0" i="1" smtClean="0">
-                            <a:latin typeface="Cambria Math" panose="02040503050406030204" pitchFamily="18" charset="0"/>
-                            <a:ea typeface="Cambria Math" panose="02040503050406030204" pitchFamily="18" charset="0"/>
-                          </a:rPr>
-                          <m:t>𝑐</m:t>
-                        </m:r>
-                      </m:sub>
-                    </m:sSub>
-                    <m:d>
-                      <m:dPr>
-                        <m:ctrlPr>
-                          <a:rPr lang="fr-FR" sz="2200" b="0" i="1" smtClean="0">
-                            <a:latin typeface="Cambria Math" panose="02040503050406030204" pitchFamily="18" charset="0"/>
-                            <a:ea typeface="Cambria Math" panose="02040503050406030204" pitchFamily="18" charset="0"/>
-                          </a:rPr>
-                        </m:ctrlPr>
-                      </m:dPr>
-                      <m:e>
-                        <m:r>
-                          <a:rPr lang="fr-FR" sz="2200" b="0" i="1" smtClean="0">
-                            <a:latin typeface="Cambria Math" panose="02040503050406030204" pitchFamily="18" charset="0"/>
-                            <a:ea typeface="Cambria Math" panose="02040503050406030204" pitchFamily="18" charset="0"/>
-                          </a:rPr>
-                          <m:t>𝑆</m:t>
-                        </m:r>
-                        <m:r>
-                          <m:rPr>
-                            <m:lit/>
-                          </m:rPr>
-                          <a:rPr lang="fr-FR" sz="2200" b="0" i="1" smtClean="0">
-                            <a:latin typeface="Cambria Math" panose="02040503050406030204" pitchFamily="18" charset="0"/>
-                            <a:ea typeface="Cambria Math" panose="02040503050406030204" pitchFamily="18" charset="0"/>
-                          </a:rPr>
-                          <m:t>/</m:t>
-                        </m:r>
-                        <m:r>
-                          <a:rPr lang="fr-FR" sz="2200" b="0" i="1" smtClean="0">
-                            <a:latin typeface="Cambria Math" panose="02040503050406030204" pitchFamily="18" charset="0"/>
-                            <a:ea typeface="Cambria Math" panose="02040503050406030204" pitchFamily="18" charset="0"/>
-                          </a:rPr>
-                          <m:t>0</m:t>
-                        </m:r>
-                      </m:e>
-                    </m:d>
-                    <m:r>
-                      <a:rPr lang="fr-FR" sz="2200" b="0" i="1" smtClean="0">
-                        <a:latin typeface="Cambria Math" panose="02040503050406030204" pitchFamily="18" charset="0"/>
-                        <a:ea typeface="Cambria Math" panose="02040503050406030204" pitchFamily="18" charset="0"/>
-                      </a:rPr>
-                      <m:t>=</m:t>
-                    </m:r>
-                    <m:f>
-                      <m:fPr>
-                        <m:ctrlPr>
-                          <a:rPr lang="fr-FR" sz="2200" b="0" i="1" smtClean="0">
-                            <a:latin typeface="Cambria Math" panose="02040503050406030204" pitchFamily="18" charset="0"/>
-                            <a:ea typeface="Cambria Math" panose="02040503050406030204" pitchFamily="18" charset="0"/>
-                          </a:rPr>
-                        </m:ctrlPr>
-                      </m:fPr>
-                      <m:num>
-                        <m:r>
-                          <a:rPr lang="fr-FR" sz="2200" b="0" i="1" smtClean="0">
-                            <a:latin typeface="Cambria Math" panose="02040503050406030204" pitchFamily="18" charset="0"/>
-                            <a:ea typeface="Cambria Math" panose="02040503050406030204" pitchFamily="18" charset="0"/>
-                          </a:rPr>
-                          <m:t>1</m:t>
-                        </m:r>
-                      </m:num>
-                      <m:den>
-                        <m:r>
-                          <a:rPr lang="fr-FR" sz="2200" b="0" i="1" smtClean="0">
-                            <a:latin typeface="Cambria Math" panose="02040503050406030204" pitchFamily="18" charset="0"/>
-                            <a:ea typeface="Cambria Math" panose="02040503050406030204" pitchFamily="18" charset="0"/>
-                          </a:rPr>
-                          <m:t>2</m:t>
-                        </m:r>
-                      </m:den>
-                    </m:f>
-                    <m:sSub>
-                      <m:sSubPr>
-                        <m:ctrlPr>
-                          <a:rPr lang="fr-FR" sz="2200" b="0" i="1" smtClean="0">
-                            <a:latin typeface="Cambria Math" panose="02040503050406030204" pitchFamily="18" charset="0"/>
-                            <a:ea typeface="Cambria Math" panose="02040503050406030204" pitchFamily="18" charset="0"/>
-                          </a:rPr>
-                        </m:ctrlPr>
-                      </m:sSubPr>
-                      <m:e>
-                        <m:r>
-                          <a:rPr lang="fr-FR" sz="2200" b="0" i="1" smtClean="0">
-                            <a:latin typeface="Cambria Math" panose="02040503050406030204" pitchFamily="18" charset="0"/>
-                            <a:ea typeface="Cambria Math" panose="02040503050406030204" pitchFamily="18" charset="0"/>
-                          </a:rPr>
-                          <m:t>𝐽</m:t>
-                        </m:r>
-                      </m:e>
-                      <m:sub>
-                        <m:r>
-                          <a:rPr lang="fr-FR" sz="2200" b="0" i="1" smtClean="0">
-                            <a:latin typeface="Cambria Math" panose="02040503050406030204" pitchFamily="18" charset="0"/>
-                            <a:ea typeface="Cambria Math" panose="02040503050406030204" pitchFamily="18" charset="0"/>
-                          </a:rPr>
-                          <m:t>𝑆</m:t>
-                        </m:r>
-                      </m:sub>
-                    </m:sSub>
-                    <m:sSup>
-                      <m:sSupPr>
-                        <m:ctrlPr>
-                          <a:rPr lang="fr-FR" sz="2200" b="0" i="1" smtClean="0">
-                            <a:latin typeface="Cambria Math" panose="02040503050406030204" pitchFamily="18" charset="0"/>
-                            <a:ea typeface="Cambria Math" panose="02040503050406030204" pitchFamily="18" charset="0"/>
-                          </a:rPr>
-                        </m:ctrlPr>
-                      </m:sSupPr>
-                      <m:e>
-                        <m:acc>
-                          <m:accPr>
-                            <m:chr m:val="̇"/>
-                            <m:ctrlPr>
-                              <a:rPr lang="fr-FR" sz="2200" b="0" i="1" smtClean="0">
-                                <a:latin typeface="Cambria Math" panose="02040503050406030204" pitchFamily="18" charset="0"/>
-                                <a:ea typeface="Cambria Math" panose="02040503050406030204" pitchFamily="18" charset="0"/>
-                              </a:rPr>
-                            </m:ctrlPr>
-                          </m:accPr>
-                          <m:e>
-                            <m:r>
-                              <a:rPr lang="fr-FR" sz="2200" b="0" i="1" smtClean="0">
-                                <a:latin typeface="Cambria Math" panose="02040503050406030204" pitchFamily="18" charset="0"/>
-                                <a:ea typeface="Cambria Math" panose="02040503050406030204" pitchFamily="18" charset="0"/>
-                              </a:rPr>
-                              <m:t>𝛽</m:t>
-                            </m:r>
-                          </m:e>
-                        </m:acc>
-                      </m:e>
-                      <m:sup>
-                        <m:r>
-                          <a:rPr lang="fr-FR" sz="2200" b="0" i="1" smtClean="0">
-                            <a:latin typeface="Cambria Math" panose="02040503050406030204" pitchFamily="18" charset="0"/>
-                            <a:ea typeface="Cambria Math" panose="02040503050406030204" pitchFamily="18" charset="0"/>
-                          </a:rPr>
-                          <m:t>2</m:t>
-                        </m:r>
-                      </m:sup>
-                    </m:sSup>
-                  </m:oMath>
-                </a14:m>
-                <a:endParaRPr lang="fr-FR" sz="2200" b="0" dirty="0">
-                  <a:ea typeface="Cambria Math" panose="02040503050406030204" pitchFamily="18" charset="0"/>
-                </a:endParaRPr>
-              </a:p>
-              <a:p>
-                <a:r>
-                  <a:rPr lang="fr-FR" sz="2200" dirty="0">
-                    <a:ea typeface="Cambria Math" panose="02040503050406030204" pitchFamily="18" charset="0"/>
-                  </a:rPr>
-                  <a:t>Ensemble rotor</a:t>
-                </a:r>
-              </a:p>
-              <a:p>
-                <a:pPr lvl="1"/>
-                <a14:m>
-                  <m:oMath xmlns:m="http://schemas.openxmlformats.org/officeDocument/2006/math">
-                    <m:sSub>
-                      <m:sSubPr>
-                        <m:ctrlPr>
-                          <a:rPr lang="fr-FR" sz="2200" b="0" i="1" smtClean="0">
-                            <a:latin typeface="Cambria Math" panose="02040503050406030204" pitchFamily="18" charset="0"/>
-                            <a:ea typeface="Cambria Math" panose="02040503050406030204" pitchFamily="18" charset="0"/>
-                          </a:rPr>
-                        </m:ctrlPr>
-                      </m:sSubPr>
-                      <m:e>
-                        <m:r>
-                          <a:rPr lang="fr-FR" sz="2200" i="1" smtClean="0">
-                            <a:latin typeface="Cambria Math" panose="02040503050406030204" pitchFamily="18" charset="0"/>
-                            <a:ea typeface="Cambria Math" panose="02040503050406030204" pitchFamily="18" charset="0"/>
-                          </a:rPr>
-                          <m:t>ℰ</m:t>
-                        </m:r>
-                      </m:e>
-                      <m:sub>
-                        <m:r>
-                          <a:rPr lang="fr-FR" sz="2200" b="0" i="1" smtClean="0">
-                            <a:latin typeface="Cambria Math" panose="02040503050406030204" pitchFamily="18" charset="0"/>
-                            <a:ea typeface="Cambria Math" panose="02040503050406030204" pitchFamily="18" charset="0"/>
-                          </a:rPr>
-                          <m:t>𝑐</m:t>
-                        </m:r>
-                      </m:sub>
-                    </m:sSub>
-                    <m:d>
-                      <m:dPr>
-                        <m:ctrlPr>
-                          <a:rPr lang="fr-FR" sz="2200" b="0" i="1" smtClean="0">
-                            <a:latin typeface="Cambria Math" panose="02040503050406030204" pitchFamily="18" charset="0"/>
-                            <a:ea typeface="Cambria Math" panose="02040503050406030204" pitchFamily="18" charset="0"/>
-                          </a:rPr>
-                        </m:ctrlPr>
-                      </m:dPr>
-                      <m:e>
-                        <m:r>
-                          <a:rPr lang="fr-FR" sz="2200" b="0" i="1" smtClean="0">
-                            <a:latin typeface="Cambria Math" panose="02040503050406030204" pitchFamily="18" charset="0"/>
-                            <a:ea typeface="Cambria Math" panose="02040503050406030204" pitchFamily="18" charset="0"/>
-                          </a:rPr>
-                          <m:t>𝑅</m:t>
-                        </m:r>
-                        <m:r>
-                          <m:rPr>
-                            <m:lit/>
-                          </m:rPr>
-                          <a:rPr lang="fr-FR" sz="2200" b="0" i="1" smtClean="0">
-                            <a:latin typeface="Cambria Math" panose="02040503050406030204" pitchFamily="18" charset="0"/>
-                            <a:ea typeface="Cambria Math" panose="02040503050406030204" pitchFamily="18" charset="0"/>
-                          </a:rPr>
-                          <m:t>/</m:t>
-                        </m:r>
-                        <m:r>
-                          <a:rPr lang="fr-FR" sz="2200" b="0" i="1" smtClean="0">
-                            <a:latin typeface="Cambria Math" panose="02040503050406030204" pitchFamily="18" charset="0"/>
-                            <a:ea typeface="Cambria Math" panose="02040503050406030204" pitchFamily="18" charset="0"/>
-                          </a:rPr>
-                          <m:t>0</m:t>
-                        </m:r>
-                      </m:e>
-                    </m:d>
-                    <m:r>
-                      <a:rPr lang="fr-FR" sz="2200" b="0" i="1" smtClean="0">
-                        <a:latin typeface="Cambria Math" panose="02040503050406030204" pitchFamily="18" charset="0"/>
-                        <a:ea typeface="Cambria Math" panose="02040503050406030204" pitchFamily="18" charset="0"/>
-                      </a:rPr>
-                      <m:t>=</m:t>
-                    </m:r>
-                    <m:f>
-                      <m:fPr>
-                        <m:ctrlPr>
-                          <a:rPr lang="fr-FR" sz="2200" b="0" i="1" smtClean="0">
-                            <a:latin typeface="Cambria Math" panose="02040503050406030204" pitchFamily="18" charset="0"/>
-                            <a:ea typeface="Cambria Math" panose="02040503050406030204" pitchFamily="18" charset="0"/>
-                          </a:rPr>
-                        </m:ctrlPr>
-                      </m:fPr>
-                      <m:num>
-                        <m:r>
-                          <a:rPr lang="fr-FR" sz="2200" b="0" i="1" smtClean="0">
-                            <a:latin typeface="Cambria Math" panose="02040503050406030204" pitchFamily="18" charset="0"/>
-                            <a:ea typeface="Cambria Math" panose="02040503050406030204" pitchFamily="18" charset="0"/>
-                          </a:rPr>
-                          <m:t>1</m:t>
-                        </m:r>
-                      </m:num>
-                      <m:den>
-                        <m:r>
-                          <a:rPr lang="fr-FR" sz="2200" b="0" i="1" smtClean="0">
-                            <a:latin typeface="Cambria Math" panose="02040503050406030204" pitchFamily="18" charset="0"/>
-                            <a:ea typeface="Cambria Math" panose="02040503050406030204" pitchFamily="18" charset="0"/>
-                          </a:rPr>
-                          <m:t>2</m:t>
-                        </m:r>
-                      </m:den>
-                    </m:f>
-                    <m:d>
-                      <m:dPr>
-                        <m:begChr m:val="{"/>
-                        <m:endChr m:val="}"/>
-                        <m:ctrlPr>
-                          <a:rPr lang="fr-FR" sz="2200" b="0" i="1" smtClean="0">
-                            <a:latin typeface="Cambria Math" panose="02040503050406030204" pitchFamily="18" charset="0"/>
-                            <a:ea typeface="Cambria Math" panose="02040503050406030204" pitchFamily="18" charset="0"/>
-                          </a:rPr>
-                        </m:ctrlPr>
-                      </m:dPr>
-                      <m:e>
-                        <m:eqArr>
-                          <m:eqArrPr>
-                            <m:ctrlPr>
-                              <a:rPr lang="fr-FR" sz="2200" b="0" i="1" smtClean="0">
-                                <a:latin typeface="Cambria Math" panose="02040503050406030204" pitchFamily="18" charset="0"/>
-                                <a:ea typeface="Cambria Math" panose="02040503050406030204" pitchFamily="18" charset="0"/>
-                              </a:rPr>
-                            </m:ctrlPr>
-                          </m:eqArrPr>
-                          <m:e>
-                            <m:acc>
-                              <m:accPr>
-                                <m:chr m:val="⃗"/>
-                                <m:ctrlPr>
-                                  <a:rPr lang="fr-FR" sz="2200" b="0" i="1" smtClean="0">
-                                    <a:latin typeface="Cambria Math" panose="02040503050406030204" pitchFamily="18" charset="0"/>
-                                    <a:ea typeface="Cambria Math" panose="02040503050406030204" pitchFamily="18" charset="0"/>
-                                  </a:rPr>
-                                </m:ctrlPr>
-                              </m:accPr>
-                              <m:e>
-                                <m:r>
-                                  <m:rPr>
-                                    <m:sty m:val="p"/>
-                                  </m:rPr>
-                                  <a:rPr lang="fr-FR" sz="2200" b="0" i="0" smtClean="0">
-                                    <a:latin typeface="Cambria Math" panose="02040503050406030204" pitchFamily="18" charset="0"/>
-                                    <a:ea typeface="Cambria Math" panose="02040503050406030204" pitchFamily="18" charset="0"/>
-                                  </a:rPr>
-                                  <m:t>Ω</m:t>
-                                </m:r>
-                                <m:d>
-                                  <m:dPr>
-                                    <m:ctrlPr>
-                                      <a:rPr lang="fr-FR" sz="2200" b="0" i="1" smtClean="0">
-                                        <a:latin typeface="Cambria Math" panose="02040503050406030204" pitchFamily="18" charset="0"/>
-                                        <a:ea typeface="Cambria Math" panose="02040503050406030204" pitchFamily="18" charset="0"/>
-                                      </a:rPr>
-                                    </m:ctrlPr>
-                                  </m:dPr>
-                                  <m:e>
-                                    <m:r>
-                                      <a:rPr lang="fr-FR" sz="2200" b="0" i="1" smtClean="0">
-                                        <a:latin typeface="Cambria Math" panose="02040503050406030204" pitchFamily="18" charset="0"/>
-                                        <a:ea typeface="Cambria Math" panose="02040503050406030204" pitchFamily="18" charset="0"/>
-                                      </a:rPr>
-                                      <m:t>𝑅</m:t>
-                                    </m:r>
-                                    <m:r>
-                                      <m:rPr>
-                                        <m:lit/>
-                                      </m:rPr>
-                                      <a:rPr lang="fr-FR" sz="2200" b="0" i="1" smtClean="0">
-                                        <a:latin typeface="Cambria Math" panose="02040503050406030204" pitchFamily="18" charset="0"/>
-                                        <a:ea typeface="Cambria Math" panose="02040503050406030204" pitchFamily="18" charset="0"/>
-                                      </a:rPr>
-                                      <m:t>/</m:t>
-                                    </m:r>
-                                    <m:r>
-                                      <a:rPr lang="fr-FR" sz="2200" b="0" i="1" smtClean="0">
-                                        <a:latin typeface="Cambria Math" panose="02040503050406030204" pitchFamily="18" charset="0"/>
-                                        <a:ea typeface="Cambria Math" panose="02040503050406030204" pitchFamily="18" charset="0"/>
-                                      </a:rPr>
-                                      <m:t>0</m:t>
-                                    </m:r>
-                                  </m:e>
-                                </m:d>
-                              </m:e>
-                            </m:acc>
-                          </m:e>
-                          <m:e>
-                            <m:acc>
-                              <m:accPr>
-                                <m:chr m:val="⃗"/>
-                                <m:ctrlPr>
-                                  <a:rPr lang="fr-FR" sz="2200" i="1">
-                                    <a:latin typeface="Cambria Math" panose="02040503050406030204" pitchFamily="18" charset="0"/>
-                                    <a:ea typeface="Cambria Math" panose="02040503050406030204" pitchFamily="18" charset="0"/>
-                                  </a:rPr>
-                                </m:ctrlPr>
-                              </m:accPr>
-                              <m:e>
-                                <m:r>
-                                  <m:rPr>
-                                    <m:sty m:val="p"/>
-                                  </m:rPr>
-                                  <a:rPr lang="fr-FR" sz="2200" b="0" i="0" smtClean="0">
-                                    <a:latin typeface="Cambria Math" panose="02040503050406030204" pitchFamily="18" charset="0"/>
-                                    <a:ea typeface="Cambria Math" panose="02040503050406030204" pitchFamily="18" charset="0"/>
-                                  </a:rPr>
-                                  <m:t>V</m:t>
-                                </m:r>
-                                <m:d>
-                                  <m:dPr>
-                                    <m:ctrlPr>
-                                      <a:rPr lang="fr-FR" sz="2200" i="1">
-                                        <a:latin typeface="Cambria Math" panose="02040503050406030204" pitchFamily="18" charset="0"/>
-                                        <a:ea typeface="Cambria Math" panose="02040503050406030204" pitchFamily="18" charset="0"/>
-                                      </a:rPr>
-                                    </m:ctrlPr>
-                                  </m:dPr>
-                                  <m:e>
-                                    <m:r>
-                                      <a:rPr lang="fr-FR" sz="2200" b="0" i="1" smtClean="0">
-                                        <a:latin typeface="Cambria Math" panose="02040503050406030204" pitchFamily="18" charset="0"/>
-                                        <a:ea typeface="Cambria Math" panose="02040503050406030204" pitchFamily="18" charset="0"/>
-                                      </a:rPr>
-                                      <m:t>𝐺</m:t>
-                                    </m:r>
-                                    <m:r>
-                                      <a:rPr lang="fr-FR" sz="2200" b="0" i="1" smtClean="0">
-                                        <a:latin typeface="Cambria Math" panose="02040503050406030204" pitchFamily="18" charset="0"/>
-                                        <a:ea typeface="Cambria Math" panose="02040503050406030204" pitchFamily="18" charset="0"/>
-                                      </a:rPr>
-                                      <m:t>,</m:t>
-                                    </m:r>
-                                    <m:r>
-                                      <a:rPr lang="fr-FR" sz="2200" i="1">
-                                        <a:latin typeface="Cambria Math" panose="02040503050406030204" pitchFamily="18" charset="0"/>
-                                        <a:ea typeface="Cambria Math" panose="02040503050406030204" pitchFamily="18" charset="0"/>
-                                      </a:rPr>
-                                      <m:t>𝑅</m:t>
-                                    </m:r>
-                                    <m:r>
-                                      <m:rPr>
-                                        <m:lit/>
-                                      </m:rPr>
-                                      <a:rPr lang="fr-FR" sz="2200" i="1">
-                                        <a:latin typeface="Cambria Math" panose="02040503050406030204" pitchFamily="18" charset="0"/>
-                                        <a:ea typeface="Cambria Math" panose="02040503050406030204" pitchFamily="18" charset="0"/>
-                                      </a:rPr>
-                                      <m:t>/</m:t>
-                                    </m:r>
-                                    <m:r>
-                                      <a:rPr lang="fr-FR" sz="2200" i="1">
-                                        <a:latin typeface="Cambria Math" panose="02040503050406030204" pitchFamily="18" charset="0"/>
-                                        <a:ea typeface="Cambria Math" panose="02040503050406030204" pitchFamily="18" charset="0"/>
-                                      </a:rPr>
-                                      <m:t>0</m:t>
-                                    </m:r>
-                                  </m:e>
-                                </m:d>
-                              </m:e>
-                            </m:acc>
-                          </m:e>
-                        </m:eqArr>
-                      </m:e>
-                    </m:d>
-                    <m:r>
-                      <a:rPr lang="fr-FR" sz="2200" b="0" i="1" smtClean="0">
-                        <a:latin typeface="Cambria Math" panose="02040503050406030204" pitchFamily="18" charset="0"/>
-                        <a:ea typeface="Cambria Math" panose="02040503050406030204" pitchFamily="18" charset="0"/>
-                      </a:rPr>
-                      <m:t>⊗</m:t>
-                    </m:r>
-                    <m:d>
-                      <m:dPr>
-                        <m:begChr m:val="{"/>
-                        <m:endChr m:val="}"/>
-                        <m:ctrlPr>
-                          <a:rPr lang="fr-FR" sz="2200" i="1">
-                            <a:latin typeface="Cambria Math" panose="02040503050406030204" pitchFamily="18" charset="0"/>
-                            <a:ea typeface="Cambria Math" panose="02040503050406030204" pitchFamily="18" charset="0"/>
-                          </a:rPr>
-                        </m:ctrlPr>
-                      </m:dPr>
-                      <m:e>
-                        <m:eqArr>
-                          <m:eqArrPr>
-                            <m:ctrlPr>
-                              <a:rPr lang="fr-FR" sz="2200" i="1">
-                                <a:latin typeface="Cambria Math" panose="02040503050406030204" pitchFamily="18" charset="0"/>
-                                <a:ea typeface="Cambria Math" panose="02040503050406030204" pitchFamily="18" charset="0"/>
-                              </a:rPr>
-                            </m:ctrlPr>
-                          </m:eqArrPr>
-                          <m:e>
-                            <m:sSub>
-                              <m:sSubPr>
-                                <m:ctrlPr>
-                                  <a:rPr lang="fr-FR" sz="2200" b="0" i="1" smtClean="0">
-                                    <a:latin typeface="Cambria Math" panose="02040503050406030204" pitchFamily="18" charset="0"/>
-                                    <a:ea typeface="Cambria Math" panose="02040503050406030204" pitchFamily="18" charset="0"/>
-                                  </a:rPr>
-                                </m:ctrlPr>
-                              </m:sSubPr>
-                              <m:e>
-                                <m:r>
-                                  <a:rPr lang="fr-FR" sz="2200" b="0" i="1" smtClean="0">
-                                    <a:latin typeface="Cambria Math" panose="02040503050406030204" pitchFamily="18" charset="0"/>
-                                    <a:ea typeface="Cambria Math" panose="02040503050406030204" pitchFamily="18" charset="0"/>
-                                  </a:rPr>
-                                  <m:t>𝑚</m:t>
-                                </m:r>
-                              </m:e>
-                              <m:sub>
-                                <m:r>
-                                  <a:rPr lang="fr-FR" sz="2200" b="0" i="1" smtClean="0">
-                                    <a:latin typeface="Cambria Math" panose="02040503050406030204" pitchFamily="18" charset="0"/>
-                                    <a:ea typeface="Cambria Math" panose="02040503050406030204" pitchFamily="18" charset="0"/>
-                                  </a:rPr>
-                                  <m:t>𝑅</m:t>
-                                </m:r>
-                              </m:sub>
-                            </m:sSub>
-                            <m:acc>
-                              <m:accPr>
-                                <m:chr m:val="⃗"/>
-                                <m:ctrlPr>
-                                  <a:rPr lang="fr-FR" sz="2200" i="1">
-                                    <a:latin typeface="Cambria Math" panose="02040503050406030204" pitchFamily="18" charset="0"/>
-                                    <a:ea typeface="Cambria Math" panose="02040503050406030204" pitchFamily="18" charset="0"/>
-                                  </a:rPr>
-                                </m:ctrlPr>
-                              </m:accPr>
-                              <m:e>
-                                <m:r>
-                                  <m:rPr>
-                                    <m:sty m:val="p"/>
-                                  </m:rPr>
-                                  <a:rPr lang="fr-FR" sz="2200">
-                                    <a:latin typeface="Cambria Math" panose="02040503050406030204" pitchFamily="18" charset="0"/>
-                                    <a:ea typeface="Cambria Math" panose="02040503050406030204" pitchFamily="18" charset="0"/>
-                                  </a:rPr>
-                                  <m:t>V</m:t>
-                                </m:r>
-                                <m:d>
-                                  <m:dPr>
-                                    <m:ctrlPr>
-                                      <a:rPr lang="fr-FR" sz="2200" i="1">
-                                        <a:latin typeface="Cambria Math" panose="02040503050406030204" pitchFamily="18" charset="0"/>
-                                        <a:ea typeface="Cambria Math" panose="02040503050406030204" pitchFamily="18" charset="0"/>
-                                      </a:rPr>
-                                    </m:ctrlPr>
-                                  </m:dPr>
-                                  <m:e>
-                                    <m:r>
-                                      <a:rPr lang="fr-FR" sz="2200" i="1">
-                                        <a:latin typeface="Cambria Math" panose="02040503050406030204" pitchFamily="18" charset="0"/>
-                                        <a:ea typeface="Cambria Math" panose="02040503050406030204" pitchFamily="18" charset="0"/>
-                                      </a:rPr>
-                                      <m:t>𝐺</m:t>
-                                    </m:r>
-                                    <m:r>
-                                      <a:rPr lang="fr-FR" sz="2200" i="1">
-                                        <a:latin typeface="Cambria Math" panose="02040503050406030204" pitchFamily="18" charset="0"/>
-                                        <a:ea typeface="Cambria Math" panose="02040503050406030204" pitchFamily="18" charset="0"/>
-                                      </a:rPr>
-                                      <m:t>,</m:t>
-                                    </m:r>
-                                    <m:r>
-                                      <a:rPr lang="fr-FR" sz="2200" i="1">
-                                        <a:latin typeface="Cambria Math" panose="02040503050406030204" pitchFamily="18" charset="0"/>
-                                        <a:ea typeface="Cambria Math" panose="02040503050406030204" pitchFamily="18" charset="0"/>
-                                      </a:rPr>
-                                      <m:t>𝑅</m:t>
-                                    </m:r>
-                                    <m:r>
-                                      <m:rPr>
-                                        <m:lit/>
-                                      </m:rPr>
-                                      <a:rPr lang="fr-FR" sz="2200" i="1">
-                                        <a:latin typeface="Cambria Math" panose="02040503050406030204" pitchFamily="18" charset="0"/>
-                                        <a:ea typeface="Cambria Math" panose="02040503050406030204" pitchFamily="18" charset="0"/>
-                                      </a:rPr>
-                                      <m:t>/</m:t>
-                                    </m:r>
-                                    <m:r>
-                                      <a:rPr lang="fr-FR" sz="2200" i="1">
-                                        <a:latin typeface="Cambria Math" panose="02040503050406030204" pitchFamily="18" charset="0"/>
-                                        <a:ea typeface="Cambria Math" panose="02040503050406030204" pitchFamily="18" charset="0"/>
-                                      </a:rPr>
-                                      <m:t>0</m:t>
-                                    </m:r>
-                                  </m:e>
-                                </m:d>
-                              </m:e>
-                            </m:acc>
-                          </m:e>
-                          <m:e>
-                            <m:acc>
-                              <m:accPr>
-                                <m:chr m:val="⃗"/>
-                                <m:ctrlPr>
-                                  <a:rPr lang="fr-FR" sz="2200" i="1">
-                                    <a:latin typeface="Cambria Math" panose="02040503050406030204" pitchFamily="18" charset="0"/>
-                                    <a:ea typeface="Cambria Math" panose="02040503050406030204" pitchFamily="18" charset="0"/>
-                                  </a:rPr>
-                                </m:ctrlPr>
-                              </m:accPr>
-                              <m:e>
-                                <m:r>
-                                  <a:rPr lang="fr-FR" sz="2200" b="0" i="1" smtClean="0">
-                                    <a:latin typeface="Cambria Math" panose="02040503050406030204" pitchFamily="18" charset="0"/>
-                                    <a:ea typeface="Cambria Math" panose="02040503050406030204" pitchFamily="18" charset="0"/>
-                                  </a:rPr>
-                                  <m:t>𝜎</m:t>
-                                </m:r>
-                                <m:d>
-                                  <m:dPr>
-                                    <m:ctrlPr>
-                                      <a:rPr lang="fr-FR" sz="2200" i="1">
-                                        <a:latin typeface="Cambria Math" panose="02040503050406030204" pitchFamily="18" charset="0"/>
-                                        <a:ea typeface="Cambria Math" panose="02040503050406030204" pitchFamily="18" charset="0"/>
-                                      </a:rPr>
-                                    </m:ctrlPr>
-                                  </m:dPr>
-                                  <m:e>
-                                    <m:r>
-                                      <a:rPr lang="fr-FR" sz="2200" i="1">
-                                        <a:latin typeface="Cambria Math" panose="02040503050406030204" pitchFamily="18" charset="0"/>
-                                        <a:ea typeface="Cambria Math" panose="02040503050406030204" pitchFamily="18" charset="0"/>
-                                      </a:rPr>
-                                      <m:t>𝐺</m:t>
-                                    </m:r>
-                                    <m:r>
-                                      <a:rPr lang="fr-FR" sz="2200" i="1">
-                                        <a:latin typeface="Cambria Math" panose="02040503050406030204" pitchFamily="18" charset="0"/>
-                                        <a:ea typeface="Cambria Math" panose="02040503050406030204" pitchFamily="18" charset="0"/>
-                                      </a:rPr>
-                                      <m:t>,</m:t>
-                                    </m:r>
-                                    <m:r>
-                                      <a:rPr lang="fr-FR" sz="2200" i="1">
-                                        <a:latin typeface="Cambria Math" panose="02040503050406030204" pitchFamily="18" charset="0"/>
-                                        <a:ea typeface="Cambria Math" panose="02040503050406030204" pitchFamily="18" charset="0"/>
-                                      </a:rPr>
-                                      <m:t>𝑅</m:t>
-                                    </m:r>
-                                    <m:r>
-                                      <m:rPr>
-                                        <m:lit/>
-                                      </m:rPr>
-                                      <a:rPr lang="fr-FR" sz="2200" i="1">
-                                        <a:latin typeface="Cambria Math" panose="02040503050406030204" pitchFamily="18" charset="0"/>
-                                        <a:ea typeface="Cambria Math" panose="02040503050406030204" pitchFamily="18" charset="0"/>
-                                      </a:rPr>
-                                      <m:t>/</m:t>
-                                    </m:r>
-                                    <m:r>
-                                      <a:rPr lang="fr-FR" sz="2200" i="1">
-                                        <a:latin typeface="Cambria Math" panose="02040503050406030204" pitchFamily="18" charset="0"/>
-                                        <a:ea typeface="Cambria Math" panose="02040503050406030204" pitchFamily="18" charset="0"/>
-                                      </a:rPr>
-                                      <m:t>0</m:t>
-                                    </m:r>
-                                  </m:e>
-                                </m:d>
-                              </m:e>
-                            </m:acc>
-                          </m:e>
-                        </m:eqArr>
-                      </m:e>
-                    </m:d>
-                  </m:oMath>
-                </a14:m>
-                <a:endParaRPr lang="fr-FR" sz="2200" dirty="0"/>
-              </a:p>
-              <a:p>
-                <a:pPr lvl="2"/>
-                <a14:m>
-                  <m:oMath xmlns:m="http://schemas.openxmlformats.org/officeDocument/2006/math">
-                    <m:acc>
-                      <m:accPr>
-                        <m:chr m:val="⃗"/>
-                        <m:ctrlPr>
-                          <a:rPr lang="fr-FR" sz="1200" i="1">
-                            <a:latin typeface="Cambria Math" panose="02040503050406030204" pitchFamily="18" charset="0"/>
-                            <a:ea typeface="Cambria Math" panose="02040503050406030204" pitchFamily="18" charset="0"/>
-                          </a:rPr>
-                        </m:ctrlPr>
-                      </m:accPr>
-                      <m:e>
-                        <m:r>
-                          <m:rPr>
-                            <m:sty m:val="p"/>
-                          </m:rPr>
-                          <a:rPr lang="fr-FR" sz="1200">
-                            <a:latin typeface="Cambria Math" panose="02040503050406030204" pitchFamily="18" charset="0"/>
-                            <a:ea typeface="Cambria Math" panose="02040503050406030204" pitchFamily="18" charset="0"/>
-                          </a:rPr>
-                          <m:t>Ω</m:t>
-                        </m:r>
-                        <m:d>
-                          <m:dPr>
-                            <m:ctrlPr>
-                              <a:rPr lang="fr-FR" sz="1200" i="1">
-                                <a:latin typeface="Cambria Math" panose="02040503050406030204" pitchFamily="18" charset="0"/>
-                                <a:ea typeface="Cambria Math" panose="02040503050406030204" pitchFamily="18" charset="0"/>
-                              </a:rPr>
-                            </m:ctrlPr>
-                          </m:dPr>
-                          <m:e>
-                            <m:r>
-                              <a:rPr lang="fr-FR" sz="1200" i="1">
-                                <a:latin typeface="Cambria Math" panose="02040503050406030204" pitchFamily="18" charset="0"/>
-                                <a:ea typeface="Cambria Math" panose="02040503050406030204" pitchFamily="18" charset="0"/>
-                              </a:rPr>
-                              <m:t>𝑅</m:t>
-                            </m:r>
-                            <m:r>
-                              <m:rPr>
-                                <m:lit/>
-                              </m:rPr>
-                              <a:rPr lang="fr-FR" sz="1200" i="1">
-                                <a:latin typeface="Cambria Math" panose="02040503050406030204" pitchFamily="18" charset="0"/>
-                                <a:ea typeface="Cambria Math" panose="02040503050406030204" pitchFamily="18" charset="0"/>
-                              </a:rPr>
-                              <m:t>/</m:t>
-                            </m:r>
-                            <m:r>
-                              <a:rPr lang="fr-FR" sz="1200" i="1">
-                                <a:latin typeface="Cambria Math" panose="02040503050406030204" pitchFamily="18" charset="0"/>
-                                <a:ea typeface="Cambria Math" panose="02040503050406030204" pitchFamily="18" charset="0"/>
-                              </a:rPr>
-                              <m:t>0</m:t>
-                            </m:r>
-                          </m:e>
-                        </m:d>
-                      </m:e>
-                    </m:acc>
-                    <m:r>
-                      <a:rPr lang="fr-FR" sz="1200" b="0" i="0" smtClean="0">
-                        <a:latin typeface="Cambria Math" panose="02040503050406030204" pitchFamily="18" charset="0"/>
-                        <a:ea typeface="Cambria Math" panose="02040503050406030204" pitchFamily="18" charset="0"/>
-                      </a:rPr>
-                      <m:t>=</m:t>
-                    </m:r>
-                    <m:acc>
-                      <m:accPr>
-                        <m:chr m:val="̇"/>
-                        <m:ctrlPr>
-                          <a:rPr lang="fr-FR" sz="1200" i="1">
-                            <a:latin typeface="Cambria Math" panose="02040503050406030204" pitchFamily="18" charset="0"/>
-                            <a:ea typeface="Cambria Math" panose="02040503050406030204" pitchFamily="18" charset="0"/>
-                          </a:rPr>
-                        </m:ctrlPr>
-                      </m:accPr>
-                      <m:e>
-                        <m:r>
-                          <a:rPr lang="fr-FR" sz="1200" i="1">
-                            <a:latin typeface="Cambria Math" panose="02040503050406030204" pitchFamily="18" charset="0"/>
-                            <a:ea typeface="Cambria Math" panose="02040503050406030204" pitchFamily="18" charset="0"/>
-                          </a:rPr>
-                          <m:t>𝛾</m:t>
-                        </m:r>
-                      </m:e>
-                    </m:acc>
-                    <m:acc>
-                      <m:accPr>
-                        <m:chr m:val="⃗"/>
-                        <m:ctrlPr>
-                          <a:rPr lang="fr-FR" sz="1200" i="1">
-                            <a:latin typeface="Cambria Math" panose="02040503050406030204" pitchFamily="18" charset="0"/>
-                            <a:ea typeface="Cambria Math" panose="02040503050406030204" pitchFamily="18" charset="0"/>
-                          </a:rPr>
-                        </m:ctrlPr>
-                      </m:accPr>
-                      <m:e>
-                        <m:sSub>
-                          <m:sSubPr>
-                            <m:ctrlPr>
-                              <a:rPr lang="fr-FR" sz="1200" i="1">
-                                <a:latin typeface="Cambria Math" panose="02040503050406030204" pitchFamily="18" charset="0"/>
-                                <a:ea typeface="Cambria Math" panose="02040503050406030204" pitchFamily="18" charset="0"/>
-                              </a:rPr>
-                            </m:ctrlPr>
-                          </m:sSubPr>
-                          <m:e>
-                            <m:r>
-                              <a:rPr lang="fr-FR" sz="1200" i="1">
-                                <a:latin typeface="Cambria Math" panose="02040503050406030204" pitchFamily="18" charset="0"/>
-                                <a:ea typeface="Cambria Math" panose="02040503050406030204" pitchFamily="18" charset="0"/>
-                              </a:rPr>
-                              <m:t>𝑥</m:t>
-                            </m:r>
-                          </m:e>
-                          <m:sub>
-                            <m:r>
-                              <a:rPr lang="fr-FR" sz="1200" i="1">
-                                <a:latin typeface="Cambria Math" panose="02040503050406030204" pitchFamily="18" charset="0"/>
-                                <a:ea typeface="Cambria Math" panose="02040503050406030204" pitchFamily="18" charset="0"/>
-                              </a:rPr>
-                              <m:t>1</m:t>
-                            </m:r>
-                          </m:sub>
-                        </m:sSub>
-                      </m:e>
-                    </m:acc>
-                    <m:r>
-                      <a:rPr lang="fr-FR" sz="1200">
-                        <a:latin typeface="Cambria Math" panose="02040503050406030204" pitchFamily="18" charset="0"/>
-                        <a:ea typeface="Cambria Math" panose="02040503050406030204" pitchFamily="18" charset="0"/>
-                      </a:rPr>
-                      <m:t>+</m:t>
-                    </m:r>
-                    <m:acc>
-                      <m:accPr>
-                        <m:chr m:val="̇"/>
-                        <m:ctrlPr>
-                          <a:rPr lang="fr-FR" sz="1200" i="1">
-                            <a:latin typeface="Cambria Math" panose="02040503050406030204" pitchFamily="18" charset="0"/>
-                            <a:ea typeface="Cambria Math" panose="02040503050406030204" pitchFamily="18" charset="0"/>
-                          </a:rPr>
-                        </m:ctrlPr>
-                      </m:accPr>
-                      <m:e>
-                        <m:r>
-                          <a:rPr lang="fr-FR" sz="1200" i="1">
-                            <a:latin typeface="Cambria Math" panose="02040503050406030204" pitchFamily="18" charset="0"/>
-                            <a:ea typeface="Cambria Math" panose="02040503050406030204" pitchFamily="18" charset="0"/>
-                          </a:rPr>
-                          <m:t>𝛽</m:t>
-                        </m:r>
-                      </m:e>
-                    </m:acc>
-                    <m:acc>
-                      <m:accPr>
-                        <m:chr m:val="⃗"/>
-                        <m:ctrlPr>
-                          <a:rPr lang="fr-FR" sz="1200" i="1">
-                            <a:latin typeface="Cambria Math" panose="02040503050406030204" pitchFamily="18" charset="0"/>
-                            <a:ea typeface="Cambria Math" panose="02040503050406030204" pitchFamily="18" charset="0"/>
-                          </a:rPr>
-                        </m:ctrlPr>
-                      </m:accPr>
-                      <m:e>
-                        <m:sSub>
-                          <m:sSubPr>
-                            <m:ctrlPr>
-                              <a:rPr lang="fr-FR" sz="1200" i="1">
-                                <a:latin typeface="Cambria Math" panose="02040503050406030204" pitchFamily="18" charset="0"/>
-                                <a:ea typeface="Cambria Math" panose="02040503050406030204" pitchFamily="18" charset="0"/>
-                              </a:rPr>
-                            </m:ctrlPr>
-                          </m:sSubPr>
-                          <m:e>
-                            <m:r>
-                              <a:rPr lang="fr-FR" sz="1200" i="1">
-                                <a:latin typeface="Cambria Math" panose="02040503050406030204" pitchFamily="18" charset="0"/>
-                                <a:ea typeface="Cambria Math" panose="02040503050406030204" pitchFamily="18" charset="0"/>
-                              </a:rPr>
-                              <m:t>𝑧</m:t>
-                            </m:r>
-                          </m:e>
-                          <m:sub>
-                            <m:r>
-                              <a:rPr lang="fr-FR" sz="1200" i="1">
-                                <a:latin typeface="Cambria Math" panose="02040503050406030204" pitchFamily="18" charset="0"/>
-                                <a:ea typeface="Cambria Math" panose="02040503050406030204" pitchFamily="18" charset="0"/>
-                              </a:rPr>
-                              <m:t>1</m:t>
-                            </m:r>
-                          </m:sub>
-                        </m:sSub>
-                      </m:e>
-                    </m:acc>
-                    <m:r>
-                      <a:rPr lang="fr-FR" sz="1200" b="0" i="1" smtClean="0">
-                        <a:latin typeface="Cambria Math" panose="02040503050406030204" pitchFamily="18" charset="0"/>
-                        <a:ea typeface="Cambria Math" panose="02040503050406030204" pitchFamily="18" charset="0"/>
-                      </a:rPr>
-                      <m:t>=</m:t>
-                    </m:r>
-                    <m:acc>
-                      <m:accPr>
-                        <m:chr m:val="̇"/>
-                        <m:ctrlPr>
-                          <a:rPr lang="fr-FR" sz="1200" i="1">
-                            <a:latin typeface="Cambria Math" panose="02040503050406030204" pitchFamily="18" charset="0"/>
-                            <a:ea typeface="Cambria Math" panose="02040503050406030204" pitchFamily="18" charset="0"/>
-                          </a:rPr>
-                        </m:ctrlPr>
-                      </m:accPr>
-                      <m:e>
-                        <m:r>
-                          <a:rPr lang="fr-FR" sz="1200" i="1">
-                            <a:latin typeface="Cambria Math" panose="02040503050406030204" pitchFamily="18" charset="0"/>
-                            <a:ea typeface="Cambria Math" panose="02040503050406030204" pitchFamily="18" charset="0"/>
-                          </a:rPr>
-                          <m:t>𝛾</m:t>
-                        </m:r>
-                      </m:e>
-                    </m:acc>
-                    <m:acc>
-                      <m:accPr>
-                        <m:chr m:val="⃗"/>
-                        <m:ctrlPr>
-                          <a:rPr lang="fr-FR" sz="1200" i="1">
-                            <a:latin typeface="Cambria Math" panose="02040503050406030204" pitchFamily="18" charset="0"/>
-                            <a:ea typeface="Cambria Math" panose="02040503050406030204" pitchFamily="18" charset="0"/>
-                          </a:rPr>
-                        </m:ctrlPr>
-                      </m:accPr>
-                      <m:e>
-                        <m:sSub>
-                          <m:sSubPr>
-                            <m:ctrlPr>
-                              <a:rPr lang="fr-FR" sz="1200" i="1">
-                                <a:latin typeface="Cambria Math" panose="02040503050406030204" pitchFamily="18" charset="0"/>
-                                <a:ea typeface="Cambria Math" panose="02040503050406030204" pitchFamily="18" charset="0"/>
-                              </a:rPr>
-                            </m:ctrlPr>
-                          </m:sSubPr>
-                          <m:e>
-                            <m:r>
-                              <a:rPr lang="fr-FR" sz="1200" i="1">
-                                <a:latin typeface="Cambria Math" panose="02040503050406030204" pitchFamily="18" charset="0"/>
-                                <a:ea typeface="Cambria Math" panose="02040503050406030204" pitchFamily="18" charset="0"/>
-                              </a:rPr>
-                              <m:t>𝑥</m:t>
-                            </m:r>
-                          </m:e>
-                          <m:sub>
-                            <m:r>
-                              <a:rPr lang="fr-FR" sz="1200" b="0" i="1" smtClean="0">
-                                <a:latin typeface="Cambria Math" panose="02040503050406030204" pitchFamily="18" charset="0"/>
-                                <a:ea typeface="Cambria Math" panose="02040503050406030204" pitchFamily="18" charset="0"/>
-                              </a:rPr>
-                              <m:t>2</m:t>
-                            </m:r>
-                          </m:sub>
-                        </m:sSub>
-                      </m:e>
-                    </m:acc>
-                    <m:r>
-                      <a:rPr lang="fr-FR" sz="1200">
-                        <a:latin typeface="Cambria Math" panose="02040503050406030204" pitchFamily="18" charset="0"/>
-                        <a:ea typeface="Cambria Math" panose="02040503050406030204" pitchFamily="18" charset="0"/>
-                      </a:rPr>
-                      <m:t>+</m:t>
-                    </m:r>
-                    <m:acc>
-                      <m:accPr>
-                        <m:chr m:val="̇"/>
-                        <m:ctrlPr>
-                          <a:rPr lang="fr-FR" sz="1200" i="1">
-                            <a:latin typeface="Cambria Math" panose="02040503050406030204" pitchFamily="18" charset="0"/>
-                            <a:ea typeface="Cambria Math" panose="02040503050406030204" pitchFamily="18" charset="0"/>
-                          </a:rPr>
-                        </m:ctrlPr>
-                      </m:accPr>
-                      <m:e>
-                        <m:r>
-                          <a:rPr lang="fr-FR" sz="1200" i="1">
-                            <a:latin typeface="Cambria Math" panose="02040503050406030204" pitchFamily="18" charset="0"/>
-                            <a:ea typeface="Cambria Math" panose="02040503050406030204" pitchFamily="18" charset="0"/>
-                          </a:rPr>
-                          <m:t>𝛽</m:t>
-                        </m:r>
-                      </m:e>
-                    </m:acc>
-                    <m:d>
-                      <m:dPr>
-                        <m:ctrlPr>
-                          <a:rPr lang="fr-FR" sz="1200" i="1" smtClean="0">
-                            <a:latin typeface="Cambria Math" panose="02040503050406030204" pitchFamily="18" charset="0"/>
-                            <a:ea typeface="Cambria Math" panose="02040503050406030204" pitchFamily="18" charset="0"/>
-                          </a:rPr>
-                        </m:ctrlPr>
-                      </m:dPr>
-                      <m:e>
-                        <m:r>
-                          <m:rPr>
-                            <m:sty m:val="p"/>
-                          </m:rPr>
-                          <a:rPr lang="fr-FR" sz="1200" i="1">
-                            <a:latin typeface="Cambria Math" panose="02040503050406030204" pitchFamily="18" charset="0"/>
-                            <a:ea typeface="Cambria Math" panose="02040503050406030204" pitchFamily="18" charset="0"/>
-                          </a:rPr>
-                          <m:t>cos</m:t>
-                        </m:r>
-                        <m:r>
-                          <a:rPr lang="fr-FR" sz="1200" i="1">
-                            <a:latin typeface="Cambria Math" panose="02040503050406030204" pitchFamily="18" charset="0"/>
-                            <a:ea typeface="Cambria Math" panose="02040503050406030204" pitchFamily="18" charset="0"/>
-                          </a:rPr>
-                          <m:t> </m:t>
-                        </m:r>
-                        <m:r>
-                          <a:rPr lang="fr-FR" sz="1200" i="1">
-                            <a:latin typeface="Cambria Math" panose="02040503050406030204" pitchFamily="18" charset="0"/>
-                            <a:ea typeface="Cambria Math" panose="02040503050406030204" pitchFamily="18" charset="0"/>
-                          </a:rPr>
-                          <m:t>𝛾</m:t>
-                        </m:r>
-                        <m:acc>
-                          <m:accPr>
-                            <m:chr m:val="⃗"/>
-                            <m:ctrlPr>
-                              <a:rPr lang="fr-FR" sz="1200" i="1">
-                                <a:latin typeface="Cambria Math" panose="02040503050406030204" pitchFamily="18" charset="0"/>
-                                <a:ea typeface="Cambria Math" panose="02040503050406030204" pitchFamily="18" charset="0"/>
-                              </a:rPr>
-                            </m:ctrlPr>
-                          </m:accPr>
-                          <m:e>
-                            <m:sSub>
-                              <m:sSubPr>
-                                <m:ctrlPr>
-                                  <a:rPr lang="fr-FR" sz="1200" i="1">
-                                    <a:latin typeface="Cambria Math" panose="02040503050406030204" pitchFamily="18" charset="0"/>
-                                    <a:ea typeface="Cambria Math" panose="02040503050406030204" pitchFamily="18" charset="0"/>
-                                  </a:rPr>
-                                </m:ctrlPr>
-                              </m:sSubPr>
-                              <m:e>
-                                <m:r>
-                                  <a:rPr lang="fr-FR" sz="1200" i="1">
-                                    <a:latin typeface="Cambria Math" panose="02040503050406030204" pitchFamily="18" charset="0"/>
-                                    <a:ea typeface="Cambria Math" panose="02040503050406030204" pitchFamily="18" charset="0"/>
-                                  </a:rPr>
-                                  <m:t>𝑧</m:t>
-                                </m:r>
-                              </m:e>
-                              <m:sub>
-                                <m:r>
-                                  <a:rPr lang="fr-FR" sz="1200" i="1">
-                                    <a:latin typeface="Cambria Math" panose="02040503050406030204" pitchFamily="18" charset="0"/>
-                                    <a:ea typeface="Cambria Math" panose="02040503050406030204" pitchFamily="18" charset="0"/>
-                                  </a:rPr>
-                                  <m:t>2</m:t>
-                                </m:r>
-                              </m:sub>
-                            </m:sSub>
-                          </m:e>
-                        </m:acc>
-                        <m:r>
-                          <a:rPr lang="fr-FR" sz="1200" b="0" i="1" smtClean="0">
-                            <a:latin typeface="Cambria Math" panose="02040503050406030204" pitchFamily="18" charset="0"/>
-                            <a:ea typeface="Cambria Math" panose="02040503050406030204" pitchFamily="18" charset="0"/>
-                          </a:rPr>
-                          <m:t>+</m:t>
-                        </m:r>
-                        <m:func>
-                          <m:funcPr>
-                            <m:ctrlPr>
-                              <a:rPr lang="fr-FR" sz="1200" b="0" i="1" smtClean="0">
-                                <a:latin typeface="Cambria Math" panose="02040503050406030204" pitchFamily="18" charset="0"/>
-                                <a:ea typeface="Cambria Math" panose="02040503050406030204" pitchFamily="18" charset="0"/>
-                              </a:rPr>
-                            </m:ctrlPr>
-                          </m:funcPr>
-                          <m:fName>
-                            <m:r>
-                              <m:rPr>
-                                <m:sty m:val="p"/>
-                              </m:rPr>
-                              <a:rPr lang="fr-FR" sz="1200" b="0" i="0" smtClean="0">
-                                <a:latin typeface="Cambria Math" panose="02040503050406030204" pitchFamily="18" charset="0"/>
-                                <a:ea typeface="Cambria Math" panose="02040503050406030204" pitchFamily="18" charset="0"/>
-                              </a:rPr>
-                              <m:t>sin</m:t>
-                            </m:r>
-                          </m:fName>
-                          <m:e>
-                            <m:r>
-                              <a:rPr lang="fr-FR" sz="1200" b="0" i="1" smtClean="0">
-                                <a:latin typeface="Cambria Math" panose="02040503050406030204" pitchFamily="18" charset="0"/>
-                                <a:ea typeface="Cambria Math" panose="02040503050406030204" pitchFamily="18" charset="0"/>
-                              </a:rPr>
-                              <m:t>𝛾</m:t>
-                            </m:r>
-                          </m:e>
-                        </m:func>
-                        <m:acc>
-                          <m:accPr>
-                            <m:chr m:val="⃗"/>
-                            <m:ctrlPr>
-                              <a:rPr lang="fr-FR" sz="1200" i="1">
-                                <a:latin typeface="Cambria Math" panose="02040503050406030204" pitchFamily="18" charset="0"/>
-                                <a:ea typeface="Cambria Math" panose="02040503050406030204" pitchFamily="18" charset="0"/>
-                              </a:rPr>
-                            </m:ctrlPr>
-                          </m:accPr>
-                          <m:e>
-                            <m:sSub>
-                              <m:sSubPr>
-                                <m:ctrlPr>
-                                  <a:rPr lang="fr-FR" sz="1200" i="1">
-                                    <a:latin typeface="Cambria Math" panose="02040503050406030204" pitchFamily="18" charset="0"/>
-                                    <a:ea typeface="Cambria Math" panose="02040503050406030204" pitchFamily="18" charset="0"/>
-                                  </a:rPr>
-                                </m:ctrlPr>
-                              </m:sSubPr>
-                              <m:e>
-                                <m:r>
-                                  <a:rPr lang="fr-FR" sz="1200" b="0" i="1" smtClean="0">
-                                    <a:latin typeface="Cambria Math" panose="02040503050406030204" pitchFamily="18" charset="0"/>
-                                    <a:ea typeface="Cambria Math" panose="02040503050406030204" pitchFamily="18" charset="0"/>
-                                  </a:rPr>
-                                  <m:t>𝑦</m:t>
-                                </m:r>
-                              </m:e>
-                              <m:sub>
-                                <m:r>
-                                  <a:rPr lang="fr-FR" sz="1200" i="1">
-                                    <a:latin typeface="Cambria Math" panose="02040503050406030204" pitchFamily="18" charset="0"/>
-                                    <a:ea typeface="Cambria Math" panose="02040503050406030204" pitchFamily="18" charset="0"/>
-                                  </a:rPr>
-                                  <m:t>2</m:t>
-                                </m:r>
-                              </m:sub>
-                            </m:sSub>
-                          </m:e>
-                        </m:acc>
-                      </m:e>
-                    </m:d>
-                  </m:oMath>
-                </a14:m>
-                <a:endParaRPr lang="fr-FR" sz="1200" dirty="0">
-                  <a:ea typeface="Cambria Math" panose="02040503050406030204" pitchFamily="18" charset="0"/>
-                </a:endParaRPr>
-              </a:p>
-              <a:p>
-                <a:pPr lvl="2"/>
-                <a14:m>
-                  <m:oMath xmlns:m="http://schemas.openxmlformats.org/officeDocument/2006/math">
-                    <m:acc>
-                      <m:accPr>
-                        <m:chr m:val="⃗"/>
-                        <m:ctrlPr>
-                          <a:rPr lang="fr-FR" sz="1200" i="1" smtClean="0">
-                            <a:latin typeface="Cambria Math" panose="02040503050406030204" pitchFamily="18" charset="0"/>
-                            <a:ea typeface="Cambria Math" panose="02040503050406030204" pitchFamily="18" charset="0"/>
-                          </a:rPr>
-                        </m:ctrlPr>
-                      </m:accPr>
-                      <m:e>
-                        <m:r>
-                          <a:rPr lang="fr-FR" sz="1200" b="0" i="1" smtClean="0">
-                            <a:latin typeface="Cambria Math" panose="02040503050406030204" pitchFamily="18" charset="0"/>
-                            <a:ea typeface="Cambria Math" panose="02040503050406030204" pitchFamily="18" charset="0"/>
-                          </a:rPr>
-                          <m:t>𝜎</m:t>
-                        </m:r>
-                        <m:d>
-                          <m:dPr>
-                            <m:ctrlPr>
-                              <a:rPr lang="fr-FR" sz="1200" i="1">
-                                <a:latin typeface="Cambria Math" panose="02040503050406030204" pitchFamily="18" charset="0"/>
-                                <a:ea typeface="Cambria Math" panose="02040503050406030204" pitchFamily="18" charset="0"/>
-                              </a:rPr>
-                            </m:ctrlPr>
-                          </m:dPr>
-                          <m:e>
-                            <m:r>
-                              <a:rPr lang="fr-FR" sz="1200" i="1">
-                                <a:latin typeface="Cambria Math" panose="02040503050406030204" pitchFamily="18" charset="0"/>
-                                <a:ea typeface="Cambria Math" panose="02040503050406030204" pitchFamily="18" charset="0"/>
-                              </a:rPr>
-                              <m:t>𝐺</m:t>
-                            </m:r>
-                            <m:r>
-                              <a:rPr lang="fr-FR" sz="1200" i="1">
-                                <a:latin typeface="Cambria Math" panose="02040503050406030204" pitchFamily="18" charset="0"/>
-                                <a:ea typeface="Cambria Math" panose="02040503050406030204" pitchFamily="18" charset="0"/>
-                              </a:rPr>
-                              <m:t>,</m:t>
-                            </m:r>
-                            <m:r>
-                              <a:rPr lang="fr-FR" sz="1200" i="1">
-                                <a:latin typeface="Cambria Math" panose="02040503050406030204" pitchFamily="18" charset="0"/>
-                                <a:ea typeface="Cambria Math" panose="02040503050406030204" pitchFamily="18" charset="0"/>
-                              </a:rPr>
-                              <m:t>𝑅</m:t>
-                            </m:r>
-                            <m:r>
-                              <m:rPr>
-                                <m:lit/>
-                              </m:rPr>
-                              <a:rPr lang="fr-FR" sz="1200" i="1">
-                                <a:latin typeface="Cambria Math" panose="02040503050406030204" pitchFamily="18" charset="0"/>
-                                <a:ea typeface="Cambria Math" panose="02040503050406030204" pitchFamily="18" charset="0"/>
-                              </a:rPr>
-                              <m:t>/</m:t>
-                            </m:r>
-                            <m:r>
-                              <a:rPr lang="fr-FR" sz="1200" i="1">
-                                <a:latin typeface="Cambria Math" panose="02040503050406030204" pitchFamily="18" charset="0"/>
-                                <a:ea typeface="Cambria Math" panose="02040503050406030204" pitchFamily="18" charset="0"/>
-                              </a:rPr>
-                              <m:t>0</m:t>
-                            </m:r>
-                          </m:e>
-                        </m:d>
-                      </m:e>
-                    </m:acc>
-                    <m:r>
-                      <a:rPr lang="fr-FR" sz="1200" b="0" i="0" smtClean="0">
-                        <a:latin typeface="Cambria Math" panose="02040503050406030204" pitchFamily="18" charset="0"/>
-                        <a:ea typeface="Cambria Math" panose="02040503050406030204" pitchFamily="18" charset="0"/>
-                      </a:rPr>
-                      <m:t>=</m:t>
-                    </m:r>
-                    <m:sSub>
-                      <m:sSubPr>
-                        <m:ctrlPr>
-                          <a:rPr lang="fr-FR" sz="1200" b="0" i="1" smtClean="0">
-                            <a:latin typeface="Cambria Math" panose="02040503050406030204" pitchFamily="18" charset="0"/>
-                            <a:ea typeface="Cambria Math" panose="02040503050406030204" pitchFamily="18" charset="0"/>
-                          </a:rPr>
-                        </m:ctrlPr>
-                      </m:sSubPr>
-                      <m:e>
-                        <m:d>
-                          <m:dPr>
-                            <m:begChr m:val="["/>
-                            <m:endChr m:val="]"/>
-                            <m:ctrlPr>
-                              <a:rPr lang="fr-FR" sz="1200" b="0" i="1" smtClean="0">
-                                <a:latin typeface="Cambria Math" panose="02040503050406030204" pitchFamily="18" charset="0"/>
-                                <a:ea typeface="Cambria Math" panose="02040503050406030204" pitchFamily="18" charset="0"/>
-                              </a:rPr>
-                            </m:ctrlPr>
-                          </m:dPr>
-                          <m:e>
-                            <m:m>
-                              <m:mPr>
-                                <m:mcs>
-                                  <m:mc>
-                                    <m:mcPr>
-                                      <m:count m:val="3"/>
-                                      <m:mcJc m:val="center"/>
-                                    </m:mcPr>
-                                  </m:mc>
-                                </m:mcs>
-                                <m:ctrlPr>
-                                  <a:rPr lang="fr-FR" sz="1200" b="0" i="1" smtClean="0">
-                                    <a:latin typeface="Cambria Math" panose="02040503050406030204" pitchFamily="18" charset="0"/>
-                                    <a:ea typeface="Cambria Math" panose="02040503050406030204" pitchFamily="18" charset="0"/>
-                                  </a:rPr>
-                                </m:ctrlPr>
-                              </m:mPr>
-                              <m:mr>
-                                <m:e>
-                                  <m:r>
-                                    <m:rPr>
-                                      <m:brk m:alnAt="7"/>
-                                    </m:rPr>
-                                    <a:rPr lang="fr-FR" sz="1200" b="0" i="1" smtClean="0">
-                                      <a:latin typeface="Cambria Math" panose="02040503050406030204" pitchFamily="18" charset="0"/>
-                                      <a:ea typeface="Cambria Math" panose="02040503050406030204" pitchFamily="18" charset="0"/>
-                                    </a:rPr>
-                                    <m:t>𝐴</m:t>
-                                  </m:r>
-                                </m:e>
-                                <m:e/>
-                                <m:e/>
-                              </m:mr>
-                              <m:mr>
-                                <m:e/>
-                                <m:e>
-                                  <m:r>
-                                    <a:rPr lang="fr-FR" sz="1200" b="0" i="1" smtClean="0">
-                                      <a:latin typeface="Cambria Math" panose="02040503050406030204" pitchFamily="18" charset="0"/>
-                                      <a:ea typeface="Cambria Math" panose="02040503050406030204" pitchFamily="18" charset="0"/>
-                                    </a:rPr>
-                                    <m:t>𝐵</m:t>
-                                  </m:r>
-                                </m:e>
-                                <m:e/>
-                              </m:mr>
-                              <m:mr>
-                                <m:e/>
-                                <m:e/>
-                                <m:e>
-                                  <m:r>
-                                    <a:rPr lang="fr-FR" sz="1200" b="0" i="1" smtClean="0">
-                                      <a:latin typeface="Cambria Math" panose="02040503050406030204" pitchFamily="18" charset="0"/>
-                                      <a:ea typeface="Cambria Math" panose="02040503050406030204" pitchFamily="18" charset="0"/>
-                                    </a:rPr>
-                                    <m:t>𝐵</m:t>
-                                  </m:r>
-                                </m:e>
-                              </m:mr>
-                            </m:m>
-                          </m:e>
-                        </m:d>
-                      </m:e>
-                      <m:sub>
-                        <m:sSub>
-                          <m:sSubPr>
-                            <m:ctrlPr>
-                              <a:rPr lang="fr-FR" sz="1200" b="0" i="1" smtClean="0">
-                                <a:latin typeface="Cambria Math" panose="02040503050406030204" pitchFamily="18" charset="0"/>
-                                <a:ea typeface="Cambria Math" panose="02040503050406030204" pitchFamily="18" charset="0"/>
-                              </a:rPr>
-                            </m:ctrlPr>
-                          </m:sSubPr>
-                          <m:e>
-                            <m:r>
-                              <a:rPr lang="fr-FR" sz="1200" b="0" i="1" smtClean="0">
-                                <a:latin typeface="Cambria Math" panose="02040503050406030204" pitchFamily="18" charset="0"/>
-                                <a:ea typeface="Cambria Math" panose="02040503050406030204" pitchFamily="18" charset="0"/>
-                              </a:rPr>
-                              <m:t>𝐵</m:t>
-                            </m:r>
-                          </m:e>
-                          <m:sub>
-                            <m:r>
-                              <a:rPr lang="fr-FR" sz="1200" b="0" i="1" smtClean="0">
-                                <a:latin typeface="Cambria Math" panose="02040503050406030204" pitchFamily="18" charset="0"/>
-                                <a:ea typeface="Cambria Math" panose="02040503050406030204" pitchFamily="18" charset="0"/>
-                              </a:rPr>
-                              <m:t>2</m:t>
-                            </m:r>
-                          </m:sub>
-                        </m:sSub>
-                      </m:sub>
-                    </m:sSub>
-                    <m:sSub>
-                      <m:sSubPr>
-                        <m:ctrlPr>
-                          <a:rPr lang="fr-FR" sz="1200" b="0" i="1" smtClean="0">
-                            <a:latin typeface="Cambria Math" panose="02040503050406030204" pitchFamily="18" charset="0"/>
-                            <a:ea typeface="Cambria Math" panose="02040503050406030204" pitchFamily="18" charset="0"/>
-                          </a:rPr>
-                        </m:ctrlPr>
-                      </m:sSubPr>
-                      <m:e>
-                        <m:d>
-                          <m:dPr>
-                            <m:begChr m:val="["/>
-                            <m:endChr m:val="]"/>
-                            <m:ctrlPr>
-                              <a:rPr lang="fr-FR" sz="1200" b="0" i="1" smtClean="0">
-                                <a:latin typeface="Cambria Math" panose="02040503050406030204" pitchFamily="18" charset="0"/>
-                                <a:ea typeface="Cambria Math" panose="02040503050406030204" pitchFamily="18" charset="0"/>
-                              </a:rPr>
-                            </m:ctrlPr>
-                          </m:dPr>
-                          <m:e>
-                            <m:m>
-                              <m:mPr>
-                                <m:mcs>
-                                  <m:mc>
-                                    <m:mcPr>
-                                      <m:count m:val="1"/>
-                                      <m:mcJc m:val="center"/>
-                                    </m:mcPr>
-                                  </m:mc>
-                                </m:mcs>
-                                <m:ctrlPr>
-                                  <a:rPr lang="fr-FR" sz="1200" b="0" i="1" smtClean="0">
-                                    <a:latin typeface="Cambria Math" panose="02040503050406030204" pitchFamily="18" charset="0"/>
-                                    <a:ea typeface="Cambria Math" panose="02040503050406030204" pitchFamily="18" charset="0"/>
-                                  </a:rPr>
-                                </m:ctrlPr>
-                              </m:mPr>
-                              <m:mr>
-                                <m:e>
-                                  <m:acc>
-                                    <m:accPr>
-                                      <m:chr m:val="̇"/>
-                                      <m:ctrlPr>
-                                        <a:rPr lang="fr-FR" sz="1200" i="1">
-                                          <a:latin typeface="Cambria Math" panose="02040503050406030204" pitchFamily="18" charset="0"/>
-                                          <a:ea typeface="Cambria Math" panose="02040503050406030204" pitchFamily="18" charset="0"/>
-                                        </a:rPr>
-                                      </m:ctrlPr>
-                                    </m:accPr>
-                                    <m:e>
-                                      <m:r>
-                                        <a:rPr lang="fr-FR" sz="1200" i="1">
-                                          <a:latin typeface="Cambria Math" panose="02040503050406030204" pitchFamily="18" charset="0"/>
-                                          <a:ea typeface="Cambria Math" panose="02040503050406030204" pitchFamily="18" charset="0"/>
-                                        </a:rPr>
-                                        <m:t>𝛾</m:t>
-                                      </m:r>
-                                    </m:e>
-                                  </m:acc>
-                                </m:e>
-                              </m:mr>
-                              <m:mr>
-                                <m:e>
-                                  <m:acc>
-                                    <m:accPr>
-                                      <m:chr m:val="̇"/>
-                                      <m:ctrlPr>
-                                        <a:rPr lang="fr-FR" sz="1200" i="1">
-                                          <a:latin typeface="Cambria Math" panose="02040503050406030204" pitchFamily="18" charset="0"/>
-                                          <a:ea typeface="Cambria Math" panose="02040503050406030204" pitchFamily="18" charset="0"/>
-                                        </a:rPr>
-                                      </m:ctrlPr>
-                                    </m:accPr>
-                                    <m:e>
-                                      <m:r>
-                                        <a:rPr lang="fr-FR" sz="1200" i="1">
-                                          <a:latin typeface="Cambria Math" panose="02040503050406030204" pitchFamily="18" charset="0"/>
-                                          <a:ea typeface="Cambria Math" panose="02040503050406030204" pitchFamily="18" charset="0"/>
-                                        </a:rPr>
-                                        <m:t>𝛽</m:t>
-                                      </m:r>
-                                    </m:e>
-                                  </m:acc>
-                                  <m:func>
-                                    <m:funcPr>
-                                      <m:ctrlPr>
-                                        <a:rPr lang="fr-FR" sz="1200" i="1">
-                                          <a:latin typeface="Cambria Math" panose="02040503050406030204" pitchFamily="18" charset="0"/>
-                                          <a:ea typeface="Cambria Math" panose="02040503050406030204" pitchFamily="18" charset="0"/>
-                                        </a:rPr>
-                                      </m:ctrlPr>
-                                    </m:funcPr>
-                                    <m:fName>
-                                      <m:r>
-                                        <m:rPr>
-                                          <m:sty m:val="p"/>
-                                        </m:rPr>
-                                        <a:rPr lang="fr-FR" sz="1200">
-                                          <a:latin typeface="Cambria Math" panose="02040503050406030204" pitchFamily="18" charset="0"/>
-                                          <a:ea typeface="Cambria Math" panose="02040503050406030204" pitchFamily="18" charset="0"/>
-                                        </a:rPr>
-                                        <m:t>sin</m:t>
-                                      </m:r>
-                                    </m:fName>
-                                    <m:e>
-                                      <m:r>
-                                        <a:rPr lang="fr-FR" sz="1200" i="1">
-                                          <a:latin typeface="Cambria Math" panose="02040503050406030204" pitchFamily="18" charset="0"/>
-                                          <a:ea typeface="Cambria Math" panose="02040503050406030204" pitchFamily="18" charset="0"/>
-                                        </a:rPr>
-                                        <m:t>𝛾</m:t>
-                                      </m:r>
-                                    </m:e>
-                                  </m:func>
-                                </m:e>
-                              </m:mr>
-                              <m:mr>
-                                <m:e>
-                                  <m:acc>
-                                    <m:accPr>
-                                      <m:chr m:val="̇"/>
-                                      <m:ctrlPr>
-                                        <a:rPr lang="fr-FR" sz="1200" i="1">
-                                          <a:latin typeface="Cambria Math" panose="02040503050406030204" pitchFamily="18" charset="0"/>
-                                          <a:ea typeface="Cambria Math" panose="02040503050406030204" pitchFamily="18" charset="0"/>
-                                        </a:rPr>
-                                      </m:ctrlPr>
-                                    </m:accPr>
-                                    <m:e>
-                                      <m:r>
-                                        <a:rPr lang="fr-FR" sz="1200" i="1">
-                                          <a:latin typeface="Cambria Math" panose="02040503050406030204" pitchFamily="18" charset="0"/>
-                                          <a:ea typeface="Cambria Math" panose="02040503050406030204" pitchFamily="18" charset="0"/>
-                                        </a:rPr>
-                                        <m:t>𝛽</m:t>
-                                      </m:r>
-                                    </m:e>
-                                  </m:acc>
-                                  <m:func>
-                                    <m:funcPr>
-                                      <m:ctrlPr>
-                                        <a:rPr lang="fr-FR" sz="1200" b="0" i="1" smtClean="0">
-                                          <a:latin typeface="Cambria Math" panose="02040503050406030204" pitchFamily="18" charset="0"/>
-                                          <a:ea typeface="Cambria Math" panose="02040503050406030204" pitchFamily="18" charset="0"/>
-                                        </a:rPr>
-                                      </m:ctrlPr>
-                                    </m:funcPr>
-                                    <m:fName>
-                                      <m:r>
-                                        <m:rPr>
-                                          <m:sty m:val="p"/>
-                                        </m:rPr>
-                                        <a:rPr lang="fr-FR" sz="1200" b="0" i="0" smtClean="0">
-                                          <a:latin typeface="Cambria Math" panose="02040503050406030204" pitchFamily="18" charset="0"/>
-                                          <a:ea typeface="Cambria Math" panose="02040503050406030204" pitchFamily="18" charset="0"/>
-                                        </a:rPr>
-                                        <m:t>cos</m:t>
-                                      </m:r>
-                                    </m:fName>
-                                    <m:e>
-                                      <m:r>
-                                        <a:rPr lang="fr-FR" sz="1200" b="0" i="1" smtClean="0">
-                                          <a:latin typeface="Cambria Math" panose="02040503050406030204" pitchFamily="18" charset="0"/>
-                                          <a:ea typeface="Cambria Math" panose="02040503050406030204" pitchFamily="18" charset="0"/>
-                                        </a:rPr>
-                                        <m:t>𝛾</m:t>
-                                      </m:r>
-                                    </m:e>
-                                  </m:func>
-                                </m:e>
-                              </m:mr>
-                            </m:m>
-                          </m:e>
-                        </m:d>
-                      </m:e>
-                      <m:sub>
-                        <m:sSub>
-                          <m:sSubPr>
-                            <m:ctrlPr>
-                              <a:rPr lang="fr-FR" sz="1200" b="0" i="1" smtClean="0">
-                                <a:latin typeface="Cambria Math" panose="02040503050406030204" pitchFamily="18" charset="0"/>
-                                <a:ea typeface="Cambria Math" panose="02040503050406030204" pitchFamily="18" charset="0"/>
-                              </a:rPr>
-                            </m:ctrlPr>
-                          </m:sSubPr>
-                          <m:e>
-                            <m:r>
-                              <a:rPr lang="fr-FR" sz="1200" b="0" i="1" smtClean="0">
-                                <a:latin typeface="Cambria Math" panose="02040503050406030204" pitchFamily="18" charset="0"/>
-                                <a:ea typeface="Cambria Math" panose="02040503050406030204" pitchFamily="18" charset="0"/>
-                              </a:rPr>
-                              <m:t>𝐵</m:t>
-                            </m:r>
-                          </m:e>
-                          <m:sub>
-                            <m:r>
-                              <a:rPr lang="fr-FR" sz="1200" b="0" i="1" smtClean="0">
-                                <a:latin typeface="Cambria Math" panose="02040503050406030204" pitchFamily="18" charset="0"/>
-                                <a:ea typeface="Cambria Math" panose="02040503050406030204" pitchFamily="18" charset="0"/>
-                              </a:rPr>
-                              <m:t>2</m:t>
-                            </m:r>
-                          </m:sub>
-                        </m:sSub>
-                      </m:sub>
-                    </m:sSub>
-                    <m:r>
-                      <a:rPr lang="fr-FR" sz="1200" b="0" i="1" smtClean="0">
-                        <a:latin typeface="Cambria Math" panose="02040503050406030204" pitchFamily="18" charset="0"/>
-                        <a:ea typeface="Cambria Math" panose="02040503050406030204" pitchFamily="18" charset="0"/>
-                      </a:rPr>
-                      <m:t>=</m:t>
-                    </m:r>
-                    <m:sSub>
-                      <m:sSubPr>
-                        <m:ctrlPr>
-                          <a:rPr lang="fr-FR" sz="1200" i="1">
-                            <a:latin typeface="Cambria Math" panose="02040503050406030204" pitchFamily="18" charset="0"/>
-                            <a:ea typeface="Cambria Math" panose="02040503050406030204" pitchFamily="18" charset="0"/>
-                          </a:rPr>
-                        </m:ctrlPr>
-                      </m:sSubPr>
-                      <m:e>
-                        <m:d>
-                          <m:dPr>
-                            <m:begChr m:val="["/>
-                            <m:endChr m:val="]"/>
-                            <m:ctrlPr>
-                              <a:rPr lang="fr-FR" sz="1200" i="1">
-                                <a:latin typeface="Cambria Math" panose="02040503050406030204" pitchFamily="18" charset="0"/>
-                                <a:ea typeface="Cambria Math" panose="02040503050406030204" pitchFamily="18" charset="0"/>
-                              </a:rPr>
-                            </m:ctrlPr>
-                          </m:dPr>
-                          <m:e>
-                            <m:m>
-                              <m:mPr>
-                                <m:mcs>
-                                  <m:mc>
-                                    <m:mcPr>
-                                      <m:count m:val="1"/>
-                                      <m:mcJc m:val="center"/>
-                                    </m:mcPr>
-                                  </m:mc>
-                                </m:mcs>
-                                <m:ctrlPr>
-                                  <a:rPr lang="fr-FR" sz="1200" i="1">
-                                    <a:latin typeface="Cambria Math" panose="02040503050406030204" pitchFamily="18" charset="0"/>
-                                    <a:ea typeface="Cambria Math" panose="02040503050406030204" pitchFamily="18" charset="0"/>
-                                  </a:rPr>
-                                </m:ctrlPr>
-                              </m:mPr>
-                              <m:mr>
-                                <m:e>
-                                  <m:r>
-                                    <m:rPr>
-                                      <m:brk m:alnAt="7"/>
-                                    </m:rPr>
-                                    <a:rPr lang="fr-FR" sz="1200" b="0" i="1" smtClean="0">
-                                      <a:latin typeface="Cambria Math" panose="02040503050406030204" pitchFamily="18" charset="0"/>
-                                      <a:ea typeface="Cambria Math" panose="02040503050406030204" pitchFamily="18" charset="0"/>
-                                    </a:rPr>
-                                    <m:t>𝐴</m:t>
-                                  </m:r>
-                                  <m:acc>
-                                    <m:accPr>
-                                      <m:chr m:val="̇"/>
-                                      <m:ctrlPr>
-                                        <a:rPr lang="fr-FR" sz="1200" i="1">
-                                          <a:latin typeface="Cambria Math" panose="02040503050406030204" pitchFamily="18" charset="0"/>
-                                          <a:ea typeface="Cambria Math" panose="02040503050406030204" pitchFamily="18" charset="0"/>
-                                        </a:rPr>
-                                      </m:ctrlPr>
-                                    </m:accPr>
-                                    <m:e>
-                                      <m:r>
-                                        <a:rPr lang="fr-FR" sz="1200" i="1">
-                                          <a:latin typeface="Cambria Math" panose="02040503050406030204" pitchFamily="18" charset="0"/>
-                                          <a:ea typeface="Cambria Math" panose="02040503050406030204" pitchFamily="18" charset="0"/>
-                                        </a:rPr>
-                                        <m:t>𝛾</m:t>
-                                      </m:r>
-                                    </m:e>
-                                  </m:acc>
-                                </m:e>
-                              </m:mr>
-                              <m:mr>
-                                <m:e>
-                                  <m:r>
-                                    <a:rPr lang="fr-FR" sz="1200" b="0" i="1" smtClean="0">
-                                      <a:latin typeface="Cambria Math" panose="02040503050406030204" pitchFamily="18" charset="0"/>
-                                      <a:ea typeface="Cambria Math" panose="02040503050406030204" pitchFamily="18" charset="0"/>
-                                    </a:rPr>
-                                    <m:t>𝐵</m:t>
-                                  </m:r>
-                                  <m:acc>
-                                    <m:accPr>
-                                      <m:chr m:val="̇"/>
-                                      <m:ctrlPr>
-                                        <a:rPr lang="fr-FR" sz="1200" i="1">
-                                          <a:latin typeface="Cambria Math" panose="02040503050406030204" pitchFamily="18" charset="0"/>
-                                          <a:ea typeface="Cambria Math" panose="02040503050406030204" pitchFamily="18" charset="0"/>
-                                        </a:rPr>
-                                      </m:ctrlPr>
-                                    </m:accPr>
-                                    <m:e>
-                                      <m:r>
-                                        <a:rPr lang="fr-FR" sz="1200" i="1">
-                                          <a:latin typeface="Cambria Math" panose="02040503050406030204" pitchFamily="18" charset="0"/>
-                                          <a:ea typeface="Cambria Math" panose="02040503050406030204" pitchFamily="18" charset="0"/>
-                                        </a:rPr>
-                                        <m:t>𝛽</m:t>
-                                      </m:r>
-                                    </m:e>
-                                  </m:acc>
-                                  <m:func>
-                                    <m:funcPr>
-                                      <m:ctrlPr>
-                                        <a:rPr lang="fr-FR" sz="1200" i="1">
-                                          <a:latin typeface="Cambria Math" panose="02040503050406030204" pitchFamily="18" charset="0"/>
-                                          <a:ea typeface="Cambria Math" panose="02040503050406030204" pitchFamily="18" charset="0"/>
-                                        </a:rPr>
-                                      </m:ctrlPr>
-                                    </m:funcPr>
-                                    <m:fName>
-                                      <m:r>
-                                        <m:rPr>
-                                          <m:sty m:val="p"/>
-                                        </m:rPr>
-                                        <a:rPr lang="fr-FR" sz="1200">
-                                          <a:latin typeface="Cambria Math" panose="02040503050406030204" pitchFamily="18" charset="0"/>
-                                          <a:ea typeface="Cambria Math" panose="02040503050406030204" pitchFamily="18" charset="0"/>
-                                        </a:rPr>
-                                        <m:t>sin</m:t>
-                                      </m:r>
-                                    </m:fName>
-                                    <m:e>
-                                      <m:r>
-                                        <a:rPr lang="fr-FR" sz="1200" i="1">
-                                          <a:latin typeface="Cambria Math" panose="02040503050406030204" pitchFamily="18" charset="0"/>
-                                          <a:ea typeface="Cambria Math" panose="02040503050406030204" pitchFamily="18" charset="0"/>
-                                        </a:rPr>
-                                        <m:t>𝛾</m:t>
-                                      </m:r>
-                                    </m:e>
-                                  </m:func>
-                                </m:e>
-                              </m:mr>
-                              <m:mr>
-                                <m:e>
-                                  <m:r>
-                                    <a:rPr lang="fr-FR" sz="1200" b="0" i="1" smtClean="0">
-                                      <a:latin typeface="Cambria Math" panose="02040503050406030204" pitchFamily="18" charset="0"/>
-                                      <a:ea typeface="Cambria Math" panose="02040503050406030204" pitchFamily="18" charset="0"/>
-                                    </a:rPr>
-                                    <m:t>𝐵</m:t>
-                                  </m:r>
-                                  <m:acc>
-                                    <m:accPr>
-                                      <m:chr m:val="̇"/>
-                                      <m:ctrlPr>
-                                        <a:rPr lang="fr-FR" sz="1200" i="1">
-                                          <a:latin typeface="Cambria Math" panose="02040503050406030204" pitchFamily="18" charset="0"/>
-                                          <a:ea typeface="Cambria Math" panose="02040503050406030204" pitchFamily="18" charset="0"/>
-                                        </a:rPr>
-                                      </m:ctrlPr>
-                                    </m:accPr>
-                                    <m:e>
-                                      <m:r>
-                                        <a:rPr lang="fr-FR" sz="1200" i="1">
-                                          <a:latin typeface="Cambria Math" panose="02040503050406030204" pitchFamily="18" charset="0"/>
-                                          <a:ea typeface="Cambria Math" panose="02040503050406030204" pitchFamily="18" charset="0"/>
-                                        </a:rPr>
-                                        <m:t>𝛽</m:t>
-                                      </m:r>
-                                    </m:e>
-                                  </m:acc>
-                                  <m:func>
-                                    <m:funcPr>
-                                      <m:ctrlPr>
-                                        <a:rPr lang="fr-FR" sz="1200" i="1">
-                                          <a:latin typeface="Cambria Math" panose="02040503050406030204" pitchFamily="18" charset="0"/>
-                                          <a:ea typeface="Cambria Math" panose="02040503050406030204" pitchFamily="18" charset="0"/>
-                                        </a:rPr>
-                                      </m:ctrlPr>
-                                    </m:funcPr>
-                                    <m:fName>
-                                      <m:r>
-                                        <m:rPr>
-                                          <m:sty m:val="p"/>
-                                        </m:rPr>
-                                        <a:rPr lang="fr-FR" sz="1200">
-                                          <a:latin typeface="Cambria Math" panose="02040503050406030204" pitchFamily="18" charset="0"/>
-                                          <a:ea typeface="Cambria Math" panose="02040503050406030204" pitchFamily="18" charset="0"/>
-                                        </a:rPr>
-                                        <m:t>cos</m:t>
-                                      </m:r>
-                                    </m:fName>
-                                    <m:e>
-                                      <m:r>
-                                        <a:rPr lang="fr-FR" sz="1200" i="1">
-                                          <a:latin typeface="Cambria Math" panose="02040503050406030204" pitchFamily="18" charset="0"/>
-                                          <a:ea typeface="Cambria Math" panose="02040503050406030204" pitchFamily="18" charset="0"/>
-                                        </a:rPr>
-                                        <m:t>𝛾</m:t>
-                                      </m:r>
-                                    </m:e>
-                                  </m:func>
-                                </m:e>
-                              </m:mr>
-                            </m:m>
-                          </m:e>
-                        </m:d>
-                      </m:e>
-                      <m:sub>
-                        <m:sSub>
-                          <m:sSubPr>
-                            <m:ctrlPr>
-                              <a:rPr lang="fr-FR" sz="1200" i="1">
-                                <a:latin typeface="Cambria Math" panose="02040503050406030204" pitchFamily="18" charset="0"/>
-                                <a:ea typeface="Cambria Math" panose="02040503050406030204" pitchFamily="18" charset="0"/>
-                              </a:rPr>
-                            </m:ctrlPr>
-                          </m:sSubPr>
-                          <m:e>
-                            <m:r>
-                              <a:rPr lang="fr-FR" sz="1200" i="1">
-                                <a:latin typeface="Cambria Math" panose="02040503050406030204" pitchFamily="18" charset="0"/>
-                                <a:ea typeface="Cambria Math" panose="02040503050406030204" pitchFamily="18" charset="0"/>
-                              </a:rPr>
-                              <m:t>𝐵</m:t>
-                            </m:r>
-                          </m:e>
-                          <m:sub>
-                            <m:r>
-                              <a:rPr lang="fr-FR" sz="1200" i="1">
-                                <a:latin typeface="Cambria Math" panose="02040503050406030204" pitchFamily="18" charset="0"/>
-                                <a:ea typeface="Cambria Math" panose="02040503050406030204" pitchFamily="18" charset="0"/>
-                              </a:rPr>
-                              <m:t>2</m:t>
-                            </m:r>
-                          </m:sub>
-                        </m:sSub>
-                      </m:sub>
-                    </m:sSub>
-                  </m:oMath>
-                </a14:m>
-                <a:endParaRPr lang="fr-FR" sz="1200" dirty="0"/>
-              </a:p>
-              <a:p>
-                <a:pPr lvl="2"/>
-                <a14:m>
-                  <m:oMath xmlns:m="http://schemas.openxmlformats.org/officeDocument/2006/math">
-                    <m:acc>
-                      <m:accPr>
-                        <m:chr m:val="⃗"/>
-                        <m:ctrlPr>
-                          <a:rPr lang="fr-FR" sz="1200" i="1" smtClean="0">
-                            <a:latin typeface="Cambria Math" panose="02040503050406030204" pitchFamily="18" charset="0"/>
-                            <a:ea typeface="Cambria Math" panose="02040503050406030204" pitchFamily="18" charset="0"/>
-                          </a:rPr>
-                        </m:ctrlPr>
-                      </m:accPr>
-                      <m:e>
-                        <m:r>
-                          <a:rPr lang="fr-FR" sz="1200" b="0" i="1" smtClean="0">
-                            <a:latin typeface="Cambria Math" panose="02040503050406030204" pitchFamily="18" charset="0"/>
-                            <a:ea typeface="Cambria Math" panose="02040503050406030204" pitchFamily="18" charset="0"/>
-                          </a:rPr>
-                          <m:t>𝜎</m:t>
-                        </m:r>
-                        <m:d>
-                          <m:dPr>
-                            <m:ctrlPr>
-                              <a:rPr lang="fr-FR" sz="1200" i="1">
-                                <a:latin typeface="Cambria Math" panose="02040503050406030204" pitchFamily="18" charset="0"/>
-                                <a:ea typeface="Cambria Math" panose="02040503050406030204" pitchFamily="18" charset="0"/>
-                              </a:rPr>
-                            </m:ctrlPr>
-                          </m:dPr>
-                          <m:e>
-                            <m:r>
-                              <a:rPr lang="fr-FR" sz="1200" i="1">
-                                <a:latin typeface="Cambria Math" panose="02040503050406030204" pitchFamily="18" charset="0"/>
-                                <a:ea typeface="Cambria Math" panose="02040503050406030204" pitchFamily="18" charset="0"/>
-                              </a:rPr>
-                              <m:t>𝐺</m:t>
-                            </m:r>
-                            <m:r>
-                              <a:rPr lang="fr-FR" sz="1200" i="1">
-                                <a:latin typeface="Cambria Math" panose="02040503050406030204" pitchFamily="18" charset="0"/>
-                                <a:ea typeface="Cambria Math" panose="02040503050406030204" pitchFamily="18" charset="0"/>
-                              </a:rPr>
-                              <m:t>,</m:t>
-                            </m:r>
-                            <m:r>
-                              <a:rPr lang="fr-FR" sz="1200" i="1">
-                                <a:latin typeface="Cambria Math" panose="02040503050406030204" pitchFamily="18" charset="0"/>
-                                <a:ea typeface="Cambria Math" panose="02040503050406030204" pitchFamily="18" charset="0"/>
-                              </a:rPr>
-                              <m:t>𝑅</m:t>
-                            </m:r>
-                            <m:r>
-                              <m:rPr>
-                                <m:lit/>
-                              </m:rPr>
-                              <a:rPr lang="fr-FR" sz="1200" i="1">
-                                <a:latin typeface="Cambria Math" panose="02040503050406030204" pitchFamily="18" charset="0"/>
-                                <a:ea typeface="Cambria Math" panose="02040503050406030204" pitchFamily="18" charset="0"/>
-                              </a:rPr>
-                              <m:t>/</m:t>
-                            </m:r>
-                            <m:r>
-                              <a:rPr lang="fr-FR" sz="1200" i="1">
-                                <a:latin typeface="Cambria Math" panose="02040503050406030204" pitchFamily="18" charset="0"/>
-                                <a:ea typeface="Cambria Math" panose="02040503050406030204" pitchFamily="18" charset="0"/>
-                              </a:rPr>
-                              <m:t>0</m:t>
-                            </m:r>
-                          </m:e>
-                        </m:d>
-                      </m:e>
-                    </m:acc>
-                    <m:r>
-                      <a:rPr lang="fr-FR" sz="1200" b="0" i="1" smtClean="0">
-                        <a:latin typeface="Cambria Math" panose="02040503050406030204" pitchFamily="18" charset="0"/>
-                        <a:ea typeface="Cambria Math" panose="02040503050406030204" pitchFamily="18" charset="0"/>
-                      </a:rPr>
-                      <m:t>⋅</m:t>
-                    </m:r>
-                    <m:acc>
-                      <m:accPr>
-                        <m:chr m:val="⃗"/>
-                        <m:ctrlPr>
-                          <a:rPr lang="fr-FR" sz="1200" i="1">
-                            <a:latin typeface="Cambria Math" panose="02040503050406030204" pitchFamily="18" charset="0"/>
-                            <a:ea typeface="Cambria Math" panose="02040503050406030204" pitchFamily="18" charset="0"/>
-                          </a:rPr>
-                        </m:ctrlPr>
-                      </m:accPr>
-                      <m:e>
-                        <m:r>
-                          <m:rPr>
-                            <m:sty m:val="p"/>
-                          </m:rPr>
-                          <a:rPr lang="fr-FR" sz="1200">
-                            <a:latin typeface="Cambria Math" panose="02040503050406030204" pitchFamily="18" charset="0"/>
-                            <a:ea typeface="Cambria Math" panose="02040503050406030204" pitchFamily="18" charset="0"/>
-                          </a:rPr>
-                          <m:t>Ω</m:t>
-                        </m:r>
-                        <m:d>
-                          <m:dPr>
-                            <m:ctrlPr>
-                              <a:rPr lang="fr-FR" sz="1200" i="1">
-                                <a:latin typeface="Cambria Math" panose="02040503050406030204" pitchFamily="18" charset="0"/>
-                                <a:ea typeface="Cambria Math" panose="02040503050406030204" pitchFamily="18" charset="0"/>
-                              </a:rPr>
-                            </m:ctrlPr>
-                          </m:dPr>
-                          <m:e>
-                            <m:r>
-                              <a:rPr lang="fr-FR" sz="1200" i="1">
-                                <a:latin typeface="Cambria Math" panose="02040503050406030204" pitchFamily="18" charset="0"/>
-                                <a:ea typeface="Cambria Math" panose="02040503050406030204" pitchFamily="18" charset="0"/>
-                              </a:rPr>
-                              <m:t>𝑅</m:t>
-                            </m:r>
-                            <m:r>
-                              <m:rPr>
-                                <m:lit/>
-                              </m:rPr>
-                              <a:rPr lang="fr-FR" sz="1200" i="1">
-                                <a:latin typeface="Cambria Math" panose="02040503050406030204" pitchFamily="18" charset="0"/>
-                                <a:ea typeface="Cambria Math" panose="02040503050406030204" pitchFamily="18" charset="0"/>
-                              </a:rPr>
-                              <m:t>/</m:t>
-                            </m:r>
-                            <m:r>
-                              <a:rPr lang="fr-FR" sz="1200" i="1">
-                                <a:latin typeface="Cambria Math" panose="02040503050406030204" pitchFamily="18" charset="0"/>
-                                <a:ea typeface="Cambria Math" panose="02040503050406030204" pitchFamily="18" charset="0"/>
-                              </a:rPr>
-                              <m:t>0</m:t>
-                            </m:r>
-                          </m:e>
-                        </m:d>
-                      </m:e>
-                    </m:acc>
-                    <m:r>
-                      <a:rPr lang="fr-FR" sz="1200" b="0" i="1" smtClean="0">
-                        <a:latin typeface="Cambria Math" panose="02040503050406030204" pitchFamily="18" charset="0"/>
-                        <a:ea typeface="Cambria Math" panose="02040503050406030204" pitchFamily="18" charset="0"/>
-                      </a:rPr>
-                      <m:t>=</m:t>
-                    </m:r>
-                    <m:r>
-                      <a:rPr lang="fr-FR" sz="1200" b="0" i="1" smtClean="0">
-                        <a:latin typeface="Cambria Math" panose="02040503050406030204" pitchFamily="18" charset="0"/>
-                        <a:ea typeface="Cambria Math" panose="02040503050406030204" pitchFamily="18" charset="0"/>
-                      </a:rPr>
-                      <m:t>𝐴</m:t>
-                    </m:r>
-                    <m:sSup>
-                      <m:sSupPr>
-                        <m:ctrlPr>
-                          <a:rPr lang="fr-FR" sz="1200" b="0" i="1" smtClean="0">
-                            <a:latin typeface="Cambria Math" panose="02040503050406030204" pitchFamily="18" charset="0"/>
-                            <a:ea typeface="Cambria Math" panose="02040503050406030204" pitchFamily="18" charset="0"/>
-                          </a:rPr>
-                        </m:ctrlPr>
-                      </m:sSupPr>
-                      <m:e>
-                        <m:acc>
-                          <m:accPr>
-                            <m:chr m:val="̇"/>
-                            <m:ctrlPr>
-                              <a:rPr lang="fr-FR" sz="1200" i="1">
-                                <a:latin typeface="Cambria Math" panose="02040503050406030204" pitchFamily="18" charset="0"/>
-                                <a:ea typeface="Cambria Math" panose="02040503050406030204" pitchFamily="18" charset="0"/>
-                              </a:rPr>
-                            </m:ctrlPr>
-                          </m:accPr>
-                          <m:e>
-                            <m:r>
-                              <a:rPr lang="fr-FR" sz="1200" i="1">
-                                <a:latin typeface="Cambria Math" panose="02040503050406030204" pitchFamily="18" charset="0"/>
-                                <a:ea typeface="Cambria Math" panose="02040503050406030204" pitchFamily="18" charset="0"/>
-                              </a:rPr>
-                              <m:t>𝛾</m:t>
-                            </m:r>
-                          </m:e>
-                        </m:acc>
-                      </m:e>
-                      <m:sup>
-                        <m:r>
-                          <a:rPr lang="fr-FR" sz="1200" b="0" i="0" smtClean="0">
-                            <a:latin typeface="Cambria Math" panose="02040503050406030204" pitchFamily="18" charset="0"/>
-                            <a:ea typeface="Cambria Math" panose="02040503050406030204" pitchFamily="18" charset="0"/>
-                          </a:rPr>
-                          <m:t>2</m:t>
-                        </m:r>
-                      </m:sup>
-                    </m:sSup>
-                    <m:r>
-                      <a:rPr lang="fr-FR" sz="1200">
-                        <a:latin typeface="Cambria Math" panose="02040503050406030204" pitchFamily="18" charset="0"/>
-                        <a:ea typeface="Cambria Math" panose="02040503050406030204" pitchFamily="18" charset="0"/>
-                      </a:rPr>
-                      <m:t>+</m:t>
-                    </m:r>
-                    <m:r>
-                      <a:rPr lang="fr-FR" sz="1200" i="1">
-                        <a:latin typeface="Cambria Math" panose="02040503050406030204" pitchFamily="18" charset="0"/>
-                        <a:ea typeface="Cambria Math" panose="02040503050406030204" pitchFamily="18" charset="0"/>
-                      </a:rPr>
-                      <m:t>𝐵</m:t>
-                    </m:r>
-                    <m:acc>
-                      <m:accPr>
-                        <m:chr m:val="̇"/>
-                        <m:ctrlPr>
-                          <a:rPr lang="fr-FR" sz="1200" i="1">
-                            <a:latin typeface="Cambria Math" panose="02040503050406030204" pitchFamily="18" charset="0"/>
-                            <a:ea typeface="Cambria Math" panose="02040503050406030204" pitchFamily="18" charset="0"/>
-                          </a:rPr>
-                        </m:ctrlPr>
-                      </m:accPr>
-                      <m:e>
-                        <m:sSup>
-                          <m:sSupPr>
-                            <m:ctrlPr>
-                              <a:rPr lang="fr-FR" sz="1200" i="1">
-                                <a:latin typeface="Cambria Math" panose="02040503050406030204" pitchFamily="18" charset="0"/>
-                                <a:ea typeface="Cambria Math" panose="02040503050406030204" pitchFamily="18" charset="0"/>
-                              </a:rPr>
-                            </m:ctrlPr>
-                          </m:sSupPr>
-                          <m:e>
-                            <m:r>
-                              <a:rPr lang="fr-FR" sz="1200" i="1">
-                                <a:latin typeface="Cambria Math" panose="02040503050406030204" pitchFamily="18" charset="0"/>
-                                <a:ea typeface="Cambria Math" panose="02040503050406030204" pitchFamily="18" charset="0"/>
-                              </a:rPr>
-                              <m:t>𝛽</m:t>
-                            </m:r>
-                          </m:e>
-                          <m:sup>
-                            <m:r>
-                              <a:rPr lang="fr-FR" sz="1200" i="1">
-                                <a:latin typeface="Cambria Math" panose="02040503050406030204" pitchFamily="18" charset="0"/>
-                                <a:ea typeface="Cambria Math" panose="02040503050406030204" pitchFamily="18" charset="0"/>
-                              </a:rPr>
-                              <m:t>2</m:t>
-                            </m:r>
-                          </m:sup>
-                        </m:sSup>
-                      </m:e>
-                    </m:acc>
-                  </m:oMath>
-                </a14:m>
-                <a:endParaRPr lang="fr-FR" sz="1200" dirty="0">
-                  <a:ea typeface="Cambria Math" panose="02040503050406030204" pitchFamily="18" charset="0"/>
-                </a:endParaRPr>
-              </a:p>
-              <a:p>
-                <a:pPr lvl="2"/>
-                <a14:m>
-                  <m:oMath xmlns:m="http://schemas.openxmlformats.org/officeDocument/2006/math">
-                    <m:acc>
-                      <m:accPr>
-                        <m:chr m:val="⃗"/>
-                        <m:ctrlPr>
-                          <a:rPr lang="fr-FR" sz="1200" i="1" smtClean="0">
-                            <a:latin typeface="Cambria Math" panose="02040503050406030204" pitchFamily="18" charset="0"/>
-                            <a:ea typeface="Cambria Math" panose="02040503050406030204" pitchFamily="18" charset="0"/>
-                          </a:rPr>
-                        </m:ctrlPr>
-                      </m:accPr>
-                      <m:e>
-                        <m:r>
-                          <m:rPr>
-                            <m:sty m:val="p"/>
-                          </m:rPr>
-                          <a:rPr lang="fr-FR" sz="1200" b="0" i="0" smtClean="0">
-                            <a:latin typeface="Cambria Math" panose="02040503050406030204" pitchFamily="18" charset="0"/>
-                            <a:ea typeface="Cambria Math" panose="02040503050406030204" pitchFamily="18" charset="0"/>
-                          </a:rPr>
-                          <m:t>V</m:t>
-                        </m:r>
-                        <m:d>
-                          <m:dPr>
-                            <m:ctrlPr>
-                              <a:rPr lang="fr-FR" sz="1200" i="1">
-                                <a:latin typeface="Cambria Math" panose="02040503050406030204" pitchFamily="18" charset="0"/>
-                                <a:ea typeface="Cambria Math" panose="02040503050406030204" pitchFamily="18" charset="0"/>
-                              </a:rPr>
-                            </m:ctrlPr>
-                          </m:dPr>
-                          <m:e>
-                            <m:r>
-                              <a:rPr lang="fr-FR" sz="1200" b="0" i="1" smtClean="0">
-                                <a:latin typeface="Cambria Math" panose="02040503050406030204" pitchFamily="18" charset="0"/>
-                                <a:ea typeface="Cambria Math" panose="02040503050406030204" pitchFamily="18" charset="0"/>
-                              </a:rPr>
-                              <m:t>𝐺</m:t>
-                            </m:r>
-                            <m:r>
-                              <a:rPr lang="fr-FR" sz="1200" b="0" i="1" smtClean="0">
-                                <a:latin typeface="Cambria Math" panose="02040503050406030204" pitchFamily="18" charset="0"/>
-                                <a:ea typeface="Cambria Math" panose="02040503050406030204" pitchFamily="18" charset="0"/>
-                              </a:rPr>
-                              <m:t>,</m:t>
-                            </m:r>
-                            <m:r>
-                              <a:rPr lang="fr-FR" sz="1200" i="1">
-                                <a:latin typeface="Cambria Math" panose="02040503050406030204" pitchFamily="18" charset="0"/>
-                                <a:ea typeface="Cambria Math" panose="02040503050406030204" pitchFamily="18" charset="0"/>
-                              </a:rPr>
-                              <m:t>𝑅</m:t>
-                            </m:r>
-                            <m:r>
-                              <m:rPr>
-                                <m:lit/>
-                              </m:rPr>
-                              <a:rPr lang="fr-FR" sz="1200" i="1">
-                                <a:latin typeface="Cambria Math" panose="02040503050406030204" pitchFamily="18" charset="0"/>
-                                <a:ea typeface="Cambria Math" panose="02040503050406030204" pitchFamily="18" charset="0"/>
-                              </a:rPr>
-                              <m:t>/</m:t>
-                            </m:r>
-                            <m:r>
-                              <a:rPr lang="fr-FR" sz="1200" i="1">
-                                <a:latin typeface="Cambria Math" panose="02040503050406030204" pitchFamily="18" charset="0"/>
-                                <a:ea typeface="Cambria Math" panose="02040503050406030204" pitchFamily="18" charset="0"/>
-                              </a:rPr>
-                              <m:t>0</m:t>
-                            </m:r>
-                          </m:e>
-                        </m:d>
-                      </m:e>
-                    </m:acc>
-                    <m:r>
-                      <a:rPr lang="fr-FR" sz="1200" b="0" i="0" smtClean="0">
-                        <a:latin typeface="Cambria Math" panose="02040503050406030204" pitchFamily="18" charset="0"/>
-                        <a:ea typeface="Cambria Math" panose="02040503050406030204" pitchFamily="18" charset="0"/>
-                      </a:rPr>
-                      <m:t>=</m:t>
-                    </m:r>
-                    <m:d>
-                      <m:dPr>
-                        <m:begChr m:val="["/>
-                        <m:endChr m:val="]"/>
-                        <m:ctrlPr>
-                          <a:rPr lang="fr-FR" sz="1200" b="0" i="1" smtClean="0">
-                            <a:latin typeface="Cambria Math" panose="02040503050406030204" pitchFamily="18" charset="0"/>
-                            <a:ea typeface="Cambria Math" panose="02040503050406030204" pitchFamily="18" charset="0"/>
-                          </a:rPr>
-                        </m:ctrlPr>
-                      </m:dPr>
-                      <m:e>
-                        <m:f>
-                          <m:fPr>
-                            <m:ctrlPr>
-                              <a:rPr lang="fr-FR" sz="1200" b="0" i="1" smtClean="0">
-                                <a:latin typeface="Cambria Math" panose="02040503050406030204" pitchFamily="18" charset="0"/>
-                                <a:ea typeface="Cambria Math" panose="02040503050406030204" pitchFamily="18" charset="0"/>
-                              </a:rPr>
-                            </m:ctrlPr>
-                          </m:fPr>
-                          <m:num>
-                            <m:r>
-                              <m:rPr>
-                                <m:sty m:val="p"/>
-                              </m:rPr>
-                              <a:rPr lang="fr-FR" sz="1200" b="0" i="0" smtClean="0">
-                                <a:latin typeface="Cambria Math" panose="02040503050406030204" pitchFamily="18" charset="0"/>
-                                <a:ea typeface="Cambria Math" panose="02040503050406030204" pitchFamily="18" charset="0"/>
-                              </a:rPr>
-                              <m:t>d</m:t>
-                            </m:r>
-                            <m:acc>
-                              <m:accPr>
-                                <m:chr m:val="⃗"/>
-                                <m:ctrlPr>
-                                  <a:rPr lang="fr-FR" sz="1200" b="0" i="1" smtClean="0">
-                                    <a:latin typeface="Cambria Math" panose="02040503050406030204" pitchFamily="18" charset="0"/>
-                                    <a:ea typeface="Cambria Math" panose="02040503050406030204" pitchFamily="18" charset="0"/>
-                                  </a:rPr>
-                                </m:ctrlPr>
-                              </m:accPr>
-                              <m:e>
-                                <m:r>
-                                  <m:rPr>
-                                    <m:sty m:val="p"/>
-                                  </m:rPr>
-                                  <a:rPr lang="fr-FR" sz="1200" b="0" i="0" smtClean="0">
-                                    <a:latin typeface="Cambria Math" panose="02040503050406030204" pitchFamily="18" charset="0"/>
-                                    <a:ea typeface="Cambria Math" panose="02040503050406030204" pitchFamily="18" charset="0"/>
-                                  </a:rPr>
-                                  <m:t>A</m:t>
-                                </m:r>
-                                <m:r>
-                                  <m:rPr>
-                                    <m:sty m:val="p"/>
-                                  </m:rPr>
-                                  <a:rPr lang="fr-FR" sz="1200">
-                                    <a:latin typeface="Cambria Math" panose="02040503050406030204" pitchFamily="18" charset="0"/>
-                                    <a:ea typeface="Cambria Math" panose="02040503050406030204" pitchFamily="18" charset="0"/>
-                                  </a:rPr>
-                                  <m:t>G</m:t>
-                                </m:r>
-                              </m:e>
-                            </m:acc>
-                          </m:num>
-                          <m:den>
-                            <m:r>
-                              <m:rPr>
-                                <m:sty m:val="p"/>
-                              </m:rPr>
-                              <a:rPr lang="fr-FR" sz="1200" b="0" i="0" smtClean="0">
-                                <a:latin typeface="Cambria Math" panose="02040503050406030204" pitchFamily="18" charset="0"/>
-                                <a:ea typeface="Cambria Math" panose="02040503050406030204" pitchFamily="18" charset="0"/>
-                              </a:rPr>
-                              <m:t>d</m:t>
-                            </m:r>
-                            <m:r>
-                              <a:rPr lang="fr-FR" sz="1200" b="0" i="1" smtClean="0">
-                                <a:latin typeface="Cambria Math" panose="02040503050406030204" pitchFamily="18" charset="0"/>
-                                <a:ea typeface="Cambria Math" panose="02040503050406030204" pitchFamily="18" charset="0"/>
-                              </a:rPr>
-                              <m:t>𝑡</m:t>
-                            </m:r>
-                          </m:den>
-                        </m:f>
-                      </m:e>
-                    </m:d>
-                    <m:r>
-                      <a:rPr lang="fr-FR" sz="1200" b="0" i="1" smtClean="0">
-                        <a:latin typeface="Cambria Math" panose="02040503050406030204" pitchFamily="18" charset="0"/>
-                        <a:ea typeface="Cambria Math" panose="02040503050406030204" pitchFamily="18" charset="0"/>
-                      </a:rPr>
-                      <m:t>=</m:t>
-                    </m:r>
-                    <m:r>
-                      <a:rPr lang="fr-FR" sz="1200" b="0" i="1" smtClean="0">
-                        <a:latin typeface="Cambria Math" panose="02040503050406030204" pitchFamily="18" charset="0"/>
-                        <a:ea typeface="Cambria Math" panose="02040503050406030204" pitchFamily="18" charset="0"/>
-                      </a:rPr>
-                      <m:t>𝑅</m:t>
-                    </m:r>
-                    <m:acc>
-                      <m:accPr>
-                        <m:chr m:val="̇"/>
-                        <m:ctrlPr>
-                          <a:rPr lang="fr-FR" sz="1200" i="1">
-                            <a:latin typeface="Cambria Math" panose="02040503050406030204" pitchFamily="18" charset="0"/>
-                            <a:ea typeface="Cambria Math" panose="02040503050406030204" pitchFamily="18" charset="0"/>
-                          </a:rPr>
-                        </m:ctrlPr>
-                      </m:accPr>
-                      <m:e>
-                        <m:r>
-                          <a:rPr lang="fr-FR" sz="1200" i="1">
-                            <a:latin typeface="Cambria Math" panose="02040503050406030204" pitchFamily="18" charset="0"/>
-                            <a:ea typeface="Cambria Math" panose="02040503050406030204" pitchFamily="18" charset="0"/>
-                          </a:rPr>
-                          <m:t>𝛽</m:t>
-                        </m:r>
-                      </m:e>
-                    </m:acc>
-                    <m:acc>
-                      <m:accPr>
-                        <m:chr m:val="⃗"/>
-                        <m:ctrlPr>
-                          <a:rPr lang="fr-FR" sz="1200" i="1" smtClean="0">
-                            <a:latin typeface="Cambria Math" panose="02040503050406030204" pitchFamily="18" charset="0"/>
-                            <a:ea typeface="Cambria Math" panose="02040503050406030204" pitchFamily="18" charset="0"/>
-                          </a:rPr>
-                        </m:ctrlPr>
-                      </m:accPr>
-                      <m:e>
-                        <m:sSub>
-                          <m:sSubPr>
-                            <m:ctrlPr>
-                              <a:rPr lang="fr-FR" sz="1200" b="0" i="1" smtClean="0">
-                                <a:latin typeface="Cambria Math" panose="02040503050406030204" pitchFamily="18" charset="0"/>
-                                <a:ea typeface="Cambria Math" panose="02040503050406030204" pitchFamily="18" charset="0"/>
-                              </a:rPr>
-                            </m:ctrlPr>
-                          </m:sSubPr>
-                          <m:e>
-                            <m:r>
-                              <a:rPr lang="fr-FR" sz="1200" b="0" i="1" smtClean="0">
-                                <a:latin typeface="Cambria Math" panose="02040503050406030204" pitchFamily="18" charset="0"/>
-                                <a:ea typeface="Cambria Math" panose="02040503050406030204" pitchFamily="18" charset="0"/>
-                              </a:rPr>
-                              <m:t>𝑦</m:t>
-                            </m:r>
-                          </m:e>
-                          <m:sub>
-                            <m:r>
-                              <a:rPr lang="fr-FR" sz="1200" b="0" i="1" smtClean="0">
-                                <a:latin typeface="Cambria Math" panose="02040503050406030204" pitchFamily="18" charset="0"/>
-                                <a:ea typeface="Cambria Math" panose="02040503050406030204" pitchFamily="18" charset="0"/>
-                              </a:rPr>
-                              <m:t>1</m:t>
-                            </m:r>
-                          </m:sub>
-                        </m:sSub>
-                      </m:e>
-                    </m:acc>
-                  </m:oMath>
-                </a14:m>
-                <a:endParaRPr lang="fr-FR" sz="1200" dirty="0">
-                  <a:ea typeface="Cambria Math" panose="02040503050406030204" pitchFamily="18" charset="0"/>
-                </a:endParaRPr>
-              </a:p>
-              <a:p>
-                <a:pPr lvl="1"/>
-                <a14:m>
-                  <m:oMath xmlns:m="http://schemas.openxmlformats.org/officeDocument/2006/math">
-                    <m:sSub>
-                      <m:sSubPr>
-                        <m:ctrlPr>
-                          <a:rPr lang="fr-FR" sz="1800" b="0" i="1" smtClean="0">
-                            <a:latin typeface="Cambria Math" panose="02040503050406030204" pitchFamily="18" charset="0"/>
-                            <a:ea typeface="Cambria Math" panose="02040503050406030204" pitchFamily="18" charset="0"/>
-                          </a:rPr>
-                        </m:ctrlPr>
-                      </m:sSubPr>
-                      <m:e>
-                        <m:r>
-                          <a:rPr lang="fr-FR" sz="1800" i="1" smtClean="0">
-                            <a:latin typeface="Cambria Math" panose="02040503050406030204" pitchFamily="18" charset="0"/>
-                            <a:ea typeface="Cambria Math" panose="02040503050406030204" pitchFamily="18" charset="0"/>
-                          </a:rPr>
-                          <m:t>ℰ</m:t>
-                        </m:r>
-                      </m:e>
-                      <m:sub>
-                        <m:r>
-                          <a:rPr lang="fr-FR" sz="1800" b="0" i="1" smtClean="0">
-                            <a:latin typeface="Cambria Math" panose="02040503050406030204" pitchFamily="18" charset="0"/>
-                            <a:ea typeface="Cambria Math" panose="02040503050406030204" pitchFamily="18" charset="0"/>
-                          </a:rPr>
-                          <m:t>𝑐</m:t>
-                        </m:r>
-                      </m:sub>
-                    </m:sSub>
-                    <m:d>
-                      <m:dPr>
-                        <m:ctrlPr>
-                          <a:rPr lang="fr-FR" sz="1800" b="0" i="1" smtClean="0">
-                            <a:latin typeface="Cambria Math" panose="02040503050406030204" pitchFamily="18" charset="0"/>
-                            <a:ea typeface="Cambria Math" panose="02040503050406030204" pitchFamily="18" charset="0"/>
-                          </a:rPr>
-                        </m:ctrlPr>
-                      </m:dPr>
-                      <m:e>
-                        <m:r>
-                          <a:rPr lang="fr-FR" sz="1800" b="0" i="1" smtClean="0">
-                            <a:latin typeface="Cambria Math" panose="02040503050406030204" pitchFamily="18" charset="0"/>
-                            <a:ea typeface="Cambria Math" panose="02040503050406030204" pitchFamily="18" charset="0"/>
-                          </a:rPr>
-                          <m:t>𝑅</m:t>
-                        </m:r>
-                        <m:r>
-                          <m:rPr>
-                            <m:lit/>
-                          </m:rPr>
-                          <a:rPr lang="fr-FR" sz="1800" b="0" i="1" smtClean="0">
-                            <a:latin typeface="Cambria Math" panose="02040503050406030204" pitchFamily="18" charset="0"/>
-                            <a:ea typeface="Cambria Math" panose="02040503050406030204" pitchFamily="18" charset="0"/>
-                          </a:rPr>
-                          <m:t>/</m:t>
-                        </m:r>
-                        <m:r>
-                          <a:rPr lang="fr-FR" sz="1800" b="0" i="1" smtClean="0">
-                            <a:latin typeface="Cambria Math" panose="02040503050406030204" pitchFamily="18" charset="0"/>
-                            <a:ea typeface="Cambria Math" panose="02040503050406030204" pitchFamily="18" charset="0"/>
-                          </a:rPr>
-                          <m:t>0</m:t>
-                        </m:r>
-                      </m:e>
-                    </m:d>
-                    <m:r>
-                      <a:rPr lang="fr-FR" sz="1800" b="0" i="1" smtClean="0">
-                        <a:latin typeface="Cambria Math" panose="02040503050406030204" pitchFamily="18" charset="0"/>
-                        <a:ea typeface="Cambria Math" panose="02040503050406030204" pitchFamily="18" charset="0"/>
-                      </a:rPr>
-                      <m:t>=</m:t>
-                    </m:r>
-                    <m:f>
-                      <m:fPr>
-                        <m:ctrlPr>
-                          <a:rPr lang="fr-FR" sz="1800" b="0" i="1" smtClean="0">
-                            <a:latin typeface="Cambria Math" panose="02040503050406030204" pitchFamily="18" charset="0"/>
-                            <a:ea typeface="Cambria Math" panose="02040503050406030204" pitchFamily="18" charset="0"/>
-                          </a:rPr>
-                        </m:ctrlPr>
-                      </m:fPr>
-                      <m:num>
-                        <m:r>
-                          <a:rPr lang="fr-FR" sz="1800" b="0" i="1" smtClean="0">
-                            <a:latin typeface="Cambria Math" panose="02040503050406030204" pitchFamily="18" charset="0"/>
-                            <a:ea typeface="Cambria Math" panose="02040503050406030204" pitchFamily="18" charset="0"/>
-                          </a:rPr>
-                          <m:t>1</m:t>
-                        </m:r>
-                      </m:num>
-                      <m:den>
-                        <m:r>
-                          <a:rPr lang="fr-FR" sz="1800" b="0" i="1" smtClean="0">
-                            <a:latin typeface="Cambria Math" panose="02040503050406030204" pitchFamily="18" charset="0"/>
-                            <a:ea typeface="Cambria Math" panose="02040503050406030204" pitchFamily="18" charset="0"/>
-                          </a:rPr>
-                          <m:t>2</m:t>
-                        </m:r>
-                      </m:den>
-                    </m:f>
-                    <m:d>
-                      <m:dPr>
-                        <m:ctrlPr>
-                          <a:rPr lang="fr-FR" sz="1800" b="0" i="1" smtClean="0">
-                            <a:latin typeface="Cambria Math" panose="02040503050406030204" pitchFamily="18" charset="0"/>
-                            <a:ea typeface="Cambria Math" panose="02040503050406030204" pitchFamily="18" charset="0"/>
-                          </a:rPr>
-                        </m:ctrlPr>
-                      </m:dPr>
-                      <m:e>
-                        <m:r>
-                          <a:rPr lang="fr-FR" sz="1800" i="1">
-                            <a:latin typeface="Cambria Math" panose="02040503050406030204" pitchFamily="18" charset="0"/>
-                            <a:ea typeface="Cambria Math" panose="02040503050406030204" pitchFamily="18" charset="0"/>
-                          </a:rPr>
-                          <m:t>𝐴</m:t>
-                        </m:r>
-                        <m:sSup>
-                          <m:sSupPr>
-                            <m:ctrlPr>
-                              <a:rPr lang="fr-FR" sz="1800" i="1">
-                                <a:latin typeface="Cambria Math" panose="02040503050406030204" pitchFamily="18" charset="0"/>
-                                <a:ea typeface="Cambria Math" panose="02040503050406030204" pitchFamily="18" charset="0"/>
-                              </a:rPr>
-                            </m:ctrlPr>
-                          </m:sSupPr>
-                          <m:e>
-                            <m:acc>
-                              <m:accPr>
-                                <m:chr m:val="̇"/>
-                                <m:ctrlPr>
-                                  <a:rPr lang="fr-FR" sz="1800" i="1">
-                                    <a:latin typeface="Cambria Math" panose="02040503050406030204" pitchFamily="18" charset="0"/>
-                                    <a:ea typeface="Cambria Math" panose="02040503050406030204" pitchFamily="18" charset="0"/>
-                                  </a:rPr>
-                                </m:ctrlPr>
-                              </m:accPr>
-                              <m:e>
-                                <m:r>
-                                  <a:rPr lang="fr-FR" sz="1800" i="1">
-                                    <a:latin typeface="Cambria Math" panose="02040503050406030204" pitchFamily="18" charset="0"/>
-                                    <a:ea typeface="Cambria Math" panose="02040503050406030204" pitchFamily="18" charset="0"/>
-                                  </a:rPr>
-                                  <m:t>𝛾</m:t>
-                                </m:r>
-                              </m:e>
-                            </m:acc>
-                          </m:e>
-                          <m:sup>
-                            <m:r>
-                              <a:rPr lang="fr-FR" sz="1800">
-                                <a:latin typeface="Cambria Math" panose="02040503050406030204" pitchFamily="18" charset="0"/>
-                                <a:ea typeface="Cambria Math" panose="02040503050406030204" pitchFamily="18" charset="0"/>
-                              </a:rPr>
-                              <m:t>2</m:t>
-                            </m:r>
-                          </m:sup>
-                        </m:sSup>
-                        <m:r>
-                          <a:rPr lang="fr-FR" sz="1800">
-                            <a:latin typeface="Cambria Math" panose="02040503050406030204" pitchFamily="18" charset="0"/>
-                            <a:ea typeface="Cambria Math" panose="02040503050406030204" pitchFamily="18" charset="0"/>
-                          </a:rPr>
-                          <m:t>+</m:t>
-                        </m:r>
-                        <m:r>
-                          <a:rPr lang="fr-FR" sz="1800" i="1">
-                            <a:latin typeface="Cambria Math" panose="02040503050406030204" pitchFamily="18" charset="0"/>
-                            <a:ea typeface="Cambria Math" panose="02040503050406030204" pitchFamily="18" charset="0"/>
-                          </a:rPr>
-                          <m:t>𝐵</m:t>
-                        </m:r>
-                        <m:acc>
-                          <m:accPr>
-                            <m:chr m:val="̇"/>
-                            <m:ctrlPr>
-                              <a:rPr lang="fr-FR" sz="1800" i="1">
-                                <a:latin typeface="Cambria Math" panose="02040503050406030204" pitchFamily="18" charset="0"/>
-                                <a:ea typeface="Cambria Math" panose="02040503050406030204" pitchFamily="18" charset="0"/>
-                              </a:rPr>
-                            </m:ctrlPr>
-                          </m:accPr>
-                          <m:e>
-                            <m:sSup>
-                              <m:sSupPr>
-                                <m:ctrlPr>
-                                  <a:rPr lang="fr-FR" sz="1800" i="1">
-                                    <a:latin typeface="Cambria Math" panose="02040503050406030204" pitchFamily="18" charset="0"/>
-                                    <a:ea typeface="Cambria Math" panose="02040503050406030204" pitchFamily="18" charset="0"/>
-                                  </a:rPr>
-                                </m:ctrlPr>
-                              </m:sSupPr>
-                              <m:e>
-                                <m:r>
-                                  <a:rPr lang="fr-FR" sz="1800" i="1">
-                                    <a:latin typeface="Cambria Math" panose="02040503050406030204" pitchFamily="18" charset="0"/>
-                                    <a:ea typeface="Cambria Math" panose="02040503050406030204" pitchFamily="18" charset="0"/>
-                                  </a:rPr>
-                                  <m:t>𝛽</m:t>
-                                </m:r>
-                              </m:e>
-                              <m:sup>
-                                <m:r>
-                                  <a:rPr lang="fr-FR" sz="1800" i="1">
-                                    <a:latin typeface="Cambria Math" panose="02040503050406030204" pitchFamily="18" charset="0"/>
-                                    <a:ea typeface="Cambria Math" panose="02040503050406030204" pitchFamily="18" charset="0"/>
-                                  </a:rPr>
-                                  <m:t>2</m:t>
-                                </m:r>
-                              </m:sup>
-                            </m:sSup>
-                          </m:e>
-                        </m:acc>
-                      </m:e>
-                    </m:d>
-                    <m:r>
-                      <a:rPr lang="fr-FR" sz="1800" b="0" i="1" smtClean="0">
-                        <a:latin typeface="Cambria Math" panose="02040503050406030204" pitchFamily="18" charset="0"/>
-                        <a:ea typeface="Cambria Math" panose="02040503050406030204" pitchFamily="18" charset="0"/>
-                      </a:rPr>
-                      <m:t>+</m:t>
-                    </m:r>
-                    <m:f>
-                      <m:fPr>
-                        <m:ctrlPr>
-                          <a:rPr lang="fr-FR" sz="1800" b="0" i="1" smtClean="0">
-                            <a:latin typeface="Cambria Math" panose="02040503050406030204" pitchFamily="18" charset="0"/>
-                            <a:ea typeface="Cambria Math" panose="02040503050406030204" pitchFamily="18" charset="0"/>
-                          </a:rPr>
-                        </m:ctrlPr>
-                      </m:fPr>
-                      <m:num>
-                        <m:r>
-                          <a:rPr lang="fr-FR" sz="1800" b="0" i="1" smtClean="0">
-                            <a:latin typeface="Cambria Math" panose="02040503050406030204" pitchFamily="18" charset="0"/>
-                            <a:ea typeface="Cambria Math" panose="02040503050406030204" pitchFamily="18" charset="0"/>
-                          </a:rPr>
-                          <m:t>1</m:t>
-                        </m:r>
-                      </m:num>
-                      <m:den>
-                        <m:r>
-                          <a:rPr lang="fr-FR" sz="1800" b="0" i="1" smtClean="0">
-                            <a:latin typeface="Cambria Math" panose="02040503050406030204" pitchFamily="18" charset="0"/>
-                            <a:ea typeface="Cambria Math" panose="02040503050406030204" pitchFamily="18" charset="0"/>
-                          </a:rPr>
-                          <m:t>2</m:t>
-                        </m:r>
-                      </m:den>
-                    </m:f>
-                    <m:sSub>
-                      <m:sSubPr>
-                        <m:ctrlPr>
-                          <a:rPr lang="fr-FR" sz="1800" b="0" i="1" smtClean="0">
-                            <a:latin typeface="Cambria Math" panose="02040503050406030204" pitchFamily="18" charset="0"/>
-                            <a:ea typeface="Cambria Math" panose="02040503050406030204" pitchFamily="18" charset="0"/>
-                          </a:rPr>
-                        </m:ctrlPr>
-                      </m:sSubPr>
-                      <m:e>
-                        <m:r>
-                          <a:rPr lang="fr-FR" sz="1800" b="0" i="1" smtClean="0">
-                            <a:latin typeface="Cambria Math" panose="02040503050406030204" pitchFamily="18" charset="0"/>
-                            <a:ea typeface="Cambria Math" panose="02040503050406030204" pitchFamily="18" charset="0"/>
-                          </a:rPr>
-                          <m:t>𝑚</m:t>
-                        </m:r>
-                      </m:e>
-                      <m:sub>
-                        <m:r>
-                          <a:rPr lang="fr-FR" sz="1800" b="0" i="1" smtClean="0">
-                            <a:latin typeface="Cambria Math" panose="02040503050406030204" pitchFamily="18" charset="0"/>
-                            <a:ea typeface="Cambria Math" panose="02040503050406030204" pitchFamily="18" charset="0"/>
-                          </a:rPr>
-                          <m:t>𝑅</m:t>
-                        </m:r>
-                      </m:sub>
-                    </m:sSub>
-                    <m:sSubSup>
-                      <m:sSubSupPr>
-                        <m:ctrlPr>
-                          <a:rPr lang="fr-FR" sz="1800" b="0" i="1" smtClean="0">
-                            <a:latin typeface="Cambria Math" panose="02040503050406030204" pitchFamily="18" charset="0"/>
-                            <a:ea typeface="Cambria Math" panose="02040503050406030204" pitchFamily="18" charset="0"/>
-                          </a:rPr>
-                        </m:ctrlPr>
-                      </m:sSubSupPr>
-                      <m:e>
-                        <m:r>
-                          <a:rPr lang="fr-FR" sz="1800" b="0" i="1" smtClean="0">
-                            <a:latin typeface="Cambria Math" panose="02040503050406030204" pitchFamily="18" charset="0"/>
-                            <a:ea typeface="Cambria Math" panose="02040503050406030204" pitchFamily="18" charset="0"/>
-                          </a:rPr>
-                          <m:t>𝑅</m:t>
-                        </m:r>
-                      </m:e>
-                      <m:sub>
-                        <m:r>
-                          <a:rPr lang="fr-FR" sz="1800" b="0" i="1" smtClean="0">
-                            <a:latin typeface="Cambria Math" panose="02040503050406030204" pitchFamily="18" charset="0"/>
-                            <a:ea typeface="Cambria Math" panose="02040503050406030204" pitchFamily="18" charset="0"/>
-                          </a:rPr>
-                          <m:t>𝑅</m:t>
-                        </m:r>
-                      </m:sub>
-                      <m:sup>
-                        <m:r>
-                          <a:rPr lang="fr-FR" sz="1800" b="0" i="1" smtClean="0">
-                            <a:latin typeface="Cambria Math" panose="02040503050406030204" pitchFamily="18" charset="0"/>
-                            <a:ea typeface="Cambria Math" panose="02040503050406030204" pitchFamily="18" charset="0"/>
-                          </a:rPr>
-                          <m:t>2</m:t>
-                        </m:r>
-                      </m:sup>
-                    </m:sSubSup>
-                    <m:acc>
-                      <m:accPr>
-                        <m:chr m:val="̇"/>
-                        <m:ctrlPr>
-                          <a:rPr lang="fr-FR" sz="1800" i="1">
-                            <a:latin typeface="Cambria Math" panose="02040503050406030204" pitchFamily="18" charset="0"/>
-                            <a:ea typeface="Cambria Math" panose="02040503050406030204" pitchFamily="18" charset="0"/>
-                          </a:rPr>
-                        </m:ctrlPr>
-                      </m:accPr>
-                      <m:e>
-                        <m:sSup>
-                          <m:sSupPr>
-                            <m:ctrlPr>
-                              <a:rPr lang="fr-FR" sz="1800" i="1">
-                                <a:latin typeface="Cambria Math" panose="02040503050406030204" pitchFamily="18" charset="0"/>
-                                <a:ea typeface="Cambria Math" panose="02040503050406030204" pitchFamily="18" charset="0"/>
-                              </a:rPr>
-                            </m:ctrlPr>
-                          </m:sSupPr>
-                          <m:e>
-                            <m:r>
-                              <a:rPr lang="fr-FR" sz="1800" i="1">
-                                <a:latin typeface="Cambria Math" panose="02040503050406030204" pitchFamily="18" charset="0"/>
-                                <a:ea typeface="Cambria Math" panose="02040503050406030204" pitchFamily="18" charset="0"/>
-                              </a:rPr>
-                              <m:t>𝛽</m:t>
-                            </m:r>
-                          </m:e>
-                          <m:sup>
-                            <m:r>
-                              <a:rPr lang="fr-FR" sz="1800" i="1">
-                                <a:latin typeface="Cambria Math" panose="02040503050406030204" pitchFamily="18" charset="0"/>
-                                <a:ea typeface="Cambria Math" panose="02040503050406030204" pitchFamily="18" charset="0"/>
-                              </a:rPr>
-                              <m:t>2</m:t>
-                            </m:r>
-                          </m:sup>
-                        </m:sSup>
-                      </m:e>
-                    </m:acc>
-                  </m:oMath>
-                </a14:m>
-                <a:endParaRPr lang="fr-FR" sz="1800" dirty="0">
-                  <a:ea typeface="Cambria Math" panose="02040503050406030204" pitchFamily="18" charset="0"/>
-                </a:endParaRPr>
-              </a:p>
-              <a:p>
-                <a:pPr lvl="1"/>
-                <a:r>
-                  <a:rPr lang="fr-FR" sz="1800" dirty="0"/>
-                  <a:t>Au final, pour l’ensemble rotor :</a:t>
-                </a:r>
-              </a:p>
-              <a:p>
-                <a:pPr lvl="2"/>
-                <a14:m>
-                  <m:oMath xmlns:m="http://schemas.openxmlformats.org/officeDocument/2006/math">
-                    <m:sSub>
-                      <m:sSubPr>
-                        <m:ctrlPr>
-                          <a:rPr lang="fr-FR" sz="1200" b="0" i="1" smtClean="0">
-                            <a:latin typeface="Cambria Math" panose="02040503050406030204" pitchFamily="18" charset="0"/>
-                            <a:ea typeface="Cambria Math" panose="02040503050406030204" pitchFamily="18" charset="0"/>
-                          </a:rPr>
-                        </m:ctrlPr>
-                      </m:sSubPr>
-                      <m:e>
-                        <m:r>
-                          <a:rPr lang="fr-FR" sz="1200" i="1" smtClean="0">
-                            <a:latin typeface="Cambria Math" panose="02040503050406030204" pitchFamily="18" charset="0"/>
-                            <a:ea typeface="Cambria Math" panose="02040503050406030204" pitchFamily="18" charset="0"/>
-                          </a:rPr>
-                          <m:t>ℰ</m:t>
-                        </m:r>
-                      </m:e>
-                      <m:sub>
-                        <m:r>
-                          <a:rPr lang="fr-FR" sz="1200" b="0" i="1" smtClean="0">
-                            <a:latin typeface="Cambria Math" panose="02040503050406030204" pitchFamily="18" charset="0"/>
-                            <a:ea typeface="Cambria Math" panose="02040503050406030204" pitchFamily="18" charset="0"/>
-                          </a:rPr>
-                          <m:t>𝑐</m:t>
-                        </m:r>
-                      </m:sub>
-                    </m:sSub>
-                    <m:d>
-                      <m:dPr>
-                        <m:ctrlPr>
-                          <a:rPr lang="fr-FR" sz="1200" b="0" i="1" smtClean="0">
-                            <a:latin typeface="Cambria Math" panose="02040503050406030204" pitchFamily="18" charset="0"/>
-                            <a:ea typeface="Cambria Math" panose="02040503050406030204" pitchFamily="18" charset="0"/>
-                          </a:rPr>
-                        </m:ctrlPr>
-                      </m:dPr>
-                      <m:e>
-                        <m:r>
-                          <a:rPr lang="fr-FR" sz="1200" b="0" i="1" smtClean="0">
-                            <a:latin typeface="Cambria Math" panose="02040503050406030204" pitchFamily="18" charset="0"/>
-                            <a:ea typeface="Cambria Math" panose="02040503050406030204" pitchFamily="18" charset="0"/>
-                          </a:rPr>
-                          <m:t>𝑅</m:t>
-                        </m:r>
-                        <m:r>
-                          <m:rPr>
-                            <m:lit/>
-                          </m:rPr>
-                          <a:rPr lang="fr-FR" sz="1200" b="0" i="1" smtClean="0">
-                            <a:latin typeface="Cambria Math" panose="02040503050406030204" pitchFamily="18" charset="0"/>
-                            <a:ea typeface="Cambria Math" panose="02040503050406030204" pitchFamily="18" charset="0"/>
-                          </a:rPr>
-                          <m:t>/</m:t>
-                        </m:r>
-                        <m:r>
-                          <a:rPr lang="fr-FR" sz="1200" b="0" i="1" smtClean="0">
-                            <a:latin typeface="Cambria Math" panose="02040503050406030204" pitchFamily="18" charset="0"/>
-                            <a:ea typeface="Cambria Math" panose="02040503050406030204" pitchFamily="18" charset="0"/>
-                          </a:rPr>
-                          <m:t>0</m:t>
-                        </m:r>
-                      </m:e>
-                    </m:d>
-                    <m:r>
-                      <a:rPr lang="fr-FR" sz="1200" b="0" i="1" smtClean="0">
-                        <a:latin typeface="Cambria Math" panose="02040503050406030204" pitchFamily="18" charset="0"/>
-                        <a:ea typeface="Cambria Math" panose="02040503050406030204" pitchFamily="18" charset="0"/>
-                      </a:rPr>
-                      <m:t>=</m:t>
-                    </m:r>
-                    <m:f>
-                      <m:fPr>
-                        <m:ctrlPr>
-                          <a:rPr lang="fr-FR" sz="1200" b="0" i="1" smtClean="0">
-                            <a:latin typeface="Cambria Math" panose="02040503050406030204" pitchFamily="18" charset="0"/>
-                            <a:ea typeface="Cambria Math" panose="02040503050406030204" pitchFamily="18" charset="0"/>
-                          </a:rPr>
-                        </m:ctrlPr>
-                      </m:fPr>
-                      <m:num>
-                        <m:r>
-                          <a:rPr lang="fr-FR" sz="1200" b="0" i="1" smtClean="0">
-                            <a:latin typeface="Cambria Math" panose="02040503050406030204" pitchFamily="18" charset="0"/>
-                            <a:ea typeface="Cambria Math" panose="02040503050406030204" pitchFamily="18" charset="0"/>
-                          </a:rPr>
-                          <m:t>1</m:t>
-                        </m:r>
-                      </m:num>
-                      <m:den>
-                        <m:r>
-                          <a:rPr lang="fr-FR" sz="1200" b="0" i="1" smtClean="0">
-                            <a:latin typeface="Cambria Math" panose="02040503050406030204" pitchFamily="18" charset="0"/>
-                            <a:ea typeface="Cambria Math" panose="02040503050406030204" pitchFamily="18" charset="0"/>
-                          </a:rPr>
-                          <m:t>2</m:t>
-                        </m:r>
-                      </m:den>
-                    </m:f>
-                    <m:d>
-                      <m:dPr>
-                        <m:ctrlPr>
-                          <a:rPr lang="fr-FR" sz="1200" b="0" i="1" smtClean="0">
-                            <a:latin typeface="Cambria Math" panose="02040503050406030204" pitchFamily="18" charset="0"/>
-                            <a:ea typeface="Cambria Math" panose="02040503050406030204" pitchFamily="18" charset="0"/>
-                          </a:rPr>
-                        </m:ctrlPr>
-                      </m:dPr>
-                      <m:e>
-                        <m:d>
-                          <m:dPr>
-                            <m:ctrlPr>
-                              <a:rPr lang="fr-FR" sz="1200" b="0" i="1" smtClean="0">
-                                <a:latin typeface="Cambria Math" panose="02040503050406030204" pitchFamily="18" charset="0"/>
-                                <a:ea typeface="Cambria Math" panose="02040503050406030204" pitchFamily="18" charset="0"/>
-                              </a:rPr>
-                            </m:ctrlPr>
-                          </m:dPr>
-                          <m:e>
-                            <m:sSub>
-                              <m:sSubPr>
-                                <m:ctrlPr>
-                                  <a:rPr lang="fr-FR" sz="1200" b="0" i="1" smtClean="0">
-                                    <a:latin typeface="Cambria Math" panose="02040503050406030204" pitchFamily="18" charset="0"/>
-                                    <a:ea typeface="Cambria Math" panose="02040503050406030204" pitchFamily="18" charset="0"/>
-                                  </a:rPr>
-                                </m:ctrlPr>
-                              </m:sSubPr>
-                              <m:e>
-                                <m:r>
-                                  <a:rPr lang="fr-FR" sz="1200" b="0" i="1" smtClean="0">
-                                    <a:latin typeface="Cambria Math" panose="02040503050406030204" pitchFamily="18" charset="0"/>
-                                    <a:ea typeface="Cambria Math" panose="02040503050406030204" pitchFamily="18" charset="0"/>
-                                  </a:rPr>
-                                  <m:t>𝐴</m:t>
-                                </m:r>
-                              </m:e>
-                              <m:sub>
-                                <m:r>
-                                  <a:rPr lang="fr-FR" sz="1200" b="0" i="1" smtClean="0">
-                                    <a:latin typeface="Cambria Math" panose="02040503050406030204" pitchFamily="18" charset="0"/>
-                                    <a:ea typeface="Cambria Math" panose="02040503050406030204" pitchFamily="18" charset="0"/>
-                                  </a:rPr>
-                                  <m:t>𝑟</m:t>
-                                </m:r>
-                              </m:sub>
-                            </m:sSub>
-                            <m:r>
-                              <a:rPr lang="fr-FR" sz="1200" b="0" i="1" smtClean="0">
-                                <a:latin typeface="Cambria Math" panose="02040503050406030204" pitchFamily="18" charset="0"/>
-                                <a:ea typeface="Cambria Math" panose="02040503050406030204" pitchFamily="18" charset="0"/>
-                              </a:rPr>
-                              <m:t>+</m:t>
-                            </m:r>
-                            <m:sSub>
-                              <m:sSubPr>
-                                <m:ctrlPr>
-                                  <a:rPr lang="fr-FR" sz="1200" b="0" i="1" smtClean="0">
-                                    <a:latin typeface="Cambria Math" panose="02040503050406030204" pitchFamily="18" charset="0"/>
-                                    <a:ea typeface="Cambria Math" panose="02040503050406030204" pitchFamily="18" charset="0"/>
-                                  </a:rPr>
-                                </m:ctrlPr>
-                              </m:sSubPr>
-                              <m:e>
-                                <m:r>
-                                  <a:rPr lang="fr-FR" sz="1200" b="0" i="1" smtClean="0">
-                                    <a:latin typeface="Cambria Math" panose="02040503050406030204" pitchFamily="18" charset="0"/>
-                                    <a:ea typeface="Cambria Math" panose="02040503050406030204" pitchFamily="18" charset="0"/>
-                                  </a:rPr>
-                                  <m:t>𝐴</m:t>
-                                </m:r>
-                              </m:e>
-                              <m:sub>
-                                <m:r>
-                                  <a:rPr lang="fr-FR" sz="1200" b="0" i="1" smtClean="0">
-                                    <a:latin typeface="Cambria Math" panose="02040503050406030204" pitchFamily="18" charset="0"/>
-                                    <a:ea typeface="Cambria Math" panose="02040503050406030204" pitchFamily="18" charset="0"/>
-                                  </a:rPr>
-                                  <m:t>𝐽</m:t>
-                                </m:r>
-                              </m:sub>
-                            </m:sSub>
-                            <m:r>
-                              <a:rPr lang="fr-FR" sz="1200" b="0" i="1" smtClean="0">
-                                <a:latin typeface="Cambria Math" panose="02040503050406030204" pitchFamily="18" charset="0"/>
-                                <a:ea typeface="Cambria Math" panose="02040503050406030204" pitchFamily="18" charset="0"/>
-                              </a:rPr>
-                              <m:t>+</m:t>
-                            </m:r>
-                            <m:sSub>
-                              <m:sSubPr>
-                                <m:ctrlPr>
-                                  <a:rPr lang="fr-FR" sz="1200" b="0" i="1" smtClean="0">
-                                    <a:latin typeface="Cambria Math" panose="02040503050406030204" pitchFamily="18" charset="0"/>
-                                    <a:ea typeface="Cambria Math" panose="02040503050406030204" pitchFamily="18" charset="0"/>
-                                  </a:rPr>
-                                </m:ctrlPr>
-                              </m:sSubPr>
-                              <m:e>
-                                <m:r>
-                                  <a:rPr lang="fr-FR" sz="1200" b="0" i="1" smtClean="0">
-                                    <a:latin typeface="Cambria Math" panose="02040503050406030204" pitchFamily="18" charset="0"/>
-                                    <a:ea typeface="Cambria Math" panose="02040503050406030204" pitchFamily="18" charset="0"/>
-                                  </a:rPr>
-                                  <m:t>𝐴</m:t>
-                                </m:r>
-                              </m:e>
-                              <m:sub>
-                                <m:r>
-                                  <a:rPr lang="fr-FR" sz="1200" b="0" i="1" smtClean="0">
-                                    <a:latin typeface="Cambria Math" panose="02040503050406030204" pitchFamily="18" charset="0"/>
-                                    <a:ea typeface="Cambria Math" panose="02040503050406030204" pitchFamily="18" charset="0"/>
-                                  </a:rPr>
-                                  <m:t>𝑉</m:t>
-                                </m:r>
-                              </m:sub>
-                            </m:sSub>
-                            <m:r>
-                              <a:rPr lang="fr-FR" sz="1200" b="0" i="1" smtClean="0">
-                                <a:latin typeface="Cambria Math" panose="02040503050406030204" pitchFamily="18" charset="0"/>
-                                <a:ea typeface="Cambria Math" panose="02040503050406030204" pitchFamily="18" charset="0"/>
-                              </a:rPr>
-                              <m:t>+</m:t>
-                            </m:r>
-                            <m:sSub>
-                              <m:sSubPr>
-                                <m:ctrlPr>
-                                  <a:rPr lang="fr-FR" sz="1200" b="0" i="1" smtClean="0">
-                                    <a:latin typeface="Cambria Math" panose="02040503050406030204" pitchFamily="18" charset="0"/>
-                                    <a:ea typeface="Cambria Math" panose="02040503050406030204" pitchFamily="18" charset="0"/>
-                                  </a:rPr>
-                                </m:ctrlPr>
-                              </m:sSubPr>
-                              <m:e>
-                                <m:r>
-                                  <a:rPr lang="fr-FR" sz="1200" b="0" i="1" smtClean="0">
-                                    <a:latin typeface="Cambria Math" panose="02040503050406030204" pitchFamily="18" charset="0"/>
-                                    <a:ea typeface="Cambria Math" panose="02040503050406030204" pitchFamily="18" charset="0"/>
-                                  </a:rPr>
-                                  <m:t>𝐴</m:t>
-                                </m:r>
-                              </m:e>
-                              <m:sub>
-                                <m:r>
-                                  <a:rPr lang="fr-FR" sz="1200" b="0" i="1" smtClean="0">
-                                    <a:latin typeface="Cambria Math" panose="02040503050406030204" pitchFamily="18" charset="0"/>
-                                    <a:ea typeface="Cambria Math" panose="02040503050406030204" pitchFamily="18" charset="0"/>
-                                  </a:rPr>
-                                  <m:t>𝐸</m:t>
-                                </m:r>
-                              </m:sub>
-                            </m:sSub>
-                          </m:e>
-                        </m:d>
-                        <m:sSup>
-                          <m:sSupPr>
-                            <m:ctrlPr>
-                              <a:rPr lang="fr-FR" sz="1200" i="1">
-                                <a:latin typeface="Cambria Math" panose="02040503050406030204" pitchFamily="18" charset="0"/>
-                                <a:ea typeface="Cambria Math" panose="02040503050406030204" pitchFamily="18" charset="0"/>
-                              </a:rPr>
-                            </m:ctrlPr>
-                          </m:sSupPr>
-                          <m:e>
-                            <m:r>
-                              <a:rPr lang="fr-FR" sz="1200" b="0" i="1" smtClean="0">
-                                <a:latin typeface="Cambria Math" panose="02040503050406030204" pitchFamily="18" charset="0"/>
-                                <a:ea typeface="Cambria Math" panose="02040503050406030204" pitchFamily="18" charset="0"/>
-                              </a:rPr>
-                              <m:t> </m:t>
-                            </m:r>
-                            <m:acc>
-                              <m:accPr>
-                                <m:chr m:val="̇"/>
-                                <m:ctrlPr>
-                                  <a:rPr lang="fr-FR" sz="1200" i="1">
-                                    <a:latin typeface="Cambria Math" panose="02040503050406030204" pitchFamily="18" charset="0"/>
-                                    <a:ea typeface="Cambria Math" panose="02040503050406030204" pitchFamily="18" charset="0"/>
-                                  </a:rPr>
-                                </m:ctrlPr>
-                              </m:accPr>
-                              <m:e>
-                                <m:r>
-                                  <a:rPr lang="fr-FR" sz="1200" i="1">
-                                    <a:latin typeface="Cambria Math" panose="02040503050406030204" pitchFamily="18" charset="0"/>
-                                    <a:ea typeface="Cambria Math" panose="02040503050406030204" pitchFamily="18" charset="0"/>
-                                  </a:rPr>
-                                  <m:t>𝛾</m:t>
-                                </m:r>
-                              </m:e>
-                            </m:acc>
-                          </m:e>
-                          <m:sup>
-                            <m:r>
-                              <a:rPr lang="fr-FR" sz="1200">
-                                <a:latin typeface="Cambria Math" panose="02040503050406030204" pitchFamily="18" charset="0"/>
-                                <a:ea typeface="Cambria Math" panose="02040503050406030204" pitchFamily="18" charset="0"/>
-                              </a:rPr>
-                              <m:t>2</m:t>
-                            </m:r>
-                          </m:sup>
-                        </m:sSup>
-                        <m:r>
-                          <a:rPr lang="fr-FR" sz="1200">
-                            <a:latin typeface="Cambria Math" panose="02040503050406030204" pitchFamily="18" charset="0"/>
-                            <a:ea typeface="Cambria Math" panose="02040503050406030204" pitchFamily="18" charset="0"/>
-                          </a:rPr>
-                          <m:t>+</m:t>
-                        </m:r>
-                        <m:d>
-                          <m:dPr>
-                            <m:ctrlPr>
-                              <a:rPr lang="fr-FR" sz="1200" i="1">
-                                <a:latin typeface="Cambria Math" panose="02040503050406030204" pitchFamily="18" charset="0"/>
-                                <a:ea typeface="Cambria Math" panose="02040503050406030204" pitchFamily="18" charset="0"/>
-                              </a:rPr>
-                            </m:ctrlPr>
-                          </m:dPr>
-                          <m:e>
-                            <m:sSub>
-                              <m:sSubPr>
-                                <m:ctrlPr>
-                                  <a:rPr lang="fr-FR" sz="1200" i="1">
-                                    <a:latin typeface="Cambria Math" panose="02040503050406030204" pitchFamily="18" charset="0"/>
-                                    <a:ea typeface="Cambria Math" panose="02040503050406030204" pitchFamily="18" charset="0"/>
-                                  </a:rPr>
-                                </m:ctrlPr>
-                              </m:sSubPr>
-                              <m:e>
-                                <m:r>
-                                  <a:rPr lang="fr-FR" sz="1200" b="0" i="1" smtClean="0">
-                                    <a:latin typeface="Cambria Math" panose="02040503050406030204" pitchFamily="18" charset="0"/>
-                                    <a:ea typeface="Cambria Math" panose="02040503050406030204" pitchFamily="18" charset="0"/>
-                                  </a:rPr>
-                                  <m:t>𝐵</m:t>
-                                </m:r>
-                              </m:e>
-                              <m:sub>
-                                <m:r>
-                                  <a:rPr lang="fr-FR" sz="1200" i="1">
-                                    <a:latin typeface="Cambria Math" panose="02040503050406030204" pitchFamily="18" charset="0"/>
-                                    <a:ea typeface="Cambria Math" panose="02040503050406030204" pitchFamily="18" charset="0"/>
-                                  </a:rPr>
-                                  <m:t>𝑟</m:t>
-                                </m:r>
-                              </m:sub>
-                            </m:sSub>
-                            <m:r>
-                              <a:rPr lang="fr-FR" sz="1200" i="1">
-                                <a:latin typeface="Cambria Math" panose="02040503050406030204" pitchFamily="18" charset="0"/>
-                                <a:ea typeface="Cambria Math" panose="02040503050406030204" pitchFamily="18" charset="0"/>
-                              </a:rPr>
-                              <m:t>+</m:t>
-                            </m:r>
-                            <m:sSub>
-                              <m:sSubPr>
-                                <m:ctrlPr>
-                                  <a:rPr lang="fr-FR" sz="1200" i="1">
-                                    <a:latin typeface="Cambria Math" panose="02040503050406030204" pitchFamily="18" charset="0"/>
-                                    <a:ea typeface="Cambria Math" panose="02040503050406030204" pitchFamily="18" charset="0"/>
-                                  </a:rPr>
-                                </m:ctrlPr>
-                              </m:sSubPr>
-                              <m:e>
-                                <m:r>
-                                  <a:rPr lang="fr-FR" sz="1200" b="0" i="1" smtClean="0">
-                                    <a:latin typeface="Cambria Math" panose="02040503050406030204" pitchFamily="18" charset="0"/>
-                                    <a:ea typeface="Cambria Math" panose="02040503050406030204" pitchFamily="18" charset="0"/>
-                                  </a:rPr>
-                                  <m:t>𝐵</m:t>
-                                </m:r>
-                              </m:e>
-                              <m:sub>
-                                <m:r>
-                                  <a:rPr lang="fr-FR" sz="1200" i="1">
-                                    <a:latin typeface="Cambria Math" panose="02040503050406030204" pitchFamily="18" charset="0"/>
-                                    <a:ea typeface="Cambria Math" panose="02040503050406030204" pitchFamily="18" charset="0"/>
-                                  </a:rPr>
-                                  <m:t>𝐽</m:t>
-                                </m:r>
-                              </m:sub>
-                            </m:sSub>
-                            <m:r>
-                              <a:rPr lang="fr-FR" sz="1200" i="1">
-                                <a:latin typeface="Cambria Math" panose="02040503050406030204" pitchFamily="18" charset="0"/>
-                                <a:ea typeface="Cambria Math" panose="02040503050406030204" pitchFamily="18" charset="0"/>
-                              </a:rPr>
-                              <m:t>+</m:t>
-                            </m:r>
-                            <m:sSub>
-                              <m:sSubPr>
-                                <m:ctrlPr>
-                                  <a:rPr lang="fr-FR" sz="1200" i="1">
-                                    <a:latin typeface="Cambria Math" panose="02040503050406030204" pitchFamily="18" charset="0"/>
-                                    <a:ea typeface="Cambria Math" panose="02040503050406030204" pitchFamily="18" charset="0"/>
-                                  </a:rPr>
-                                </m:ctrlPr>
-                              </m:sSubPr>
-                              <m:e>
-                                <m:r>
-                                  <a:rPr lang="fr-FR" sz="1200" b="0" i="1" smtClean="0">
-                                    <a:latin typeface="Cambria Math" panose="02040503050406030204" pitchFamily="18" charset="0"/>
-                                    <a:ea typeface="Cambria Math" panose="02040503050406030204" pitchFamily="18" charset="0"/>
-                                  </a:rPr>
-                                  <m:t>𝐵</m:t>
-                                </m:r>
-                              </m:e>
-                              <m:sub>
-                                <m:r>
-                                  <a:rPr lang="fr-FR" sz="1200" i="1">
-                                    <a:latin typeface="Cambria Math" panose="02040503050406030204" pitchFamily="18" charset="0"/>
-                                    <a:ea typeface="Cambria Math" panose="02040503050406030204" pitchFamily="18" charset="0"/>
-                                  </a:rPr>
-                                  <m:t>𝑉</m:t>
-                                </m:r>
-                              </m:sub>
-                            </m:sSub>
-                            <m:r>
-                              <a:rPr lang="fr-FR" sz="1200" i="1">
-                                <a:latin typeface="Cambria Math" panose="02040503050406030204" pitchFamily="18" charset="0"/>
-                                <a:ea typeface="Cambria Math" panose="02040503050406030204" pitchFamily="18" charset="0"/>
-                              </a:rPr>
-                              <m:t>+</m:t>
-                            </m:r>
-                            <m:sSub>
-                              <m:sSubPr>
-                                <m:ctrlPr>
-                                  <a:rPr lang="fr-FR" sz="1200" i="1">
-                                    <a:latin typeface="Cambria Math" panose="02040503050406030204" pitchFamily="18" charset="0"/>
-                                    <a:ea typeface="Cambria Math" panose="02040503050406030204" pitchFamily="18" charset="0"/>
-                                  </a:rPr>
-                                </m:ctrlPr>
-                              </m:sSubPr>
-                              <m:e>
-                                <m:r>
-                                  <a:rPr lang="fr-FR" sz="1200" b="0" i="1" smtClean="0">
-                                    <a:latin typeface="Cambria Math" panose="02040503050406030204" pitchFamily="18" charset="0"/>
-                                    <a:ea typeface="Cambria Math" panose="02040503050406030204" pitchFamily="18" charset="0"/>
-                                  </a:rPr>
-                                  <m:t>𝐵</m:t>
-                                </m:r>
-                              </m:e>
-                              <m:sub>
-                                <m:r>
-                                  <a:rPr lang="fr-FR" sz="1200" i="1">
-                                    <a:latin typeface="Cambria Math" panose="02040503050406030204" pitchFamily="18" charset="0"/>
-                                    <a:ea typeface="Cambria Math" panose="02040503050406030204" pitchFamily="18" charset="0"/>
-                                  </a:rPr>
-                                  <m:t>𝐸</m:t>
-                                </m:r>
-                              </m:sub>
-                            </m:sSub>
-                          </m:e>
-                        </m:d>
-                        <m:acc>
-                          <m:accPr>
-                            <m:chr m:val="̇"/>
-                            <m:ctrlPr>
-                              <a:rPr lang="fr-FR" sz="1200" i="1">
-                                <a:latin typeface="Cambria Math" panose="02040503050406030204" pitchFamily="18" charset="0"/>
-                                <a:ea typeface="Cambria Math" panose="02040503050406030204" pitchFamily="18" charset="0"/>
-                              </a:rPr>
-                            </m:ctrlPr>
-                          </m:accPr>
-                          <m:e>
-                            <m:sSup>
-                              <m:sSupPr>
-                                <m:ctrlPr>
-                                  <a:rPr lang="fr-FR" sz="1200" i="1">
-                                    <a:latin typeface="Cambria Math" panose="02040503050406030204" pitchFamily="18" charset="0"/>
-                                    <a:ea typeface="Cambria Math" panose="02040503050406030204" pitchFamily="18" charset="0"/>
-                                  </a:rPr>
-                                </m:ctrlPr>
-                              </m:sSupPr>
-                              <m:e>
-                                <m:r>
-                                  <a:rPr lang="fr-FR" sz="1200" i="1">
-                                    <a:latin typeface="Cambria Math" panose="02040503050406030204" pitchFamily="18" charset="0"/>
-                                    <a:ea typeface="Cambria Math" panose="02040503050406030204" pitchFamily="18" charset="0"/>
-                                  </a:rPr>
-                                  <m:t>𝛽</m:t>
-                                </m:r>
-                              </m:e>
-                              <m:sup>
-                                <m:r>
-                                  <a:rPr lang="fr-FR" sz="1200" i="1">
-                                    <a:latin typeface="Cambria Math" panose="02040503050406030204" pitchFamily="18" charset="0"/>
-                                    <a:ea typeface="Cambria Math" panose="02040503050406030204" pitchFamily="18" charset="0"/>
-                                  </a:rPr>
-                                  <m:t>2</m:t>
-                                </m:r>
-                              </m:sup>
-                            </m:sSup>
-                          </m:e>
-                        </m:acc>
-                      </m:e>
-                    </m:d>
-                    <m:r>
-                      <a:rPr lang="fr-FR" sz="1200" b="0" i="1" smtClean="0">
-                        <a:latin typeface="Cambria Math" panose="02040503050406030204" pitchFamily="18" charset="0"/>
-                        <a:ea typeface="Cambria Math" panose="02040503050406030204" pitchFamily="18" charset="0"/>
-                      </a:rPr>
-                      <m:t>+</m:t>
-                    </m:r>
-                    <m:f>
-                      <m:fPr>
-                        <m:ctrlPr>
-                          <a:rPr lang="fr-FR" sz="1200" b="0" i="1" smtClean="0">
-                            <a:latin typeface="Cambria Math" panose="02040503050406030204" pitchFamily="18" charset="0"/>
-                            <a:ea typeface="Cambria Math" panose="02040503050406030204" pitchFamily="18" charset="0"/>
-                          </a:rPr>
-                        </m:ctrlPr>
-                      </m:fPr>
-                      <m:num>
-                        <m:r>
-                          <a:rPr lang="fr-FR" sz="1200" b="0" i="1" smtClean="0">
-                            <a:latin typeface="Cambria Math" panose="02040503050406030204" pitchFamily="18" charset="0"/>
-                            <a:ea typeface="Cambria Math" panose="02040503050406030204" pitchFamily="18" charset="0"/>
-                          </a:rPr>
-                          <m:t>1</m:t>
-                        </m:r>
-                      </m:num>
-                      <m:den>
-                        <m:r>
-                          <a:rPr lang="fr-FR" sz="1200" b="0" i="1" smtClean="0">
-                            <a:latin typeface="Cambria Math" panose="02040503050406030204" pitchFamily="18" charset="0"/>
-                            <a:ea typeface="Cambria Math" panose="02040503050406030204" pitchFamily="18" charset="0"/>
-                          </a:rPr>
-                          <m:t>2</m:t>
-                        </m:r>
-                      </m:den>
-                    </m:f>
-                    <m:d>
-                      <m:dPr>
-                        <m:ctrlPr>
-                          <a:rPr lang="fr-FR" sz="1200" b="0" i="1" smtClean="0">
-                            <a:latin typeface="Cambria Math" panose="02040503050406030204" pitchFamily="18" charset="0"/>
-                            <a:ea typeface="Cambria Math" panose="02040503050406030204" pitchFamily="18" charset="0"/>
-                          </a:rPr>
-                        </m:ctrlPr>
-                      </m:dPr>
-                      <m:e>
-                        <m:sSub>
-                          <m:sSubPr>
-                            <m:ctrlPr>
-                              <a:rPr lang="fr-FR" sz="1200" i="1">
-                                <a:latin typeface="Cambria Math" panose="02040503050406030204" pitchFamily="18" charset="0"/>
-                                <a:ea typeface="Cambria Math" panose="02040503050406030204" pitchFamily="18" charset="0"/>
-                              </a:rPr>
-                            </m:ctrlPr>
-                          </m:sSubPr>
-                          <m:e>
-                            <m:r>
-                              <a:rPr lang="fr-FR" sz="1200" i="1">
-                                <a:latin typeface="Cambria Math" panose="02040503050406030204" pitchFamily="18" charset="0"/>
-                                <a:ea typeface="Cambria Math" panose="02040503050406030204" pitchFamily="18" charset="0"/>
-                              </a:rPr>
-                              <m:t>𝑚</m:t>
-                            </m:r>
-                          </m:e>
-                          <m:sub>
-                            <m:r>
-                              <a:rPr lang="fr-FR" sz="1200" i="1">
-                                <a:latin typeface="Cambria Math" panose="02040503050406030204" pitchFamily="18" charset="0"/>
-                                <a:ea typeface="Cambria Math" panose="02040503050406030204" pitchFamily="18" charset="0"/>
-                              </a:rPr>
-                              <m:t>𝑟</m:t>
-                            </m:r>
-                          </m:sub>
-                        </m:sSub>
-                        <m:sSubSup>
-                          <m:sSubSupPr>
-                            <m:ctrlPr>
-                              <a:rPr lang="fr-FR" sz="1200" i="1">
-                                <a:latin typeface="Cambria Math" panose="02040503050406030204" pitchFamily="18" charset="0"/>
-                                <a:ea typeface="Cambria Math" panose="02040503050406030204" pitchFamily="18" charset="0"/>
-                              </a:rPr>
-                            </m:ctrlPr>
-                          </m:sSubSupPr>
-                          <m:e>
-                            <m:r>
-                              <a:rPr lang="fr-FR" sz="1200" i="1">
-                                <a:latin typeface="Cambria Math" panose="02040503050406030204" pitchFamily="18" charset="0"/>
-                                <a:ea typeface="Cambria Math" panose="02040503050406030204" pitchFamily="18" charset="0"/>
-                              </a:rPr>
-                              <m:t>𝑅</m:t>
-                            </m:r>
-                          </m:e>
-                          <m:sub>
-                            <m:r>
-                              <a:rPr lang="fr-FR" sz="1200" i="1">
-                                <a:latin typeface="Cambria Math" panose="02040503050406030204" pitchFamily="18" charset="0"/>
-                                <a:ea typeface="Cambria Math" panose="02040503050406030204" pitchFamily="18" charset="0"/>
-                              </a:rPr>
-                              <m:t>𝑟</m:t>
-                            </m:r>
-                          </m:sub>
-                          <m:sup>
-                            <m:r>
-                              <a:rPr lang="fr-FR" sz="1200" i="1">
-                                <a:latin typeface="Cambria Math" panose="02040503050406030204" pitchFamily="18" charset="0"/>
-                                <a:ea typeface="Cambria Math" panose="02040503050406030204" pitchFamily="18" charset="0"/>
-                              </a:rPr>
-                              <m:t>2</m:t>
-                            </m:r>
-                          </m:sup>
-                        </m:sSubSup>
-                        <m:r>
-                          <a:rPr lang="fr-FR" sz="1200" b="0" i="1" smtClean="0">
-                            <a:latin typeface="Cambria Math" panose="02040503050406030204" pitchFamily="18" charset="0"/>
-                            <a:ea typeface="Cambria Math" panose="02040503050406030204" pitchFamily="18" charset="0"/>
-                          </a:rPr>
-                          <m:t>+</m:t>
-                        </m:r>
-                        <m:sSub>
-                          <m:sSubPr>
-                            <m:ctrlPr>
-                              <a:rPr lang="fr-FR" sz="1200" i="1">
-                                <a:latin typeface="Cambria Math" panose="02040503050406030204" pitchFamily="18" charset="0"/>
-                                <a:ea typeface="Cambria Math" panose="02040503050406030204" pitchFamily="18" charset="0"/>
-                              </a:rPr>
-                            </m:ctrlPr>
-                          </m:sSubPr>
-                          <m:e>
-                            <m:r>
-                              <a:rPr lang="fr-FR" sz="1200" i="1">
-                                <a:latin typeface="Cambria Math" panose="02040503050406030204" pitchFamily="18" charset="0"/>
-                                <a:ea typeface="Cambria Math" panose="02040503050406030204" pitchFamily="18" charset="0"/>
-                              </a:rPr>
-                              <m:t>𝑚</m:t>
-                            </m:r>
-                          </m:e>
-                          <m:sub>
-                            <m:r>
-                              <a:rPr lang="fr-FR" sz="1200" b="0" i="1" smtClean="0">
-                                <a:latin typeface="Cambria Math" panose="02040503050406030204" pitchFamily="18" charset="0"/>
-                                <a:ea typeface="Cambria Math" panose="02040503050406030204" pitchFamily="18" charset="0"/>
-                              </a:rPr>
-                              <m:t>𝐽</m:t>
-                            </m:r>
-                          </m:sub>
-                        </m:sSub>
-                        <m:sSubSup>
-                          <m:sSubSupPr>
-                            <m:ctrlPr>
-                              <a:rPr lang="fr-FR" sz="1200" i="1">
-                                <a:latin typeface="Cambria Math" panose="02040503050406030204" pitchFamily="18" charset="0"/>
-                                <a:ea typeface="Cambria Math" panose="02040503050406030204" pitchFamily="18" charset="0"/>
-                              </a:rPr>
-                            </m:ctrlPr>
-                          </m:sSubSupPr>
-                          <m:e>
-                            <m:r>
-                              <a:rPr lang="fr-FR" sz="1200" i="1">
-                                <a:latin typeface="Cambria Math" panose="02040503050406030204" pitchFamily="18" charset="0"/>
-                                <a:ea typeface="Cambria Math" panose="02040503050406030204" pitchFamily="18" charset="0"/>
-                              </a:rPr>
-                              <m:t>𝑅</m:t>
-                            </m:r>
-                          </m:e>
-                          <m:sub>
-                            <m:r>
-                              <a:rPr lang="fr-FR" sz="1200" b="0" i="1" smtClean="0">
-                                <a:latin typeface="Cambria Math" panose="02040503050406030204" pitchFamily="18" charset="0"/>
-                                <a:ea typeface="Cambria Math" panose="02040503050406030204" pitchFamily="18" charset="0"/>
-                              </a:rPr>
-                              <m:t>𝐽</m:t>
-                            </m:r>
-                          </m:sub>
-                          <m:sup>
-                            <m:r>
-                              <a:rPr lang="fr-FR" sz="1200" i="1">
-                                <a:latin typeface="Cambria Math" panose="02040503050406030204" pitchFamily="18" charset="0"/>
-                                <a:ea typeface="Cambria Math" panose="02040503050406030204" pitchFamily="18" charset="0"/>
-                              </a:rPr>
-                              <m:t>2</m:t>
-                            </m:r>
-                          </m:sup>
-                        </m:sSubSup>
-                        <m:r>
-                          <a:rPr lang="fr-FR" sz="1200" b="0" i="1" smtClean="0">
-                            <a:latin typeface="Cambria Math" panose="02040503050406030204" pitchFamily="18" charset="0"/>
-                            <a:ea typeface="Cambria Math" panose="02040503050406030204" pitchFamily="18" charset="0"/>
-                          </a:rPr>
-                          <m:t>+</m:t>
-                        </m:r>
-                        <m:sSub>
-                          <m:sSubPr>
-                            <m:ctrlPr>
-                              <a:rPr lang="fr-FR" sz="1200" i="1">
-                                <a:latin typeface="Cambria Math" panose="02040503050406030204" pitchFamily="18" charset="0"/>
-                                <a:ea typeface="Cambria Math" panose="02040503050406030204" pitchFamily="18" charset="0"/>
-                              </a:rPr>
-                            </m:ctrlPr>
-                          </m:sSubPr>
-                          <m:e>
-                            <m:r>
-                              <a:rPr lang="fr-FR" sz="1200" i="1">
-                                <a:latin typeface="Cambria Math" panose="02040503050406030204" pitchFamily="18" charset="0"/>
-                                <a:ea typeface="Cambria Math" panose="02040503050406030204" pitchFamily="18" charset="0"/>
-                              </a:rPr>
-                              <m:t>𝑚</m:t>
-                            </m:r>
-                          </m:e>
-                          <m:sub>
-                            <m:r>
-                              <a:rPr lang="fr-FR" sz="1200" b="0" i="1" smtClean="0">
-                                <a:latin typeface="Cambria Math" panose="02040503050406030204" pitchFamily="18" charset="0"/>
-                                <a:ea typeface="Cambria Math" panose="02040503050406030204" pitchFamily="18" charset="0"/>
-                              </a:rPr>
-                              <m:t>𝑉</m:t>
-                            </m:r>
-                          </m:sub>
-                        </m:sSub>
-                        <m:sSubSup>
-                          <m:sSubSupPr>
-                            <m:ctrlPr>
-                              <a:rPr lang="fr-FR" sz="1200" i="1">
-                                <a:latin typeface="Cambria Math" panose="02040503050406030204" pitchFamily="18" charset="0"/>
-                                <a:ea typeface="Cambria Math" panose="02040503050406030204" pitchFamily="18" charset="0"/>
-                              </a:rPr>
-                            </m:ctrlPr>
-                          </m:sSubSupPr>
-                          <m:e>
-                            <m:r>
-                              <a:rPr lang="fr-FR" sz="1200" i="1">
-                                <a:latin typeface="Cambria Math" panose="02040503050406030204" pitchFamily="18" charset="0"/>
-                                <a:ea typeface="Cambria Math" panose="02040503050406030204" pitchFamily="18" charset="0"/>
-                              </a:rPr>
-                              <m:t>𝑅</m:t>
-                            </m:r>
-                          </m:e>
-                          <m:sub>
-                            <m:r>
-                              <a:rPr lang="fr-FR" sz="1200" b="0" i="1" smtClean="0">
-                                <a:latin typeface="Cambria Math" panose="02040503050406030204" pitchFamily="18" charset="0"/>
-                                <a:ea typeface="Cambria Math" panose="02040503050406030204" pitchFamily="18" charset="0"/>
-                              </a:rPr>
-                              <m:t>𝑉</m:t>
-                            </m:r>
-                          </m:sub>
-                          <m:sup>
-                            <m:r>
-                              <a:rPr lang="fr-FR" sz="1200" i="1">
-                                <a:latin typeface="Cambria Math" panose="02040503050406030204" pitchFamily="18" charset="0"/>
-                                <a:ea typeface="Cambria Math" panose="02040503050406030204" pitchFamily="18" charset="0"/>
-                              </a:rPr>
-                              <m:t>2</m:t>
-                            </m:r>
-                          </m:sup>
-                        </m:sSubSup>
-                        <m:r>
-                          <a:rPr lang="fr-FR" sz="1200" b="0" i="1" smtClean="0">
-                            <a:latin typeface="Cambria Math" panose="02040503050406030204" pitchFamily="18" charset="0"/>
-                            <a:ea typeface="Cambria Math" panose="02040503050406030204" pitchFamily="18" charset="0"/>
-                          </a:rPr>
-                          <m:t>+</m:t>
-                        </m:r>
-                        <m:sSub>
-                          <m:sSubPr>
-                            <m:ctrlPr>
-                              <a:rPr lang="fr-FR" sz="1200" i="1">
-                                <a:latin typeface="Cambria Math" panose="02040503050406030204" pitchFamily="18" charset="0"/>
-                                <a:ea typeface="Cambria Math" panose="02040503050406030204" pitchFamily="18" charset="0"/>
-                              </a:rPr>
-                            </m:ctrlPr>
-                          </m:sSubPr>
-                          <m:e>
-                            <m:r>
-                              <a:rPr lang="fr-FR" sz="1200" i="1">
-                                <a:latin typeface="Cambria Math" panose="02040503050406030204" pitchFamily="18" charset="0"/>
-                                <a:ea typeface="Cambria Math" panose="02040503050406030204" pitchFamily="18" charset="0"/>
-                              </a:rPr>
-                              <m:t>𝑚</m:t>
-                            </m:r>
-                          </m:e>
-                          <m:sub>
-                            <m:r>
-                              <a:rPr lang="fr-FR" sz="1200" b="0" i="1" smtClean="0">
-                                <a:latin typeface="Cambria Math" panose="02040503050406030204" pitchFamily="18" charset="0"/>
-                                <a:ea typeface="Cambria Math" panose="02040503050406030204" pitchFamily="18" charset="0"/>
-                              </a:rPr>
-                              <m:t>𝐸</m:t>
-                            </m:r>
-                          </m:sub>
-                        </m:sSub>
-                        <m:sSubSup>
-                          <m:sSubSupPr>
-                            <m:ctrlPr>
-                              <a:rPr lang="fr-FR" sz="1200" i="1">
-                                <a:latin typeface="Cambria Math" panose="02040503050406030204" pitchFamily="18" charset="0"/>
-                                <a:ea typeface="Cambria Math" panose="02040503050406030204" pitchFamily="18" charset="0"/>
-                              </a:rPr>
-                            </m:ctrlPr>
-                          </m:sSubSupPr>
-                          <m:e>
-                            <m:r>
-                              <a:rPr lang="fr-FR" sz="1200" i="1">
-                                <a:latin typeface="Cambria Math" panose="02040503050406030204" pitchFamily="18" charset="0"/>
-                                <a:ea typeface="Cambria Math" panose="02040503050406030204" pitchFamily="18" charset="0"/>
-                              </a:rPr>
-                              <m:t>𝑅</m:t>
-                            </m:r>
-                          </m:e>
-                          <m:sub>
-                            <m:r>
-                              <a:rPr lang="fr-FR" sz="1200" b="0" i="1" smtClean="0">
-                                <a:latin typeface="Cambria Math" panose="02040503050406030204" pitchFamily="18" charset="0"/>
-                                <a:ea typeface="Cambria Math" panose="02040503050406030204" pitchFamily="18" charset="0"/>
-                              </a:rPr>
-                              <m:t>𝐸</m:t>
-                            </m:r>
-                          </m:sub>
-                          <m:sup>
-                            <m:r>
-                              <a:rPr lang="fr-FR" sz="1200" i="1">
-                                <a:latin typeface="Cambria Math" panose="02040503050406030204" pitchFamily="18" charset="0"/>
-                                <a:ea typeface="Cambria Math" panose="02040503050406030204" pitchFamily="18" charset="0"/>
-                              </a:rPr>
-                              <m:t>2</m:t>
-                            </m:r>
-                          </m:sup>
-                        </m:sSubSup>
-                      </m:e>
-                    </m:d>
-                    <m:acc>
-                      <m:accPr>
-                        <m:chr m:val="̇"/>
-                        <m:ctrlPr>
-                          <a:rPr lang="fr-FR" sz="1200" i="1">
-                            <a:latin typeface="Cambria Math" panose="02040503050406030204" pitchFamily="18" charset="0"/>
-                            <a:ea typeface="Cambria Math" panose="02040503050406030204" pitchFamily="18" charset="0"/>
-                          </a:rPr>
-                        </m:ctrlPr>
-                      </m:accPr>
-                      <m:e>
-                        <m:sSup>
-                          <m:sSupPr>
-                            <m:ctrlPr>
-                              <a:rPr lang="fr-FR" sz="1200" i="1">
-                                <a:latin typeface="Cambria Math" panose="02040503050406030204" pitchFamily="18" charset="0"/>
-                                <a:ea typeface="Cambria Math" panose="02040503050406030204" pitchFamily="18" charset="0"/>
-                              </a:rPr>
-                            </m:ctrlPr>
-                          </m:sSupPr>
-                          <m:e>
-                            <m:r>
-                              <a:rPr lang="fr-FR" sz="1200" i="1">
-                                <a:latin typeface="Cambria Math" panose="02040503050406030204" pitchFamily="18" charset="0"/>
-                                <a:ea typeface="Cambria Math" panose="02040503050406030204" pitchFamily="18" charset="0"/>
-                              </a:rPr>
-                              <m:t>𝛽</m:t>
-                            </m:r>
-                          </m:e>
-                          <m:sup>
-                            <m:r>
-                              <a:rPr lang="fr-FR" sz="1200" i="1">
-                                <a:latin typeface="Cambria Math" panose="02040503050406030204" pitchFamily="18" charset="0"/>
-                                <a:ea typeface="Cambria Math" panose="02040503050406030204" pitchFamily="18" charset="0"/>
-                              </a:rPr>
-                              <m:t>2</m:t>
-                            </m:r>
-                          </m:sup>
-                        </m:sSup>
-                      </m:e>
-                    </m:acc>
-                  </m:oMath>
-                </a14:m>
-                <a:endParaRPr lang="fr-FR" sz="1200" dirty="0">
-                  <a:ea typeface="Cambria Math" panose="02040503050406030204" pitchFamily="18" charset="0"/>
-                </a:endParaRPr>
-              </a:p>
-              <a:p>
-                <a:pPr lvl="2"/>
-                <a:endParaRPr lang="fr-FR" sz="1200" dirty="0"/>
-              </a:p>
-            </p:txBody>
-          </p:sp>
-        </mc:Choice>
-        <mc:Fallback>
-          <p:sp>
-            <p:nvSpPr>
-              <p:cNvPr id="4" name="Espace réservé du contenu 2">
-                <a:extLst>
-                  <a:ext uri="{FF2B5EF4-FFF2-40B4-BE49-F238E27FC236}">
-                    <a16:creationId xmlns:a16="http://schemas.microsoft.com/office/drawing/2014/main" id="{E7512A05-D1EA-5493-6918-5F2C2DCF52A2}"/>
-                  </a:ext>
-                </a:extLst>
-              </p:cNvPr>
-              <p:cNvSpPr txBox="1">
-                <a:spLocks noRot="1" noChangeAspect="1" noMove="1" noResize="1" noEditPoints="1" noAdjustHandles="1" noChangeArrowheads="1" noChangeShapeType="1" noTextEdit="1"/>
-              </p:cNvSpPr>
-              <p:nvPr/>
-            </p:nvSpPr>
-            <p:spPr>
-              <a:xfrm>
-                <a:off x="4659086" y="981887"/>
-                <a:ext cx="7532913" cy="5253339"/>
-              </a:xfrm>
-              <a:prstGeom prst="rect">
-                <a:avLst/>
-              </a:prstGeom>
-              <a:blipFill>
-                <a:blip r:embed="rId2"/>
-                <a:stretch>
-                  <a:fillRect l="-1699" t="-1392"/>
-                </a:stretch>
-              </a:blipFill>
-            </p:spPr>
-            <p:txBody>
-              <a:bodyPr/>
-              <a:lstStyle/>
-              <a:p>
-                <a:r>
-                  <a:rPr lang="fr-FR">
-                    <a:noFill/>
-                  </a:rPr>
-                  <a:t> </a:t>
-                </a:r>
-              </a:p>
-            </p:txBody>
-          </p:sp>
-        </mc:Fallback>
-      </mc:AlternateContent>
-    </p:spTree>
-    <p:extLst>
-      <p:ext uri="{BB962C8B-B14F-4D97-AF65-F5344CB8AC3E}">
-        <p14:creationId xmlns:p14="http://schemas.microsoft.com/office/powerpoint/2010/main" val="3361322380"/>
       </p:ext>
     </p:extLst>
   </p:cSld>
